--- a/Covid 19 Resolving a Potential Crisis.pptx
+++ b/Covid 19 Resolving a Potential Crisis.pptx
@@ -5,22 +5,23 @@
     <p:sldMasterId id="2147483648" r:id="rId4"/>
   </p:sldMasterIdLst>
   <p:notesMasterIdLst>
-    <p:notesMasterId r:id="rId15"/>
+    <p:notesMasterId r:id="rId16"/>
   </p:notesMasterIdLst>
   <p:handoutMasterIdLst>
-    <p:handoutMasterId r:id="rId16"/>
+    <p:handoutMasterId r:id="rId17"/>
   </p:handoutMasterIdLst>
   <p:sldIdLst>
     <p:sldId id="256" r:id="rId5"/>
-    <p:sldId id="276" r:id="rId6"/>
-    <p:sldId id="277" r:id="rId7"/>
-    <p:sldId id="289" r:id="rId8"/>
-    <p:sldId id="290" r:id="rId9"/>
-    <p:sldId id="278" r:id="rId10"/>
-    <p:sldId id="292" r:id="rId11"/>
-    <p:sldId id="291" r:id="rId12"/>
-    <p:sldId id="293" r:id="rId13"/>
-    <p:sldId id="285" r:id="rId14"/>
+    <p:sldId id="294" r:id="rId6"/>
+    <p:sldId id="276" r:id="rId7"/>
+    <p:sldId id="277" r:id="rId8"/>
+    <p:sldId id="289" r:id="rId9"/>
+    <p:sldId id="290" r:id="rId10"/>
+    <p:sldId id="278" r:id="rId11"/>
+    <p:sldId id="292" r:id="rId12"/>
+    <p:sldId id="291" r:id="rId13"/>
+    <p:sldId id="293" r:id="rId14"/>
+    <p:sldId id="285" r:id="rId15"/>
   </p:sldIdLst>
   <p:sldSz cx="12192000" cy="6858000"/>
   <p:notesSz cx="6858000" cy="9144000"/>
@@ -255,7 +256,7 @@
           <a:p>
             <a:fld id="{6E5C0719-993D-42E1-80ED-8F01056F36C2}" type="datetimeFigureOut">
               <a:rPr lang="en-US" smtClean="0"/>
-              <a:t>3/11/2023</a:t>
+              <a:t>3/20/2023</a:t>
             </a:fld>
             <a:endParaRPr lang="en-US" dirty="0"/>
           </a:p>
@@ -432,7 +433,7 @@
           <a:p>
             <a:fld id="{21D3BC9C-6C58-464F-B94E-FD73C5FB016E}" type="datetimeFigureOut">
               <a:rPr lang="en-US" smtClean="0"/>
-              <a:t>3/11/2023</a:t>
+              <a:t>3/20/2023</a:t>
             </a:fld>
             <a:endParaRPr lang="en-US" dirty="0"/>
           </a:p>
@@ -783,6 +784,90 @@
 </p:notes>
 </file>
 
+<file path=ppt/notesSlides/notesSlide10.xml><?xml version="1.0" encoding="utf-8"?>
+<p:notes xmlns:a="http://schemas.openxmlformats.org/drawingml/2006/main" xmlns:r="http://schemas.openxmlformats.org/officeDocument/2006/relationships" xmlns:p="http://schemas.openxmlformats.org/presentationml/2006/main">
+  <p:cSld>
+    <p:spTree>
+      <p:nvGrpSpPr>
+        <p:cNvPr id="1" name=""/>
+        <p:cNvGrpSpPr/>
+        <p:nvPr/>
+      </p:nvGrpSpPr>
+      <p:grpSpPr>
+        <a:xfrm>
+          <a:off x="0" y="0"/>
+          <a:ext cx="0" cy="0"/>
+          <a:chOff x="0" y="0"/>
+          <a:chExt cx="0" cy="0"/>
+        </a:xfrm>
+      </p:grpSpPr>
+      <p:sp>
+        <p:nvSpPr>
+          <p:cNvPr id="2" name="Slide Image Placeholder 1"/>
+          <p:cNvSpPr>
+            <a:spLocks noGrp="1" noRot="1" noChangeAspect="1"/>
+          </p:cNvSpPr>
+          <p:nvPr>
+            <p:ph type="sldImg"/>
+          </p:nvPr>
+        </p:nvSpPr>
+        <p:spPr/>
+      </p:sp>
+      <p:sp>
+        <p:nvSpPr>
+          <p:cNvPr id="3" name="Notes Placeholder 2"/>
+          <p:cNvSpPr>
+            <a:spLocks noGrp="1"/>
+          </p:cNvSpPr>
+          <p:nvPr>
+            <p:ph type="body" idx="1"/>
+          </p:nvPr>
+        </p:nvSpPr>
+        <p:spPr/>
+        <p:txBody>
+          <a:bodyPr/>
+          <a:lstStyle/>
+          <a:p>
+            <a:endParaRPr lang="en-US" dirty="0"/>
+          </a:p>
+        </p:txBody>
+      </p:sp>
+      <p:sp>
+        <p:nvSpPr>
+          <p:cNvPr id="4" name="Slide Number Placeholder 3"/>
+          <p:cNvSpPr>
+            <a:spLocks noGrp="1"/>
+          </p:cNvSpPr>
+          <p:nvPr>
+            <p:ph type="sldNum" sz="quarter" idx="5"/>
+          </p:nvPr>
+        </p:nvSpPr>
+        <p:spPr/>
+        <p:txBody>
+          <a:bodyPr/>
+          <a:lstStyle/>
+          <a:p>
+            <a:fld id="{BE60DC36-8EFA-4378-9855-E019C55AC472}" type="slidenum">
+              <a:rPr lang="en-US" smtClean="0"/>
+              <a:t>11</a:t>
+            </a:fld>
+            <a:endParaRPr lang="en-US" dirty="0"/>
+          </a:p>
+        </p:txBody>
+      </p:sp>
+    </p:spTree>
+    <p:extLst>
+      <p:ext uri="{BB962C8B-B14F-4D97-AF65-F5344CB8AC3E}">
+        <p14:creationId xmlns:p14="http://schemas.microsoft.com/office/powerpoint/2010/main" val="396791894"/>
+      </p:ext>
+    </p:extLst>
+  </p:cSld>
+  <p:clrMapOvr>
+    <a:masterClrMapping/>
+  </p:clrMapOvr>
+</p:notes>
+</file>
+
 <file path=ppt/notesSlides/notesSlide2.xml><?xml version="1.0" encoding="utf-8"?>
 <p:notes xmlns:a="http://schemas.openxmlformats.org/drawingml/2006/main" xmlns:r="http://schemas.openxmlformats.org/officeDocument/2006/relationships" xmlns:p="http://schemas.openxmlformats.org/presentationml/2006/main">
   <p:cSld>
@@ -857,7 +942,7 @@
     </p:spTree>
     <p:extLst>
       <p:ext uri="{BB962C8B-B14F-4D97-AF65-F5344CB8AC3E}">
-        <p14:creationId xmlns:p14="http://schemas.microsoft.com/office/powerpoint/2010/main" val="2268654881"/>
+        <p14:creationId xmlns:p14="http://schemas.microsoft.com/office/powerpoint/2010/main" val="181892321"/>
       </p:ext>
     </p:extLst>
   </p:cSld>
@@ -941,7 +1026,7 @@
     </p:spTree>
     <p:extLst>
       <p:ext uri="{BB962C8B-B14F-4D97-AF65-F5344CB8AC3E}">
-        <p14:creationId xmlns:p14="http://schemas.microsoft.com/office/powerpoint/2010/main" val="2200471060"/>
+        <p14:creationId xmlns:p14="http://schemas.microsoft.com/office/powerpoint/2010/main" val="2268654881"/>
       </p:ext>
     </p:extLst>
   </p:cSld>
@@ -1025,7 +1110,7 @@
     </p:spTree>
     <p:extLst>
       <p:ext uri="{BB962C8B-B14F-4D97-AF65-F5344CB8AC3E}">
-        <p14:creationId xmlns:p14="http://schemas.microsoft.com/office/powerpoint/2010/main" val="679662251"/>
+        <p14:creationId xmlns:p14="http://schemas.microsoft.com/office/powerpoint/2010/main" val="2200471060"/>
       </p:ext>
     </p:extLst>
   </p:cSld>
@@ -1109,7 +1194,7 @@
     </p:spTree>
     <p:extLst>
       <p:ext uri="{BB962C8B-B14F-4D97-AF65-F5344CB8AC3E}">
-        <p14:creationId xmlns:p14="http://schemas.microsoft.com/office/powerpoint/2010/main" val="3237323711"/>
+        <p14:creationId xmlns:p14="http://schemas.microsoft.com/office/powerpoint/2010/main" val="679662251"/>
       </p:ext>
     </p:extLst>
   </p:cSld>
@@ -1193,7 +1278,7 @@
     </p:spTree>
     <p:extLst>
       <p:ext uri="{BB962C8B-B14F-4D97-AF65-F5344CB8AC3E}">
-        <p14:creationId xmlns:p14="http://schemas.microsoft.com/office/powerpoint/2010/main" val="1772151817"/>
+        <p14:creationId xmlns:p14="http://schemas.microsoft.com/office/powerpoint/2010/main" val="3237323711"/>
       </p:ext>
     </p:extLst>
   </p:cSld>
@@ -1277,7 +1362,7 @@
     </p:spTree>
     <p:extLst>
       <p:ext uri="{BB962C8B-B14F-4D97-AF65-F5344CB8AC3E}">
-        <p14:creationId xmlns:p14="http://schemas.microsoft.com/office/powerpoint/2010/main" val="760276510"/>
+        <p14:creationId xmlns:p14="http://schemas.microsoft.com/office/powerpoint/2010/main" val="1772151817"/>
       </p:ext>
     </p:extLst>
   </p:cSld>
@@ -1352,7 +1437,7 @@
           <a:p>
             <a:fld id="{BE60DC36-8EFA-4378-9855-E019C55AC472}" type="slidenum">
               <a:rPr lang="en-US" smtClean="0"/>
-              <a:t>9</a:t>
+              <a:t>8</a:t>
             </a:fld>
             <a:endParaRPr lang="en-US" dirty="0"/>
           </a:p>
@@ -1361,7 +1446,7 @@
     </p:spTree>
     <p:extLst>
       <p:ext uri="{BB962C8B-B14F-4D97-AF65-F5344CB8AC3E}">
-        <p14:creationId xmlns:p14="http://schemas.microsoft.com/office/powerpoint/2010/main" val="106317355"/>
+        <p14:creationId xmlns:p14="http://schemas.microsoft.com/office/powerpoint/2010/main" val="760276510"/>
       </p:ext>
     </p:extLst>
   </p:cSld>
@@ -1445,7 +1530,7 @@
     </p:spTree>
     <p:extLst>
       <p:ext uri="{BB962C8B-B14F-4D97-AF65-F5344CB8AC3E}">
-        <p14:creationId xmlns:p14="http://schemas.microsoft.com/office/powerpoint/2010/main" val="396791894"/>
+        <p14:creationId xmlns:p14="http://schemas.microsoft.com/office/powerpoint/2010/main" val="106317355"/>
       </p:ext>
     </p:extLst>
   </p:cSld>
@@ -1602,7 +1687,7 @@
           <a:p>
             <a:fld id="{40DA1498-92C7-4E4B-8045-C9195F453964}" type="datetimeFigureOut">
               <a:rPr lang="en-US" smtClean="0"/>
-              <a:t>3/11/2023</a:t>
+              <a:t>3/20/2023</a:t>
             </a:fld>
             <a:endParaRPr lang="en-US" dirty="0"/>
           </a:p>
@@ -1800,7 +1885,7 @@
           <a:p>
             <a:fld id="{40DA1498-92C7-4E4B-8045-C9195F453964}" type="datetimeFigureOut">
               <a:rPr lang="en-US" smtClean="0"/>
-              <a:t>3/11/2023</a:t>
+              <a:t>3/20/2023</a:t>
             </a:fld>
             <a:endParaRPr lang="en-US" dirty="0"/>
           </a:p>
@@ -2008,7 +2093,7 @@
           <a:p>
             <a:fld id="{40DA1498-92C7-4E4B-8045-C9195F453964}" type="datetimeFigureOut">
               <a:rPr lang="en-US" smtClean="0"/>
-              <a:t>3/11/2023</a:t>
+              <a:t>3/20/2023</a:t>
             </a:fld>
             <a:endParaRPr lang="en-US" dirty="0"/>
           </a:p>
@@ -2206,7 +2291,7 @@
           <a:p>
             <a:fld id="{40DA1498-92C7-4E4B-8045-C9195F453964}" type="datetimeFigureOut">
               <a:rPr lang="en-US" smtClean="0"/>
-              <a:t>3/11/2023</a:t>
+              <a:t>3/20/2023</a:t>
             </a:fld>
             <a:endParaRPr lang="en-US" dirty="0"/>
           </a:p>
@@ -2481,7 +2566,7 @@
           <a:p>
             <a:fld id="{40DA1498-92C7-4E4B-8045-C9195F453964}" type="datetimeFigureOut">
               <a:rPr lang="en-US" smtClean="0"/>
-              <a:t>3/11/2023</a:t>
+              <a:t>3/20/2023</a:t>
             </a:fld>
             <a:endParaRPr lang="en-US" dirty="0"/>
           </a:p>
@@ -2746,7 +2831,7 @@
           <a:p>
             <a:fld id="{40DA1498-92C7-4E4B-8045-C9195F453964}" type="datetimeFigureOut">
               <a:rPr lang="en-US" smtClean="0"/>
-              <a:t>3/11/2023</a:t>
+              <a:t>3/20/2023</a:t>
             </a:fld>
             <a:endParaRPr lang="en-US" dirty="0"/>
           </a:p>
@@ -3158,7 +3243,7 @@
           <a:p>
             <a:fld id="{40DA1498-92C7-4E4B-8045-C9195F453964}" type="datetimeFigureOut">
               <a:rPr lang="en-US" smtClean="0"/>
-              <a:t>3/11/2023</a:t>
+              <a:t>3/20/2023</a:t>
             </a:fld>
             <a:endParaRPr lang="en-US" dirty="0"/>
           </a:p>
@@ -3299,7 +3384,7 @@
           <a:p>
             <a:fld id="{40DA1498-92C7-4E4B-8045-C9195F453964}" type="datetimeFigureOut">
               <a:rPr lang="en-US" smtClean="0"/>
-              <a:t>3/11/2023</a:t>
+              <a:t>3/20/2023</a:t>
             </a:fld>
             <a:endParaRPr lang="en-US" dirty="0"/>
           </a:p>
@@ -3412,7 +3497,7 @@
           <a:p>
             <a:fld id="{40DA1498-92C7-4E4B-8045-C9195F453964}" type="datetimeFigureOut">
               <a:rPr lang="en-US" smtClean="0"/>
-              <a:t>3/11/2023</a:t>
+              <a:t>3/20/2023</a:t>
             </a:fld>
             <a:endParaRPr lang="en-US" dirty="0"/>
           </a:p>
@@ -3723,7 +3808,7 @@
           <a:p>
             <a:fld id="{40DA1498-92C7-4E4B-8045-C9195F453964}" type="datetimeFigureOut">
               <a:rPr lang="en-US" smtClean="0"/>
-              <a:t>3/11/2023</a:t>
+              <a:t>3/20/2023</a:t>
             </a:fld>
             <a:endParaRPr lang="en-US" dirty="0"/>
           </a:p>
@@ -4015,7 +4100,7 @@
           <a:p>
             <a:fld id="{40DA1498-92C7-4E4B-8045-C9195F453964}" type="datetimeFigureOut">
               <a:rPr lang="en-US" smtClean="0"/>
-              <a:t>3/11/2023</a:t>
+              <a:t>3/20/2023</a:t>
             </a:fld>
             <a:endParaRPr lang="en-US" dirty="0"/>
           </a:p>
@@ -4256,7 +4341,7 @@
           <a:p>
             <a:fld id="{40DA1498-92C7-4E4B-8045-C9195F453964}" type="datetimeFigureOut">
               <a:rPr lang="en-US" smtClean="0"/>
-              <a:t>3/11/2023</a:t>
+              <a:t>3/20/2023</a:t>
             </a:fld>
             <a:endParaRPr lang="en-US" dirty="0"/>
           </a:p>
@@ -6113,6 +6198,713 @@
 <file path=ppt/slides/slide10.xml><?xml version="1.0" encoding="utf-8"?>
 <p:sld xmlns:a="http://schemas.openxmlformats.org/drawingml/2006/main" xmlns:r="http://schemas.openxmlformats.org/officeDocument/2006/relationships" xmlns:p="http://schemas.openxmlformats.org/presentationml/2006/main">
   <p:cSld>
+    <p:spTree>
+      <p:nvGrpSpPr>
+        <p:cNvPr id="1" name=""/>
+        <p:cNvGrpSpPr/>
+        <p:nvPr/>
+      </p:nvGrpSpPr>
+      <p:grpSpPr>
+        <a:xfrm>
+          <a:off x="0" y="0"/>
+          <a:ext cx="0" cy="0"/>
+          <a:chOff x="0" y="0"/>
+          <a:chExt cx="0" cy="0"/>
+        </a:xfrm>
+      </p:grpSpPr>
+      <p:sp>
+        <p:nvSpPr>
+          <p:cNvPr id="7" name="Title 6" hidden="1">
+            <a:extLst>
+              <a:ext uri="{FF2B5EF4-FFF2-40B4-BE49-F238E27FC236}">
+                <a16:creationId xmlns:a16="http://schemas.microsoft.com/office/drawing/2014/main" id="{ED2F5393-91A3-4102-A584-E902285C507A}"/>
+              </a:ext>
+            </a:extLst>
+          </p:cNvPr>
+          <p:cNvSpPr>
+            <a:spLocks noGrp="1"/>
+          </p:cNvSpPr>
+          <p:nvPr>
+            <p:ph type="title" idx="4294967295"/>
+          </p:nvPr>
+        </p:nvSpPr>
+        <p:spPr>
+          <a:xfrm>
+            <a:off x="0" y="365125"/>
+            <a:ext cx="10515600" cy="1325563"/>
+          </a:xfrm>
+        </p:spPr>
+        <p:txBody>
+          <a:bodyPr/>
+          <a:lstStyle/>
+          <a:p>
+            <a:r>
+              <a:rPr lang="en-US" dirty="0"/>
+              <a:t>Project analysis slide 4</a:t>
+            </a:r>
+          </a:p>
+        </p:txBody>
+      </p:sp>
+      <p:cxnSp>
+        <p:nvCxnSpPr>
+          <p:cNvPr id="8" name="Straight Connector 7">
+            <a:extLst>
+              <a:ext uri="{FF2B5EF4-FFF2-40B4-BE49-F238E27FC236}">
+                <a16:creationId xmlns:a16="http://schemas.microsoft.com/office/drawing/2014/main" id="{D0986099-F5F2-4E8B-BE17-81194861A00C}"/>
+              </a:ext>
+              <a:ext uri="{C183D7F6-B498-43B3-948B-1728B52AA6E4}">
+                <adec:decorative xmlns:adec="http://schemas.microsoft.com/office/drawing/2017/decorative" val="1"/>
+              </a:ext>
+            </a:extLst>
+          </p:cNvPr>
+          <p:cNvCxnSpPr>
+            <a:cxnSpLocks/>
+          </p:cNvCxnSpPr>
+          <p:nvPr/>
+        </p:nvCxnSpPr>
+        <p:spPr>
+          <a:xfrm>
+            <a:off x="8105775" y="522898"/>
+            <a:ext cx="4086225" cy="0"/>
+          </a:xfrm>
+          <a:prstGeom prst="line">
+            <a:avLst/>
+          </a:prstGeom>
+          <a:ln>
+            <a:solidFill>
+              <a:schemeClr val="accent3">
+                <a:lumMod val="50000"/>
+              </a:schemeClr>
+            </a:solidFill>
+            <a:headEnd type="oval"/>
+          </a:ln>
+        </p:spPr>
+        <p:style>
+          <a:lnRef idx="1">
+            <a:schemeClr val="accent1"/>
+          </a:lnRef>
+          <a:fillRef idx="0">
+            <a:schemeClr val="accent1"/>
+          </a:fillRef>
+          <a:effectRef idx="0">
+            <a:schemeClr val="accent1"/>
+          </a:effectRef>
+          <a:fontRef idx="minor">
+            <a:schemeClr val="tx1"/>
+          </a:fontRef>
+        </p:style>
+      </p:cxnSp>
+      <p:sp>
+        <p:nvSpPr>
+          <p:cNvPr id="11" name="Title 1">
+            <a:extLst>
+              <a:ext uri="{FF2B5EF4-FFF2-40B4-BE49-F238E27FC236}">
+                <a16:creationId xmlns:a16="http://schemas.microsoft.com/office/drawing/2014/main" id="{4E3F5479-058B-4FA8-92E9-18CAB8CDC5C5}"/>
+              </a:ext>
+            </a:extLst>
+          </p:cNvPr>
+          <p:cNvSpPr txBox="1">
+            <a:spLocks/>
+          </p:cNvSpPr>
+          <p:nvPr/>
+        </p:nvSpPr>
+        <p:spPr>
+          <a:xfrm>
+            <a:off x="228600" y="328999"/>
+            <a:ext cx="11734800" cy="387798"/>
+          </a:xfrm>
+          <a:prstGeom prst="rect">
+            <a:avLst/>
+          </a:prstGeom>
+        </p:spPr>
+        <p:txBody>
+          <a:bodyPr vert="horz" wrap="square" lIns="0" tIns="0" rIns="0" bIns="0" rtlCol="0" anchor="t">
+            <a:spAutoFit/>
+          </a:bodyPr>
+          <a:lstStyle>
+            <a:lvl1pPr algn="l" defTabSz="914400" rtl="0" eaLnBrk="1" latinLnBrk="0" hangingPunct="1">
+              <a:lnSpc>
+                <a:spcPct val="90000"/>
+              </a:lnSpc>
+              <a:spcBef>
+                <a:spcPct val="0"/>
+              </a:spcBef>
+              <a:buNone/>
+              <a:defRPr sz="4400" kern="1200">
+                <a:solidFill>
+                  <a:schemeClr val="tx1"/>
+                </a:solidFill>
+                <a:latin typeface="+mj-lt"/>
+                <a:ea typeface="+mj-ea"/>
+                <a:cs typeface="+mj-cs"/>
+              </a:defRPr>
+            </a:lvl1pPr>
+          </a:lstStyle>
+          <a:p>
+            <a:pPr algn="ctr"/>
+            <a:r>
+              <a:rPr lang="en-US" sz="2800" b="1" dirty="0">
+                <a:solidFill>
+                  <a:schemeClr val="tx1">
+                    <a:lumMod val="75000"/>
+                    <a:lumOff val="25000"/>
+                  </a:schemeClr>
+                </a:solidFill>
+              </a:rPr>
+              <a:t>JIRA/Public Repository</a:t>
+            </a:r>
+            <a:endParaRPr lang="en-US" sz="2800" dirty="0">
+              <a:solidFill>
+                <a:schemeClr val="tx1">
+                  <a:lumMod val="75000"/>
+                  <a:lumOff val="25000"/>
+                </a:schemeClr>
+              </a:solidFill>
+            </a:endParaRPr>
+          </a:p>
+        </p:txBody>
+      </p:sp>
+      <p:cxnSp>
+        <p:nvCxnSpPr>
+          <p:cNvPr id="14" name="Straight Connector 13">
+            <a:extLst>
+              <a:ext uri="{FF2B5EF4-FFF2-40B4-BE49-F238E27FC236}">
+                <a16:creationId xmlns:a16="http://schemas.microsoft.com/office/drawing/2014/main" id="{83E690F4-843A-47A5-8620-4FB01C0D8E68}"/>
+              </a:ext>
+              <a:ext uri="{C183D7F6-B498-43B3-948B-1728B52AA6E4}">
+                <adec:decorative xmlns:adec="http://schemas.microsoft.com/office/drawing/2017/decorative" val="1"/>
+              </a:ext>
+            </a:extLst>
+          </p:cNvPr>
+          <p:cNvCxnSpPr>
+            <a:cxnSpLocks/>
+          </p:cNvCxnSpPr>
+          <p:nvPr/>
+        </p:nvCxnSpPr>
+        <p:spPr>
+          <a:xfrm>
+            <a:off x="0" y="522898"/>
+            <a:ext cx="4086225" cy="0"/>
+          </a:xfrm>
+          <a:prstGeom prst="line">
+            <a:avLst/>
+          </a:prstGeom>
+          <a:ln>
+            <a:solidFill>
+              <a:schemeClr val="accent3">
+                <a:lumMod val="50000"/>
+              </a:schemeClr>
+            </a:solidFill>
+            <a:tailEnd type="oval"/>
+          </a:ln>
+        </p:spPr>
+        <p:style>
+          <a:lnRef idx="1">
+            <a:schemeClr val="accent1"/>
+          </a:lnRef>
+          <a:fillRef idx="0">
+            <a:schemeClr val="accent1"/>
+          </a:fillRef>
+          <a:effectRef idx="0">
+            <a:schemeClr val="accent1"/>
+          </a:effectRef>
+          <a:fontRef idx="minor">
+            <a:schemeClr val="tx1"/>
+          </a:fontRef>
+        </p:style>
+      </p:cxnSp>
+      <p:sp>
+        <p:nvSpPr>
+          <p:cNvPr id="42" name="Oval 41">
+            <a:extLst>
+              <a:ext uri="{FF2B5EF4-FFF2-40B4-BE49-F238E27FC236}">
+                <a16:creationId xmlns:a16="http://schemas.microsoft.com/office/drawing/2014/main" id="{233E4AB5-6FC1-4454-9421-850EF5A4ADF3}"/>
+              </a:ext>
+              <a:ext uri="{C183D7F6-B498-43B3-948B-1728B52AA6E4}">
+                <adec:decorative xmlns:adec="http://schemas.microsoft.com/office/drawing/2017/decorative" val="1"/>
+              </a:ext>
+            </a:extLst>
+          </p:cNvPr>
+          <p:cNvSpPr/>
+          <p:nvPr/>
+        </p:nvSpPr>
+        <p:spPr>
+          <a:xfrm>
+            <a:off x="4400550" y="2928814"/>
+            <a:ext cx="1587500" cy="1587500"/>
+          </a:xfrm>
+          <a:prstGeom prst="ellipse">
+            <a:avLst/>
+          </a:prstGeom>
+          <a:solidFill>
+            <a:schemeClr val="accent3">
+              <a:lumMod val="75000"/>
+            </a:schemeClr>
+          </a:solidFill>
+          <a:ln>
+            <a:noFill/>
+          </a:ln>
+        </p:spPr>
+        <p:style>
+          <a:lnRef idx="2">
+            <a:schemeClr val="accent1">
+              <a:shade val="50000"/>
+            </a:schemeClr>
+          </a:lnRef>
+          <a:fillRef idx="1">
+            <a:schemeClr val="accent1"/>
+          </a:fillRef>
+          <a:effectRef idx="0">
+            <a:schemeClr val="accent1"/>
+          </a:effectRef>
+          <a:fontRef idx="minor">
+            <a:schemeClr val="lt1"/>
+          </a:fontRef>
+        </p:style>
+        <p:txBody>
+          <a:bodyPr rtlCol="0" anchor="ctr"/>
+          <a:lstStyle/>
+          <a:p>
+            <a:pPr algn="ctr"/>
+            <a:endParaRPr lang="en-US" dirty="0"/>
+          </a:p>
+        </p:txBody>
+      </p:sp>
+      <p:sp>
+        <p:nvSpPr>
+          <p:cNvPr id="73" name="Oval 72">
+            <a:extLst>
+              <a:ext uri="{FF2B5EF4-FFF2-40B4-BE49-F238E27FC236}">
+                <a16:creationId xmlns:a16="http://schemas.microsoft.com/office/drawing/2014/main" id="{40123448-0B37-4226-B26C-A3081E6142FF}"/>
+              </a:ext>
+              <a:ext uri="{C183D7F6-B498-43B3-948B-1728B52AA6E4}">
+                <adec:decorative xmlns:adec="http://schemas.microsoft.com/office/drawing/2017/decorative" val="1"/>
+              </a:ext>
+            </a:extLst>
+          </p:cNvPr>
+          <p:cNvSpPr/>
+          <p:nvPr/>
+        </p:nvSpPr>
+        <p:spPr>
+          <a:xfrm>
+            <a:off x="6495256" y="2928814"/>
+            <a:ext cx="1587500" cy="1587500"/>
+          </a:xfrm>
+          <a:prstGeom prst="ellipse">
+            <a:avLst/>
+          </a:prstGeom>
+          <a:solidFill>
+            <a:schemeClr val="accent4">
+              <a:lumMod val="75000"/>
+            </a:schemeClr>
+          </a:solidFill>
+          <a:ln>
+            <a:noFill/>
+          </a:ln>
+        </p:spPr>
+        <p:style>
+          <a:lnRef idx="2">
+            <a:schemeClr val="accent1">
+              <a:shade val="50000"/>
+            </a:schemeClr>
+          </a:lnRef>
+          <a:fillRef idx="1">
+            <a:schemeClr val="accent1"/>
+          </a:fillRef>
+          <a:effectRef idx="0">
+            <a:schemeClr val="accent1"/>
+          </a:effectRef>
+          <a:fontRef idx="minor">
+            <a:schemeClr val="lt1"/>
+          </a:fontRef>
+        </p:style>
+        <p:txBody>
+          <a:bodyPr rtlCol="0" anchor="ctr"/>
+          <a:lstStyle/>
+          <a:p>
+            <a:pPr algn="ctr"/>
+            <a:endParaRPr lang="en-US" dirty="0"/>
+          </a:p>
+        </p:txBody>
+      </p:sp>
+      <p:cxnSp>
+        <p:nvCxnSpPr>
+          <p:cNvPr id="78" name="Straight Arrow Connector 77">
+            <a:extLst>
+              <a:ext uri="{FF2B5EF4-FFF2-40B4-BE49-F238E27FC236}">
+                <a16:creationId xmlns:a16="http://schemas.microsoft.com/office/drawing/2014/main" id="{91394D4E-BC7A-418D-B233-6C374456AEAE}"/>
+              </a:ext>
+              <a:ext uri="{C183D7F6-B498-43B3-948B-1728B52AA6E4}">
+                <adec:decorative xmlns:adec="http://schemas.microsoft.com/office/drawing/2017/decorative" val="1"/>
+              </a:ext>
+            </a:extLst>
+          </p:cNvPr>
+          <p:cNvCxnSpPr>
+            <a:cxnSpLocks/>
+            <a:stCxn id="42" idx="2"/>
+          </p:cNvCxnSpPr>
+          <p:nvPr/>
+        </p:nvCxnSpPr>
+        <p:spPr>
+          <a:xfrm flipH="1">
+            <a:off x="3724275" y="3722564"/>
+            <a:ext cx="676275" cy="0"/>
+          </a:xfrm>
+          <a:prstGeom prst="straightConnector1">
+            <a:avLst/>
+          </a:prstGeom>
+          <a:ln w="22225">
+            <a:solidFill>
+              <a:schemeClr val="tx2"/>
+            </a:solidFill>
+            <a:tailEnd type="arrow"/>
+          </a:ln>
+        </p:spPr>
+        <p:style>
+          <a:lnRef idx="1">
+            <a:schemeClr val="accent1"/>
+          </a:lnRef>
+          <a:fillRef idx="0">
+            <a:schemeClr val="accent1"/>
+          </a:fillRef>
+          <a:effectRef idx="0">
+            <a:schemeClr val="accent1"/>
+          </a:effectRef>
+          <a:fontRef idx="minor">
+            <a:schemeClr val="tx1"/>
+          </a:fontRef>
+        </p:style>
+      </p:cxnSp>
+      <p:cxnSp>
+        <p:nvCxnSpPr>
+          <p:cNvPr id="79" name="Straight Arrow Connector 78">
+            <a:extLst>
+              <a:ext uri="{FF2B5EF4-FFF2-40B4-BE49-F238E27FC236}">
+                <a16:creationId xmlns:a16="http://schemas.microsoft.com/office/drawing/2014/main" id="{61AAA85B-D8C7-43BE-844A-625265015123}"/>
+              </a:ext>
+              <a:ext uri="{C183D7F6-B498-43B3-948B-1728B52AA6E4}">
+                <adec:decorative xmlns:adec="http://schemas.microsoft.com/office/drawing/2017/decorative" val="1"/>
+              </a:ext>
+            </a:extLst>
+          </p:cNvPr>
+          <p:cNvCxnSpPr>
+            <a:cxnSpLocks/>
+            <a:stCxn id="73" idx="6"/>
+          </p:cNvCxnSpPr>
+          <p:nvPr/>
+        </p:nvCxnSpPr>
+        <p:spPr>
+          <a:xfrm>
+            <a:off x="8082756" y="3722564"/>
+            <a:ext cx="798512" cy="0"/>
+          </a:xfrm>
+          <a:prstGeom prst="straightConnector1">
+            <a:avLst/>
+          </a:prstGeom>
+          <a:ln w="22225">
+            <a:solidFill>
+              <a:schemeClr val="tx2"/>
+            </a:solidFill>
+            <a:tailEnd type="arrow"/>
+          </a:ln>
+        </p:spPr>
+        <p:style>
+          <a:lnRef idx="1">
+            <a:schemeClr val="accent1"/>
+          </a:lnRef>
+          <a:fillRef idx="0">
+            <a:schemeClr val="accent1"/>
+          </a:fillRef>
+          <a:effectRef idx="0">
+            <a:schemeClr val="accent1"/>
+          </a:effectRef>
+          <a:fontRef idx="minor">
+            <a:schemeClr val="tx1"/>
+          </a:fontRef>
+        </p:style>
+      </p:cxnSp>
+      <p:sp>
+        <p:nvSpPr>
+          <p:cNvPr id="82" name="Rectangle 81">
+            <a:extLst>
+              <a:ext uri="{FF2B5EF4-FFF2-40B4-BE49-F238E27FC236}">
+                <a16:creationId xmlns:a16="http://schemas.microsoft.com/office/drawing/2014/main" id="{9771041D-83B6-4693-BC25-25AABB3CE3BF}"/>
+              </a:ext>
+            </a:extLst>
+          </p:cNvPr>
+          <p:cNvSpPr/>
+          <p:nvPr/>
+        </p:nvSpPr>
+        <p:spPr>
+          <a:xfrm>
+            <a:off x="4530328" y="3571701"/>
+            <a:ext cx="1371600" cy="246221"/>
+          </a:xfrm>
+          <a:prstGeom prst="rect">
+            <a:avLst/>
+          </a:prstGeom>
+        </p:spPr>
+        <p:txBody>
+          <a:bodyPr wrap="square" lIns="0" tIns="0" rIns="0" bIns="0" anchor="ctr">
+            <a:spAutoFit/>
+          </a:bodyPr>
+          <a:lstStyle/>
+          <a:p>
+            <a:pPr algn="ctr"/>
+            <a:r>
+              <a:rPr lang="en-US" sz="1600" i="1" dirty="0">
+                <a:solidFill>
+                  <a:schemeClr val="bg1"/>
+                </a:solidFill>
+              </a:rPr>
+              <a:t>JIRA</a:t>
+            </a:r>
+          </a:p>
+        </p:txBody>
+      </p:sp>
+      <p:sp>
+        <p:nvSpPr>
+          <p:cNvPr id="83" name="Rectangle 82">
+            <a:extLst>
+              <a:ext uri="{FF2B5EF4-FFF2-40B4-BE49-F238E27FC236}">
+                <a16:creationId xmlns:a16="http://schemas.microsoft.com/office/drawing/2014/main" id="{9F6EE26A-3174-49AD-900E-08C045755F3C}"/>
+              </a:ext>
+            </a:extLst>
+          </p:cNvPr>
+          <p:cNvSpPr/>
+          <p:nvPr/>
+        </p:nvSpPr>
+        <p:spPr>
+          <a:xfrm>
+            <a:off x="6607968" y="3599454"/>
+            <a:ext cx="1371600" cy="246221"/>
+          </a:xfrm>
+          <a:prstGeom prst="rect">
+            <a:avLst/>
+          </a:prstGeom>
+        </p:spPr>
+        <p:txBody>
+          <a:bodyPr wrap="square" lIns="0" tIns="0" rIns="0" bIns="0" anchor="ctr">
+            <a:spAutoFit/>
+          </a:bodyPr>
+          <a:lstStyle/>
+          <a:p>
+            <a:pPr algn="ctr"/>
+            <a:r>
+              <a:rPr lang="en-US" sz="1600" dirty="0">
+                <a:solidFill>
+                  <a:schemeClr val="bg1"/>
+                </a:solidFill>
+              </a:rPr>
+              <a:t>GitHub</a:t>
+            </a:r>
+          </a:p>
+        </p:txBody>
+      </p:sp>
+      <p:sp>
+        <p:nvSpPr>
+          <p:cNvPr id="90" name="Rectangle 89">
+            <a:extLst>
+              <a:ext uri="{FF2B5EF4-FFF2-40B4-BE49-F238E27FC236}">
+                <a16:creationId xmlns:a16="http://schemas.microsoft.com/office/drawing/2014/main" id="{79B46693-ED1F-429F-9B11-2794939E3B99}"/>
+              </a:ext>
+            </a:extLst>
+          </p:cNvPr>
+          <p:cNvSpPr/>
+          <p:nvPr/>
+        </p:nvSpPr>
+        <p:spPr>
+          <a:xfrm>
+            <a:off x="6614715" y="4753377"/>
+            <a:ext cx="1348582" cy="223394"/>
+          </a:xfrm>
+          <a:prstGeom prst="rect">
+            <a:avLst/>
+          </a:prstGeom>
+        </p:spPr>
+        <p:txBody>
+          <a:bodyPr wrap="square" lIns="0" tIns="0" rIns="0" bIns="0" anchor="ctr">
+            <a:spAutoFit/>
+          </a:bodyPr>
+          <a:lstStyle/>
+          <a:p>
+            <a:pPr algn="ctr">
+              <a:lnSpc>
+                <a:spcPts val="1900"/>
+              </a:lnSpc>
+            </a:pPr>
+            <a:r>
+              <a:rPr lang="en-US" sz="1400" dirty="0">
+                <a:solidFill>
+                  <a:schemeClr val="tx1">
+                    <a:lumMod val="75000"/>
+                    <a:lumOff val="25000"/>
+                  </a:schemeClr>
+                </a:solidFill>
+                <a:cs typeface="Segoe UI" panose="020B0502040204020203" pitchFamily="34" charset="0"/>
+              </a:rPr>
+              <a:t>Data</a:t>
+            </a:r>
+          </a:p>
+        </p:txBody>
+      </p:sp>
+      <p:sp>
+        <p:nvSpPr>
+          <p:cNvPr id="91" name="Rectangle 90">
+            <a:extLst>
+              <a:ext uri="{FF2B5EF4-FFF2-40B4-BE49-F238E27FC236}">
+                <a16:creationId xmlns:a16="http://schemas.microsoft.com/office/drawing/2014/main" id="{0F8D1DEA-0363-4C10-925D-1D68E14CCEF4}"/>
+              </a:ext>
+            </a:extLst>
+          </p:cNvPr>
+          <p:cNvSpPr/>
+          <p:nvPr/>
+        </p:nvSpPr>
+        <p:spPr>
+          <a:xfrm>
+            <a:off x="4530328" y="4753377"/>
+            <a:ext cx="1348582" cy="223394"/>
+          </a:xfrm>
+          <a:prstGeom prst="rect">
+            <a:avLst/>
+          </a:prstGeom>
+        </p:spPr>
+        <p:txBody>
+          <a:bodyPr wrap="square" lIns="0" tIns="0" rIns="0" bIns="0" anchor="ctr">
+            <a:spAutoFit/>
+          </a:bodyPr>
+          <a:lstStyle/>
+          <a:p>
+            <a:pPr algn="ctr">
+              <a:lnSpc>
+                <a:spcPts val="1900"/>
+              </a:lnSpc>
+            </a:pPr>
+            <a:r>
+              <a:rPr lang="en-US" sz="1400" dirty="0">
+                <a:solidFill>
+                  <a:schemeClr val="tx1">
+                    <a:lumMod val="75000"/>
+                    <a:lumOff val="25000"/>
+                  </a:schemeClr>
+                </a:solidFill>
+                <a:cs typeface="Segoe UI" panose="020B0502040204020203" pitchFamily="34" charset="0"/>
+              </a:rPr>
+              <a:t>Project Plan</a:t>
+            </a:r>
+          </a:p>
+        </p:txBody>
+      </p:sp>
+      <p:sp>
+        <p:nvSpPr>
+          <p:cNvPr id="89" name="Rectangle 88">
+            <a:extLst>
+              <a:ext uri="{FF2B5EF4-FFF2-40B4-BE49-F238E27FC236}">
+                <a16:creationId xmlns:a16="http://schemas.microsoft.com/office/drawing/2014/main" id="{AAC2972F-490F-4F2F-8A08-930B8C850374}"/>
+              </a:ext>
+            </a:extLst>
+          </p:cNvPr>
+          <p:cNvSpPr/>
+          <p:nvPr/>
+        </p:nvSpPr>
+        <p:spPr>
+          <a:xfrm>
+            <a:off x="8984455" y="3426782"/>
+            <a:ext cx="2569369" cy="710707"/>
+          </a:xfrm>
+          <a:prstGeom prst="rect">
+            <a:avLst/>
+          </a:prstGeom>
+        </p:spPr>
+        <p:txBody>
+          <a:bodyPr wrap="square" lIns="0" tIns="0" rIns="0" bIns="0" anchor="ctr">
+            <a:spAutoFit/>
+          </a:bodyPr>
+          <a:lstStyle/>
+          <a:p>
+            <a:pPr>
+              <a:lnSpc>
+                <a:spcPts val="1900"/>
+              </a:lnSpc>
+            </a:pPr>
+            <a:r>
+              <a:rPr lang="en-US" sz="1400" dirty="0">
+                <a:solidFill>
+                  <a:schemeClr val="tx1">
+                    <a:lumMod val="75000"/>
+                    <a:lumOff val="25000"/>
+                  </a:schemeClr>
+                </a:solidFill>
+                <a:cs typeface="Segoe UI" panose="020B0502040204020203" pitchFamily="34" charset="0"/>
+              </a:rPr>
+              <a:t>https://github.com/Deepsheta/Covid--19-descriptive-Analysis-for-resolving-a-potential-crisis</a:t>
+            </a:r>
+          </a:p>
+        </p:txBody>
+      </p:sp>
+      <p:sp>
+        <p:nvSpPr>
+          <p:cNvPr id="92" name="Rectangle 91">
+            <a:extLst>
+              <a:ext uri="{FF2B5EF4-FFF2-40B4-BE49-F238E27FC236}">
+                <a16:creationId xmlns:a16="http://schemas.microsoft.com/office/drawing/2014/main" id="{A69BDC62-882D-49FD-B60A-05F493B04723}"/>
+              </a:ext>
+            </a:extLst>
+          </p:cNvPr>
+          <p:cNvSpPr/>
+          <p:nvPr/>
+        </p:nvSpPr>
+        <p:spPr>
+          <a:xfrm>
+            <a:off x="834627" y="3218912"/>
+            <a:ext cx="2699147" cy="1198020"/>
+          </a:xfrm>
+          <a:prstGeom prst="rect">
+            <a:avLst/>
+          </a:prstGeom>
+        </p:spPr>
+        <p:txBody>
+          <a:bodyPr wrap="square" lIns="0" tIns="0" rIns="0" bIns="0" anchor="ctr">
+            <a:spAutoFit/>
+          </a:bodyPr>
+          <a:lstStyle/>
+          <a:p>
+            <a:pPr algn="r">
+              <a:lnSpc>
+                <a:spcPts val="1900"/>
+              </a:lnSpc>
+            </a:pPr>
+            <a:r>
+              <a:rPr lang="en-US" sz="1400" dirty="0">
+                <a:solidFill>
+                  <a:schemeClr val="tx1">
+                    <a:lumMod val="75000"/>
+                    <a:lumOff val="25000"/>
+                  </a:schemeClr>
+                </a:solidFill>
+                <a:cs typeface="Segoe UI" panose="020B0502040204020203" pitchFamily="34" charset="0"/>
+              </a:rPr>
+              <a:t>https://analysis-project.atlassian.net/jira/core/projects/C1DAFRPC/summary?atlOrigin=eyJpIjoiYjA3NjgwYjAxODE4NDliYmI2MjE0Mzg0Zjc4NjViMjEiLCJwIjoiaiJ9</a:t>
+            </a:r>
+          </a:p>
+        </p:txBody>
+      </p:sp>
+    </p:spTree>
+    <p:extLst>
+      <p:ext uri="{BB962C8B-B14F-4D97-AF65-F5344CB8AC3E}">
+        <p14:creationId xmlns:p14="http://schemas.microsoft.com/office/powerpoint/2010/main" val="433547554"/>
+      </p:ext>
+    </p:extLst>
+  </p:cSld>
+  <p:clrMapOvr>
+    <a:masterClrMapping/>
+  </p:clrMapOvr>
+</p:sld>
+</file>
+
+<file path=ppt/slides/slide11.xml><?xml version="1.0" encoding="utf-8"?>
+<p:sld xmlns:a="http://schemas.openxmlformats.org/drawingml/2006/main" xmlns:r="http://schemas.openxmlformats.org/officeDocument/2006/relationships" xmlns:p="http://schemas.openxmlformats.org/presentationml/2006/main">
+  <p:cSld>
     <p:bg>
       <p:bgPr>
         <a:pattFill prst="zigZag">
@@ -6330,6 +7122,1074 @@
 </file>
 
 <file path=ppt/slides/slide2.xml><?xml version="1.0" encoding="utf-8"?>
+<p:sld xmlns:a="http://schemas.openxmlformats.org/drawingml/2006/main" xmlns:r="http://schemas.openxmlformats.org/officeDocument/2006/relationships" xmlns:p="http://schemas.openxmlformats.org/presentationml/2006/main">
+  <p:cSld>
+    <p:bg>
+      <p:bgPr>
+        <a:pattFill prst="pct5">
+          <a:fgClr>
+            <a:schemeClr val="tx1"/>
+          </a:fgClr>
+          <a:bgClr>
+            <a:schemeClr val="bg1"/>
+          </a:bgClr>
+        </a:pattFill>
+        <a:effectLst/>
+      </p:bgPr>
+    </p:bg>
+    <p:spTree>
+      <p:nvGrpSpPr>
+        <p:cNvPr id="1" name=""/>
+        <p:cNvGrpSpPr/>
+        <p:nvPr/>
+      </p:nvGrpSpPr>
+      <p:grpSpPr>
+        <a:xfrm>
+          <a:off x="0" y="0"/>
+          <a:ext cx="0" cy="0"/>
+          <a:chOff x="0" y="0"/>
+          <a:chExt cx="0" cy="0"/>
+        </a:xfrm>
+      </p:grpSpPr>
+      <p:sp>
+        <p:nvSpPr>
+          <p:cNvPr id="4" name="Title 3" hidden="1">
+            <a:extLst>
+              <a:ext uri="{FF2B5EF4-FFF2-40B4-BE49-F238E27FC236}">
+                <a16:creationId xmlns:a16="http://schemas.microsoft.com/office/drawing/2014/main" id="{B5981CF1-BC08-49F8-B0F9-AAF98EC67450}"/>
+              </a:ext>
+            </a:extLst>
+          </p:cNvPr>
+          <p:cNvSpPr>
+            <a:spLocks noGrp="1"/>
+          </p:cNvSpPr>
+          <p:nvPr>
+            <p:ph type="title" idx="4294967295"/>
+          </p:nvPr>
+        </p:nvSpPr>
+        <p:spPr>
+          <a:xfrm>
+            <a:off x="0" y="365125"/>
+            <a:ext cx="10515600" cy="1325563"/>
+          </a:xfrm>
+        </p:spPr>
+        <p:txBody>
+          <a:bodyPr/>
+          <a:lstStyle/>
+          <a:p>
+            <a:r>
+              <a:rPr lang="en-US" dirty="0"/>
+              <a:t>Project analysis slide 2</a:t>
+            </a:r>
+          </a:p>
+        </p:txBody>
+      </p:sp>
+      <p:cxnSp>
+        <p:nvCxnSpPr>
+          <p:cNvPr id="8" name="Straight Connector 7">
+            <a:extLst>
+              <a:ext uri="{FF2B5EF4-FFF2-40B4-BE49-F238E27FC236}">
+                <a16:creationId xmlns:a16="http://schemas.microsoft.com/office/drawing/2014/main" id="{D0986099-F5F2-4E8B-BE17-81194861A00C}"/>
+              </a:ext>
+              <a:ext uri="{C183D7F6-B498-43B3-948B-1728B52AA6E4}">
+                <adec:decorative xmlns:adec="http://schemas.microsoft.com/office/drawing/2017/decorative" val="1"/>
+              </a:ext>
+            </a:extLst>
+          </p:cNvPr>
+          <p:cNvCxnSpPr>
+            <a:cxnSpLocks/>
+          </p:cNvCxnSpPr>
+          <p:nvPr/>
+        </p:nvCxnSpPr>
+        <p:spPr>
+          <a:xfrm>
+            <a:off x="8105775" y="522898"/>
+            <a:ext cx="4086225" cy="0"/>
+          </a:xfrm>
+          <a:prstGeom prst="line">
+            <a:avLst/>
+          </a:prstGeom>
+          <a:ln>
+            <a:solidFill>
+              <a:schemeClr val="accent3">
+                <a:lumMod val="50000"/>
+              </a:schemeClr>
+            </a:solidFill>
+            <a:headEnd type="oval"/>
+          </a:ln>
+        </p:spPr>
+        <p:style>
+          <a:lnRef idx="1">
+            <a:schemeClr val="accent1"/>
+          </a:lnRef>
+          <a:fillRef idx="0">
+            <a:schemeClr val="accent1"/>
+          </a:fillRef>
+          <a:effectRef idx="0">
+            <a:schemeClr val="accent1"/>
+          </a:effectRef>
+          <a:fontRef idx="minor">
+            <a:schemeClr val="tx1"/>
+          </a:fontRef>
+        </p:style>
+      </p:cxnSp>
+      <p:sp>
+        <p:nvSpPr>
+          <p:cNvPr id="11" name="Title 1">
+            <a:extLst>
+              <a:ext uri="{FF2B5EF4-FFF2-40B4-BE49-F238E27FC236}">
+                <a16:creationId xmlns:a16="http://schemas.microsoft.com/office/drawing/2014/main" id="{4E3F5479-058B-4FA8-92E9-18CAB8CDC5C5}"/>
+              </a:ext>
+            </a:extLst>
+          </p:cNvPr>
+          <p:cNvSpPr txBox="1">
+            <a:spLocks/>
+          </p:cNvSpPr>
+          <p:nvPr/>
+        </p:nvSpPr>
+        <p:spPr>
+          <a:xfrm>
+            <a:off x="228600" y="190500"/>
+            <a:ext cx="11734800" cy="775597"/>
+          </a:xfrm>
+          <a:prstGeom prst="rect">
+            <a:avLst/>
+          </a:prstGeom>
+        </p:spPr>
+        <p:txBody>
+          <a:bodyPr vert="horz" wrap="square" lIns="0" tIns="0" rIns="0" bIns="0" rtlCol="0" anchor="t">
+            <a:spAutoFit/>
+          </a:bodyPr>
+          <a:lstStyle>
+            <a:lvl1pPr algn="l" defTabSz="914400" rtl="0" eaLnBrk="1" latinLnBrk="0" hangingPunct="1">
+              <a:lnSpc>
+                <a:spcPct val="90000"/>
+              </a:lnSpc>
+              <a:spcBef>
+                <a:spcPct val="0"/>
+              </a:spcBef>
+              <a:buNone/>
+              <a:defRPr sz="4400" kern="1200">
+                <a:solidFill>
+                  <a:schemeClr val="tx1"/>
+                </a:solidFill>
+                <a:latin typeface="+mj-lt"/>
+                <a:ea typeface="+mj-ea"/>
+                <a:cs typeface="+mj-cs"/>
+              </a:defRPr>
+            </a:lvl1pPr>
+          </a:lstStyle>
+          <a:p>
+            <a:pPr algn="ctr"/>
+            <a:r>
+              <a:rPr lang="en-US" sz="2800" b="1" dirty="0">
+                <a:solidFill>
+                  <a:schemeClr val="tx1">
+                    <a:lumMod val="75000"/>
+                    <a:lumOff val="25000"/>
+                  </a:schemeClr>
+                </a:solidFill>
+              </a:rPr>
+              <a:t>Team Introduction</a:t>
+            </a:r>
+            <a:br>
+              <a:rPr lang="en-US" sz="2800" dirty="0">
+                <a:solidFill>
+                  <a:schemeClr val="tx1">
+                    <a:lumMod val="75000"/>
+                    <a:lumOff val="25000"/>
+                  </a:schemeClr>
+                </a:solidFill>
+              </a:rPr>
+            </a:br>
+            <a:endParaRPr lang="en-US" sz="2800" dirty="0">
+              <a:solidFill>
+                <a:schemeClr val="tx1">
+                  <a:lumMod val="75000"/>
+                  <a:lumOff val="25000"/>
+                </a:schemeClr>
+              </a:solidFill>
+            </a:endParaRPr>
+          </a:p>
+        </p:txBody>
+      </p:sp>
+      <p:cxnSp>
+        <p:nvCxnSpPr>
+          <p:cNvPr id="14" name="Straight Connector 13">
+            <a:extLst>
+              <a:ext uri="{FF2B5EF4-FFF2-40B4-BE49-F238E27FC236}">
+                <a16:creationId xmlns:a16="http://schemas.microsoft.com/office/drawing/2014/main" id="{83E690F4-843A-47A5-8620-4FB01C0D8E68}"/>
+              </a:ext>
+              <a:ext uri="{C183D7F6-B498-43B3-948B-1728B52AA6E4}">
+                <adec:decorative xmlns:adec="http://schemas.microsoft.com/office/drawing/2017/decorative" val="1"/>
+              </a:ext>
+            </a:extLst>
+          </p:cNvPr>
+          <p:cNvCxnSpPr>
+            <a:cxnSpLocks/>
+          </p:cNvCxnSpPr>
+          <p:nvPr/>
+        </p:nvCxnSpPr>
+        <p:spPr>
+          <a:xfrm>
+            <a:off x="0" y="522898"/>
+            <a:ext cx="4086225" cy="0"/>
+          </a:xfrm>
+          <a:prstGeom prst="line">
+            <a:avLst/>
+          </a:prstGeom>
+          <a:ln>
+            <a:solidFill>
+              <a:schemeClr val="accent3">
+                <a:lumMod val="50000"/>
+              </a:schemeClr>
+            </a:solidFill>
+            <a:tailEnd type="oval"/>
+          </a:ln>
+        </p:spPr>
+        <p:style>
+          <a:lnRef idx="1">
+            <a:schemeClr val="accent1"/>
+          </a:lnRef>
+          <a:fillRef idx="0">
+            <a:schemeClr val="accent1"/>
+          </a:fillRef>
+          <a:effectRef idx="0">
+            <a:schemeClr val="accent1"/>
+          </a:effectRef>
+          <a:fontRef idx="minor">
+            <a:schemeClr val="tx1"/>
+          </a:fontRef>
+        </p:style>
+      </p:cxnSp>
+      <p:sp>
+        <p:nvSpPr>
+          <p:cNvPr id="2" name="Oval 1">
+            <a:extLst>
+              <a:ext uri="{FF2B5EF4-FFF2-40B4-BE49-F238E27FC236}">
+                <a16:creationId xmlns:a16="http://schemas.microsoft.com/office/drawing/2014/main" id="{3FFE512F-0D4F-18AA-B739-CA7AD9961C80}"/>
+              </a:ext>
+            </a:extLst>
+          </p:cNvPr>
+          <p:cNvSpPr/>
+          <p:nvPr/>
+        </p:nvSpPr>
+        <p:spPr>
+          <a:xfrm>
+            <a:off x="1603359" y="1298495"/>
+            <a:ext cx="1904214" cy="1960775"/>
+          </a:xfrm>
+          <a:prstGeom prst="ellipse">
+            <a:avLst/>
+          </a:prstGeom>
+          <a:blipFill>
+            <a:blip r:embed="rId3"/>
+            <a:stretch>
+              <a:fillRect l="1791" t="-3245" r="1791" b="-3245"/>
+            </a:stretch>
+          </a:blipFill>
+        </p:spPr>
+        <p:style>
+          <a:lnRef idx="2">
+            <a:schemeClr val="accent1">
+              <a:shade val="50000"/>
+            </a:schemeClr>
+          </a:lnRef>
+          <a:fillRef idx="1">
+            <a:schemeClr val="accent1"/>
+          </a:fillRef>
+          <a:effectRef idx="0">
+            <a:schemeClr val="accent1"/>
+          </a:effectRef>
+          <a:fontRef idx="minor">
+            <a:schemeClr val="lt1"/>
+          </a:fontRef>
+        </p:style>
+        <p:txBody>
+          <a:bodyPr rtlCol="0" anchor="ctr"/>
+          <a:lstStyle/>
+          <a:p>
+            <a:pPr algn="ctr"/>
+            <a:endParaRPr lang="en-IN"/>
+          </a:p>
+        </p:txBody>
+      </p:sp>
+      <p:sp>
+        <p:nvSpPr>
+          <p:cNvPr id="10" name="Oval 9">
+            <a:extLst>
+              <a:ext uri="{FF2B5EF4-FFF2-40B4-BE49-F238E27FC236}">
+                <a16:creationId xmlns:a16="http://schemas.microsoft.com/office/drawing/2014/main" id="{7752BD14-887C-C076-913A-569071827634}"/>
+              </a:ext>
+            </a:extLst>
+          </p:cNvPr>
+          <p:cNvSpPr/>
+          <p:nvPr/>
+        </p:nvSpPr>
+        <p:spPr>
+          <a:xfrm>
+            <a:off x="4863366" y="1242588"/>
+            <a:ext cx="1904214" cy="2072588"/>
+          </a:xfrm>
+          <a:prstGeom prst="ellipse">
+            <a:avLst/>
+          </a:prstGeom>
+          <a:blipFill>
+            <a:blip r:embed="rId4"/>
+            <a:stretch>
+              <a:fillRect l="-1990" t="-7319" r="-1990" b="-7319"/>
+            </a:stretch>
+          </a:blipFill>
+          <a:ln>
+            <a:solidFill>
+              <a:schemeClr val="tx1"/>
+            </a:solidFill>
+          </a:ln>
+        </p:spPr>
+        <p:style>
+          <a:lnRef idx="2">
+            <a:schemeClr val="accent1">
+              <a:shade val="50000"/>
+            </a:schemeClr>
+          </a:lnRef>
+          <a:fillRef idx="1">
+            <a:schemeClr val="accent1"/>
+          </a:fillRef>
+          <a:effectRef idx="0">
+            <a:schemeClr val="accent1"/>
+          </a:effectRef>
+          <a:fontRef idx="minor">
+            <a:schemeClr val="lt1"/>
+          </a:fontRef>
+        </p:style>
+        <p:txBody>
+          <a:bodyPr rtlCol="0" anchor="ctr"/>
+          <a:lstStyle/>
+          <a:p>
+            <a:pPr algn="ctr"/>
+            <a:endParaRPr lang="en-IN"/>
+          </a:p>
+        </p:txBody>
+      </p:sp>
+      <p:sp>
+        <p:nvSpPr>
+          <p:cNvPr id="12" name="Rectangle 11">
+            <a:extLst>
+              <a:ext uri="{FF2B5EF4-FFF2-40B4-BE49-F238E27FC236}">
+                <a16:creationId xmlns:a16="http://schemas.microsoft.com/office/drawing/2014/main" id="{8F7D89B5-9DFE-7693-3976-BBB829448B0C}"/>
+              </a:ext>
+            </a:extLst>
+          </p:cNvPr>
+          <p:cNvSpPr/>
+          <p:nvPr/>
+        </p:nvSpPr>
+        <p:spPr>
+          <a:xfrm>
+            <a:off x="1476097" y="4120587"/>
+            <a:ext cx="2158738" cy="694481"/>
+          </a:xfrm>
+          <a:prstGeom prst="rect">
+            <a:avLst/>
+          </a:prstGeom>
+          <a:solidFill>
+            <a:schemeClr val="bg2"/>
+          </a:solidFill>
+          <a:ln>
+            <a:solidFill>
+              <a:schemeClr val="bg2"/>
+            </a:solidFill>
+          </a:ln>
+        </p:spPr>
+        <p:style>
+          <a:lnRef idx="2">
+            <a:schemeClr val="accent1">
+              <a:shade val="50000"/>
+            </a:schemeClr>
+          </a:lnRef>
+          <a:fillRef idx="1">
+            <a:schemeClr val="accent1"/>
+          </a:fillRef>
+          <a:effectRef idx="0">
+            <a:schemeClr val="accent1"/>
+          </a:effectRef>
+          <a:fontRef idx="minor">
+            <a:schemeClr val="lt1"/>
+          </a:fontRef>
+        </p:style>
+        <p:txBody>
+          <a:bodyPr rtlCol="0" anchor="ctr"/>
+          <a:lstStyle/>
+          <a:p>
+            <a:pPr algn="ctr"/>
+            <a:r>
+              <a:rPr lang="en-US" dirty="0">
+                <a:solidFill>
+                  <a:schemeClr val="tx1"/>
+                </a:solidFill>
+              </a:rPr>
+              <a:t>NITI PATEL</a:t>
+            </a:r>
+            <a:endParaRPr lang="en-IN" dirty="0">
+              <a:solidFill>
+                <a:schemeClr val="tx1"/>
+              </a:solidFill>
+            </a:endParaRPr>
+          </a:p>
+        </p:txBody>
+      </p:sp>
+      <p:sp>
+        <p:nvSpPr>
+          <p:cNvPr id="18" name="Oval 17">
+            <a:extLst>
+              <a:ext uri="{FF2B5EF4-FFF2-40B4-BE49-F238E27FC236}">
+                <a16:creationId xmlns:a16="http://schemas.microsoft.com/office/drawing/2014/main" id="{6C126626-617A-EDC4-8C1B-C7616B3DF27A}"/>
+              </a:ext>
+            </a:extLst>
+          </p:cNvPr>
+          <p:cNvSpPr/>
+          <p:nvPr/>
+        </p:nvSpPr>
+        <p:spPr>
+          <a:xfrm>
+            <a:off x="8296217" y="1242588"/>
+            <a:ext cx="1904214" cy="1960775"/>
+          </a:xfrm>
+          <a:prstGeom prst="ellipse">
+            <a:avLst/>
+          </a:prstGeom>
+          <a:blipFill>
+            <a:blip r:embed="rId5"/>
+            <a:stretch>
+              <a:fillRect l="-1990" t="-7319" r="-1990" b="-7319"/>
+            </a:stretch>
+          </a:blipFill>
+        </p:spPr>
+        <p:style>
+          <a:lnRef idx="2">
+            <a:schemeClr val="accent1">
+              <a:shade val="50000"/>
+            </a:schemeClr>
+          </a:lnRef>
+          <a:fillRef idx="1">
+            <a:schemeClr val="accent1"/>
+          </a:fillRef>
+          <a:effectRef idx="0">
+            <a:schemeClr val="accent1"/>
+          </a:effectRef>
+          <a:fontRef idx="minor">
+            <a:schemeClr val="lt1"/>
+          </a:fontRef>
+        </p:style>
+        <p:txBody>
+          <a:bodyPr rtlCol="0" anchor="ctr"/>
+          <a:lstStyle/>
+          <a:p>
+            <a:pPr algn="ctr"/>
+            <a:endParaRPr lang="en-IN"/>
+          </a:p>
+        </p:txBody>
+      </p:sp>
+      <p:sp>
+        <p:nvSpPr>
+          <p:cNvPr id="24" name="Rectangle 23">
+            <a:extLst>
+              <a:ext uri="{FF2B5EF4-FFF2-40B4-BE49-F238E27FC236}">
+                <a16:creationId xmlns:a16="http://schemas.microsoft.com/office/drawing/2014/main" id="{8E1262A5-CEEB-4A8B-2FA5-59C46C9D72E8}"/>
+              </a:ext>
+            </a:extLst>
+          </p:cNvPr>
+          <p:cNvSpPr/>
+          <p:nvPr/>
+        </p:nvSpPr>
+        <p:spPr>
+          <a:xfrm>
+            <a:off x="8168955" y="4120587"/>
+            <a:ext cx="2158738" cy="694481"/>
+          </a:xfrm>
+          <a:prstGeom prst="rect">
+            <a:avLst/>
+          </a:prstGeom>
+          <a:solidFill>
+            <a:schemeClr val="bg2"/>
+          </a:solidFill>
+          <a:ln>
+            <a:solidFill>
+              <a:schemeClr val="bg2"/>
+            </a:solidFill>
+          </a:ln>
+        </p:spPr>
+        <p:style>
+          <a:lnRef idx="2">
+            <a:schemeClr val="accent1">
+              <a:shade val="50000"/>
+            </a:schemeClr>
+          </a:lnRef>
+          <a:fillRef idx="1">
+            <a:schemeClr val="accent1"/>
+          </a:fillRef>
+          <a:effectRef idx="0">
+            <a:schemeClr val="accent1"/>
+          </a:effectRef>
+          <a:fontRef idx="minor">
+            <a:schemeClr val="lt1"/>
+          </a:fontRef>
+        </p:style>
+        <p:txBody>
+          <a:bodyPr rtlCol="0" anchor="ctr"/>
+          <a:lstStyle/>
+          <a:p>
+            <a:pPr algn="ctr"/>
+            <a:r>
+              <a:rPr lang="en-US" dirty="0">
+                <a:solidFill>
+                  <a:schemeClr val="tx1"/>
+                </a:solidFill>
+              </a:rPr>
+              <a:t>CHARMY MAKWANA</a:t>
+            </a:r>
+            <a:endParaRPr lang="en-IN" dirty="0">
+              <a:solidFill>
+                <a:schemeClr val="tx1"/>
+              </a:solidFill>
+            </a:endParaRPr>
+          </a:p>
+        </p:txBody>
+      </p:sp>
+      <p:sp>
+        <p:nvSpPr>
+          <p:cNvPr id="27" name="Rectangle 26">
+            <a:extLst>
+              <a:ext uri="{FF2B5EF4-FFF2-40B4-BE49-F238E27FC236}">
+                <a16:creationId xmlns:a16="http://schemas.microsoft.com/office/drawing/2014/main" id="{1ACDB826-E573-FEDC-AC59-56BA208A938F}"/>
+              </a:ext>
+            </a:extLst>
+          </p:cNvPr>
+          <p:cNvSpPr/>
+          <p:nvPr/>
+        </p:nvSpPr>
+        <p:spPr>
+          <a:xfrm>
+            <a:off x="4863366" y="4120587"/>
+            <a:ext cx="2158738" cy="694481"/>
+          </a:xfrm>
+          <a:prstGeom prst="rect">
+            <a:avLst/>
+          </a:prstGeom>
+          <a:solidFill>
+            <a:schemeClr val="bg2"/>
+          </a:solidFill>
+          <a:ln>
+            <a:solidFill>
+              <a:schemeClr val="bg1">
+                <a:lumMod val="85000"/>
+              </a:schemeClr>
+            </a:solidFill>
+          </a:ln>
+        </p:spPr>
+        <p:style>
+          <a:lnRef idx="2">
+            <a:schemeClr val="accent1">
+              <a:shade val="50000"/>
+            </a:schemeClr>
+          </a:lnRef>
+          <a:fillRef idx="1">
+            <a:schemeClr val="accent1"/>
+          </a:fillRef>
+          <a:effectRef idx="0">
+            <a:schemeClr val="accent1"/>
+          </a:effectRef>
+          <a:fontRef idx="minor">
+            <a:schemeClr val="lt1"/>
+          </a:fontRef>
+        </p:style>
+        <p:txBody>
+          <a:bodyPr rtlCol="0" anchor="ctr"/>
+          <a:lstStyle/>
+          <a:p>
+            <a:pPr algn="ctr"/>
+            <a:r>
+              <a:rPr lang="en-US" dirty="0">
+                <a:solidFill>
+                  <a:schemeClr val="tx1"/>
+                </a:solidFill>
+              </a:rPr>
+              <a:t>DEEP SHETA</a:t>
+            </a:r>
+            <a:endParaRPr lang="en-IN" dirty="0">
+              <a:solidFill>
+                <a:schemeClr val="tx1"/>
+              </a:solidFill>
+            </a:endParaRPr>
+          </a:p>
+        </p:txBody>
+      </p:sp>
+      <p:sp>
+        <p:nvSpPr>
+          <p:cNvPr id="29" name="Rectangle 28">
+            <a:extLst>
+              <a:ext uri="{FF2B5EF4-FFF2-40B4-BE49-F238E27FC236}">
+                <a16:creationId xmlns:a16="http://schemas.microsoft.com/office/drawing/2014/main" id="{3831FFF9-3433-8072-31AA-CC6E8D5BCDC6}"/>
+              </a:ext>
+            </a:extLst>
+          </p:cNvPr>
+          <p:cNvSpPr/>
+          <p:nvPr/>
+        </p:nvSpPr>
+        <p:spPr>
+          <a:xfrm>
+            <a:off x="4603378" y="5128788"/>
+            <a:ext cx="467360" cy="509046"/>
+          </a:xfrm>
+          <a:prstGeom prst="rect">
+            <a:avLst/>
+          </a:prstGeom>
+          <a:blipFill>
+            <a:blip r:embed="rId6"/>
+            <a:stretch>
+              <a:fillRect l="-1990" t="-7319" r="-1990" b="-7319"/>
+            </a:stretch>
+          </a:blipFill>
+          <a:ln>
+            <a:noFill/>
+          </a:ln>
+        </p:spPr>
+        <p:style>
+          <a:lnRef idx="2">
+            <a:schemeClr val="accent1">
+              <a:shade val="50000"/>
+            </a:schemeClr>
+          </a:lnRef>
+          <a:fillRef idx="1">
+            <a:schemeClr val="accent1"/>
+          </a:fillRef>
+          <a:effectRef idx="0">
+            <a:schemeClr val="accent1"/>
+          </a:effectRef>
+          <a:fontRef idx="minor">
+            <a:schemeClr val="lt1"/>
+          </a:fontRef>
+        </p:style>
+        <p:txBody>
+          <a:bodyPr rtlCol="0" anchor="ctr"/>
+          <a:lstStyle/>
+          <a:p>
+            <a:pPr algn="ctr"/>
+            <a:endParaRPr lang="en-IN"/>
+          </a:p>
+        </p:txBody>
+      </p:sp>
+      <p:sp>
+        <p:nvSpPr>
+          <p:cNvPr id="40" name="TextBox 39">
+            <a:extLst>
+              <a:ext uri="{FF2B5EF4-FFF2-40B4-BE49-F238E27FC236}">
+                <a16:creationId xmlns:a16="http://schemas.microsoft.com/office/drawing/2014/main" id="{A52A98BF-E9D1-C3F9-1023-E592DCE0FC4A}"/>
+              </a:ext>
+            </a:extLst>
+          </p:cNvPr>
+          <p:cNvSpPr txBox="1"/>
+          <p:nvPr/>
+        </p:nvSpPr>
+        <p:spPr>
+          <a:xfrm>
+            <a:off x="5156444" y="5256353"/>
+            <a:ext cx="2250196" cy="415498"/>
+          </a:xfrm>
+          <a:prstGeom prst="rect">
+            <a:avLst/>
+          </a:prstGeom>
+          <a:noFill/>
+        </p:spPr>
+        <p:txBody>
+          <a:bodyPr wrap="square" rtlCol="0">
+            <a:spAutoFit/>
+          </a:bodyPr>
+          <a:lstStyle/>
+          <a:p>
+            <a:r>
+              <a:rPr lang="en-IN" sz="1050" b="1" dirty="0">
+                <a:solidFill>
+                  <a:schemeClr val="accent5">
+                    <a:lumMod val="75000"/>
+                  </a:schemeClr>
+                </a:solidFill>
+                <a:hlinkClick r:id="rId7">
+                  <a:extLst>
+                    <a:ext uri="{A12FA001-AC4F-418D-AE19-62706E023703}">
+                      <ahyp:hlinkClr xmlns:ahyp="http://schemas.microsoft.com/office/drawing/2018/hyperlinkcolor" val="tx"/>
+                    </a:ext>
+                  </a:extLst>
+                </a:hlinkClick>
+              </a:rPr>
+              <a:t>https://github.com/Deepsheta</a:t>
+            </a:r>
+            <a:endParaRPr lang="en-IN" sz="1050" b="1" dirty="0">
+              <a:solidFill>
+                <a:schemeClr val="accent5">
+                  <a:lumMod val="75000"/>
+                </a:schemeClr>
+              </a:solidFill>
+            </a:endParaRPr>
+          </a:p>
+          <a:p>
+            <a:endParaRPr lang="en-IN" sz="1050" b="1" dirty="0">
+              <a:solidFill>
+                <a:schemeClr val="accent5">
+                  <a:lumMod val="75000"/>
+                </a:schemeClr>
+              </a:solidFill>
+            </a:endParaRPr>
+          </a:p>
+        </p:txBody>
+      </p:sp>
+      <p:sp>
+        <p:nvSpPr>
+          <p:cNvPr id="3" name="Rectangle 2">
+            <a:extLst>
+              <a:ext uri="{FF2B5EF4-FFF2-40B4-BE49-F238E27FC236}">
+                <a16:creationId xmlns:a16="http://schemas.microsoft.com/office/drawing/2014/main" id="{F476C768-74EB-6327-B709-48542BC5B591}"/>
+              </a:ext>
+            </a:extLst>
+          </p:cNvPr>
+          <p:cNvSpPr/>
+          <p:nvPr/>
+        </p:nvSpPr>
+        <p:spPr>
+          <a:xfrm>
+            <a:off x="4603378" y="5819668"/>
+            <a:ext cx="553066" cy="509046"/>
+          </a:xfrm>
+          <a:prstGeom prst="rect">
+            <a:avLst/>
+          </a:prstGeom>
+          <a:blipFill>
+            <a:blip r:embed="rId8"/>
+            <a:stretch>
+              <a:fillRect l="-1990" t="-7319" r="-1990" b="-7319"/>
+            </a:stretch>
+          </a:blipFill>
+          <a:ln>
+            <a:noFill/>
+          </a:ln>
+        </p:spPr>
+        <p:style>
+          <a:lnRef idx="2">
+            <a:schemeClr val="accent1">
+              <a:shade val="50000"/>
+            </a:schemeClr>
+          </a:lnRef>
+          <a:fillRef idx="1">
+            <a:schemeClr val="accent1"/>
+          </a:fillRef>
+          <a:effectRef idx="0">
+            <a:schemeClr val="accent1"/>
+          </a:effectRef>
+          <a:fontRef idx="minor">
+            <a:schemeClr val="lt1"/>
+          </a:fontRef>
+        </p:style>
+        <p:txBody>
+          <a:bodyPr rtlCol="0" anchor="ctr"/>
+          <a:lstStyle/>
+          <a:p>
+            <a:pPr algn="ctr"/>
+            <a:endParaRPr lang="en-IN"/>
+          </a:p>
+        </p:txBody>
+      </p:sp>
+      <p:sp>
+        <p:nvSpPr>
+          <p:cNvPr id="5" name="TextBox 4">
+            <a:extLst>
+              <a:ext uri="{FF2B5EF4-FFF2-40B4-BE49-F238E27FC236}">
+                <a16:creationId xmlns:a16="http://schemas.microsoft.com/office/drawing/2014/main" id="{F5C07A0A-877B-43AA-E7CB-F7CC12D390A3}"/>
+              </a:ext>
+            </a:extLst>
+          </p:cNvPr>
+          <p:cNvSpPr txBox="1"/>
+          <p:nvPr/>
+        </p:nvSpPr>
+        <p:spPr>
+          <a:xfrm>
+            <a:off x="5135228" y="5947236"/>
+            <a:ext cx="2250196" cy="577081"/>
+          </a:xfrm>
+          <a:prstGeom prst="rect">
+            <a:avLst/>
+          </a:prstGeom>
+          <a:noFill/>
+        </p:spPr>
+        <p:txBody>
+          <a:bodyPr wrap="square" rtlCol="0">
+            <a:spAutoFit/>
+          </a:bodyPr>
+          <a:lstStyle/>
+          <a:p>
+            <a:r>
+              <a:rPr lang="en-IN" sz="1050" b="1" dirty="0">
+                <a:solidFill>
+                  <a:schemeClr val="accent5">
+                    <a:lumMod val="75000"/>
+                  </a:schemeClr>
+                </a:solidFill>
+                <a:hlinkClick r:id="rId9">
+                  <a:extLst>
+                    <a:ext uri="{A12FA001-AC4F-418D-AE19-62706E023703}">
+                      <ahyp:hlinkClr xmlns:ahyp="http://schemas.microsoft.com/office/drawing/2018/hyperlinkcolor" val="tx"/>
+                    </a:ext>
+                  </a:extLst>
+                </a:hlinkClick>
+              </a:rPr>
+              <a:t>https://www.linkedin.com/in/deep-sheta-5a79451a1/</a:t>
+            </a:r>
+            <a:endParaRPr lang="en-IN" sz="1050" b="1" dirty="0">
+              <a:solidFill>
+                <a:schemeClr val="accent5">
+                  <a:lumMod val="75000"/>
+                </a:schemeClr>
+              </a:solidFill>
+            </a:endParaRPr>
+          </a:p>
+          <a:p>
+            <a:endParaRPr lang="en-IN" sz="1050" b="1" dirty="0">
+              <a:solidFill>
+                <a:schemeClr val="accent5">
+                  <a:lumMod val="75000"/>
+                </a:schemeClr>
+              </a:solidFill>
+            </a:endParaRPr>
+          </a:p>
+        </p:txBody>
+      </p:sp>
+      <p:sp>
+        <p:nvSpPr>
+          <p:cNvPr id="6" name="Rectangle 5">
+            <a:extLst>
+              <a:ext uri="{FF2B5EF4-FFF2-40B4-BE49-F238E27FC236}">
+                <a16:creationId xmlns:a16="http://schemas.microsoft.com/office/drawing/2014/main" id="{4D25A22A-886A-F1C4-BF50-FBCBCAD0C078}"/>
+              </a:ext>
+            </a:extLst>
+          </p:cNvPr>
+          <p:cNvSpPr/>
+          <p:nvPr/>
+        </p:nvSpPr>
+        <p:spPr>
+          <a:xfrm>
+            <a:off x="7892422" y="5177647"/>
+            <a:ext cx="553066" cy="509046"/>
+          </a:xfrm>
+          <a:prstGeom prst="rect">
+            <a:avLst/>
+          </a:prstGeom>
+          <a:blipFill>
+            <a:blip r:embed="rId8"/>
+            <a:stretch>
+              <a:fillRect l="-1990" t="-7319" r="-1990" b="-7319"/>
+            </a:stretch>
+          </a:blipFill>
+          <a:ln>
+            <a:noFill/>
+          </a:ln>
+        </p:spPr>
+        <p:style>
+          <a:lnRef idx="2">
+            <a:schemeClr val="accent1">
+              <a:shade val="50000"/>
+            </a:schemeClr>
+          </a:lnRef>
+          <a:fillRef idx="1">
+            <a:schemeClr val="accent1"/>
+          </a:fillRef>
+          <a:effectRef idx="0">
+            <a:schemeClr val="accent1"/>
+          </a:effectRef>
+          <a:fontRef idx="minor">
+            <a:schemeClr val="lt1"/>
+          </a:fontRef>
+        </p:style>
+        <p:txBody>
+          <a:bodyPr rtlCol="0" anchor="ctr"/>
+          <a:lstStyle/>
+          <a:p>
+            <a:pPr algn="ctr"/>
+            <a:endParaRPr lang="en-IN"/>
+          </a:p>
+        </p:txBody>
+      </p:sp>
+      <p:sp>
+        <p:nvSpPr>
+          <p:cNvPr id="7" name="Rectangle 6">
+            <a:extLst>
+              <a:ext uri="{FF2B5EF4-FFF2-40B4-BE49-F238E27FC236}">
+                <a16:creationId xmlns:a16="http://schemas.microsoft.com/office/drawing/2014/main" id="{CACD0C61-0D83-65E0-0C2C-71AC68936297}"/>
+              </a:ext>
+            </a:extLst>
+          </p:cNvPr>
+          <p:cNvSpPr/>
+          <p:nvPr/>
+        </p:nvSpPr>
+        <p:spPr>
+          <a:xfrm>
+            <a:off x="923031" y="5177647"/>
+            <a:ext cx="553066" cy="509046"/>
+          </a:xfrm>
+          <a:prstGeom prst="rect">
+            <a:avLst/>
+          </a:prstGeom>
+          <a:blipFill>
+            <a:blip r:embed="rId8"/>
+            <a:stretch>
+              <a:fillRect l="-1990" t="-7319" r="-1990" b="-7319"/>
+            </a:stretch>
+          </a:blipFill>
+          <a:ln>
+            <a:noFill/>
+          </a:ln>
+        </p:spPr>
+        <p:style>
+          <a:lnRef idx="2">
+            <a:schemeClr val="accent1">
+              <a:shade val="50000"/>
+            </a:schemeClr>
+          </a:lnRef>
+          <a:fillRef idx="1">
+            <a:schemeClr val="accent1"/>
+          </a:fillRef>
+          <a:effectRef idx="0">
+            <a:schemeClr val="accent1"/>
+          </a:effectRef>
+          <a:fontRef idx="minor">
+            <a:schemeClr val="lt1"/>
+          </a:fontRef>
+        </p:style>
+        <p:txBody>
+          <a:bodyPr rtlCol="0" anchor="ctr"/>
+          <a:lstStyle/>
+          <a:p>
+            <a:pPr algn="ctr"/>
+            <a:endParaRPr lang="en-IN"/>
+          </a:p>
+        </p:txBody>
+      </p:sp>
+      <p:sp>
+        <p:nvSpPr>
+          <p:cNvPr id="9" name="TextBox 8">
+            <a:extLst>
+              <a:ext uri="{FF2B5EF4-FFF2-40B4-BE49-F238E27FC236}">
+                <a16:creationId xmlns:a16="http://schemas.microsoft.com/office/drawing/2014/main" id="{751F2811-52A7-0E70-0546-E7526B5C0E01}"/>
+              </a:ext>
+            </a:extLst>
+          </p:cNvPr>
+          <p:cNvSpPr txBox="1"/>
+          <p:nvPr/>
+        </p:nvSpPr>
+        <p:spPr>
+          <a:xfrm>
+            <a:off x="8445488" y="5241098"/>
+            <a:ext cx="2250196" cy="415498"/>
+          </a:xfrm>
+          <a:prstGeom prst="rect">
+            <a:avLst/>
+          </a:prstGeom>
+          <a:noFill/>
+        </p:spPr>
+        <p:txBody>
+          <a:bodyPr wrap="square" rtlCol="0">
+            <a:spAutoFit/>
+          </a:bodyPr>
+          <a:lstStyle/>
+          <a:p>
+            <a:r>
+              <a:rPr lang="en-IN" sz="1050" b="1" dirty="0">
+                <a:solidFill>
+                  <a:schemeClr val="accent5">
+                    <a:lumMod val="75000"/>
+                  </a:schemeClr>
+                </a:solidFill>
+              </a:rPr>
+              <a:t>https://www.linkedin.com/in/charmy-makwana-12014326b</a:t>
+            </a:r>
+          </a:p>
+        </p:txBody>
+      </p:sp>
+      <p:sp>
+        <p:nvSpPr>
+          <p:cNvPr id="13" name="TextBox 12">
+            <a:extLst>
+              <a:ext uri="{FF2B5EF4-FFF2-40B4-BE49-F238E27FC236}">
+                <a16:creationId xmlns:a16="http://schemas.microsoft.com/office/drawing/2014/main" id="{B0E45123-8EF7-3F5A-00D3-50103F274EA9}"/>
+              </a:ext>
+            </a:extLst>
+          </p:cNvPr>
+          <p:cNvSpPr txBox="1"/>
+          <p:nvPr/>
+        </p:nvSpPr>
+        <p:spPr>
+          <a:xfrm>
+            <a:off x="1430368" y="5229449"/>
+            <a:ext cx="2250196" cy="577081"/>
+          </a:xfrm>
+          <a:prstGeom prst="rect">
+            <a:avLst/>
+          </a:prstGeom>
+          <a:noFill/>
+        </p:spPr>
+        <p:txBody>
+          <a:bodyPr wrap="square" rtlCol="0">
+            <a:spAutoFit/>
+          </a:bodyPr>
+          <a:lstStyle/>
+          <a:p>
+            <a:r>
+              <a:rPr lang="en-IN" sz="1050" b="1" dirty="0">
+                <a:solidFill>
+                  <a:schemeClr val="accent5">
+                    <a:lumMod val="75000"/>
+                  </a:schemeClr>
+                </a:solidFill>
+                <a:hlinkClick r:id="rId10">
+                  <a:extLst>
+                    <a:ext uri="{A12FA001-AC4F-418D-AE19-62706E023703}">
+                      <ahyp:hlinkClr xmlns:ahyp="http://schemas.microsoft.com/office/drawing/2018/hyperlinkcolor" val="tx"/>
+                    </a:ext>
+                  </a:extLst>
+                </a:hlinkClick>
+              </a:rPr>
+              <a:t>https://www.linkedin.com/in/niti-patel-42a288167</a:t>
+            </a:r>
+            <a:endParaRPr lang="en-IN" sz="1050" b="1" dirty="0">
+              <a:solidFill>
+                <a:schemeClr val="accent5">
+                  <a:lumMod val="75000"/>
+                </a:schemeClr>
+              </a:solidFill>
+            </a:endParaRPr>
+          </a:p>
+          <a:p>
+            <a:endParaRPr lang="en-IN" sz="1050" b="1" dirty="0">
+              <a:solidFill>
+                <a:schemeClr val="accent5">
+                  <a:lumMod val="75000"/>
+                </a:schemeClr>
+              </a:solidFill>
+            </a:endParaRPr>
+          </a:p>
+        </p:txBody>
+      </p:sp>
+    </p:spTree>
+    <p:extLst>
+      <p:ext uri="{BB962C8B-B14F-4D97-AF65-F5344CB8AC3E}">
+        <p14:creationId xmlns:p14="http://schemas.microsoft.com/office/powerpoint/2010/main" val="280420264"/>
+      </p:ext>
+    </p:extLst>
+  </p:cSld>
+  <p:clrMapOvr>
+    <a:masterClrMapping/>
+  </p:clrMapOvr>
+</p:sld>
+</file>
+
+<file path=ppt/slides/slide3.xml><?xml version="1.0" encoding="utf-8"?>
 <p:sld xmlns:a="http://schemas.openxmlformats.org/drawingml/2006/main" xmlns:r="http://schemas.openxmlformats.org/officeDocument/2006/relationships" xmlns:p="http://schemas.openxmlformats.org/presentationml/2006/main">
   <p:cSld>
     <p:spTree>
@@ -12310,7 +14170,7 @@
 </p:sld>
 </file>
 
-<file path=ppt/slides/slide3.xml><?xml version="1.0" encoding="utf-8"?>
+<file path=ppt/slides/slide4.xml><?xml version="1.0" encoding="utf-8"?>
 <p:sld xmlns:a="http://schemas.openxmlformats.org/drawingml/2006/main" xmlns:r="http://schemas.openxmlformats.org/officeDocument/2006/relationships" xmlns:p="http://schemas.openxmlformats.org/presentationml/2006/main">
   <p:cSld>
     <p:spTree>
@@ -12555,8 +14415,8 @@
         </p:nvSpPr>
         <p:spPr>
           <a:xfrm rot="5400000">
-            <a:off x="4774919" y="-2323465"/>
-            <a:ext cx="2799275" cy="10501461"/>
+            <a:off x="4770205" y="-2318752"/>
+            <a:ext cx="2902970" cy="10595729"/>
           </a:xfrm>
           <a:prstGeom prst="trapezoid">
             <a:avLst/>
@@ -12660,7 +14520,7 @@
         <p:spPr>
           <a:xfrm>
             <a:off x="2559642" y="2290114"/>
-            <a:ext cx="8258576" cy="1685333"/>
+            <a:ext cx="8258576" cy="1765035"/>
           </a:xfrm>
           <a:prstGeom prst="rect">
             <a:avLst/>
@@ -12674,8 +14534,11 @@
           <a:p>
             <a:pPr algn="just">
               <a:lnSpc>
-                <a:spcPts val="1900"/>
+                <a:spcPct val="107000"/>
               </a:lnSpc>
+              <a:spcAft>
+                <a:spcPts val="800"/>
+              </a:spcAft>
             </a:pPr>
             <a:r>
               <a:rPr lang="en-US" sz="1800" dirty="0">
@@ -12687,7 +14550,7 @@
                 <a:ea typeface="Calibri" panose="020F0502020204030204" pitchFamily="34" charset="0"/>
                 <a:cs typeface="Shruti" panose="020B0502040204020203" pitchFamily="34" charset="0"/>
               </a:rPr>
-              <a:t>Life as we know it has been turned upside down due to the unprecedented circumstances brought on by covid-19.  In </a:t>
+              <a:t>Life as we know it has been turned upside down due to the unprecedented circumstances brought on by covid-19.  In 2020</a:t>
             </a:r>
             <a:r>
               <a:rPr lang="en-US" sz="1800" b="1" dirty="0">
@@ -12699,10 +14562,10 @@
                 <a:ea typeface="Calibri" panose="020F0502020204030204" pitchFamily="34" charset="0"/>
                 <a:cs typeface="Shruti" panose="020B0502040204020203" pitchFamily="34" charset="0"/>
               </a:rPr>
-              <a:t>2020</a:t>
+              <a:t>, The United States of America’s Gross Domestic Product (GDP) decreased by </a:t>
             </a:r>
             <a:r>
-              <a:rPr lang="en-US" sz="1800" dirty="0">
+              <a:rPr lang="en-IN" sz="1800" b="1" dirty="0">
                 <a:solidFill>
                   <a:schemeClr val="bg1"/>
                 </a:solidFill>
@@ -12711,79 +14574,7 @@
                 <a:ea typeface="Calibri" panose="020F0502020204030204" pitchFamily="34" charset="0"/>
                 <a:cs typeface="Shruti" panose="020B0502040204020203" pitchFamily="34" charset="0"/>
               </a:rPr>
-              <a:t>, </a:t>
-            </a:r>
-            <a:r>
-              <a:rPr lang="en-US" sz="1800" b="1" dirty="0">
-                <a:solidFill>
-                  <a:schemeClr val="bg1"/>
-                </a:solidFill>
-                <a:effectLst/>
-                <a:latin typeface="Calibri" panose="020F0502020204030204" pitchFamily="34" charset="0"/>
-                <a:ea typeface="Calibri" panose="020F0502020204030204" pitchFamily="34" charset="0"/>
-                <a:cs typeface="Shruti" panose="020B0502040204020203" pitchFamily="34" charset="0"/>
-              </a:rPr>
-              <a:t>global</a:t>
-            </a:r>
-            <a:r>
-              <a:rPr lang="en-US" sz="1800" dirty="0">
-                <a:solidFill>
-                  <a:schemeClr val="bg1"/>
-                </a:solidFill>
-                <a:effectLst/>
-                <a:latin typeface="Calibri" panose="020F0502020204030204" pitchFamily="34" charset="0"/>
-                <a:ea typeface="Calibri" panose="020F0502020204030204" pitchFamily="34" charset="0"/>
-                <a:cs typeface="Shruti" panose="020B0502040204020203" pitchFamily="34" charset="0"/>
-              </a:rPr>
-              <a:t> Gross Domestic Product </a:t>
-            </a:r>
-            <a:r>
-              <a:rPr lang="en-US" sz="1800" b="1" dirty="0">
-                <a:solidFill>
-                  <a:schemeClr val="bg1"/>
-                </a:solidFill>
-                <a:effectLst/>
-                <a:latin typeface="Calibri" panose="020F0502020204030204" pitchFamily="34" charset="0"/>
-                <a:ea typeface="Calibri" panose="020F0502020204030204" pitchFamily="34" charset="0"/>
-                <a:cs typeface="Shruti" panose="020B0502040204020203" pitchFamily="34" charset="0"/>
-              </a:rPr>
-              <a:t>(GDP)</a:t>
-            </a:r>
-            <a:r>
-              <a:rPr lang="en-US" sz="1800" dirty="0">
-                <a:solidFill>
-                  <a:schemeClr val="bg1"/>
-                </a:solidFill>
-                <a:effectLst/>
-                <a:latin typeface="Calibri" panose="020F0502020204030204" pitchFamily="34" charset="0"/>
-                <a:ea typeface="Calibri" panose="020F0502020204030204" pitchFamily="34" charset="0"/>
-                <a:cs typeface="Shruti" panose="020B0502040204020203" pitchFamily="34" charset="0"/>
-              </a:rPr>
-              <a:t> </a:t>
-            </a:r>
-            <a:r>
-              <a:rPr lang="en-US" sz="1800" b="1" dirty="0">
-                <a:solidFill>
-                  <a:schemeClr val="bg1"/>
-                </a:solidFill>
-                <a:effectLst/>
-                <a:latin typeface="Calibri" panose="020F0502020204030204" pitchFamily="34" charset="0"/>
-                <a:ea typeface="Calibri" panose="020F0502020204030204" pitchFamily="34" charset="0"/>
-                <a:cs typeface="Shruti" panose="020B0502040204020203" pitchFamily="34" charset="0"/>
-              </a:rPr>
-              <a:t>decreased by 3.4</a:t>
-            </a:r>
-            <a:r>
-              <a:rPr lang="en-US" sz="1800" dirty="0">
-                <a:solidFill>
-                  <a:schemeClr val="bg1"/>
-                </a:solidFill>
-                <a:effectLst/>
-                <a:latin typeface="Calibri" panose="020F0502020204030204" pitchFamily="34" charset="0"/>
-                <a:ea typeface="Calibri" panose="020F0502020204030204" pitchFamily="34" charset="0"/>
-                <a:cs typeface="Shruti" panose="020B0502040204020203" pitchFamily="34" charset="0"/>
-              </a:rPr>
-              <a:t> </a:t>
+              <a:t>2.76 </a:t>
             </a:r>
             <a:r>
               <a:rPr lang="en-US" sz="1800" b="1" dirty="0">
@@ -12807,7 +14598,31 @@
                 <a:ea typeface="Calibri" panose="020F0502020204030204" pitchFamily="34" charset="0"/>
                 <a:cs typeface="Shruti" panose="020B0502040204020203" pitchFamily="34" charset="0"/>
               </a:rPr>
-              <a:t>, while the forecast initially was 2.9 percent GDP growth. Many businesses and industries across the world have been severely affected and the need for sustainable measures to help these industries to not just survive but thrive is greater than ever.</a:t>
+              <a:t>, while the forecast initially was </a:t>
+            </a:r>
+            <a:r>
+              <a:rPr lang="en-US" sz="1800" b="1" dirty="0">
+                <a:solidFill>
+                  <a:schemeClr val="bg1"/>
+                </a:solidFill>
+                <a:effectLst/>
+                <a:latin typeface="Calibri" panose="020F0502020204030204" pitchFamily="34" charset="0"/>
+                <a:ea typeface="Calibri" panose="020F0502020204030204" pitchFamily="34" charset="0"/>
+                <a:cs typeface="Shruti" panose="020B0502040204020203" pitchFamily="34" charset="0"/>
+              </a:rPr>
+              <a:t>1 </a:t>
+            </a:r>
+            <a:r>
+              <a:rPr lang="en-US" sz="1800" dirty="0">
+                <a:solidFill>
+                  <a:schemeClr val="bg1"/>
+                </a:solidFill>
+                <a:effectLst/>
+                <a:latin typeface="Calibri" panose="020F0502020204030204" pitchFamily="34" charset="0"/>
+                <a:ea typeface="Calibri" panose="020F0502020204030204" pitchFamily="34" charset="0"/>
+                <a:cs typeface="Shruti" panose="020B0502040204020203" pitchFamily="34" charset="0"/>
+              </a:rPr>
+              <a:t>percent GDP growth. Many businesses and industries across the world have been severely affected and the need for sustainable measures to help these industries to not just survive but thrive is greater than ever.</a:t>
             </a:r>
             <a:endParaRPr lang="en-IN" sz="1800" dirty="0">
               <a:solidFill>
@@ -12818,22 +14633,6 @@
               <a:ea typeface="Calibri" panose="020F0502020204030204" pitchFamily="34" charset="0"/>
               <a:cs typeface="Shruti" panose="020B0502040204020203" pitchFamily="34" charset="0"/>
             </a:endParaRPr>
-          </a:p>
-          <a:p>
-            <a:pPr algn="just">
-              <a:lnSpc>
-                <a:spcPts val="1900"/>
-              </a:lnSpc>
-            </a:pPr>
-            <a:r>
-              <a:rPr lang="en-US" sz="1400" dirty="0">
-                <a:solidFill>
-                  <a:schemeClr val="bg1"/>
-                </a:solidFill>
-                <a:cs typeface="Segoe UI" panose="020B0502040204020203" pitchFamily="34" charset="0"/>
-              </a:rPr>
-              <a:t>. </a:t>
-            </a:r>
           </a:p>
         </p:txBody>
       </p:sp>
@@ -14595,7 +16394,7 @@
 </p:sld>
 </file>
 
-<file path=ppt/slides/slide4.xml><?xml version="1.0" encoding="utf-8"?>
+<file path=ppt/slides/slide5.xml><?xml version="1.0" encoding="utf-8"?>
 <p:sld xmlns:a="http://schemas.openxmlformats.org/drawingml/2006/main" xmlns:r="http://schemas.openxmlformats.org/officeDocument/2006/relationships" xmlns:p="http://schemas.openxmlformats.org/presentationml/2006/main">
   <p:cSld>
     <p:spTree>
@@ -15679,7 +17478,7 @@
 </p:sld>
 </file>
 
-<file path=ppt/slides/slide5.xml><?xml version="1.0" encoding="utf-8"?>
+<file path=ppt/slides/slide6.xml><?xml version="1.0" encoding="utf-8"?>
 <p:sld xmlns:a="http://schemas.openxmlformats.org/drawingml/2006/main" xmlns:r="http://schemas.openxmlformats.org/officeDocument/2006/relationships" xmlns:p="http://schemas.openxmlformats.org/presentationml/2006/main">
   <p:cSld>
     <p:spTree>
@@ -15978,8 +17777,8 @@
         </p:nvSpPr>
         <p:spPr>
           <a:xfrm>
-            <a:off x="1076604" y="2886560"/>
-            <a:ext cx="1371600" cy="492443"/>
+            <a:off x="1066585" y="2927266"/>
+            <a:ext cx="1371600" cy="246221"/>
           </a:xfrm>
           <a:prstGeom prst="rect">
             <a:avLst/>
@@ -15998,18 +17797,7 @@
                   <a:schemeClr val="bg1"/>
                 </a:solidFill>
               </a:rPr>
-              <a:t>Background/</a:t>
-            </a:r>
-          </a:p>
-          <a:p>
-            <a:pPr algn="ctr"/>
-            <a:r>
-              <a:rPr lang="en-US" sz="1600" b="1" dirty="0">
-                <a:solidFill>
-                  <a:schemeClr val="bg1"/>
-                </a:solidFill>
-              </a:rPr>
-              <a:t>Motivation</a:t>
+              <a:t>Proposal</a:t>
             </a:r>
           </a:p>
         </p:txBody>
@@ -16029,7 +17817,7 @@
         <p:spPr>
           <a:xfrm>
             <a:off x="2559642" y="2290114"/>
-            <a:ext cx="8258576" cy="1685333"/>
+            <a:ext cx="8258576" cy="1172309"/>
           </a:xfrm>
           <a:prstGeom prst="rect">
             <a:avLst/>
@@ -16043,8 +17831,11 @@
           <a:p>
             <a:pPr algn="just">
               <a:lnSpc>
-                <a:spcPts val="1900"/>
+                <a:spcPct val="107000"/>
               </a:lnSpc>
+              <a:spcAft>
+                <a:spcPts val="800"/>
+              </a:spcAft>
             </a:pPr>
             <a:r>
               <a:rPr lang="en-US" sz="1800" dirty="0">
@@ -16056,127 +17847,7 @@
                 <a:ea typeface="Calibri" panose="020F0502020204030204" pitchFamily="34" charset="0"/>
                 <a:cs typeface="Shruti" panose="020B0502040204020203" pitchFamily="34" charset="0"/>
               </a:rPr>
-              <a:t>Life as we know it has been turned upside down due to the unprecedented circumstances brought on by covid-19.  In </a:t>
-            </a:r>
-            <a:r>
-              <a:rPr lang="en-US" sz="1800" b="1" dirty="0">
-                <a:solidFill>
-                  <a:schemeClr val="bg1"/>
-                </a:solidFill>
-                <a:effectLst/>
-                <a:latin typeface="Calibri" panose="020F0502020204030204" pitchFamily="34" charset="0"/>
-                <a:ea typeface="Calibri" panose="020F0502020204030204" pitchFamily="34" charset="0"/>
-                <a:cs typeface="Shruti" panose="020B0502040204020203" pitchFamily="34" charset="0"/>
-              </a:rPr>
-              <a:t>2020</a:t>
-            </a:r>
-            <a:r>
-              <a:rPr lang="en-US" sz="1800" dirty="0">
-                <a:solidFill>
-                  <a:schemeClr val="bg1"/>
-                </a:solidFill>
-                <a:effectLst/>
-                <a:latin typeface="Calibri" panose="020F0502020204030204" pitchFamily="34" charset="0"/>
-                <a:ea typeface="Calibri" panose="020F0502020204030204" pitchFamily="34" charset="0"/>
-                <a:cs typeface="Shruti" panose="020B0502040204020203" pitchFamily="34" charset="0"/>
-              </a:rPr>
-              <a:t>, </a:t>
-            </a:r>
-            <a:r>
-              <a:rPr lang="en-US" sz="1800" b="1" dirty="0">
-                <a:solidFill>
-                  <a:schemeClr val="bg1"/>
-                </a:solidFill>
-                <a:effectLst/>
-                <a:latin typeface="Calibri" panose="020F0502020204030204" pitchFamily="34" charset="0"/>
-                <a:ea typeface="Calibri" panose="020F0502020204030204" pitchFamily="34" charset="0"/>
-                <a:cs typeface="Shruti" panose="020B0502040204020203" pitchFamily="34" charset="0"/>
-              </a:rPr>
-              <a:t>global</a:t>
-            </a:r>
-            <a:r>
-              <a:rPr lang="en-US" sz="1800" dirty="0">
-                <a:solidFill>
-                  <a:schemeClr val="bg1"/>
-                </a:solidFill>
-                <a:effectLst/>
-                <a:latin typeface="Calibri" panose="020F0502020204030204" pitchFamily="34" charset="0"/>
-                <a:ea typeface="Calibri" panose="020F0502020204030204" pitchFamily="34" charset="0"/>
-                <a:cs typeface="Shruti" panose="020B0502040204020203" pitchFamily="34" charset="0"/>
-              </a:rPr>
-              <a:t> Gross Domestic Product </a:t>
-            </a:r>
-            <a:r>
-              <a:rPr lang="en-US" sz="1800" b="1" dirty="0">
-                <a:solidFill>
-                  <a:schemeClr val="bg1"/>
-                </a:solidFill>
-                <a:effectLst/>
-                <a:latin typeface="Calibri" panose="020F0502020204030204" pitchFamily="34" charset="0"/>
-                <a:ea typeface="Calibri" panose="020F0502020204030204" pitchFamily="34" charset="0"/>
-                <a:cs typeface="Shruti" panose="020B0502040204020203" pitchFamily="34" charset="0"/>
-              </a:rPr>
-              <a:t>(GDP)</a:t>
-            </a:r>
-            <a:r>
-              <a:rPr lang="en-US" sz="1800" dirty="0">
-                <a:solidFill>
-                  <a:schemeClr val="bg1"/>
-                </a:solidFill>
-                <a:effectLst/>
-                <a:latin typeface="Calibri" panose="020F0502020204030204" pitchFamily="34" charset="0"/>
-                <a:ea typeface="Calibri" panose="020F0502020204030204" pitchFamily="34" charset="0"/>
-                <a:cs typeface="Shruti" panose="020B0502040204020203" pitchFamily="34" charset="0"/>
-              </a:rPr>
-              <a:t> </a:t>
-            </a:r>
-            <a:r>
-              <a:rPr lang="en-US" sz="1800" b="1" dirty="0">
-                <a:solidFill>
-                  <a:schemeClr val="bg1"/>
-                </a:solidFill>
-                <a:effectLst/>
-                <a:latin typeface="Calibri" panose="020F0502020204030204" pitchFamily="34" charset="0"/>
-                <a:ea typeface="Calibri" panose="020F0502020204030204" pitchFamily="34" charset="0"/>
-                <a:cs typeface="Shruti" panose="020B0502040204020203" pitchFamily="34" charset="0"/>
-              </a:rPr>
-              <a:t>decreased by 3.4</a:t>
-            </a:r>
-            <a:r>
-              <a:rPr lang="en-US" sz="1800" dirty="0">
-                <a:solidFill>
-                  <a:schemeClr val="bg1"/>
-                </a:solidFill>
-                <a:effectLst/>
-                <a:latin typeface="Calibri" panose="020F0502020204030204" pitchFamily="34" charset="0"/>
-                <a:ea typeface="Calibri" panose="020F0502020204030204" pitchFamily="34" charset="0"/>
-                <a:cs typeface="Shruti" panose="020B0502040204020203" pitchFamily="34" charset="0"/>
-              </a:rPr>
-              <a:t> </a:t>
-            </a:r>
-            <a:r>
-              <a:rPr lang="en-US" sz="1800" b="1" dirty="0">
-                <a:solidFill>
-                  <a:schemeClr val="bg1"/>
-                </a:solidFill>
-                <a:effectLst/>
-                <a:latin typeface="Calibri" panose="020F0502020204030204" pitchFamily="34" charset="0"/>
-                <a:ea typeface="Calibri" panose="020F0502020204030204" pitchFamily="34" charset="0"/>
-                <a:cs typeface="Shruti" panose="020B0502040204020203" pitchFamily="34" charset="0"/>
-              </a:rPr>
-              <a:t>percent</a:t>
-            </a:r>
-            <a:r>
-              <a:rPr lang="en-US" sz="1800" dirty="0">
-                <a:solidFill>
-                  <a:schemeClr val="bg1"/>
-                </a:solidFill>
-                <a:effectLst/>
-                <a:latin typeface="Calibri" panose="020F0502020204030204" pitchFamily="34" charset="0"/>
-                <a:ea typeface="Calibri" panose="020F0502020204030204" pitchFamily="34" charset="0"/>
-                <a:cs typeface="Shruti" panose="020B0502040204020203" pitchFamily="34" charset="0"/>
-              </a:rPr>
-              <a:t>, while the forecast initially was 2.9 percent GDP growth. Many businesses and industries across the world have been severely affected and the need for sustainable measures to help these industries to not just survive but thrive is greater than ever.</a:t>
+              <a:t>Our plan is to conduct an in-depth analysis of data sources and uncover the correlation between vaccine availability, unemployment levels, and GDP growth. Through this analytics report, we will be able to pinpoint the causes of economic instability and create measures to prevent similar recurrences in future.</a:t>
             </a:r>
             <a:endParaRPr lang="en-IN" sz="1800" dirty="0">
               <a:solidFill>
@@ -16188,929 +17859,47 @@
               <a:cs typeface="Shruti" panose="020B0502040204020203" pitchFamily="34" charset="0"/>
             </a:endParaRPr>
           </a:p>
-          <a:p>
-            <a:pPr algn="just">
-              <a:lnSpc>
-                <a:spcPts val="1900"/>
-              </a:lnSpc>
-            </a:pPr>
-            <a:r>
-              <a:rPr lang="en-US" sz="1400" dirty="0">
-                <a:solidFill>
-                  <a:schemeClr val="bg1"/>
-                </a:solidFill>
-                <a:cs typeface="Segoe UI" panose="020B0502040204020203" pitchFamily="34" charset="0"/>
-              </a:rPr>
-              <a:t>. </a:t>
-            </a:r>
-          </a:p>
         </p:txBody>
       </p:sp>
-      <p:sp>
-        <p:nvSpPr>
-          <p:cNvPr id="56" name="Freeform 4197" descr="Icon of shopping cart.">
+      <p:pic>
+        <p:nvPicPr>
+          <p:cNvPr id="10" name="Graphic 9" descr="Questions outline">
             <a:extLst>
               <a:ext uri="{FF2B5EF4-FFF2-40B4-BE49-F238E27FC236}">
-                <a16:creationId xmlns:a16="http://schemas.microsoft.com/office/drawing/2014/main" id="{DEC447B3-FDD1-438D-A671-84CC56DF3DFC}"/>
+                <a16:creationId xmlns:a16="http://schemas.microsoft.com/office/drawing/2014/main" id="{2A2D526C-2BBA-263A-19B9-0956EC0D29A8}"/>
               </a:ext>
             </a:extLst>
           </p:cNvPr>
-          <p:cNvSpPr>
-            <a:spLocks noEditPoints="1"/>
-          </p:cNvSpPr>
+          <p:cNvPicPr>
+            <a:picLocks noChangeAspect="1"/>
+          </p:cNvPicPr>
           <p:nvPr/>
-        </p:nvSpPr>
-        <p:spPr bwMode="auto">
+        </p:nvPicPr>
+        <p:blipFill>
+          <a:blip r:embed="rId3">
+            <a:extLst>
+              <a:ext uri="{28A0092B-C50C-407E-A947-70E740481C1C}">
+                <a14:useLocalDpi xmlns:a14="http://schemas.microsoft.com/office/drawing/2010/main" val="0"/>
+              </a:ext>
+              <a:ext uri="{96DAC541-7B7A-43D3-8B79-37D633B846F1}">
+                <asvg:svgBlip xmlns:asvg="http://schemas.microsoft.com/office/drawing/2016/SVG/main" r:embed="rId4"/>
+              </a:ext>
+            </a:extLst>
+          </a:blip>
+          <a:stretch>
+            <a:fillRect/>
+          </a:stretch>
+        </p:blipFill>
+        <p:spPr>
           <a:xfrm>
-            <a:off x="1572237" y="2313021"/>
-            <a:ext cx="380334" cy="348640"/>
+            <a:off x="1305204" y="2095270"/>
+            <a:ext cx="914400" cy="914400"/>
           </a:xfrm>
-          <a:custGeom>
+          <a:prstGeom prst="rect">
             <a:avLst/>
-            <a:gdLst>
-              <a:gd name="T0" fmla="*/ 540 w 901"/>
-              <a:gd name="T1" fmla="*/ 161 h 826"/>
-              <a:gd name="T2" fmla="*/ 360 w 901"/>
-              <a:gd name="T3" fmla="*/ 255 h 826"/>
-              <a:gd name="T4" fmla="*/ 360 w 901"/>
-              <a:gd name="T5" fmla="*/ 255 h 826"/>
-              <a:gd name="T6" fmla="*/ 201 w 901"/>
-              <a:gd name="T7" fmla="*/ 255 h 826"/>
-              <a:gd name="T8" fmla="*/ 749 w 901"/>
-              <a:gd name="T9" fmla="*/ 46 h 826"/>
-              <a:gd name="T10" fmla="*/ 692 w 901"/>
-              <a:gd name="T11" fmla="*/ 248 h 826"/>
-              <a:gd name="T12" fmla="*/ 568 w 901"/>
-              <a:gd name="T13" fmla="*/ 103 h 826"/>
-              <a:gd name="T14" fmla="*/ 556 w 901"/>
-              <a:gd name="T15" fmla="*/ 104 h 826"/>
-              <a:gd name="T16" fmla="*/ 341 w 901"/>
-              <a:gd name="T17" fmla="*/ 135 h 826"/>
-              <a:gd name="T18" fmla="*/ 333 w 901"/>
-              <a:gd name="T19" fmla="*/ 141 h 826"/>
-              <a:gd name="T20" fmla="*/ 330 w 901"/>
-              <a:gd name="T21" fmla="*/ 255 h 826"/>
-              <a:gd name="T22" fmla="*/ 120 w 901"/>
-              <a:gd name="T23" fmla="*/ 4 h 826"/>
-              <a:gd name="T24" fmla="*/ 109 w 901"/>
-              <a:gd name="T25" fmla="*/ 0 h 826"/>
-              <a:gd name="T26" fmla="*/ 5 w 901"/>
-              <a:gd name="T27" fmla="*/ 48 h 826"/>
-              <a:gd name="T28" fmla="*/ 0 w 901"/>
-              <a:gd name="T29" fmla="*/ 58 h 826"/>
-              <a:gd name="T30" fmla="*/ 82 w 901"/>
-              <a:gd name="T31" fmla="*/ 255 h 826"/>
-              <a:gd name="T32" fmla="*/ 5 w 901"/>
-              <a:gd name="T33" fmla="*/ 259 h 826"/>
-              <a:gd name="T34" fmla="*/ 0 w 901"/>
-              <a:gd name="T35" fmla="*/ 271 h 826"/>
-              <a:gd name="T36" fmla="*/ 120 w 901"/>
-              <a:gd name="T37" fmla="*/ 643 h 826"/>
-              <a:gd name="T38" fmla="*/ 589 w 901"/>
-              <a:gd name="T39" fmla="*/ 676 h 826"/>
-              <a:gd name="T40" fmla="*/ 157 w 901"/>
-              <a:gd name="T41" fmla="*/ 679 h 826"/>
-              <a:gd name="T42" fmla="*/ 131 w 901"/>
-              <a:gd name="T43" fmla="*/ 693 h 826"/>
-              <a:gd name="T44" fmla="*/ 113 w 901"/>
-              <a:gd name="T45" fmla="*/ 716 h 826"/>
-              <a:gd name="T46" fmla="*/ 105 w 901"/>
-              <a:gd name="T47" fmla="*/ 744 h 826"/>
-              <a:gd name="T48" fmla="*/ 108 w 901"/>
-              <a:gd name="T49" fmla="*/ 774 h 826"/>
-              <a:gd name="T50" fmla="*/ 122 w 901"/>
-              <a:gd name="T51" fmla="*/ 798 h 826"/>
-              <a:gd name="T52" fmla="*/ 144 w 901"/>
-              <a:gd name="T53" fmla="*/ 818 h 826"/>
-              <a:gd name="T54" fmla="*/ 172 w 901"/>
-              <a:gd name="T55" fmla="*/ 826 h 826"/>
-              <a:gd name="T56" fmla="*/ 202 w 901"/>
-              <a:gd name="T57" fmla="*/ 823 h 826"/>
-              <a:gd name="T58" fmla="*/ 228 w 901"/>
-              <a:gd name="T59" fmla="*/ 809 h 826"/>
-              <a:gd name="T60" fmla="*/ 246 w 901"/>
-              <a:gd name="T61" fmla="*/ 787 h 826"/>
-              <a:gd name="T62" fmla="*/ 255 w 901"/>
-              <a:gd name="T63" fmla="*/ 759 h 826"/>
-              <a:gd name="T64" fmla="*/ 246 w 901"/>
-              <a:gd name="T65" fmla="*/ 716 h 826"/>
-              <a:gd name="T66" fmla="*/ 514 w 901"/>
-              <a:gd name="T67" fmla="*/ 727 h 826"/>
-              <a:gd name="T68" fmla="*/ 512 w 901"/>
-              <a:gd name="T69" fmla="*/ 766 h 826"/>
-              <a:gd name="T70" fmla="*/ 523 w 901"/>
-              <a:gd name="T71" fmla="*/ 793 h 826"/>
-              <a:gd name="T72" fmla="*/ 543 w 901"/>
-              <a:gd name="T73" fmla="*/ 813 h 826"/>
-              <a:gd name="T74" fmla="*/ 570 w 901"/>
-              <a:gd name="T75" fmla="*/ 825 h 826"/>
-              <a:gd name="T76" fmla="*/ 601 w 901"/>
-              <a:gd name="T77" fmla="*/ 825 h 826"/>
-              <a:gd name="T78" fmla="*/ 628 w 901"/>
-              <a:gd name="T79" fmla="*/ 813 h 826"/>
-              <a:gd name="T80" fmla="*/ 648 w 901"/>
-              <a:gd name="T81" fmla="*/ 793 h 826"/>
-              <a:gd name="T82" fmla="*/ 659 w 901"/>
-              <a:gd name="T83" fmla="*/ 766 h 826"/>
-              <a:gd name="T84" fmla="*/ 658 w 901"/>
-              <a:gd name="T85" fmla="*/ 730 h 826"/>
-              <a:gd name="T86" fmla="*/ 635 w 901"/>
-              <a:gd name="T87" fmla="*/ 695 h 826"/>
-              <a:gd name="T88" fmla="*/ 630 w 901"/>
-              <a:gd name="T89" fmla="*/ 635 h 826"/>
-              <a:gd name="T90" fmla="*/ 886 w 901"/>
-              <a:gd name="T91" fmla="*/ 75 h 826"/>
-              <a:gd name="T92" fmla="*/ 897 w 901"/>
-              <a:gd name="T93" fmla="*/ 70 h 826"/>
-              <a:gd name="T94" fmla="*/ 901 w 901"/>
-              <a:gd name="T95" fmla="*/ 60 h 826"/>
-              <a:gd name="T96" fmla="*/ 897 w 901"/>
-              <a:gd name="T97" fmla="*/ 49 h 826"/>
-              <a:gd name="T98" fmla="*/ 886 w 901"/>
-              <a:gd name="T99" fmla="*/ 45 h 826"/>
-            </a:gdLst>
-            <a:ahLst/>
-            <a:cxnLst>
-              <a:cxn ang="0">
-                <a:pos x="T0" y="T1"/>
-              </a:cxn>
-              <a:cxn ang="0">
-                <a:pos x="T2" y="T3"/>
-              </a:cxn>
-              <a:cxn ang="0">
-                <a:pos x="T4" y="T5"/>
-              </a:cxn>
-              <a:cxn ang="0">
-                <a:pos x="T6" y="T7"/>
-              </a:cxn>
-              <a:cxn ang="0">
-                <a:pos x="T8" y="T9"/>
-              </a:cxn>
-              <a:cxn ang="0">
-                <a:pos x="T10" y="T11"/>
-              </a:cxn>
-              <a:cxn ang="0">
-                <a:pos x="T12" y="T13"/>
-              </a:cxn>
-              <a:cxn ang="0">
-                <a:pos x="T14" y="T15"/>
-              </a:cxn>
-              <a:cxn ang="0">
-                <a:pos x="T16" y="T17"/>
-              </a:cxn>
-              <a:cxn ang="0">
-                <a:pos x="T18" y="T19"/>
-              </a:cxn>
-              <a:cxn ang="0">
-                <a:pos x="T20" y="T21"/>
-              </a:cxn>
-              <a:cxn ang="0">
-                <a:pos x="T22" y="T23"/>
-              </a:cxn>
-              <a:cxn ang="0">
-                <a:pos x="T24" y="T25"/>
-              </a:cxn>
-              <a:cxn ang="0">
-                <a:pos x="T26" y="T27"/>
-              </a:cxn>
-              <a:cxn ang="0">
-                <a:pos x="T28" y="T29"/>
-              </a:cxn>
-              <a:cxn ang="0">
-                <a:pos x="T30" y="T31"/>
-              </a:cxn>
-              <a:cxn ang="0">
-                <a:pos x="T32" y="T33"/>
-              </a:cxn>
-              <a:cxn ang="0">
-                <a:pos x="T34" y="T35"/>
-              </a:cxn>
-              <a:cxn ang="0">
-                <a:pos x="T36" y="T37"/>
-              </a:cxn>
-              <a:cxn ang="0">
-                <a:pos x="T38" y="T39"/>
-              </a:cxn>
-              <a:cxn ang="0">
-                <a:pos x="T40" y="T41"/>
-              </a:cxn>
-              <a:cxn ang="0">
-                <a:pos x="T42" y="T43"/>
-              </a:cxn>
-              <a:cxn ang="0">
-                <a:pos x="T44" y="T45"/>
-              </a:cxn>
-              <a:cxn ang="0">
-                <a:pos x="T46" y="T47"/>
-              </a:cxn>
-              <a:cxn ang="0">
-                <a:pos x="T48" y="T49"/>
-              </a:cxn>
-              <a:cxn ang="0">
-                <a:pos x="T50" y="T51"/>
-              </a:cxn>
-              <a:cxn ang="0">
-                <a:pos x="T52" y="T53"/>
-              </a:cxn>
-              <a:cxn ang="0">
-                <a:pos x="T54" y="T55"/>
-              </a:cxn>
-              <a:cxn ang="0">
-                <a:pos x="T56" y="T57"/>
-              </a:cxn>
-              <a:cxn ang="0">
-                <a:pos x="T58" y="T59"/>
-              </a:cxn>
-              <a:cxn ang="0">
-                <a:pos x="T60" y="T61"/>
-              </a:cxn>
-              <a:cxn ang="0">
-                <a:pos x="T62" y="T63"/>
-              </a:cxn>
-              <a:cxn ang="0">
-                <a:pos x="T64" y="T65"/>
-              </a:cxn>
-              <a:cxn ang="0">
-                <a:pos x="T66" y="T67"/>
-              </a:cxn>
-              <a:cxn ang="0">
-                <a:pos x="T68" y="T69"/>
-              </a:cxn>
-              <a:cxn ang="0">
-                <a:pos x="T70" y="T71"/>
-              </a:cxn>
-              <a:cxn ang="0">
-                <a:pos x="T72" y="T73"/>
-              </a:cxn>
-              <a:cxn ang="0">
-                <a:pos x="T74" y="T75"/>
-              </a:cxn>
-              <a:cxn ang="0">
-                <a:pos x="T76" y="T77"/>
-              </a:cxn>
-              <a:cxn ang="0">
-                <a:pos x="T78" y="T79"/>
-              </a:cxn>
-              <a:cxn ang="0">
-                <a:pos x="T80" y="T81"/>
-              </a:cxn>
-              <a:cxn ang="0">
-                <a:pos x="T82" y="T83"/>
-              </a:cxn>
-              <a:cxn ang="0">
-                <a:pos x="T84" y="T85"/>
-              </a:cxn>
-              <a:cxn ang="0">
-                <a:pos x="T86" y="T87"/>
-              </a:cxn>
-              <a:cxn ang="0">
-                <a:pos x="T88" y="T89"/>
-              </a:cxn>
-              <a:cxn ang="0">
-                <a:pos x="T90" y="T91"/>
-              </a:cxn>
-              <a:cxn ang="0">
-                <a:pos x="T92" y="T93"/>
-              </a:cxn>
-              <a:cxn ang="0">
-                <a:pos x="T94" y="T95"/>
-              </a:cxn>
-              <a:cxn ang="0">
-                <a:pos x="T96" y="T97"/>
-              </a:cxn>
-              <a:cxn ang="0">
-                <a:pos x="T98" y="T99"/>
-              </a:cxn>
-            </a:cxnLst>
-            <a:rect l="0" t="0" r="r" b="b"/>
-            <a:pathLst>
-              <a:path w="901" h="826">
-                <a:moveTo>
-                  <a:pt x="442" y="255"/>
-                </a:moveTo>
-                <a:lnTo>
-                  <a:pt x="540" y="161"/>
-                </a:lnTo>
-                <a:lnTo>
-                  <a:pt x="540" y="161"/>
-                </a:lnTo>
-                <a:lnTo>
-                  <a:pt x="540" y="161"/>
-                </a:lnTo>
-                <a:lnTo>
-                  <a:pt x="562" y="139"/>
-                </a:lnTo>
-                <a:lnTo>
-                  <a:pt x="659" y="255"/>
-                </a:lnTo>
-                <a:lnTo>
-                  <a:pt x="442" y="255"/>
-                </a:lnTo>
-                <a:close/>
-                <a:moveTo>
-                  <a:pt x="360" y="255"/>
-                </a:moveTo>
-                <a:lnTo>
-                  <a:pt x="360" y="165"/>
-                </a:lnTo>
-                <a:lnTo>
-                  <a:pt x="493" y="165"/>
-                </a:lnTo>
-                <a:lnTo>
-                  <a:pt x="399" y="255"/>
-                </a:lnTo>
-                <a:lnTo>
-                  <a:pt x="360" y="255"/>
-                </a:lnTo>
-                <a:close/>
-                <a:moveTo>
-                  <a:pt x="114" y="255"/>
-                </a:moveTo>
-                <a:lnTo>
-                  <a:pt x="34" y="67"/>
-                </a:lnTo>
-                <a:lnTo>
-                  <a:pt x="101" y="35"/>
-                </a:lnTo>
-                <a:lnTo>
-                  <a:pt x="201" y="255"/>
-                </a:lnTo>
-                <a:lnTo>
-                  <a:pt x="114" y="255"/>
-                </a:lnTo>
-                <a:close/>
-                <a:moveTo>
-                  <a:pt x="886" y="45"/>
-                </a:moveTo>
-                <a:lnTo>
-                  <a:pt x="753" y="45"/>
-                </a:lnTo>
-                <a:lnTo>
-                  <a:pt x="749" y="46"/>
-                </a:lnTo>
-                <a:lnTo>
-                  <a:pt x="745" y="48"/>
-                </a:lnTo>
-                <a:lnTo>
-                  <a:pt x="740" y="51"/>
-                </a:lnTo>
-                <a:lnTo>
-                  <a:pt x="739" y="57"/>
-                </a:lnTo>
-                <a:lnTo>
-                  <a:pt x="692" y="248"/>
-                </a:lnTo>
-                <a:lnTo>
-                  <a:pt x="575" y="107"/>
-                </a:lnTo>
-                <a:lnTo>
-                  <a:pt x="573" y="105"/>
-                </a:lnTo>
-                <a:lnTo>
-                  <a:pt x="571" y="104"/>
-                </a:lnTo>
-                <a:lnTo>
-                  <a:pt x="568" y="103"/>
-                </a:lnTo>
-                <a:lnTo>
-                  <a:pt x="564" y="102"/>
-                </a:lnTo>
-                <a:lnTo>
-                  <a:pt x="561" y="102"/>
-                </a:lnTo>
-                <a:lnTo>
-                  <a:pt x="559" y="103"/>
-                </a:lnTo>
-                <a:lnTo>
-                  <a:pt x="556" y="104"/>
-                </a:lnTo>
-                <a:lnTo>
-                  <a:pt x="554" y="106"/>
-                </a:lnTo>
-                <a:lnTo>
-                  <a:pt x="524" y="135"/>
-                </a:lnTo>
-                <a:lnTo>
-                  <a:pt x="345" y="135"/>
-                </a:lnTo>
-                <a:lnTo>
-                  <a:pt x="341" y="135"/>
-                </a:lnTo>
-                <a:lnTo>
-                  <a:pt x="339" y="136"/>
-                </a:lnTo>
-                <a:lnTo>
-                  <a:pt x="336" y="138"/>
-                </a:lnTo>
-                <a:lnTo>
-                  <a:pt x="334" y="139"/>
-                </a:lnTo>
-                <a:lnTo>
-                  <a:pt x="333" y="141"/>
-                </a:lnTo>
-                <a:lnTo>
-                  <a:pt x="331" y="144"/>
-                </a:lnTo>
-                <a:lnTo>
-                  <a:pt x="331" y="147"/>
-                </a:lnTo>
-                <a:lnTo>
-                  <a:pt x="330" y="150"/>
-                </a:lnTo>
-                <a:lnTo>
-                  <a:pt x="330" y="255"/>
-                </a:lnTo>
-                <a:lnTo>
-                  <a:pt x="234" y="255"/>
-                </a:lnTo>
-                <a:lnTo>
-                  <a:pt x="123" y="8"/>
-                </a:lnTo>
-                <a:lnTo>
-                  <a:pt x="122" y="6"/>
-                </a:lnTo>
-                <a:lnTo>
-                  <a:pt x="120" y="4"/>
-                </a:lnTo>
-                <a:lnTo>
-                  <a:pt x="117" y="2"/>
-                </a:lnTo>
-                <a:lnTo>
-                  <a:pt x="114" y="1"/>
-                </a:lnTo>
-                <a:lnTo>
-                  <a:pt x="111" y="0"/>
-                </a:lnTo>
-                <a:lnTo>
-                  <a:pt x="109" y="0"/>
-                </a:lnTo>
-                <a:lnTo>
-                  <a:pt x="106" y="0"/>
-                </a:lnTo>
-                <a:lnTo>
-                  <a:pt x="102" y="1"/>
-                </a:lnTo>
-                <a:lnTo>
-                  <a:pt x="8" y="46"/>
-                </a:lnTo>
-                <a:lnTo>
-                  <a:pt x="5" y="48"/>
-                </a:lnTo>
-                <a:lnTo>
-                  <a:pt x="3" y="50"/>
-                </a:lnTo>
-                <a:lnTo>
-                  <a:pt x="2" y="52"/>
-                </a:lnTo>
-                <a:lnTo>
-                  <a:pt x="1" y="54"/>
-                </a:lnTo>
-                <a:lnTo>
-                  <a:pt x="0" y="58"/>
-                </a:lnTo>
-                <a:lnTo>
-                  <a:pt x="0" y="60"/>
-                </a:lnTo>
-                <a:lnTo>
-                  <a:pt x="0" y="63"/>
-                </a:lnTo>
-                <a:lnTo>
-                  <a:pt x="1" y="66"/>
-                </a:lnTo>
-                <a:lnTo>
-                  <a:pt x="82" y="255"/>
-                </a:lnTo>
-                <a:lnTo>
-                  <a:pt x="15" y="255"/>
-                </a:lnTo>
-                <a:lnTo>
-                  <a:pt x="11" y="256"/>
-                </a:lnTo>
-                <a:lnTo>
-                  <a:pt x="7" y="257"/>
-                </a:lnTo>
-                <a:lnTo>
-                  <a:pt x="5" y="259"/>
-                </a:lnTo>
-                <a:lnTo>
-                  <a:pt x="2" y="261"/>
-                </a:lnTo>
-                <a:lnTo>
-                  <a:pt x="1" y="265"/>
-                </a:lnTo>
-                <a:lnTo>
-                  <a:pt x="0" y="268"/>
-                </a:lnTo>
-                <a:lnTo>
-                  <a:pt x="0" y="271"/>
-                </a:lnTo>
-                <a:lnTo>
-                  <a:pt x="1" y="275"/>
-                </a:lnTo>
-                <a:lnTo>
-                  <a:pt x="114" y="635"/>
-                </a:lnTo>
-                <a:lnTo>
-                  <a:pt x="116" y="640"/>
-                </a:lnTo>
-                <a:lnTo>
-                  <a:pt x="120" y="643"/>
-                </a:lnTo>
-                <a:lnTo>
-                  <a:pt x="123" y="645"/>
-                </a:lnTo>
-                <a:lnTo>
-                  <a:pt x="128" y="646"/>
-                </a:lnTo>
-                <a:lnTo>
-                  <a:pt x="596" y="646"/>
-                </a:lnTo>
-                <a:lnTo>
-                  <a:pt x="589" y="676"/>
-                </a:lnTo>
-                <a:lnTo>
-                  <a:pt x="180" y="676"/>
-                </a:lnTo>
-                <a:lnTo>
-                  <a:pt x="172" y="676"/>
-                </a:lnTo>
-                <a:lnTo>
-                  <a:pt x="165" y="677"/>
-                </a:lnTo>
-                <a:lnTo>
-                  <a:pt x="157" y="679"/>
-                </a:lnTo>
-                <a:lnTo>
-                  <a:pt x="151" y="682"/>
-                </a:lnTo>
-                <a:lnTo>
-                  <a:pt x="144" y="685"/>
-                </a:lnTo>
-                <a:lnTo>
-                  <a:pt x="138" y="689"/>
-                </a:lnTo>
-                <a:lnTo>
-                  <a:pt x="131" y="693"/>
-                </a:lnTo>
-                <a:lnTo>
-                  <a:pt x="127" y="698"/>
-                </a:lnTo>
-                <a:lnTo>
-                  <a:pt x="122" y="703"/>
-                </a:lnTo>
-                <a:lnTo>
-                  <a:pt x="117" y="709"/>
-                </a:lnTo>
-                <a:lnTo>
-                  <a:pt x="113" y="716"/>
-                </a:lnTo>
-                <a:lnTo>
-                  <a:pt x="110" y="722"/>
-                </a:lnTo>
-                <a:lnTo>
-                  <a:pt x="108" y="729"/>
-                </a:lnTo>
-                <a:lnTo>
-                  <a:pt x="106" y="736"/>
-                </a:lnTo>
-                <a:lnTo>
-                  <a:pt x="105" y="744"/>
-                </a:lnTo>
-                <a:lnTo>
-                  <a:pt x="105" y="751"/>
-                </a:lnTo>
-                <a:lnTo>
-                  <a:pt x="105" y="759"/>
-                </a:lnTo>
-                <a:lnTo>
-                  <a:pt x="106" y="766"/>
-                </a:lnTo>
-                <a:lnTo>
-                  <a:pt x="108" y="774"/>
-                </a:lnTo>
-                <a:lnTo>
-                  <a:pt x="110" y="780"/>
-                </a:lnTo>
-                <a:lnTo>
-                  <a:pt x="113" y="787"/>
-                </a:lnTo>
-                <a:lnTo>
-                  <a:pt x="117" y="793"/>
-                </a:lnTo>
-                <a:lnTo>
-                  <a:pt x="122" y="798"/>
-                </a:lnTo>
-                <a:lnTo>
-                  <a:pt x="127" y="804"/>
-                </a:lnTo>
-                <a:lnTo>
-                  <a:pt x="131" y="809"/>
-                </a:lnTo>
-                <a:lnTo>
-                  <a:pt x="138" y="813"/>
-                </a:lnTo>
-                <a:lnTo>
-                  <a:pt x="144" y="818"/>
-                </a:lnTo>
-                <a:lnTo>
-                  <a:pt x="151" y="821"/>
-                </a:lnTo>
-                <a:lnTo>
-                  <a:pt x="157" y="823"/>
-                </a:lnTo>
-                <a:lnTo>
-                  <a:pt x="165" y="825"/>
-                </a:lnTo>
-                <a:lnTo>
-                  <a:pt x="172" y="826"/>
-                </a:lnTo>
-                <a:lnTo>
-                  <a:pt x="180" y="826"/>
-                </a:lnTo>
-                <a:lnTo>
-                  <a:pt x="187" y="826"/>
-                </a:lnTo>
-                <a:lnTo>
-                  <a:pt x="195" y="825"/>
-                </a:lnTo>
-                <a:lnTo>
-                  <a:pt x="202" y="823"/>
-                </a:lnTo>
-                <a:lnTo>
-                  <a:pt x="209" y="821"/>
-                </a:lnTo>
-                <a:lnTo>
-                  <a:pt x="215" y="818"/>
-                </a:lnTo>
-                <a:lnTo>
-                  <a:pt x="221" y="813"/>
-                </a:lnTo>
-                <a:lnTo>
-                  <a:pt x="228" y="809"/>
-                </a:lnTo>
-                <a:lnTo>
-                  <a:pt x="233" y="804"/>
-                </a:lnTo>
-                <a:lnTo>
-                  <a:pt x="238" y="798"/>
-                </a:lnTo>
-                <a:lnTo>
-                  <a:pt x="242" y="793"/>
-                </a:lnTo>
-                <a:lnTo>
-                  <a:pt x="246" y="787"/>
-                </a:lnTo>
-                <a:lnTo>
-                  <a:pt x="249" y="780"/>
-                </a:lnTo>
-                <a:lnTo>
-                  <a:pt x="251" y="774"/>
-                </a:lnTo>
-                <a:lnTo>
-                  <a:pt x="254" y="766"/>
-                </a:lnTo>
-                <a:lnTo>
-                  <a:pt x="255" y="759"/>
-                </a:lnTo>
-                <a:lnTo>
-                  <a:pt x="255" y="751"/>
-                </a:lnTo>
-                <a:lnTo>
-                  <a:pt x="254" y="738"/>
-                </a:lnTo>
-                <a:lnTo>
-                  <a:pt x="250" y="727"/>
-                </a:lnTo>
-                <a:lnTo>
-                  <a:pt x="246" y="716"/>
-                </a:lnTo>
-                <a:lnTo>
-                  <a:pt x="240" y="706"/>
-                </a:lnTo>
-                <a:lnTo>
-                  <a:pt x="526" y="706"/>
-                </a:lnTo>
-                <a:lnTo>
-                  <a:pt x="519" y="716"/>
-                </a:lnTo>
-                <a:lnTo>
-                  <a:pt x="514" y="727"/>
-                </a:lnTo>
-                <a:lnTo>
-                  <a:pt x="511" y="738"/>
-                </a:lnTo>
-                <a:lnTo>
-                  <a:pt x="510" y="751"/>
-                </a:lnTo>
-                <a:lnTo>
-                  <a:pt x="511" y="759"/>
-                </a:lnTo>
-                <a:lnTo>
-                  <a:pt x="512" y="766"/>
-                </a:lnTo>
-                <a:lnTo>
-                  <a:pt x="514" y="774"/>
-                </a:lnTo>
-                <a:lnTo>
-                  <a:pt x="516" y="780"/>
-                </a:lnTo>
-                <a:lnTo>
-                  <a:pt x="519" y="787"/>
-                </a:lnTo>
-                <a:lnTo>
-                  <a:pt x="523" y="793"/>
-                </a:lnTo>
-                <a:lnTo>
-                  <a:pt x="528" y="798"/>
-                </a:lnTo>
-                <a:lnTo>
-                  <a:pt x="532" y="804"/>
-                </a:lnTo>
-                <a:lnTo>
-                  <a:pt x="538" y="809"/>
-                </a:lnTo>
-                <a:lnTo>
-                  <a:pt x="543" y="813"/>
-                </a:lnTo>
-                <a:lnTo>
-                  <a:pt x="549" y="818"/>
-                </a:lnTo>
-                <a:lnTo>
-                  <a:pt x="556" y="821"/>
-                </a:lnTo>
-                <a:lnTo>
-                  <a:pt x="563" y="823"/>
-                </a:lnTo>
-                <a:lnTo>
-                  <a:pt x="570" y="825"/>
-                </a:lnTo>
-                <a:lnTo>
-                  <a:pt x="577" y="826"/>
-                </a:lnTo>
-                <a:lnTo>
-                  <a:pt x="586" y="826"/>
-                </a:lnTo>
-                <a:lnTo>
-                  <a:pt x="593" y="826"/>
-                </a:lnTo>
-                <a:lnTo>
-                  <a:pt x="601" y="825"/>
-                </a:lnTo>
-                <a:lnTo>
-                  <a:pt x="607" y="823"/>
-                </a:lnTo>
-                <a:lnTo>
-                  <a:pt x="615" y="821"/>
-                </a:lnTo>
-                <a:lnTo>
-                  <a:pt x="621" y="818"/>
-                </a:lnTo>
-                <a:lnTo>
-                  <a:pt x="628" y="813"/>
-                </a:lnTo>
-                <a:lnTo>
-                  <a:pt x="633" y="809"/>
-                </a:lnTo>
-                <a:lnTo>
-                  <a:pt x="638" y="804"/>
-                </a:lnTo>
-                <a:lnTo>
-                  <a:pt x="644" y="798"/>
-                </a:lnTo>
-                <a:lnTo>
-                  <a:pt x="648" y="793"/>
-                </a:lnTo>
-                <a:lnTo>
-                  <a:pt x="651" y="787"/>
-                </a:lnTo>
-                <a:lnTo>
-                  <a:pt x="654" y="780"/>
-                </a:lnTo>
-                <a:lnTo>
-                  <a:pt x="658" y="774"/>
-                </a:lnTo>
-                <a:lnTo>
-                  <a:pt x="659" y="766"/>
-                </a:lnTo>
-                <a:lnTo>
-                  <a:pt x="660" y="759"/>
-                </a:lnTo>
-                <a:lnTo>
-                  <a:pt x="661" y="751"/>
-                </a:lnTo>
-                <a:lnTo>
-                  <a:pt x="660" y="740"/>
-                </a:lnTo>
-                <a:lnTo>
-                  <a:pt x="658" y="730"/>
-                </a:lnTo>
-                <a:lnTo>
-                  <a:pt x="653" y="720"/>
-                </a:lnTo>
-                <a:lnTo>
-                  <a:pt x="649" y="710"/>
-                </a:lnTo>
-                <a:lnTo>
-                  <a:pt x="643" y="702"/>
-                </a:lnTo>
-                <a:lnTo>
-                  <a:pt x="635" y="695"/>
-                </a:lnTo>
-                <a:lnTo>
-                  <a:pt x="627" y="689"/>
-                </a:lnTo>
-                <a:lnTo>
-                  <a:pt x="618" y="684"/>
-                </a:lnTo>
-                <a:lnTo>
-                  <a:pt x="629" y="637"/>
-                </a:lnTo>
-                <a:lnTo>
-                  <a:pt x="630" y="635"/>
-                </a:lnTo>
-                <a:lnTo>
-                  <a:pt x="630" y="634"/>
-                </a:lnTo>
-                <a:lnTo>
-                  <a:pt x="717" y="274"/>
-                </a:lnTo>
-                <a:lnTo>
-                  <a:pt x="765" y="75"/>
-                </a:lnTo>
-                <a:lnTo>
-                  <a:pt x="886" y="75"/>
-                </a:lnTo>
-                <a:lnTo>
-                  <a:pt x="889" y="75"/>
-                </a:lnTo>
-                <a:lnTo>
-                  <a:pt x="891" y="74"/>
-                </a:lnTo>
-                <a:lnTo>
-                  <a:pt x="895" y="73"/>
-                </a:lnTo>
-                <a:lnTo>
-                  <a:pt x="897" y="70"/>
-                </a:lnTo>
-                <a:lnTo>
-                  <a:pt x="899" y="68"/>
-                </a:lnTo>
-                <a:lnTo>
-                  <a:pt x="900" y="66"/>
-                </a:lnTo>
-                <a:lnTo>
-                  <a:pt x="901" y="63"/>
-                </a:lnTo>
-                <a:lnTo>
-                  <a:pt x="901" y="60"/>
-                </a:lnTo>
-                <a:lnTo>
-                  <a:pt x="901" y="57"/>
-                </a:lnTo>
-                <a:lnTo>
-                  <a:pt x="900" y="54"/>
-                </a:lnTo>
-                <a:lnTo>
-                  <a:pt x="899" y="51"/>
-                </a:lnTo>
-                <a:lnTo>
-                  <a:pt x="897" y="49"/>
-                </a:lnTo>
-                <a:lnTo>
-                  <a:pt x="895" y="47"/>
-                </a:lnTo>
-                <a:lnTo>
-                  <a:pt x="891" y="46"/>
-                </a:lnTo>
-                <a:lnTo>
-                  <a:pt x="889" y="45"/>
-                </a:lnTo>
-                <a:lnTo>
-                  <a:pt x="886" y="45"/>
-                </a:lnTo>
-                <a:close/>
-              </a:path>
-            </a:pathLst>
-          </a:custGeom>
-          <a:solidFill>
-            <a:schemeClr val="bg1"/>
-          </a:solidFill>
-          <a:ln>
-            <a:noFill/>
-          </a:ln>
+          </a:prstGeom>
         </p:spPr>
-        <p:txBody>
-          <a:bodyPr vert="horz" wrap="square" lIns="91440" tIns="45720" rIns="91440" bIns="45720" numCol="1" anchor="t" anchorCtr="0" compatLnSpc="1">
-            <a:prstTxWarp prst="textNoShape">
-              <a:avLst/>
-            </a:prstTxWarp>
-          </a:bodyPr>
-          <a:lstStyle/>
-          <a:p>
-            <a:endParaRPr lang="en-US" dirty="0"/>
-          </a:p>
-        </p:txBody>
-      </p:sp>
+      </p:pic>
     </p:spTree>
     <p:extLst>
       <p:ext uri="{BB962C8B-B14F-4D97-AF65-F5344CB8AC3E}">
@@ -17124,7 +17913,7 @@
 </p:sld>
 </file>
 
-<file path=ppt/slides/slide6.xml><?xml version="1.0" encoding="utf-8"?>
+<file path=ppt/slides/slide7.xml><?xml version="1.0" encoding="utf-8"?>
 <p:sld xmlns:a="http://schemas.openxmlformats.org/drawingml/2006/main" xmlns:r="http://schemas.openxmlformats.org/officeDocument/2006/relationships" xmlns:p="http://schemas.openxmlformats.org/presentationml/2006/main">
   <p:cSld>
     <p:spTree>
@@ -18613,7 +19402,7 @@
 </p:sld>
 </file>
 
-<file path=ppt/slides/slide7.xml><?xml version="1.0" encoding="utf-8"?>
+<file path=ppt/slides/slide8.xml><?xml version="1.0" encoding="utf-8"?>
 <p:sld xmlns:a="http://schemas.openxmlformats.org/drawingml/2006/main" xmlns:r="http://schemas.openxmlformats.org/officeDocument/2006/relationships" xmlns:p="http://schemas.openxmlformats.org/presentationml/2006/main">
   <p:cSld>
     <p:spTree>
@@ -19119,7 +19908,7 @@
 </p:sld>
 </file>
 
-<file path=ppt/slides/slide8.xml><?xml version="1.0" encoding="utf-8"?>
+<file path=ppt/slides/slide9.xml><?xml version="1.0" encoding="utf-8"?>
 <p:sld xmlns:a="http://schemas.openxmlformats.org/drawingml/2006/main" xmlns:r="http://schemas.openxmlformats.org/officeDocument/2006/relationships" xmlns:p="http://schemas.openxmlformats.org/presentationml/2006/main">
   <p:cSld>
     <p:spTree>
@@ -19291,7 +20080,7 @@
                   </a:schemeClr>
                 </a:solidFill>
               </a:rPr>
-              <a:t>Data Resources</a:t>
+              <a:t>Data sources</a:t>
             </a:r>
             <a:br>
               <a:rPr lang="en-US" sz="2800" dirty="0">
@@ -19352,9 +20141,7 @@
             <a:r>
               <a:rPr lang="en-US" sz="1800" u="sng" dirty="0">
                 <a:solidFill>
-                  <a:schemeClr val="accent5">
-                    <a:lumMod val="75000"/>
-                  </a:schemeClr>
+                  <a:srgbClr val="0070C0"/>
                 </a:solidFill>
                 <a:effectLst/>
                 <a:latin typeface="Calibri" panose="020F0502020204030204" pitchFamily="34" charset="0"/>
@@ -19370,11 +20157,9 @@
               </a:rPr>
               <a:t>https://storage.googleapis.com/covid19-open-data/v3/vaccinations.csv</a:t>
             </a:r>
-            <a:endParaRPr lang="en-IN" sz="1800" dirty="0">
+            <a:endParaRPr lang="en-IN" sz="1800" u="sng" dirty="0">
               <a:solidFill>
-                <a:schemeClr val="accent5">
-                  <a:lumMod val="75000"/>
-                </a:schemeClr>
+                <a:srgbClr val="0070C0"/>
               </a:solidFill>
               <a:effectLst/>
               <a:latin typeface="Calibri" panose="020F0502020204030204" pitchFamily="34" charset="0"/>
@@ -19392,11 +20177,9 @@
               </a:spcAft>
             </a:pPr>
             <a:r>
-              <a:rPr lang="en-US" sz="1800" u="sng" dirty="0">
+              <a:rPr lang="en-IN" sz="1800" u="sng" dirty="0">
                 <a:solidFill>
-                  <a:schemeClr val="accent5">
-                    <a:lumMod val="75000"/>
-                  </a:schemeClr>
+                  <a:srgbClr val="0070C0"/>
                 </a:solidFill>
                 <a:effectLst/>
                 <a:latin typeface="Calibri" panose="020F0502020204030204" pitchFamily="34" charset="0"/>
@@ -19410,13 +20193,11 @@
                   </a:extLst>
                 </a:hlinkClick>
               </a:rPr>
-              <a:t>https://www.macrotrends.net/countries/WLD/world/unemployment-rate</a:t>
+              <a:t>https://www.macrotrends.net/2632/coronavirus-jobs-lost-vs-previous-recessions</a:t>
             </a:r>
-            <a:endParaRPr lang="en-IN" sz="1800" dirty="0">
+            <a:endParaRPr lang="en-IN" sz="1800" u="sng" dirty="0">
               <a:solidFill>
-                <a:schemeClr val="accent5">
-                  <a:lumMod val="75000"/>
-                </a:schemeClr>
+                <a:srgbClr val="0070C0"/>
               </a:solidFill>
               <a:effectLst/>
               <a:latin typeface="Calibri" panose="020F0502020204030204" pitchFamily="34" charset="0"/>
@@ -19434,37 +20215,17 @@
               </a:spcAft>
             </a:pPr>
             <a:r>
-              <a:rPr lang="en-US" sz="1800" u="sng" dirty="0">
+              <a:rPr lang="en-IN" sz="1800" u="sng" dirty="0">
                 <a:solidFill>
-                  <a:schemeClr val="accent5">
-                    <a:lumMod val="75000"/>
-                  </a:schemeClr>
+                  <a:srgbClr val="0070C0"/>
                 </a:solidFill>
                 <a:effectLst/>
                 <a:latin typeface="Calibri" panose="020F0502020204030204" pitchFamily="34" charset="0"/>
                 <a:ea typeface="Calibri" panose="020F0502020204030204" pitchFamily="34" charset="0"/>
                 <a:cs typeface="Shruti" panose="020B0502040204020203" pitchFamily="34" charset="0"/>
-                <a:hlinkClick r:id="rId4">
-                  <a:extLst>
-                    <a:ext uri="{A12FA001-AC4F-418D-AE19-62706E023703}">
-                      <ahyp:hlinkClr xmlns:ahyp="http://schemas.microsoft.com/office/drawing/2018/hyperlinkcolor" val="tx"/>
-                    </a:ext>
-                  </a:extLst>
-                </a:hlinkClick>
               </a:rPr>
-              <a:t>https://www.macrotrends.net/countries/WLD/world/gdp-gross-domestic-product</a:t>
+              <a:t>https://www.macrotrends.net/countries/USA/united-states/gdp-gross-domestic-product</a:t>
             </a:r>
-            <a:endParaRPr lang="en-IN" sz="1800" dirty="0">
-              <a:solidFill>
-                <a:schemeClr val="accent5">
-                  <a:lumMod val="75000"/>
-                </a:schemeClr>
-              </a:solidFill>
-              <a:effectLst/>
-              <a:latin typeface="Calibri" panose="020F0502020204030204" pitchFamily="34" charset="0"/>
-              <a:ea typeface="Calibri" panose="020F0502020204030204" pitchFamily="34" charset="0"/>
-              <a:cs typeface="Shruti" panose="020B0502040204020203" pitchFamily="34" charset="0"/>
-            </a:endParaRPr>
           </a:p>
         </p:txBody>
       </p:sp>
@@ -19472,713 +20233,6 @@
     <p:extLst>
       <p:ext uri="{BB962C8B-B14F-4D97-AF65-F5344CB8AC3E}">
         <p14:creationId xmlns:p14="http://schemas.microsoft.com/office/powerpoint/2010/main" val="3400961605"/>
-      </p:ext>
-    </p:extLst>
-  </p:cSld>
-  <p:clrMapOvr>
-    <a:masterClrMapping/>
-  </p:clrMapOvr>
-</p:sld>
-</file>
-
-<file path=ppt/slides/slide9.xml><?xml version="1.0" encoding="utf-8"?>
-<p:sld xmlns:a="http://schemas.openxmlformats.org/drawingml/2006/main" xmlns:r="http://schemas.openxmlformats.org/officeDocument/2006/relationships" xmlns:p="http://schemas.openxmlformats.org/presentationml/2006/main">
-  <p:cSld>
-    <p:spTree>
-      <p:nvGrpSpPr>
-        <p:cNvPr id="1" name=""/>
-        <p:cNvGrpSpPr/>
-        <p:nvPr/>
-      </p:nvGrpSpPr>
-      <p:grpSpPr>
-        <a:xfrm>
-          <a:off x="0" y="0"/>
-          <a:ext cx="0" cy="0"/>
-          <a:chOff x="0" y="0"/>
-          <a:chExt cx="0" cy="0"/>
-        </a:xfrm>
-      </p:grpSpPr>
-      <p:sp>
-        <p:nvSpPr>
-          <p:cNvPr id="7" name="Title 6" hidden="1">
-            <a:extLst>
-              <a:ext uri="{FF2B5EF4-FFF2-40B4-BE49-F238E27FC236}">
-                <a16:creationId xmlns:a16="http://schemas.microsoft.com/office/drawing/2014/main" id="{ED2F5393-91A3-4102-A584-E902285C507A}"/>
-              </a:ext>
-            </a:extLst>
-          </p:cNvPr>
-          <p:cNvSpPr>
-            <a:spLocks noGrp="1"/>
-          </p:cNvSpPr>
-          <p:nvPr>
-            <p:ph type="title" idx="4294967295"/>
-          </p:nvPr>
-        </p:nvSpPr>
-        <p:spPr>
-          <a:xfrm>
-            <a:off x="0" y="365125"/>
-            <a:ext cx="10515600" cy="1325563"/>
-          </a:xfrm>
-        </p:spPr>
-        <p:txBody>
-          <a:bodyPr/>
-          <a:lstStyle/>
-          <a:p>
-            <a:r>
-              <a:rPr lang="en-US" dirty="0"/>
-              <a:t>Project analysis slide 4</a:t>
-            </a:r>
-          </a:p>
-        </p:txBody>
-      </p:sp>
-      <p:cxnSp>
-        <p:nvCxnSpPr>
-          <p:cNvPr id="8" name="Straight Connector 7">
-            <a:extLst>
-              <a:ext uri="{FF2B5EF4-FFF2-40B4-BE49-F238E27FC236}">
-                <a16:creationId xmlns:a16="http://schemas.microsoft.com/office/drawing/2014/main" id="{D0986099-F5F2-4E8B-BE17-81194861A00C}"/>
-              </a:ext>
-              <a:ext uri="{C183D7F6-B498-43B3-948B-1728B52AA6E4}">
-                <adec:decorative xmlns:adec="http://schemas.microsoft.com/office/drawing/2017/decorative" val="1"/>
-              </a:ext>
-            </a:extLst>
-          </p:cNvPr>
-          <p:cNvCxnSpPr>
-            <a:cxnSpLocks/>
-          </p:cNvCxnSpPr>
-          <p:nvPr/>
-        </p:nvCxnSpPr>
-        <p:spPr>
-          <a:xfrm>
-            <a:off x="8105775" y="522898"/>
-            <a:ext cx="4086225" cy="0"/>
-          </a:xfrm>
-          <a:prstGeom prst="line">
-            <a:avLst/>
-          </a:prstGeom>
-          <a:ln>
-            <a:solidFill>
-              <a:schemeClr val="accent3">
-                <a:lumMod val="50000"/>
-              </a:schemeClr>
-            </a:solidFill>
-            <a:headEnd type="oval"/>
-          </a:ln>
-        </p:spPr>
-        <p:style>
-          <a:lnRef idx="1">
-            <a:schemeClr val="accent1"/>
-          </a:lnRef>
-          <a:fillRef idx="0">
-            <a:schemeClr val="accent1"/>
-          </a:fillRef>
-          <a:effectRef idx="0">
-            <a:schemeClr val="accent1"/>
-          </a:effectRef>
-          <a:fontRef idx="minor">
-            <a:schemeClr val="tx1"/>
-          </a:fontRef>
-        </p:style>
-      </p:cxnSp>
-      <p:sp>
-        <p:nvSpPr>
-          <p:cNvPr id="11" name="Title 1">
-            <a:extLst>
-              <a:ext uri="{FF2B5EF4-FFF2-40B4-BE49-F238E27FC236}">
-                <a16:creationId xmlns:a16="http://schemas.microsoft.com/office/drawing/2014/main" id="{4E3F5479-058B-4FA8-92E9-18CAB8CDC5C5}"/>
-              </a:ext>
-            </a:extLst>
-          </p:cNvPr>
-          <p:cNvSpPr txBox="1">
-            <a:spLocks/>
-          </p:cNvSpPr>
-          <p:nvPr/>
-        </p:nvSpPr>
-        <p:spPr>
-          <a:xfrm>
-            <a:off x="228600" y="328999"/>
-            <a:ext cx="11734800" cy="387798"/>
-          </a:xfrm>
-          <a:prstGeom prst="rect">
-            <a:avLst/>
-          </a:prstGeom>
-        </p:spPr>
-        <p:txBody>
-          <a:bodyPr vert="horz" wrap="square" lIns="0" tIns="0" rIns="0" bIns="0" rtlCol="0" anchor="t">
-            <a:spAutoFit/>
-          </a:bodyPr>
-          <a:lstStyle>
-            <a:lvl1pPr algn="l" defTabSz="914400" rtl="0" eaLnBrk="1" latinLnBrk="0" hangingPunct="1">
-              <a:lnSpc>
-                <a:spcPct val="90000"/>
-              </a:lnSpc>
-              <a:spcBef>
-                <a:spcPct val="0"/>
-              </a:spcBef>
-              <a:buNone/>
-              <a:defRPr sz="4400" kern="1200">
-                <a:solidFill>
-                  <a:schemeClr val="tx1"/>
-                </a:solidFill>
-                <a:latin typeface="+mj-lt"/>
-                <a:ea typeface="+mj-ea"/>
-                <a:cs typeface="+mj-cs"/>
-              </a:defRPr>
-            </a:lvl1pPr>
-          </a:lstStyle>
-          <a:p>
-            <a:pPr algn="ctr"/>
-            <a:r>
-              <a:rPr lang="en-US" sz="2800" b="1" dirty="0">
-                <a:solidFill>
-                  <a:schemeClr val="tx1">
-                    <a:lumMod val="75000"/>
-                    <a:lumOff val="25000"/>
-                  </a:schemeClr>
-                </a:solidFill>
-              </a:rPr>
-              <a:t>JIRA/Public Repository</a:t>
-            </a:r>
-            <a:endParaRPr lang="en-US" sz="2800" dirty="0">
-              <a:solidFill>
-                <a:schemeClr val="tx1">
-                  <a:lumMod val="75000"/>
-                  <a:lumOff val="25000"/>
-                </a:schemeClr>
-              </a:solidFill>
-            </a:endParaRPr>
-          </a:p>
-        </p:txBody>
-      </p:sp>
-      <p:cxnSp>
-        <p:nvCxnSpPr>
-          <p:cNvPr id="14" name="Straight Connector 13">
-            <a:extLst>
-              <a:ext uri="{FF2B5EF4-FFF2-40B4-BE49-F238E27FC236}">
-                <a16:creationId xmlns:a16="http://schemas.microsoft.com/office/drawing/2014/main" id="{83E690F4-843A-47A5-8620-4FB01C0D8E68}"/>
-              </a:ext>
-              <a:ext uri="{C183D7F6-B498-43B3-948B-1728B52AA6E4}">
-                <adec:decorative xmlns:adec="http://schemas.microsoft.com/office/drawing/2017/decorative" val="1"/>
-              </a:ext>
-            </a:extLst>
-          </p:cNvPr>
-          <p:cNvCxnSpPr>
-            <a:cxnSpLocks/>
-          </p:cNvCxnSpPr>
-          <p:nvPr/>
-        </p:nvCxnSpPr>
-        <p:spPr>
-          <a:xfrm>
-            <a:off x="0" y="522898"/>
-            <a:ext cx="4086225" cy="0"/>
-          </a:xfrm>
-          <a:prstGeom prst="line">
-            <a:avLst/>
-          </a:prstGeom>
-          <a:ln>
-            <a:solidFill>
-              <a:schemeClr val="accent3">
-                <a:lumMod val="50000"/>
-              </a:schemeClr>
-            </a:solidFill>
-            <a:tailEnd type="oval"/>
-          </a:ln>
-        </p:spPr>
-        <p:style>
-          <a:lnRef idx="1">
-            <a:schemeClr val="accent1"/>
-          </a:lnRef>
-          <a:fillRef idx="0">
-            <a:schemeClr val="accent1"/>
-          </a:fillRef>
-          <a:effectRef idx="0">
-            <a:schemeClr val="accent1"/>
-          </a:effectRef>
-          <a:fontRef idx="minor">
-            <a:schemeClr val="tx1"/>
-          </a:fontRef>
-        </p:style>
-      </p:cxnSp>
-      <p:sp>
-        <p:nvSpPr>
-          <p:cNvPr id="42" name="Oval 41">
-            <a:extLst>
-              <a:ext uri="{FF2B5EF4-FFF2-40B4-BE49-F238E27FC236}">
-                <a16:creationId xmlns:a16="http://schemas.microsoft.com/office/drawing/2014/main" id="{233E4AB5-6FC1-4454-9421-850EF5A4ADF3}"/>
-              </a:ext>
-              <a:ext uri="{C183D7F6-B498-43B3-948B-1728B52AA6E4}">
-                <adec:decorative xmlns:adec="http://schemas.microsoft.com/office/drawing/2017/decorative" val="1"/>
-              </a:ext>
-            </a:extLst>
-          </p:cNvPr>
-          <p:cNvSpPr/>
-          <p:nvPr/>
-        </p:nvSpPr>
-        <p:spPr>
-          <a:xfrm>
-            <a:off x="4400550" y="2928814"/>
-            <a:ext cx="1587500" cy="1587500"/>
-          </a:xfrm>
-          <a:prstGeom prst="ellipse">
-            <a:avLst/>
-          </a:prstGeom>
-          <a:solidFill>
-            <a:schemeClr val="accent3">
-              <a:lumMod val="75000"/>
-            </a:schemeClr>
-          </a:solidFill>
-          <a:ln>
-            <a:noFill/>
-          </a:ln>
-        </p:spPr>
-        <p:style>
-          <a:lnRef idx="2">
-            <a:schemeClr val="accent1">
-              <a:shade val="50000"/>
-            </a:schemeClr>
-          </a:lnRef>
-          <a:fillRef idx="1">
-            <a:schemeClr val="accent1"/>
-          </a:fillRef>
-          <a:effectRef idx="0">
-            <a:schemeClr val="accent1"/>
-          </a:effectRef>
-          <a:fontRef idx="minor">
-            <a:schemeClr val="lt1"/>
-          </a:fontRef>
-        </p:style>
-        <p:txBody>
-          <a:bodyPr rtlCol="0" anchor="ctr"/>
-          <a:lstStyle/>
-          <a:p>
-            <a:pPr algn="ctr"/>
-            <a:endParaRPr lang="en-US" dirty="0"/>
-          </a:p>
-        </p:txBody>
-      </p:sp>
-      <p:sp>
-        <p:nvSpPr>
-          <p:cNvPr id="73" name="Oval 72">
-            <a:extLst>
-              <a:ext uri="{FF2B5EF4-FFF2-40B4-BE49-F238E27FC236}">
-                <a16:creationId xmlns:a16="http://schemas.microsoft.com/office/drawing/2014/main" id="{40123448-0B37-4226-B26C-A3081E6142FF}"/>
-              </a:ext>
-              <a:ext uri="{C183D7F6-B498-43B3-948B-1728B52AA6E4}">
-                <adec:decorative xmlns:adec="http://schemas.microsoft.com/office/drawing/2017/decorative" val="1"/>
-              </a:ext>
-            </a:extLst>
-          </p:cNvPr>
-          <p:cNvSpPr/>
-          <p:nvPr/>
-        </p:nvSpPr>
-        <p:spPr>
-          <a:xfrm>
-            <a:off x="6495256" y="2928814"/>
-            <a:ext cx="1587500" cy="1587500"/>
-          </a:xfrm>
-          <a:prstGeom prst="ellipse">
-            <a:avLst/>
-          </a:prstGeom>
-          <a:solidFill>
-            <a:schemeClr val="accent4">
-              <a:lumMod val="75000"/>
-            </a:schemeClr>
-          </a:solidFill>
-          <a:ln>
-            <a:noFill/>
-          </a:ln>
-        </p:spPr>
-        <p:style>
-          <a:lnRef idx="2">
-            <a:schemeClr val="accent1">
-              <a:shade val="50000"/>
-            </a:schemeClr>
-          </a:lnRef>
-          <a:fillRef idx="1">
-            <a:schemeClr val="accent1"/>
-          </a:fillRef>
-          <a:effectRef idx="0">
-            <a:schemeClr val="accent1"/>
-          </a:effectRef>
-          <a:fontRef idx="minor">
-            <a:schemeClr val="lt1"/>
-          </a:fontRef>
-        </p:style>
-        <p:txBody>
-          <a:bodyPr rtlCol="0" anchor="ctr"/>
-          <a:lstStyle/>
-          <a:p>
-            <a:pPr algn="ctr"/>
-            <a:endParaRPr lang="en-US" dirty="0"/>
-          </a:p>
-        </p:txBody>
-      </p:sp>
-      <p:cxnSp>
-        <p:nvCxnSpPr>
-          <p:cNvPr id="78" name="Straight Arrow Connector 77">
-            <a:extLst>
-              <a:ext uri="{FF2B5EF4-FFF2-40B4-BE49-F238E27FC236}">
-                <a16:creationId xmlns:a16="http://schemas.microsoft.com/office/drawing/2014/main" id="{91394D4E-BC7A-418D-B233-6C374456AEAE}"/>
-              </a:ext>
-              <a:ext uri="{C183D7F6-B498-43B3-948B-1728B52AA6E4}">
-                <adec:decorative xmlns:adec="http://schemas.microsoft.com/office/drawing/2017/decorative" val="1"/>
-              </a:ext>
-            </a:extLst>
-          </p:cNvPr>
-          <p:cNvCxnSpPr>
-            <a:cxnSpLocks/>
-            <a:stCxn id="42" idx="2"/>
-          </p:cNvCxnSpPr>
-          <p:nvPr/>
-        </p:nvCxnSpPr>
-        <p:spPr>
-          <a:xfrm flipH="1">
-            <a:off x="3724275" y="3722564"/>
-            <a:ext cx="676275" cy="0"/>
-          </a:xfrm>
-          <a:prstGeom prst="straightConnector1">
-            <a:avLst/>
-          </a:prstGeom>
-          <a:ln w="22225">
-            <a:solidFill>
-              <a:schemeClr val="tx2"/>
-            </a:solidFill>
-            <a:tailEnd type="arrow"/>
-          </a:ln>
-        </p:spPr>
-        <p:style>
-          <a:lnRef idx="1">
-            <a:schemeClr val="accent1"/>
-          </a:lnRef>
-          <a:fillRef idx="0">
-            <a:schemeClr val="accent1"/>
-          </a:fillRef>
-          <a:effectRef idx="0">
-            <a:schemeClr val="accent1"/>
-          </a:effectRef>
-          <a:fontRef idx="minor">
-            <a:schemeClr val="tx1"/>
-          </a:fontRef>
-        </p:style>
-      </p:cxnSp>
-      <p:cxnSp>
-        <p:nvCxnSpPr>
-          <p:cNvPr id="79" name="Straight Arrow Connector 78">
-            <a:extLst>
-              <a:ext uri="{FF2B5EF4-FFF2-40B4-BE49-F238E27FC236}">
-                <a16:creationId xmlns:a16="http://schemas.microsoft.com/office/drawing/2014/main" id="{61AAA85B-D8C7-43BE-844A-625265015123}"/>
-              </a:ext>
-              <a:ext uri="{C183D7F6-B498-43B3-948B-1728B52AA6E4}">
-                <adec:decorative xmlns:adec="http://schemas.microsoft.com/office/drawing/2017/decorative" val="1"/>
-              </a:ext>
-            </a:extLst>
-          </p:cNvPr>
-          <p:cNvCxnSpPr>
-            <a:cxnSpLocks/>
-            <a:stCxn id="73" idx="6"/>
-          </p:cNvCxnSpPr>
-          <p:nvPr/>
-        </p:nvCxnSpPr>
-        <p:spPr>
-          <a:xfrm>
-            <a:off x="8082756" y="3722564"/>
-            <a:ext cx="798512" cy="0"/>
-          </a:xfrm>
-          <a:prstGeom prst="straightConnector1">
-            <a:avLst/>
-          </a:prstGeom>
-          <a:ln w="22225">
-            <a:solidFill>
-              <a:schemeClr val="tx2"/>
-            </a:solidFill>
-            <a:tailEnd type="arrow"/>
-          </a:ln>
-        </p:spPr>
-        <p:style>
-          <a:lnRef idx="1">
-            <a:schemeClr val="accent1"/>
-          </a:lnRef>
-          <a:fillRef idx="0">
-            <a:schemeClr val="accent1"/>
-          </a:fillRef>
-          <a:effectRef idx="0">
-            <a:schemeClr val="accent1"/>
-          </a:effectRef>
-          <a:fontRef idx="minor">
-            <a:schemeClr val="tx1"/>
-          </a:fontRef>
-        </p:style>
-      </p:cxnSp>
-      <p:sp>
-        <p:nvSpPr>
-          <p:cNvPr id="82" name="Rectangle 81">
-            <a:extLst>
-              <a:ext uri="{FF2B5EF4-FFF2-40B4-BE49-F238E27FC236}">
-                <a16:creationId xmlns:a16="http://schemas.microsoft.com/office/drawing/2014/main" id="{9771041D-83B6-4693-BC25-25AABB3CE3BF}"/>
-              </a:ext>
-            </a:extLst>
-          </p:cNvPr>
-          <p:cNvSpPr/>
-          <p:nvPr/>
-        </p:nvSpPr>
-        <p:spPr>
-          <a:xfrm>
-            <a:off x="4530328" y="3571701"/>
-            <a:ext cx="1371600" cy="246221"/>
-          </a:xfrm>
-          <a:prstGeom prst="rect">
-            <a:avLst/>
-          </a:prstGeom>
-        </p:spPr>
-        <p:txBody>
-          <a:bodyPr wrap="square" lIns="0" tIns="0" rIns="0" bIns="0" anchor="ctr">
-            <a:spAutoFit/>
-          </a:bodyPr>
-          <a:lstStyle/>
-          <a:p>
-            <a:pPr algn="ctr"/>
-            <a:r>
-              <a:rPr lang="en-US" sz="1600" i="1" dirty="0">
-                <a:solidFill>
-                  <a:schemeClr val="bg1"/>
-                </a:solidFill>
-              </a:rPr>
-              <a:t>JIRA</a:t>
-            </a:r>
-          </a:p>
-        </p:txBody>
-      </p:sp>
-      <p:sp>
-        <p:nvSpPr>
-          <p:cNvPr id="83" name="Rectangle 82">
-            <a:extLst>
-              <a:ext uri="{FF2B5EF4-FFF2-40B4-BE49-F238E27FC236}">
-                <a16:creationId xmlns:a16="http://schemas.microsoft.com/office/drawing/2014/main" id="{9F6EE26A-3174-49AD-900E-08C045755F3C}"/>
-              </a:ext>
-            </a:extLst>
-          </p:cNvPr>
-          <p:cNvSpPr/>
-          <p:nvPr/>
-        </p:nvSpPr>
-        <p:spPr>
-          <a:xfrm>
-            <a:off x="6607968" y="3599454"/>
-            <a:ext cx="1371600" cy="246221"/>
-          </a:xfrm>
-          <a:prstGeom prst="rect">
-            <a:avLst/>
-          </a:prstGeom>
-        </p:spPr>
-        <p:txBody>
-          <a:bodyPr wrap="square" lIns="0" tIns="0" rIns="0" bIns="0" anchor="ctr">
-            <a:spAutoFit/>
-          </a:bodyPr>
-          <a:lstStyle/>
-          <a:p>
-            <a:pPr algn="ctr"/>
-            <a:r>
-              <a:rPr lang="en-US" sz="1600" dirty="0">
-                <a:solidFill>
-                  <a:schemeClr val="bg1"/>
-                </a:solidFill>
-              </a:rPr>
-              <a:t>GitHub</a:t>
-            </a:r>
-          </a:p>
-        </p:txBody>
-      </p:sp>
-      <p:sp>
-        <p:nvSpPr>
-          <p:cNvPr id="90" name="Rectangle 89">
-            <a:extLst>
-              <a:ext uri="{FF2B5EF4-FFF2-40B4-BE49-F238E27FC236}">
-                <a16:creationId xmlns:a16="http://schemas.microsoft.com/office/drawing/2014/main" id="{79B46693-ED1F-429F-9B11-2794939E3B99}"/>
-              </a:ext>
-            </a:extLst>
-          </p:cNvPr>
-          <p:cNvSpPr/>
-          <p:nvPr/>
-        </p:nvSpPr>
-        <p:spPr>
-          <a:xfrm>
-            <a:off x="6614715" y="4753377"/>
-            <a:ext cx="1348582" cy="223394"/>
-          </a:xfrm>
-          <a:prstGeom prst="rect">
-            <a:avLst/>
-          </a:prstGeom>
-        </p:spPr>
-        <p:txBody>
-          <a:bodyPr wrap="square" lIns="0" tIns="0" rIns="0" bIns="0" anchor="ctr">
-            <a:spAutoFit/>
-          </a:bodyPr>
-          <a:lstStyle/>
-          <a:p>
-            <a:pPr algn="ctr">
-              <a:lnSpc>
-                <a:spcPts val="1900"/>
-              </a:lnSpc>
-            </a:pPr>
-            <a:r>
-              <a:rPr lang="en-US" sz="1400" dirty="0">
-                <a:solidFill>
-                  <a:schemeClr val="tx1">
-                    <a:lumMod val="75000"/>
-                    <a:lumOff val="25000"/>
-                  </a:schemeClr>
-                </a:solidFill>
-                <a:cs typeface="Segoe UI" panose="020B0502040204020203" pitchFamily="34" charset="0"/>
-              </a:rPr>
-              <a:t>Data</a:t>
-            </a:r>
-          </a:p>
-        </p:txBody>
-      </p:sp>
-      <p:sp>
-        <p:nvSpPr>
-          <p:cNvPr id="91" name="Rectangle 90">
-            <a:extLst>
-              <a:ext uri="{FF2B5EF4-FFF2-40B4-BE49-F238E27FC236}">
-                <a16:creationId xmlns:a16="http://schemas.microsoft.com/office/drawing/2014/main" id="{0F8D1DEA-0363-4C10-925D-1D68E14CCEF4}"/>
-              </a:ext>
-            </a:extLst>
-          </p:cNvPr>
-          <p:cNvSpPr/>
-          <p:nvPr/>
-        </p:nvSpPr>
-        <p:spPr>
-          <a:xfrm>
-            <a:off x="4530328" y="4753377"/>
-            <a:ext cx="1348582" cy="223394"/>
-          </a:xfrm>
-          <a:prstGeom prst="rect">
-            <a:avLst/>
-          </a:prstGeom>
-        </p:spPr>
-        <p:txBody>
-          <a:bodyPr wrap="square" lIns="0" tIns="0" rIns="0" bIns="0" anchor="ctr">
-            <a:spAutoFit/>
-          </a:bodyPr>
-          <a:lstStyle/>
-          <a:p>
-            <a:pPr algn="ctr">
-              <a:lnSpc>
-                <a:spcPts val="1900"/>
-              </a:lnSpc>
-            </a:pPr>
-            <a:r>
-              <a:rPr lang="en-US" sz="1400" dirty="0">
-                <a:solidFill>
-                  <a:schemeClr val="tx1">
-                    <a:lumMod val="75000"/>
-                    <a:lumOff val="25000"/>
-                  </a:schemeClr>
-                </a:solidFill>
-                <a:cs typeface="Segoe UI" panose="020B0502040204020203" pitchFamily="34" charset="0"/>
-              </a:rPr>
-              <a:t>Project Plan</a:t>
-            </a:r>
-          </a:p>
-        </p:txBody>
-      </p:sp>
-      <p:sp>
-        <p:nvSpPr>
-          <p:cNvPr id="89" name="Rectangle 88">
-            <a:extLst>
-              <a:ext uri="{FF2B5EF4-FFF2-40B4-BE49-F238E27FC236}">
-                <a16:creationId xmlns:a16="http://schemas.microsoft.com/office/drawing/2014/main" id="{AAC2972F-490F-4F2F-8A08-930B8C850374}"/>
-              </a:ext>
-            </a:extLst>
-          </p:cNvPr>
-          <p:cNvSpPr/>
-          <p:nvPr/>
-        </p:nvSpPr>
-        <p:spPr>
-          <a:xfrm>
-            <a:off x="8984455" y="3426782"/>
-            <a:ext cx="2569369" cy="710707"/>
-          </a:xfrm>
-          <a:prstGeom prst="rect">
-            <a:avLst/>
-          </a:prstGeom>
-        </p:spPr>
-        <p:txBody>
-          <a:bodyPr wrap="square" lIns="0" tIns="0" rIns="0" bIns="0" anchor="ctr">
-            <a:spAutoFit/>
-          </a:bodyPr>
-          <a:lstStyle/>
-          <a:p>
-            <a:pPr>
-              <a:lnSpc>
-                <a:spcPts val="1900"/>
-              </a:lnSpc>
-            </a:pPr>
-            <a:r>
-              <a:rPr lang="en-US" sz="1400" dirty="0">
-                <a:solidFill>
-                  <a:schemeClr val="tx1">
-                    <a:lumMod val="75000"/>
-                    <a:lumOff val="25000"/>
-                  </a:schemeClr>
-                </a:solidFill>
-                <a:cs typeface="Segoe UI" panose="020B0502040204020203" pitchFamily="34" charset="0"/>
-              </a:rPr>
-              <a:t>https://github.com/Deepsheta/Covid--19-descriptive-Analysis-for-resolving-a-potential-crisis</a:t>
-            </a:r>
-          </a:p>
-        </p:txBody>
-      </p:sp>
-      <p:sp>
-        <p:nvSpPr>
-          <p:cNvPr id="92" name="Rectangle 91">
-            <a:extLst>
-              <a:ext uri="{FF2B5EF4-FFF2-40B4-BE49-F238E27FC236}">
-                <a16:creationId xmlns:a16="http://schemas.microsoft.com/office/drawing/2014/main" id="{A69BDC62-882D-49FD-B60A-05F493B04723}"/>
-              </a:ext>
-            </a:extLst>
-          </p:cNvPr>
-          <p:cNvSpPr/>
-          <p:nvPr/>
-        </p:nvSpPr>
-        <p:spPr>
-          <a:xfrm>
-            <a:off x="834627" y="3218912"/>
-            <a:ext cx="2699147" cy="1198020"/>
-          </a:xfrm>
-          <a:prstGeom prst="rect">
-            <a:avLst/>
-          </a:prstGeom>
-        </p:spPr>
-        <p:txBody>
-          <a:bodyPr wrap="square" lIns="0" tIns="0" rIns="0" bIns="0" anchor="ctr">
-            <a:spAutoFit/>
-          </a:bodyPr>
-          <a:lstStyle/>
-          <a:p>
-            <a:pPr algn="r">
-              <a:lnSpc>
-                <a:spcPts val="1900"/>
-              </a:lnSpc>
-            </a:pPr>
-            <a:r>
-              <a:rPr lang="en-US" sz="1400" dirty="0">
-                <a:solidFill>
-                  <a:schemeClr val="tx1">
-                    <a:lumMod val="75000"/>
-                    <a:lumOff val="25000"/>
-                  </a:schemeClr>
-                </a:solidFill>
-                <a:cs typeface="Segoe UI" panose="020B0502040204020203" pitchFamily="34" charset="0"/>
-              </a:rPr>
-              <a:t>https://analysis-project.atlassian.net/jira/core/projects/C1DAFRPC/summary?atlOrigin=eyJpIjoiYjA3NjgwYjAxODE4NDliYmI2MjE0Mzg0Zjc4NjViMjEiLCJwIjoiaiJ9</a:t>
-            </a:r>
-          </a:p>
-        </p:txBody>
-      </p:sp>
-    </p:spTree>
-    <p:extLst>
-      <p:ext uri="{BB962C8B-B14F-4D97-AF65-F5344CB8AC3E}">
-        <p14:creationId xmlns:p14="http://schemas.microsoft.com/office/powerpoint/2010/main" val="433547554"/>
       </p:ext>
     </p:extLst>
   </p:cSld>

--- a/Covid 19 Resolving a Potential Crisis.pptx
+++ b/Covid 19 Resolving a Potential Crisis.pptx
@@ -5,10 +5,10 @@
     <p:sldMasterId id="2147483648" r:id="rId4"/>
   </p:sldMasterIdLst>
   <p:notesMasterIdLst>
-    <p:notesMasterId r:id="rId16"/>
+    <p:notesMasterId r:id="rId24"/>
   </p:notesMasterIdLst>
   <p:handoutMasterIdLst>
-    <p:handoutMasterId r:id="rId17"/>
+    <p:handoutMasterId r:id="rId25"/>
   </p:handoutMasterIdLst>
   <p:sldIdLst>
     <p:sldId id="256" r:id="rId5"/>
@@ -18,10 +18,18 @@
     <p:sldId id="289" r:id="rId9"/>
     <p:sldId id="290" r:id="rId10"/>
     <p:sldId id="278" r:id="rId11"/>
-    <p:sldId id="292" r:id="rId12"/>
-    <p:sldId id="291" r:id="rId13"/>
-    <p:sldId id="293" r:id="rId14"/>
-    <p:sldId id="285" r:id="rId15"/>
+    <p:sldId id="296" r:id="rId12"/>
+    <p:sldId id="295" r:id="rId13"/>
+    <p:sldId id="297" r:id="rId14"/>
+    <p:sldId id="292" r:id="rId15"/>
+    <p:sldId id="298" r:id="rId16"/>
+    <p:sldId id="299" r:id="rId17"/>
+    <p:sldId id="300" r:id="rId18"/>
+    <p:sldId id="301" r:id="rId19"/>
+    <p:sldId id="302" r:id="rId20"/>
+    <p:sldId id="291" r:id="rId21"/>
+    <p:sldId id="293" r:id="rId22"/>
+    <p:sldId id="285" r:id="rId23"/>
   </p:sldIdLst>
   <p:sldSz cx="12192000" cy="6858000"/>
   <p:notesSz cx="6858000" cy="9144000"/>
@@ -256,7 +264,7 @@
           <a:p>
             <a:fld id="{6E5C0719-993D-42E1-80ED-8F01056F36C2}" type="datetimeFigureOut">
               <a:rPr lang="en-US" smtClean="0"/>
-              <a:t>3/20/2023</a:t>
+              <a:t>4/10/2023</a:t>
             </a:fld>
             <a:endParaRPr lang="en-US" dirty="0"/>
           </a:p>
@@ -433,7 +441,7 @@
           <a:p>
             <a:fld id="{21D3BC9C-6C58-464F-B94E-FD73C5FB016E}" type="datetimeFigureOut">
               <a:rPr lang="en-US" smtClean="0"/>
-              <a:t>3/20/2023</a:t>
+              <a:t>4/10/2023</a:t>
             </a:fld>
             <a:endParaRPr lang="en-US" dirty="0"/>
           </a:p>
@@ -828,7 +836,7 @@
           <a:bodyPr/>
           <a:lstStyle/>
           <a:p>
-            <a:endParaRPr lang="en-US" dirty="0"/>
+            <a:endParaRPr lang="en-IN" dirty="0"/>
           </a:p>
         </p:txBody>
       </p:sp>
@@ -849,7 +857,427 @@
           <a:p>
             <a:fld id="{BE60DC36-8EFA-4378-9855-E019C55AC472}" type="slidenum">
               <a:rPr lang="en-US" smtClean="0"/>
-              <a:t>11</a:t>
+              <a:t>12</a:t>
+            </a:fld>
+            <a:endParaRPr lang="en-US" dirty="0"/>
+          </a:p>
+        </p:txBody>
+      </p:sp>
+    </p:spTree>
+    <p:extLst>
+      <p:ext uri="{BB962C8B-B14F-4D97-AF65-F5344CB8AC3E}">
+        <p14:creationId xmlns:p14="http://schemas.microsoft.com/office/powerpoint/2010/main" val="1341931784"/>
+      </p:ext>
+    </p:extLst>
+  </p:cSld>
+  <p:clrMapOvr>
+    <a:masterClrMapping/>
+  </p:clrMapOvr>
+</p:notes>
+</file>
+
+<file path=ppt/notesSlides/notesSlide11.xml><?xml version="1.0" encoding="utf-8"?>
+<p:notes xmlns:a="http://schemas.openxmlformats.org/drawingml/2006/main" xmlns:r="http://schemas.openxmlformats.org/officeDocument/2006/relationships" xmlns:p="http://schemas.openxmlformats.org/presentationml/2006/main">
+  <p:cSld>
+    <p:spTree>
+      <p:nvGrpSpPr>
+        <p:cNvPr id="1" name=""/>
+        <p:cNvGrpSpPr/>
+        <p:nvPr/>
+      </p:nvGrpSpPr>
+      <p:grpSpPr>
+        <a:xfrm>
+          <a:off x="0" y="0"/>
+          <a:ext cx="0" cy="0"/>
+          <a:chOff x="0" y="0"/>
+          <a:chExt cx="0" cy="0"/>
+        </a:xfrm>
+      </p:grpSpPr>
+      <p:sp>
+        <p:nvSpPr>
+          <p:cNvPr id="2" name="Slide Image Placeholder 1"/>
+          <p:cNvSpPr>
+            <a:spLocks noGrp="1" noRot="1" noChangeAspect="1"/>
+          </p:cNvSpPr>
+          <p:nvPr>
+            <p:ph type="sldImg"/>
+          </p:nvPr>
+        </p:nvSpPr>
+        <p:spPr/>
+      </p:sp>
+      <p:sp>
+        <p:nvSpPr>
+          <p:cNvPr id="3" name="Notes Placeholder 2"/>
+          <p:cNvSpPr>
+            <a:spLocks noGrp="1"/>
+          </p:cNvSpPr>
+          <p:nvPr>
+            <p:ph type="body" idx="1"/>
+          </p:nvPr>
+        </p:nvSpPr>
+        <p:spPr/>
+        <p:txBody>
+          <a:bodyPr/>
+          <a:lstStyle/>
+          <a:p>
+            <a:endParaRPr lang="en-IN" dirty="0"/>
+          </a:p>
+        </p:txBody>
+      </p:sp>
+      <p:sp>
+        <p:nvSpPr>
+          <p:cNvPr id="4" name="Slide Number Placeholder 3"/>
+          <p:cNvSpPr>
+            <a:spLocks noGrp="1"/>
+          </p:cNvSpPr>
+          <p:nvPr>
+            <p:ph type="sldNum" sz="quarter" idx="5"/>
+          </p:nvPr>
+        </p:nvSpPr>
+        <p:spPr/>
+        <p:txBody>
+          <a:bodyPr/>
+          <a:lstStyle/>
+          <a:p>
+            <a:fld id="{BE60DC36-8EFA-4378-9855-E019C55AC472}" type="slidenum">
+              <a:rPr lang="en-US" smtClean="0"/>
+              <a:t>14</a:t>
+            </a:fld>
+            <a:endParaRPr lang="en-US" dirty="0"/>
+          </a:p>
+        </p:txBody>
+      </p:sp>
+    </p:spTree>
+    <p:extLst>
+      <p:ext uri="{BB962C8B-B14F-4D97-AF65-F5344CB8AC3E}">
+        <p14:creationId xmlns:p14="http://schemas.microsoft.com/office/powerpoint/2010/main" val="2551393257"/>
+      </p:ext>
+    </p:extLst>
+  </p:cSld>
+  <p:clrMapOvr>
+    <a:masterClrMapping/>
+  </p:clrMapOvr>
+</p:notes>
+</file>
+
+<file path=ppt/notesSlides/notesSlide12.xml><?xml version="1.0" encoding="utf-8"?>
+<p:notes xmlns:a="http://schemas.openxmlformats.org/drawingml/2006/main" xmlns:r="http://schemas.openxmlformats.org/officeDocument/2006/relationships" xmlns:p="http://schemas.openxmlformats.org/presentationml/2006/main">
+  <p:cSld>
+    <p:spTree>
+      <p:nvGrpSpPr>
+        <p:cNvPr id="1" name=""/>
+        <p:cNvGrpSpPr/>
+        <p:nvPr/>
+      </p:nvGrpSpPr>
+      <p:grpSpPr>
+        <a:xfrm>
+          <a:off x="0" y="0"/>
+          <a:ext cx="0" cy="0"/>
+          <a:chOff x="0" y="0"/>
+          <a:chExt cx="0" cy="0"/>
+        </a:xfrm>
+      </p:grpSpPr>
+      <p:sp>
+        <p:nvSpPr>
+          <p:cNvPr id="2" name="Slide Image Placeholder 1"/>
+          <p:cNvSpPr>
+            <a:spLocks noGrp="1" noRot="1" noChangeAspect="1"/>
+          </p:cNvSpPr>
+          <p:nvPr>
+            <p:ph type="sldImg"/>
+          </p:nvPr>
+        </p:nvSpPr>
+        <p:spPr/>
+      </p:sp>
+      <p:sp>
+        <p:nvSpPr>
+          <p:cNvPr id="3" name="Notes Placeholder 2"/>
+          <p:cNvSpPr>
+            <a:spLocks noGrp="1"/>
+          </p:cNvSpPr>
+          <p:nvPr>
+            <p:ph type="body" idx="1"/>
+          </p:nvPr>
+        </p:nvSpPr>
+        <p:spPr/>
+        <p:txBody>
+          <a:bodyPr/>
+          <a:lstStyle/>
+          <a:p>
+            <a:endParaRPr lang="en-IN" dirty="0"/>
+          </a:p>
+        </p:txBody>
+      </p:sp>
+      <p:sp>
+        <p:nvSpPr>
+          <p:cNvPr id="4" name="Slide Number Placeholder 3"/>
+          <p:cNvSpPr>
+            <a:spLocks noGrp="1"/>
+          </p:cNvSpPr>
+          <p:nvPr>
+            <p:ph type="sldNum" sz="quarter" idx="5"/>
+          </p:nvPr>
+        </p:nvSpPr>
+        <p:spPr/>
+        <p:txBody>
+          <a:bodyPr/>
+          <a:lstStyle/>
+          <a:p>
+            <a:fld id="{BE60DC36-8EFA-4378-9855-E019C55AC472}" type="slidenum">
+              <a:rPr lang="en-US" smtClean="0"/>
+              <a:t>15</a:t>
+            </a:fld>
+            <a:endParaRPr lang="en-US" dirty="0"/>
+          </a:p>
+        </p:txBody>
+      </p:sp>
+    </p:spTree>
+    <p:extLst>
+      <p:ext uri="{BB962C8B-B14F-4D97-AF65-F5344CB8AC3E}">
+        <p14:creationId xmlns:p14="http://schemas.microsoft.com/office/powerpoint/2010/main" val="3736336638"/>
+      </p:ext>
+    </p:extLst>
+  </p:cSld>
+  <p:clrMapOvr>
+    <a:masterClrMapping/>
+  </p:clrMapOvr>
+</p:notes>
+</file>
+
+<file path=ppt/notesSlides/notesSlide13.xml><?xml version="1.0" encoding="utf-8"?>
+<p:notes xmlns:a="http://schemas.openxmlformats.org/drawingml/2006/main" xmlns:r="http://schemas.openxmlformats.org/officeDocument/2006/relationships" xmlns:p="http://schemas.openxmlformats.org/presentationml/2006/main">
+  <p:cSld>
+    <p:spTree>
+      <p:nvGrpSpPr>
+        <p:cNvPr id="1" name=""/>
+        <p:cNvGrpSpPr/>
+        <p:nvPr/>
+      </p:nvGrpSpPr>
+      <p:grpSpPr>
+        <a:xfrm>
+          <a:off x="0" y="0"/>
+          <a:ext cx="0" cy="0"/>
+          <a:chOff x="0" y="0"/>
+          <a:chExt cx="0" cy="0"/>
+        </a:xfrm>
+      </p:grpSpPr>
+      <p:sp>
+        <p:nvSpPr>
+          <p:cNvPr id="2" name="Slide Image Placeholder 1"/>
+          <p:cNvSpPr>
+            <a:spLocks noGrp="1" noRot="1" noChangeAspect="1"/>
+          </p:cNvSpPr>
+          <p:nvPr>
+            <p:ph type="sldImg"/>
+          </p:nvPr>
+        </p:nvSpPr>
+        <p:spPr/>
+      </p:sp>
+      <p:sp>
+        <p:nvSpPr>
+          <p:cNvPr id="3" name="Notes Placeholder 2"/>
+          <p:cNvSpPr>
+            <a:spLocks noGrp="1"/>
+          </p:cNvSpPr>
+          <p:nvPr>
+            <p:ph type="body" idx="1"/>
+          </p:nvPr>
+        </p:nvSpPr>
+        <p:spPr/>
+        <p:txBody>
+          <a:bodyPr/>
+          <a:lstStyle/>
+          <a:p>
+            <a:endParaRPr lang="en-IN" dirty="0"/>
+          </a:p>
+        </p:txBody>
+      </p:sp>
+      <p:sp>
+        <p:nvSpPr>
+          <p:cNvPr id="4" name="Slide Number Placeholder 3"/>
+          <p:cNvSpPr>
+            <a:spLocks noGrp="1"/>
+          </p:cNvSpPr>
+          <p:nvPr>
+            <p:ph type="sldNum" sz="quarter" idx="5"/>
+          </p:nvPr>
+        </p:nvSpPr>
+        <p:spPr/>
+        <p:txBody>
+          <a:bodyPr/>
+          <a:lstStyle/>
+          <a:p>
+            <a:fld id="{BE60DC36-8EFA-4378-9855-E019C55AC472}" type="slidenum">
+              <a:rPr lang="en-US" smtClean="0"/>
+              <a:t>17</a:t>
+            </a:fld>
+            <a:endParaRPr lang="en-US" dirty="0"/>
+          </a:p>
+        </p:txBody>
+      </p:sp>
+    </p:spTree>
+    <p:extLst>
+      <p:ext uri="{BB962C8B-B14F-4D97-AF65-F5344CB8AC3E}">
+        <p14:creationId xmlns:p14="http://schemas.microsoft.com/office/powerpoint/2010/main" val="4092667955"/>
+      </p:ext>
+    </p:extLst>
+  </p:cSld>
+  <p:clrMapOvr>
+    <a:masterClrMapping/>
+  </p:clrMapOvr>
+</p:notes>
+</file>
+
+<file path=ppt/notesSlides/notesSlide14.xml><?xml version="1.0" encoding="utf-8"?>
+<p:notes xmlns:a="http://schemas.openxmlformats.org/drawingml/2006/main" xmlns:r="http://schemas.openxmlformats.org/officeDocument/2006/relationships" xmlns:p="http://schemas.openxmlformats.org/presentationml/2006/main">
+  <p:cSld>
+    <p:spTree>
+      <p:nvGrpSpPr>
+        <p:cNvPr id="1" name=""/>
+        <p:cNvGrpSpPr/>
+        <p:nvPr/>
+      </p:nvGrpSpPr>
+      <p:grpSpPr>
+        <a:xfrm>
+          <a:off x="0" y="0"/>
+          <a:ext cx="0" cy="0"/>
+          <a:chOff x="0" y="0"/>
+          <a:chExt cx="0" cy="0"/>
+        </a:xfrm>
+      </p:grpSpPr>
+      <p:sp>
+        <p:nvSpPr>
+          <p:cNvPr id="2" name="Slide Image Placeholder 1"/>
+          <p:cNvSpPr>
+            <a:spLocks noGrp="1" noRot="1" noChangeAspect="1"/>
+          </p:cNvSpPr>
+          <p:nvPr>
+            <p:ph type="sldImg"/>
+          </p:nvPr>
+        </p:nvSpPr>
+        <p:spPr/>
+      </p:sp>
+      <p:sp>
+        <p:nvSpPr>
+          <p:cNvPr id="3" name="Notes Placeholder 2"/>
+          <p:cNvSpPr>
+            <a:spLocks noGrp="1"/>
+          </p:cNvSpPr>
+          <p:nvPr>
+            <p:ph type="body" idx="1"/>
+          </p:nvPr>
+        </p:nvSpPr>
+        <p:spPr/>
+        <p:txBody>
+          <a:bodyPr/>
+          <a:lstStyle/>
+          <a:p>
+            <a:endParaRPr lang="en-US" dirty="0"/>
+          </a:p>
+        </p:txBody>
+      </p:sp>
+      <p:sp>
+        <p:nvSpPr>
+          <p:cNvPr id="4" name="Slide Number Placeholder 3"/>
+          <p:cNvSpPr>
+            <a:spLocks noGrp="1"/>
+          </p:cNvSpPr>
+          <p:nvPr>
+            <p:ph type="sldNum" sz="quarter" idx="5"/>
+          </p:nvPr>
+        </p:nvSpPr>
+        <p:spPr/>
+        <p:txBody>
+          <a:bodyPr/>
+          <a:lstStyle/>
+          <a:p>
+            <a:fld id="{BE60DC36-8EFA-4378-9855-E019C55AC472}" type="slidenum">
+              <a:rPr lang="en-US" smtClean="0"/>
+              <a:t>18</a:t>
+            </a:fld>
+            <a:endParaRPr lang="en-US" dirty="0"/>
+          </a:p>
+        </p:txBody>
+      </p:sp>
+    </p:spTree>
+    <p:extLst>
+      <p:ext uri="{BB962C8B-B14F-4D97-AF65-F5344CB8AC3E}">
+        <p14:creationId xmlns:p14="http://schemas.microsoft.com/office/powerpoint/2010/main" val="106317355"/>
+      </p:ext>
+    </p:extLst>
+  </p:cSld>
+  <p:clrMapOvr>
+    <a:masterClrMapping/>
+  </p:clrMapOvr>
+</p:notes>
+</file>
+
+<file path=ppt/notesSlides/notesSlide15.xml><?xml version="1.0" encoding="utf-8"?>
+<p:notes xmlns:a="http://schemas.openxmlformats.org/drawingml/2006/main" xmlns:r="http://schemas.openxmlformats.org/officeDocument/2006/relationships" xmlns:p="http://schemas.openxmlformats.org/presentationml/2006/main">
+  <p:cSld>
+    <p:spTree>
+      <p:nvGrpSpPr>
+        <p:cNvPr id="1" name=""/>
+        <p:cNvGrpSpPr/>
+        <p:nvPr/>
+      </p:nvGrpSpPr>
+      <p:grpSpPr>
+        <a:xfrm>
+          <a:off x="0" y="0"/>
+          <a:ext cx="0" cy="0"/>
+          <a:chOff x="0" y="0"/>
+          <a:chExt cx="0" cy="0"/>
+        </a:xfrm>
+      </p:grpSpPr>
+      <p:sp>
+        <p:nvSpPr>
+          <p:cNvPr id="2" name="Slide Image Placeholder 1"/>
+          <p:cNvSpPr>
+            <a:spLocks noGrp="1" noRot="1" noChangeAspect="1"/>
+          </p:cNvSpPr>
+          <p:nvPr>
+            <p:ph type="sldImg"/>
+          </p:nvPr>
+        </p:nvSpPr>
+        <p:spPr/>
+      </p:sp>
+      <p:sp>
+        <p:nvSpPr>
+          <p:cNvPr id="3" name="Notes Placeholder 2"/>
+          <p:cNvSpPr>
+            <a:spLocks noGrp="1"/>
+          </p:cNvSpPr>
+          <p:nvPr>
+            <p:ph type="body" idx="1"/>
+          </p:nvPr>
+        </p:nvSpPr>
+        <p:spPr/>
+        <p:txBody>
+          <a:bodyPr/>
+          <a:lstStyle/>
+          <a:p>
+            <a:endParaRPr lang="en-US" dirty="0"/>
+          </a:p>
+        </p:txBody>
+      </p:sp>
+      <p:sp>
+        <p:nvSpPr>
+          <p:cNvPr id="4" name="Slide Number Placeholder 3"/>
+          <p:cNvSpPr>
+            <a:spLocks noGrp="1"/>
+          </p:cNvSpPr>
+          <p:nvPr>
+            <p:ph type="sldNum" sz="quarter" idx="5"/>
+          </p:nvPr>
+        </p:nvSpPr>
+        <p:spPr/>
+        <p:txBody>
+          <a:bodyPr/>
+          <a:lstStyle/>
+          <a:p>
+            <a:fld id="{BE60DC36-8EFA-4378-9855-E019C55AC472}" type="slidenum">
+              <a:rPr lang="en-US" smtClean="0"/>
+              <a:t>19</a:t>
             </a:fld>
             <a:endParaRPr lang="en-US" dirty="0"/>
           </a:p>
@@ -1416,7 +1844,7 @@
           <a:bodyPr/>
           <a:lstStyle/>
           <a:p>
-            <a:endParaRPr lang="en-US" dirty="0"/>
+            <a:endParaRPr lang="en-IN" dirty="0"/>
           </a:p>
         </p:txBody>
       </p:sp>
@@ -1437,7 +1865,7 @@
           <a:p>
             <a:fld id="{BE60DC36-8EFA-4378-9855-E019C55AC472}" type="slidenum">
               <a:rPr lang="en-US" smtClean="0"/>
-              <a:t>8</a:t>
+              <a:t>9</a:t>
             </a:fld>
             <a:endParaRPr lang="en-US" dirty="0"/>
           </a:p>
@@ -1446,7 +1874,7 @@
     </p:spTree>
     <p:extLst>
       <p:ext uri="{BB962C8B-B14F-4D97-AF65-F5344CB8AC3E}">
-        <p14:creationId xmlns:p14="http://schemas.microsoft.com/office/powerpoint/2010/main" val="760276510"/>
+        <p14:creationId xmlns:p14="http://schemas.microsoft.com/office/powerpoint/2010/main" val="3965424257"/>
       </p:ext>
     </p:extLst>
   </p:cSld>
@@ -1521,7 +1949,7 @@
           <a:p>
             <a:fld id="{BE60DC36-8EFA-4378-9855-E019C55AC472}" type="slidenum">
               <a:rPr lang="en-US" smtClean="0"/>
-              <a:t>10</a:t>
+              <a:t>11</a:t>
             </a:fld>
             <a:endParaRPr lang="en-US" dirty="0"/>
           </a:p>
@@ -1530,7 +1958,7 @@
     </p:spTree>
     <p:extLst>
       <p:ext uri="{BB962C8B-B14F-4D97-AF65-F5344CB8AC3E}">
-        <p14:creationId xmlns:p14="http://schemas.microsoft.com/office/powerpoint/2010/main" val="106317355"/>
+        <p14:creationId xmlns:p14="http://schemas.microsoft.com/office/powerpoint/2010/main" val="760276510"/>
       </p:ext>
     </p:extLst>
   </p:cSld>
@@ -1687,7 +2115,7 @@
           <a:p>
             <a:fld id="{40DA1498-92C7-4E4B-8045-C9195F453964}" type="datetimeFigureOut">
               <a:rPr lang="en-US" smtClean="0"/>
-              <a:t>3/20/2023</a:t>
+              <a:t>4/10/2023</a:t>
             </a:fld>
             <a:endParaRPr lang="en-US" dirty="0"/>
           </a:p>
@@ -1885,7 +2313,7 @@
           <a:p>
             <a:fld id="{40DA1498-92C7-4E4B-8045-C9195F453964}" type="datetimeFigureOut">
               <a:rPr lang="en-US" smtClean="0"/>
-              <a:t>3/20/2023</a:t>
+              <a:t>4/10/2023</a:t>
             </a:fld>
             <a:endParaRPr lang="en-US" dirty="0"/>
           </a:p>
@@ -2093,7 +2521,7 @@
           <a:p>
             <a:fld id="{40DA1498-92C7-4E4B-8045-C9195F453964}" type="datetimeFigureOut">
               <a:rPr lang="en-US" smtClean="0"/>
-              <a:t>3/20/2023</a:t>
+              <a:t>4/10/2023</a:t>
             </a:fld>
             <a:endParaRPr lang="en-US" dirty="0"/>
           </a:p>
@@ -2291,7 +2719,7 @@
           <a:p>
             <a:fld id="{40DA1498-92C7-4E4B-8045-C9195F453964}" type="datetimeFigureOut">
               <a:rPr lang="en-US" smtClean="0"/>
-              <a:t>3/20/2023</a:t>
+              <a:t>4/10/2023</a:t>
             </a:fld>
             <a:endParaRPr lang="en-US" dirty="0"/>
           </a:p>
@@ -2566,7 +2994,7 @@
           <a:p>
             <a:fld id="{40DA1498-92C7-4E4B-8045-C9195F453964}" type="datetimeFigureOut">
               <a:rPr lang="en-US" smtClean="0"/>
-              <a:t>3/20/2023</a:t>
+              <a:t>4/10/2023</a:t>
             </a:fld>
             <a:endParaRPr lang="en-US" dirty="0"/>
           </a:p>
@@ -2831,7 +3259,7 @@
           <a:p>
             <a:fld id="{40DA1498-92C7-4E4B-8045-C9195F453964}" type="datetimeFigureOut">
               <a:rPr lang="en-US" smtClean="0"/>
-              <a:t>3/20/2023</a:t>
+              <a:t>4/10/2023</a:t>
             </a:fld>
             <a:endParaRPr lang="en-US" dirty="0"/>
           </a:p>
@@ -3243,7 +3671,7 @@
           <a:p>
             <a:fld id="{40DA1498-92C7-4E4B-8045-C9195F453964}" type="datetimeFigureOut">
               <a:rPr lang="en-US" smtClean="0"/>
-              <a:t>3/20/2023</a:t>
+              <a:t>4/10/2023</a:t>
             </a:fld>
             <a:endParaRPr lang="en-US" dirty="0"/>
           </a:p>
@@ -3384,7 +3812,7 @@
           <a:p>
             <a:fld id="{40DA1498-92C7-4E4B-8045-C9195F453964}" type="datetimeFigureOut">
               <a:rPr lang="en-US" smtClean="0"/>
-              <a:t>3/20/2023</a:t>
+              <a:t>4/10/2023</a:t>
             </a:fld>
             <a:endParaRPr lang="en-US" dirty="0"/>
           </a:p>
@@ -3497,7 +3925,7 @@
           <a:p>
             <a:fld id="{40DA1498-92C7-4E4B-8045-C9195F453964}" type="datetimeFigureOut">
               <a:rPr lang="en-US" smtClean="0"/>
-              <a:t>3/20/2023</a:t>
+              <a:t>4/10/2023</a:t>
             </a:fld>
             <a:endParaRPr lang="en-US" dirty="0"/>
           </a:p>
@@ -3808,7 +4236,7 @@
           <a:p>
             <a:fld id="{40DA1498-92C7-4E4B-8045-C9195F453964}" type="datetimeFigureOut">
               <a:rPr lang="en-US" smtClean="0"/>
-              <a:t>3/20/2023</a:t>
+              <a:t>4/10/2023</a:t>
             </a:fld>
             <a:endParaRPr lang="en-US" dirty="0"/>
           </a:p>
@@ -4100,7 +4528,7 @@
           <a:p>
             <a:fld id="{40DA1498-92C7-4E4B-8045-C9195F453964}" type="datetimeFigureOut">
               <a:rPr lang="en-US" smtClean="0"/>
-              <a:t>3/20/2023</a:t>
+              <a:t>4/10/2023</a:t>
             </a:fld>
             <a:endParaRPr lang="en-US" dirty="0"/>
           </a:p>
@@ -4341,7 +4769,7 @@
           <a:p>
             <a:fld id="{40DA1498-92C7-4E4B-8045-C9195F453964}" type="datetimeFigureOut">
               <a:rPr lang="en-US" smtClean="0"/>
-              <a:t>3/20/2023</a:t>
+              <a:t>4/10/2023</a:t>
             </a:fld>
             <a:endParaRPr lang="en-US" dirty="0"/>
           </a:p>
@@ -4793,7 +5221,7 @@
         </p:nvSpPr>
         <p:spPr>
           <a:xfrm>
-            <a:off x="1524000" y="4376036"/>
+            <a:off x="1670988" y="4217648"/>
             <a:ext cx="9144000" cy="2215991"/>
           </a:xfrm>
         </p:spPr>
@@ -4958,8 +5386,8 @@
         </p:nvGrpSpPr>
         <p:grpSpPr>
           <a:xfrm>
-            <a:off x="5851021" y="3724968"/>
-            <a:ext cx="489958" cy="492680"/>
+            <a:off x="5664819" y="3206197"/>
+            <a:ext cx="862361" cy="783072"/>
             <a:chOff x="2025650" y="4786313"/>
             <a:chExt cx="285750" cy="287338"/>
           </a:xfrm>
@@ -6214,10 +6642,571 @@
       </p:grpSpPr>
       <p:sp>
         <p:nvSpPr>
-          <p:cNvPr id="7" name="Title 6" hidden="1">
+          <p:cNvPr id="8" name="Trapezoid 7">
             <a:extLst>
               <a:ext uri="{FF2B5EF4-FFF2-40B4-BE49-F238E27FC236}">
-                <a16:creationId xmlns:a16="http://schemas.microsoft.com/office/drawing/2014/main" id="{ED2F5393-91A3-4102-A584-E902285C507A}"/>
+                <a16:creationId xmlns:a16="http://schemas.microsoft.com/office/drawing/2014/main" id="{E82F8254-5B62-8C30-DEFE-C927DD2F155E}"/>
+              </a:ext>
+              <a:ext uri="{C183D7F6-B498-43B3-948B-1728B52AA6E4}">
+                <adec:decorative xmlns:adec="http://schemas.microsoft.com/office/drawing/2017/decorative" val="1"/>
+              </a:ext>
+            </a:extLst>
+          </p:cNvPr>
+          <p:cNvSpPr/>
+          <p:nvPr/>
+        </p:nvSpPr>
+        <p:spPr>
+          <a:xfrm rot="5400000">
+            <a:off x="3583713" y="-2080380"/>
+            <a:ext cx="5165580" cy="11018759"/>
+          </a:xfrm>
+          <a:prstGeom prst="trapezoid">
+            <a:avLst/>
+          </a:prstGeom>
+          <a:solidFill>
+            <a:schemeClr val="accent4">
+              <a:lumMod val="75000"/>
+            </a:schemeClr>
+          </a:solidFill>
+          <a:ln>
+            <a:noFill/>
+          </a:ln>
+        </p:spPr>
+        <p:style>
+          <a:lnRef idx="2">
+            <a:schemeClr val="accent1">
+              <a:shade val="50000"/>
+            </a:schemeClr>
+          </a:lnRef>
+          <a:fillRef idx="1">
+            <a:schemeClr val="accent1"/>
+          </a:fillRef>
+          <a:effectRef idx="0">
+            <a:schemeClr val="accent1"/>
+          </a:effectRef>
+          <a:fontRef idx="minor">
+            <a:schemeClr val="lt1"/>
+          </a:fontRef>
+        </p:style>
+        <p:txBody>
+          <a:bodyPr rtlCol="0" anchor="ctr"/>
+          <a:lstStyle/>
+          <a:p>
+            <a:pPr algn="ctr"/>
+            <a:endParaRPr lang="en-US" dirty="0"/>
+          </a:p>
+        </p:txBody>
+      </p:sp>
+      <p:cxnSp>
+        <p:nvCxnSpPr>
+          <p:cNvPr id="2" name="Straight Connector 1">
+            <a:extLst>
+              <a:ext uri="{FF2B5EF4-FFF2-40B4-BE49-F238E27FC236}">
+                <a16:creationId xmlns:a16="http://schemas.microsoft.com/office/drawing/2014/main" id="{59B8F544-7E44-89CC-0C75-140D808C936E}"/>
+              </a:ext>
+              <a:ext uri="{C183D7F6-B498-43B3-948B-1728B52AA6E4}">
+                <adec:decorative xmlns:adec="http://schemas.microsoft.com/office/drawing/2017/decorative" val="1"/>
+              </a:ext>
+            </a:extLst>
+          </p:cNvPr>
+          <p:cNvCxnSpPr>
+            <a:cxnSpLocks/>
+          </p:cNvCxnSpPr>
+          <p:nvPr/>
+        </p:nvCxnSpPr>
+        <p:spPr>
+          <a:xfrm>
+            <a:off x="0" y="522898"/>
+            <a:ext cx="4086225" cy="0"/>
+          </a:xfrm>
+          <a:prstGeom prst="line">
+            <a:avLst/>
+          </a:prstGeom>
+          <a:ln>
+            <a:solidFill>
+              <a:schemeClr val="accent3">
+                <a:lumMod val="50000"/>
+              </a:schemeClr>
+            </a:solidFill>
+            <a:tailEnd type="oval"/>
+          </a:ln>
+        </p:spPr>
+        <p:style>
+          <a:lnRef idx="1">
+            <a:schemeClr val="accent1"/>
+          </a:lnRef>
+          <a:fillRef idx="0">
+            <a:schemeClr val="accent1"/>
+          </a:fillRef>
+          <a:effectRef idx="0">
+            <a:schemeClr val="accent1"/>
+          </a:effectRef>
+          <a:fontRef idx="minor">
+            <a:schemeClr val="tx1"/>
+          </a:fontRef>
+        </p:style>
+      </p:cxnSp>
+      <p:cxnSp>
+        <p:nvCxnSpPr>
+          <p:cNvPr id="3" name="Straight Connector 2">
+            <a:extLst>
+              <a:ext uri="{FF2B5EF4-FFF2-40B4-BE49-F238E27FC236}">
+                <a16:creationId xmlns:a16="http://schemas.microsoft.com/office/drawing/2014/main" id="{11DEF59A-E1B9-9C03-0FD0-F651275F2650}"/>
+              </a:ext>
+              <a:ext uri="{C183D7F6-B498-43B3-948B-1728B52AA6E4}">
+                <adec:decorative xmlns:adec="http://schemas.microsoft.com/office/drawing/2017/decorative" val="1"/>
+              </a:ext>
+            </a:extLst>
+          </p:cNvPr>
+          <p:cNvCxnSpPr>
+            <a:cxnSpLocks/>
+          </p:cNvCxnSpPr>
+          <p:nvPr/>
+        </p:nvCxnSpPr>
+        <p:spPr>
+          <a:xfrm>
+            <a:off x="8105775" y="522898"/>
+            <a:ext cx="4086225" cy="0"/>
+          </a:xfrm>
+          <a:prstGeom prst="line">
+            <a:avLst/>
+          </a:prstGeom>
+          <a:ln>
+            <a:solidFill>
+              <a:schemeClr val="accent3">
+                <a:lumMod val="50000"/>
+              </a:schemeClr>
+            </a:solidFill>
+            <a:headEnd type="oval"/>
+          </a:ln>
+        </p:spPr>
+        <p:style>
+          <a:lnRef idx="1">
+            <a:schemeClr val="accent1"/>
+          </a:lnRef>
+          <a:fillRef idx="0">
+            <a:schemeClr val="accent1"/>
+          </a:fillRef>
+          <a:effectRef idx="0">
+            <a:schemeClr val="accent1"/>
+          </a:effectRef>
+          <a:fontRef idx="minor">
+            <a:schemeClr val="tx1"/>
+          </a:fontRef>
+        </p:style>
+      </p:cxnSp>
+      <p:sp>
+        <p:nvSpPr>
+          <p:cNvPr id="4" name="Title 1">
+            <a:extLst>
+              <a:ext uri="{FF2B5EF4-FFF2-40B4-BE49-F238E27FC236}">
+                <a16:creationId xmlns:a16="http://schemas.microsoft.com/office/drawing/2014/main" id="{0E599C7F-8353-70CA-4DD1-33038188769C}"/>
+              </a:ext>
+            </a:extLst>
+          </p:cNvPr>
+          <p:cNvSpPr txBox="1">
+            <a:spLocks/>
+          </p:cNvSpPr>
+          <p:nvPr/>
+        </p:nvSpPr>
+        <p:spPr>
+          <a:xfrm>
+            <a:off x="299103" y="136300"/>
+            <a:ext cx="11734800" cy="1163395"/>
+          </a:xfrm>
+          <a:prstGeom prst="rect">
+            <a:avLst/>
+          </a:prstGeom>
+        </p:spPr>
+        <p:txBody>
+          <a:bodyPr vert="horz" wrap="square" lIns="0" tIns="0" rIns="0" bIns="0" rtlCol="0" anchor="t">
+            <a:spAutoFit/>
+          </a:bodyPr>
+          <a:lstStyle>
+            <a:lvl1pPr algn="l" defTabSz="914400" rtl="0" eaLnBrk="1" latinLnBrk="0" hangingPunct="1">
+              <a:lnSpc>
+                <a:spcPct val="90000"/>
+              </a:lnSpc>
+              <a:spcBef>
+                <a:spcPct val="0"/>
+              </a:spcBef>
+              <a:buNone/>
+              <a:defRPr sz="4400" kern="1200">
+                <a:solidFill>
+                  <a:schemeClr val="tx1"/>
+                </a:solidFill>
+                <a:latin typeface="+mj-lt"/>
+                <a:ea typeface="+mj-ea"/>
+                <a:cs typeface="+mj-cs"/>
+              </a:defRPr>
+            </a:lvl1pPr>
+          </a:lstStyle>
+          <a:p>
+            <a:pPr algn="ctr"/>
+            <a:r>
+              <a:rPr lang="en-US" sz="2800" dirty="0">
+                <a:solidFill>
+                  <a:schemeClr val="tx1">
+                    <a:lumMod val="75000"/>
+                    <a:lumOff val="25000"/>
+                  </a:schemeClr>
+                </a:solidFill>
+              </a:rPr>
+              <a:t>Data Cleaning</a:t>
+            </a:r>
+          </a:p>
+          <a:p>
+            <a:pPr algn="ctr"/>
+            <a:r>
+              <a:rPr lang="en-US" sz="2800" dirty="0">
+                <a:solidFill>
+                  <a:schemeClr val="tx1">
+                    <a:lumMod val="75000"/>
+                    <a:lumOff val="25000"/>
+                  </a:schemeClr>
+                </a:solidFill>
+              </a:rPr>
+              <a:t>And</a:t>
+            </a:r>
+          </a:p>
+          <a:p>
+            <a:pPr algn="ctr"/>
+            <a:r>
+              <a:rPr lang="en-US" sz="2800" dirty="0">
+                <a:solidFill>
+                  <a:schemeClr val="tx1">
+                    <a:lumMod val="75000"/>
+                    <a:lumOff val="25000"/>
+                  </a:schemeClr>
+                </a:solidFill>
+              </a:rPr>
+              <a:t>Transformation</a:t>
+            </a:r>
+          </a:p>
+        </p:txBody>
+      </p:sp>
+      <p:sp>
+        <p:nvSpPr>
+          <p:cNvPr id="7" name="Content Placeholder 6">
+            <a:extLst>
+              <a:ext uri="{FF2B5EF4-FFF2-40B4-BE49-F238E27FC236}">
+                <a16:creationId xmlns:a16="http://schemas.microsoft.com/office/drawing/2014/main" id="{1D578D0B-0617-9D5C-2525-170E4262948A}"/>
+              </a:ext>
+            </a:extLst>
+          </p:cNvPr>
+          <p:cNvSpPr>
+            <a:spLocks noGrp="1"/>
+          </p:cNvSpPr>
+          <p:nvPr>
+            <p:ph idx="1"/>
+          </p:nvPr>
+        </p:nvSpPr>
+        <p:spPr>
+          <a:xfrm>
+            <a:off x="911452" y="1521824"/>
+            <a:ext cx="11122451" cy="4292456"/>
+          </a:xfrm>
+        </p:spPr>
+        <p:txBody>
+          <a:bodyPr>
+            <a:normAutofit/>
+          </a:bodyPr>
+          <a:lstStyle/>
+          <a:p>
+            <a:pPr>
+              <a:lnSpc>
+                <a:spcPct val="100000"/>
+              </a:lnSpc>
+            </a:pPr>
+            <a:r>
+              <a:rPr lang="en-US" sz="2400" b="1" dirty="0">
+                <a:latin typeface="Calibri" panose="020F0502020204030204" pitchFamily="34" charset="0"/>
+                <a:ea typeface="Calibri" panose="020F0502020204030204" pitchFamily="34" charset="0"/>
+                <a:cs typeface="Calibri" panose="020F0502020204030204" pitchFamily="34" charset="0"/>
+              </a:rPr>
+              <a:t>Data Cleaning in Unemployment data sets</a:t>
+            </a:r>
+          </a:p>
+          <a:p>
+            <a:pPr lvl="1">
+              <a:lnSpc>
+                <a:spcPct val="100000"/>
+              </a:lnSpc>
+              <a:buFont typeface="Courier New" panose="02070309020205020404" pitchFamily="49" charset="0"/>
+              <a:buChar char="o"/>
+            </a:pPr>
+            <a:r>
+              <a:rPr lang="en-US" sz="1400" b="0" i="0" dirty="0">
+                <a:solidFill>
+                  <a:srgbClr val="212121"/>
+                </a:solidFill>
+                <a:effectLst/>
+                <a:latin typeface="Calibri" panose="020F0502020204030204" pitchFamily="34" charset="0"/>
+                <a:ea typeface="Calibri" panose="020F0502020204030204" pitchFamily="34" charset="0"/>
+                <a:cs typeface="Calibri" panose="020F0502020204030204" pitchFamily="34" charset="0"/>
+              </a:rPr>
+              <a:t>Renaming the column for simplify</a:t>
+            </a:r>
+          </a:p>
+          <a:p>
+            <a:pPr lvl="1">
+              <a:lnSpc>
+                <a:spcPct val="100000"/>
+              </a:lnSpc>
+              <a:buFont typeface="Courier New" panose="02070309020205020404" pitchFamily="49" charset="0"/>
+              <a:buChar char="o"/>
+            </a:pPr>
+            <a:r>
+              <a:rPr lang="en-US" sz="1400" dirty="0">
+                <a:solidFill>
+                  <a:srgbClr val="212121"/>
+                </a:solidFill>
+                <a:latin typeface="Calibri" panose="020F0502020204030204" pitchFamily="34" charset="0"/>
+                <a:ea typeface="Calibri" panose="020F0502020204030204" pitchFamily="34" charset="0"/>
+                <a:cs typeface="Calibri" panose="020F0502020204030204" pitchFamily="34" charset="0"/>
+              </a:rPr>
+              <a:t>Removed/dropped any recorded having missing value</a:t>
+            </a:r>
+            <a:endParaRPr lang="en-US" sz="1400" b="1" dirty="0">
+              <a:latin typeface="Calibri" panose="020F0502020204030204" pitchFamily="34" charset="0"/>
+              <a:ea typeface="Calibri" panose="020F0502020204030204" pitchFamily="34" charset="0"/>
+              <a:cs typeface="Calibri" panose="020F0502020204030204" pitchFamily="34" charset="0"/>
+            </a:endParaRPr>
+          </a:p>
+          <a:p>
+            <a:pPr>
+              <a:lnSpc>
+                <a:spcPct val="100000"/>
+              </a:lnSpc>
+            </a:pPr>
+            <a:r>
+              <a:rPr lang="en-US" sz="2400" b="1" dirty="0">
+                <a:latin typeface="Calibri" panose="020F0502020204030204" pitchFamily="34" charset="0"/>
+                <a:ea typeface="Calibri" panose="020F0502020204030204" pitchFamily="34" charset="0"/>
+                <a:cs typeface="Calibri" panose="020F0502020204030204" pitchFamily="34" charset="0"/>
+              </a:rPr>
+              <a:t>Data Transformation</a:t>
+            </a:r>
+          </a:p>
+          <a:p>
+            <a:pPr lvl="1">
+              <a:lnSpc>
+                <a:spcPct val="100000"/>
+              </a:lnSpc>
+              <a:buFont typeface="Courier New" panose="02070309020205020404" pitchFamily="49" charset="0"/>
+              <a:buChar char="o"/>
+            </a:pPr>
+            <a:r>
+              <a:rPr lang="en-US" sz="1400" b="0" i="0" dirty="0">
+                <a:solidFill>
+                  <a:srgbClr val="212121"/>
+                </a:solidFill>
+                <a:effectLst/>
+                <a:latin typeface="Calibri" panose="020F0502020204030204" pitchFamily="34" charset="0"/>
+                <a:ea typeface="Calibri" panose="020F0502020204030204" pitchFamily="34" charset="0"/>
+                <a:cs typeface="Calibri" panose="020F0502020204030204" pitchFamily="34" charset="0"/>
+              </a:rPr>
+              <a:t>Convert the 'year_month' column to a datetime object</a:t>
+            </a:r>
+            <a:endParaRPr lang="en-US" sz="1400" b="1" dirty="0">
+              <a:latin typeface="Calibri" panose="020F0502020204030204" pitchFamily="34" charset="0"/>
+              <a:ea typeface="Calibri" panose="020F0502020204030204" pitchFamily="34" charset="0"/>
+              <a:cs typeface="Calibri" panose="020F0502020204030204" pitchFamily="34" charset="0"/>
+            </a:endParaRPr>
+          </a:p>
+          <a:p>
+            <a:pPr>
+              <a:lnSpc>
+                <a:spcPct val="100000"/>
+              </a:lnSpc>
+            </a:pPr>
+            <a:r>
+              <a:rPr lang="en-US" sz="2400" b="1" dirty="0">
+                <a:latin typeface="Calibri" panose="020F0502020204030204" pitchFamily="34" charset="0"/>
+                <a:ea typeface="Calibri" panose="020F0502020204030204" pitchFamily="34" charset="0"/>
+                <a:cs typeface="Calibri" panose="020F0502020204030204" pitchFamily="34" charset="0"/>
+              </a:rPr>
+              <a:t>Data Cleaning in GDP data sets</a:t>
+            </a:r>
+          </a:p>
+          <a:p>
+            <a:pPr lvl="1">
+              <a:lnSpc>
+                <a:spcPct val="100000"/>
+              </a:lnSpc>
+            </a:pPr>
+            <a:r>
+              <a:rPr lang="en-US" sz="1600" b="0" i="0" dirty="0">
+                <a:solidFill>
+                  <a:srgbClr val="212121"/>
+                </a:solidFill>
+                <a:effectLst/>
+                <a:latin typeface="Roboto" panose="02000000000000000000" pitchFamily="2" charset="0"/>
+              </a:rPr>
+              <a:t>Renaming date column to year and month</a:t>
+            </a:r>
+          </a:p>
+          <a:p>
+            <a:pPr lvl="1">
+              <a:lnSpc>
+                <a:spcPct val="100000"/>
+              </a:lnSpc>
+            </a:pPr>
+            <a:r>
+              <a:rPr lang="en-US" sz="1600" b="0" i="0" dirty="0">
+                <a:solidFill>
+                  <a:srgbClr val="212121"/>
+                </a:solidFill>
+                <a:effectLst/>
+                <a:latin typeface="Roboto" panose="02000000000000000000" pitchFamily="2" charset="0"/>
+              </a:rPr>
+              <a:t>Removing NA and NAN value if available</a:t>
+            </a:r>
+            <a:endParaRPr lang="en-US" sz="2000" b="1" dirty="0">
+              <a:latin typeface="Calibri" panose="020F0502020204030204" pitchFamily="34" charset="0"/>
+              <a:ea typeface="Calibri" panose="020F0502020204030204" pitchFamily="34" charset="0"/>
+              <a:cs typeface="Calibri" panose="020F0502020204030204" pitchFamily="34" charset="0"/>
+            </a:endParaRPr>
+          </a:p>
+          <a:p>
+            <a:pPr>
+              <a:lnSpc>
+                <a:spcPct val="100000"/>
+              </a:lnSpc>
+            </a:pPr>
+            <a:r>
+              <a:rPr lang="en-US" sz="2400" b="1" dirty="0">
+                <a:latin typeface="Calibri" panose="020F0502020204030204" pitchFamily="34" charset="0"/>
+                <a:ea typeface="Calibri" panose="020F0502020204030204" pitchFamily="34" charset="0"/>
+                <a:cs typeface="Calibri" panose="020F0502020204030204" pitchFamily="34" charset="0"/>
+              </a:rPr>
+              <a:t>Data Transformation</a:t>
+            </a:r>
+          </a:p>
+          <a:p>
+            <a:pPr lvl="1">
+              <a:lnSpc>
+                <a:spcPct val="100000"/>
+              </a:lnSpc>
+            </a:pPr>
+            <a:r>
+              <a:rPr lang="en-US" sz="1600" b="0" i="0" dirty="0">
+                <a:solidFill>
+                  <a:srgbClr val="212121"/>
+                </a:solidFill>
+                <a:effectLst/>
+                <a:latin typeface="Roboto" panose="02000000000000000000" pitchFamily="2" charset="0"/>
+              </a:rPr>
+              <a:t>converting Date and month column to date and time format</a:t>
+            </a:r>
+            <a:endParaRPr lang="en-US" sz="2000" b="1" dirty="0">
+              <a:latin typeface="Calibri" panose="020F0502020204030204" pitchFamily="34" charset="0"/>
+              <a:ea typeface="Calibri" panose="020F0502020204030204" pitchFamily="34" charset="0"/>
+              <a:cs typeface="Calibri" panose="020F0502020204030204" pitchFamily="34" charset="0"/>
+            </a:endParaRPr>
+          </a:p>
+          <a:p>
+            <a:endParaRPr lang="en-US" sz="1600" b="1" dirty="0">
+              <a:latin typeface="Calibri" panose="020F0502020204030204" pitchFamily="34" charset="0"/>
+              <a:ea typeface="Calibri" panose="020F0502020204030204" pitchFamily="34" charset="0"/>
+              <a:cs typeface="Calibri" panose="020F0502020204030204" pitchFamily="34" charset="0"/>
+            </a:endParaRPr>
+          </a:p>
+        </p:txBody>
+      </p:sp>
+    </p:spTree>
+    <p:extLst>
+      <p:ext uri="{BB962C8B-B14F-4D97-AF65-F5344CB8AC3E}">
+        <p14:creationId xmlns:p14="http://schemas.microsoft.com/office/powerpoint/2010/main" val="2753452670"/>
+      </p:ext>
+    </p:extLst>
+  </p:cSld>
+  <p:clrMapOvr>
+    <a:masterClrMapping/>
+  </p:clrMapOvr>
+</p:sld>
+</file>
+
+<file path=ppt/slides/slide11.xml><?xml version="1.0" encoding="utf-8"?>
+<p:sld xmlns:a="http://schemas.openxmlformats.org/drawingml/2006/main" xmlns:r="http://schemas.openxmlformats.org/officeDocument/2006/relationships" xmlns:p="http://schemas.openxmlformats.org/presentationml/2006/main">
+  <p:cSld>
+    <p:spTree>
+      <p:nvGrpSpPr>
+        <p:cNvPr id="1" name=""/>
+        <p:cNvGrpSpPr/>
+        <p:nvPr/>
+      </p:nvGrpSpPr>
+      <p:grpSpPr>
+        <a:xfrm>
+          <a:off x="0" y="0"/>
+          <a:ext cx="0" cy="0"/>
+          <a:chOff x="0" y="0"/>
+          <a:chExt cx="0" cy="0"/>
+        </a:xfrm>
+      </p:grpSpPr>
+      <p:sp>
+        <p:nvSpPr>
+          <p:cNvPr id="4" name="Trapezoid 3">
+            <a:extLst>
+              <a:ext uri="{FF2B5EF4-FFF2-40B4-BE49-F238E27FC236}">
+                <a16:creationId xmlns:a16="http://schemas.microsoft.com/office/drawing/2014/main" id="{00619C35-55D7-011E-88B4-80CF83746057}"/>
+              </a:ext>
+              <a:ext uri="{C183D7F6-B498-43B3-948B-1728B52AA6E4}">
+                <adec:decorative xmlns:adec="http://schemas.microsoft.com/office/drawing/2017/decorative" val="1"/>
+              </a:ext>
+            </a:extLst>
+          </p:cNvPr>
+          <p:cNvSpPr/>
+          <p:nvPr/>
+        </p:nvSpPr>
+        <p:spPr>
+          <a:xfrm rot="5400000">
+            <a:off x="3716581" y="-1973599"/>
+            <a:ext cx="4172378" cy="9952145"/>
+          </a:xfrm>
+          <a:prstGeom prst="trapezoid">
+            <a:avLst/>
+          </a:prstGeom>
+          <a:solidFill>
+            <a:schemeClr val="accent3">
+              <a:lumMod val="75000"/>
+            </a:schemeClr>
+          </a:solidFill>
+          <a:ln>
+            <a:noFill/>
+          </a:ln>
+        </p:spPr>
+        <p:style>
+          <a:lnRef idx="2">
+            <a:schemeClr val="accent1">
+              <a:shade val="50000"/>
+            </a:schemeClr>
+          </a:lnRef>
+          <a:fillRef idx="1">
+            <a:schemeClr val="accent1"/>
+          </a:fillRef>
+          <a:effectRef idx="0">
+            <a:schemeClr val="accent1"/>
+          </a:effectRef>
+          <a:fontRef idx="minor">
+            <a:schemeClr val="lt1"/>
+          </a:fontRef>
+        </p:style>
+        <p:txBody>
+          <a:bodyPr rtlCol="0" anchor="ctr"/>
+          <a:lstStyle/>
+          <a:p>
+            <a:pPr algn="ctr"/>
+            <a:endParaRPr lang="en-US" dirty="0"/>
+          </a:p>
+        </p:txBody>
+      </p:sp>
+      <p:sp>
+        <p:nvSpPr>
+          <p:cNvPr id="9" name="Title 8" hidden="1">
+            <a:extLst>
+              <a:ext uri="{FF2B5EF4-FFF2-40B4-BE49-F238E27FC236}">
+                <a16:creationId xmlns:a16="http://schemas.microsoft.com/office/drawing/2014/main" id="{9FDB6406-0CDB-4213-A1B6-DE47D953FED3}"/>
               </a:ext>
             </a:extLst>
           </p:cNvPr>
@@ -6240,7 +7229,7 @@
           <a:p>
             <a:r>
               <a:rPr lang="en-US" dirty="0"/>
-              <a:t>Project analysis slide 4</a:t>
+              <a:t>Project analysis slide 3</a:t>
             </a:r>
           </a:p>
         </p:txBody>
@@ -6310,6 +7299,2711 @@
         </p:nvSpPr>
         <p:spPr>
           <a:xfrm>
+            <a:off x="228600" y="289772"/>
+            <a:ext cx="11734800" cy="775597"/>
+          </a:xfrm>
+          <a:prstGeom prst="rect">
+            <a:avLst/>
+          </a:prstGeom>
+        </p:spPr>
+        <p:txBody>
+          <a:bodyPr vert="horz" wrap="square" lIns="0" tIns="0" rIns="0" bIns="0" rtlCol="0" anchor="t">
+            <a:spAutoFit/>
+          </a:bodyPr>
+          <a:lstStyle>
+            <a:lvl1pPr algn="l" defTabSz="914400" rtl="0" eaLnBrk="1" latinLnBrk="0" hangingPunct="1">
+              <a:lnSpc>
+                <a:spcPct val="90000"/>
+              </a:lnSpc>
+              <a:spcBef>
+                <a:spcPct val="0"/>
+              </a:spcBef>
+              <a:buNone/>
+              <a:defRPr sz="4400" kern="1200">
+                <a:solidFill>
+                  <a:schemeClr val="tx1"/>
+                </a:solidFill>
+                <a:latin typeface="+mj-lt"/>
+                <a:ea typeface="+mj-ea"/>
+                <a:cs typeface="+mj-cs"/>
+              </a:defRPr>
+            </a:lvl1pPr>
+          </a:lstStyle>
+          <a:p>
+            <a:pPr algn="ctr"/>
+            <a:r>
+              <a:rPr lang="en-US" sz="2800" b="1" dirty="0">
+                <a:solidFill>
+                  <a:schemeClr val="tx1">
+                    <a:lumMod val="75000"/>
+                    <a:lumOff val="25000"/>
+                  </a:schemeClr>
+                </a:solidFill>
+              </a:rPr>
+              <a:t>Analysis Question</a:t>
+            </a:r>
+            <a:br>
+              <a:rPr lang="en-US" sz="2800" dirty="0">
+                <a:solidFill>
+                  <a:schemeClr val="tx1">
+                    <a:lumMod val="75000"/>
+                    <a:lumOff val="25000"/>
+                  </a:schemeClr>
+                </a:solidFill>
+              </a:rPr>
+            </a:br>
+            <a:endParaRPr lang="en-US" sz="2800" dirty="0">
+              <a:solidFill>
+                <a:schemeClr val="tx1">
+                  <a:lumMod val="75000"/>
+                  <a:lumOff val="25000"/>
+                </a:schemeClr>
+              </a:solidFill>
+            </a:endParaRPr>
+          </a:p>
+        </p:txBody>
+      </p:sp>
+      <p:cxnSp>
+        <p:nvCxnSpPr>
+          <p:cNvPr id="14" name="Straight Connector 13">
+            <a:extLst>
+              <a:ext uri="{FF2B5EF4-FFF2-40B4-BE49-F238E27FC236}">
+                <a16:creationId xmlns:a16="http://schemas.microsoft.com/office/drawing/2014/main" id="{83E690F4-843A-47A5-8620-4FB01C0D8E68}"/>
+              </a:ext>
+              <a:ext uri="{C183D7F6-B498-43B3-948B-1728B52AA6E4}">
+                <adec:decorative xmlns:adec="http://schemas.microsoft.com/office/drawing/2017/decorative" val="1"/>
+              </a:ext>
+            </a:extLst>
+          </p:cNvPr>
+          <p:cNvCxnSpPr>
+            <a:cxnSpLocks/>
+          </p:cNvCxnSpPr>
+          <p:nvPr/>
+        </p:nvCxnSpPr>
+        <p:spPr>
+          <a:xfrm>
+            <a:off x="0" y="522898"/>
+            <a:ext cx="4086225" cy="0"/>
+          </a:xfrm>
+          <a:prstGeom prst="line">
+            <a:avLst/>
+          </a:prstGeom>
+          <a:ln>
+            <a:solidFill>
+              <a:schemeClr val="accent3">
+                <a:lumMod val="50000"/>
+              </a:schemeClr>
+            </a:solidFill>
+            <a:tailEnd type="oval"/>
+          </a:ln>
+        </p:spPr>
+        <p:style>
+          <a:lnRef idx="1">
+            <a:schemeClr val="accent1"/>
+          </a:lnRef>
+          <a:fillRef idx="0">
+            <a:schemeClr val="accent1"/>
+          </a:fillRef>
+          <a:effectRef idx="0">
+            <a:schemeClr val="accent1"/>
+          </a:effectRef>
+          <a:fontRef idx="minor">
+            <a:schemeClr val="tx1"/>
+          </a:fontRef>
+        </p:style>
+      </p:cxnSp>
+      <p:sp>
+        <p:nvSpPr>
+          <p:cNvPr id="47" name="Rectangle 46">
+            <a:extLst>
+              <a:ext uri="{FF2B5EF4-FFF2-40B4-BE49-F238E27FC236}">
+                <a16:creationId xmlns:a16="http://schemas.microsoft.com/office/drawing/2014/main" id="{1751D31D-3535-411D-8BAC-95CCC90AB185}"/>
+              </a:ext>
+            </a:extLst>
+          </p:cNvPr>
+          <p:cNvSpPr/>
+          <p:nvPr/>
+        </p:nvSpPr>
+        <p:spPr>
+          <a:xfrm>
+            <a:off x="826697" y="3090062"/>
+            <a:ext cx="1371600" cy="246221"/>
+          </a:xfrm>
+          <a:prstGeom prst="rect">
+            <a:avLst/>
+          </a:prstGeom>
+        </p:spPr>
+        <p:txBody>
+          <a:bodyPr wrap="square" lIns="0" tIns="0" rIns="0" bIns="0">
+            <a:spAutoFit/>
+          </a:bodyPr>
+          <a:lstStyle/>
+          <a:p>
+            <a:pPr algn="ctr"/>
+            <a:r>
+              <a:rPr lang="en-US" sz="1600" b="1" dirty="0">
+                <a:solidFill>
+                  <a:schemeClr val="bg1"/>
+                </a:solidFill>
+              </a:rPr>
+              <a:t>Questions</a:t>
+            </a:r>
+          </a:p>
+        </p:txBody>
+      </p:sp>
+      <p:sp>
+        <p:nvSpPr>
+          <p:cNvPr id="2" name="Rectangle 1">
+            <a:extLst>
+              <a:ext uri="{FF2B5EF4-FFF2-40B4-BE49-F238E27FC236}">
+                <a16:creationId xmlns:a16="http://schemas.microsoft.com/office/drawing/2014/main" id="{453ADD53-E177-6488-4A7F-4EC120FA940E}"/>
+              </a:ext>
+            </a:extLst>
+          </p:cNvPr>
+          <p:cNvSpPr/>
+          <p:nvPr/>
+        </p:nvSpPr>
+        <p:spPr>
+          <a:xfrm>
+            <a:off x="1271085" y="2309925"/>
+            <a:ext cx="482824" cy="923330"/>
+          </a:xfrm>
+          <a:prstGeom prst="rect">
+            <a:avLst/>
+          </a:prstGeom>
+          <a:noFill/>
+        </p:spPr>
+        <p:txBody>
+          <a:bodyPr wrap="none" lIns="91440" tIns="45720" rIns="91440" bIns="45720">
+            <a:spAutoFit/>
+          </a:bodyPr>
+          <a:lstStyle/>
+          <a:p>
+            <a:pPr algn="ctr"/>
+            <a:r>
+              <a:rPr lang="en-US" sz="5400" b="0" cap="none" spc="0" dirty="0">
+                <a:ln w="0"/>
+                <a:solidFill>
+                  <a:schemeClr val="bg1"/>
+                </a:solidFill>
+                <a:effectLst>
+                  <a:outerShdw blurRad="38100" dist="19050" dir="2700000" algn="tl" rotWithShape="0">
+                    <a:schemeClr val="dk1">
+                      <a:alpha val="40000"/>
+                    </a:schemeClr>
+                  </a:outerShdw>
+                </a:effectLst>
+              </a:rPr>
+              <a:t>?</a:t>
+            </a:r>
+          </a:p>
+        </p:txBody>
+      </p:sp>
+      <p:sp>
+        <p:nvSpPr>
+          <p:cNvPr id="3" name="Rectangle 2">
+            <a:extLst>
+              <a:ext uri="{FF2B5EF4-FFF2-40B4-BE49-F238E27FC236}">
+                <a16:creationId xmlns:a16="http://schemas.microsoft.com/office/drawing/2014/main" id="{16637786-5AF7-E589-5FBD-E65F0CF0D3D4}"/>
+              </a:ext>
+            </a:extLst>
+          </p:cNvPr>
+          <p:cNvSpPr/>
+          <p:nvPr/>
+        </p:nvSpPr>
+        <p:spPr>
+          <a:xfrm>
+            <a:off x="2455434" y="2478836"/>
+            <a:ext cx="8258576" cy="1172309"/>
+          </a:xfrm>
+          <a:prstGeom prst="rect">
+            <a:avLst/>
+          </a:prstGeom>
+        </p:spPr>
+        <p:txBody>
+          <a:bodyPr wrap="square" lIns="0" tIns="0" rIns="0" bIns="0" anchor="t">
+            <a:spAutoFit/>
+          </a:bodyPr>
+          <a:lstStyle/>
+          <a:p>
+            <a:pPr marL="342900" lvl="0" indent="-342900" algn="just">
+              <a:lnSpc>
+                <a:spcPct val="107000"/>
+              </a:lnSpc>
+              <a:buFont typeface="+mj-lt"/>
+              <a:buAutoNum type="arabicPeriod"/>
+            </a:pPr>
+            <a:r>
+              <a:rPr lang="en-US" sz="1800" dirty="0">
+                <a:solidFill>
+                  <a:schemeClr val="bg1"/>
+                </a:solidFill>
+                <a:effectLst/>
+                <a:latin typeface="Calibri" panose="020F0502020204030204" pitchFamily="34" charset="0"/>
+                <a:ea typeface="Calibri" panose="020F0502020204030204" pitchFamily="34" charset="0"/>
+                <a:cs typeface="Shruti" panose="020B0502040204020203" pitchFamily="34" charset="0"/>
+              </a:rPr>
+              <a:t>To what extent does vaccination affect unemployment rates?</a:t>
+            </a:r>
+            <a:endParaRPr lang="en-IN" sz="1800" dirty="0">
+              <a:solidFill>
+                <a:schemeClr val="bg1"/>
+              </a:solidFill>
+              <a:effectLst/>
+              <a:latin typeface="Calibri" panose="020F0502020204030204" pitchFamily="34" charset="0"/>
+              <a:ea typeface="Calibri" panose="020F0502020204030204" pitchFamily="34" charset="0"/>
+              <a:cs typeface="Shruti" panose="020B0502040204020203" pitchFamily="34" charset="0"/>
+            </a:endParaRPr>
+          </a:p>
+          <a:p>
+            <a:pPr marL="342900" indent="-342900" algn="just">
+              <a:lnSpc>
+                <a:spcPct val="107000"/>
+              </a:lnSpc>
+              <a:buFont typeface="+mj-lt"/>
+              <a:buAutoNum type="arabicPeriod"/>
+            </a:pPr>
+            <a:r>
+              <a:rPr lang="en-US" sz="1800" dirty="0">
+                <a:solidFill>
+                  <a:schemeClr val="bg1"/>
+                </a:solidFill>
+                <a:effectLst/>
+                <a:latin typeface="Calibri" panose="020F0502020204030204" pitchFamily="34" charset="0"/>
+                <a:ea typeface="Calibri" panose="020F0502020204030204" pitchFamily="34" charset="0"/>
+                <a:cs typeface="Shruti" panose="020B0502040204020203" pitchFamily="34" charset="0"/>
+              </a:rPr>
+              <a:t>To what extent does vaccination affect GDP rates?</a:t>
+            </a:r>
+            <a:endParaRPr lang="en-IN" dirty="0">
+              <a:solidFill>
+                <a:schemeClr val="bg1"/>
+              </a:solidFill>
+              <a:latin typeface="Calibri" panose="020F0502020204030204" pitchFamily="34" charset="0"/>
+              <a:ea typeface="Calibri" panose="020F0502020204030204" pitchFamily="34" charset="0"/>
+              <a:cs typeface="Shruti" panose="020B0502040204020203" pitchFamily="34" charset="0"/>
+            </a:endParaRPr>
+          </a:p>
+          <a:p>
+            <a:pPr marL="342900" lvl="0" indent="-342900" algn="just">
+              <a:lnSpc>
+                <a:spcPct val="107000"/>
+              </a:lnSpc>
+              <a:buFont typeface="+mj-lt"/>
+              <a:buAutoNum type="arabicPeriod"/>
+            </a:pPr>
+            <a:r>
+              <a:rPr lang="en-US" sz="1800" dirty="0">
+                <a:solidFill>
+                  <a:schemeClr val="bg1"/>
+                </a:solidFill>
+                <a:effectLst/>
+                <a:latin typeface="Calibri" panose="020F0502020204030204" pitchFamily="34" charset="0"/>
+                <a:ea typeface="Calibri" panose="020F0502020204030204" pitchFamily="34" charset="0"/>
+                <a:cs typeface="Shruti" panose="020B0502040204020203" pitchFamily="34" charset="0"/>
+              </a:rPr>
+              <a:t>What are some effective strategies to address economic crises during pandemics or lockdowns?</a:t>
+            </a:r>
+            <a:endParaRPr lang="en-IN" sz="1800" dirty="0">
+              <a:solidFill>
+                <a:schemeClr val="bg1"/>
+              </a:solidFill>
+              <a:effectLst/>
+              <a:latin typeface="Calibri" panose="020F0502020204030204" pitchFamily="34" charset="0"/>
+              <a:ea typeface="Calibri" panose="020F0502020204030204" pitchFamily="34" charset="0"/>
+              <a:cs typeface="Shruti" panose="020B0502040204020203" pitchFamily="34" charset="0"/>
+            </a:endParaRPr>
+          </a:p>
+        </p:txBody>
+      </p:sp>
+    </p:spTree>
+    <p:extLst>
+      <p:ext uri="{BB962C8B-B14F-4D97-AF65-F5344CB8AC3E}">
+        <p14:creationId xmlns:p14="http://schemas.microsoft.com/office/powerpoint/2010/main" val="1523015836"/>
+      </p:ext>
+    </p:extLst>
+  </p:cSld>
+  <p:clrMapOvr>
+    <a:masterClrMapping/>
+  </p:clrMapOvr>
+</p:sld>
+</file>
+
+<file path=ppt/slides/slide12.xml><?xml version="1.0" encoding="utf-8"?>
+<p:sld xmlns:a="http://schemas.openxmlformats.org/drawingml/2006/main" xmlns:r="http://schemas.openxmlformats.org/officeDocument/2006/relationships" xmlns:p="http://schemas.openxmlformats.org/presentationml/2006/main">
+  <p:cSld>
+    <p:spTree>
+      <p:nvGrpSpPr>
+        <p:cNvPr id="1" name=""/>
+        <p:cNvGrpSpPr/>
+        <p:nvPr/>
+      </p:nvGrpSpPr>
+      <p:grpSpPr>
+        <a:xfrm>
+          <a:off x="0" y="0"/>
+          <a:ext cx="0" cy="0"/>
+          <a:chOff x="0" y="0"/>
+          <a:chExt cx="0" cy="0"/>
+        </a:xfrm>
+      </p:grpSpPr>
+      <p:cxnSp>
+        <p:nvCxnSpPr>
+          <p:cNvPr id="2" name="Straight Connector 1">
+            <a:extLst>
+              <a:ext uri="{FF2B5EF4-FFF2-40B4-BE49-F238E27FC236}">
+                <a16:creationId xmlns:a16="http://schemas.microsoft.com/office/drawing/2014/main" id="{113620CE-67AD-0F86-389F-37C3043E62A8}"/>
+              </a:ext>
+              <a:ext uri="{C183D7F6-B498-43B3-948B-1728B52AA6E4}">
+                <adec:decorative xmlns:adec="http://schemas.microsoft.com/office/drawing/2017/decorative" val="1"/>
+              </a:ext>
+            </a:extLst>
+          </p:cNvPr>
+          <p:cNvCxnSpPr>
+            <a:cxnSpLocks/>
+          </p:cNvCxnSpPr>
+          <p:nvPr/>
+        </p:nvCxnSpPr>
+        <p:spPr>
+          <a:xfrm>
+            <a:off x="0" y="522898"/>
+            <a:ext cx="4086225" cy="0"/>
+          </a:xfrm>
+          <a:prstGeom prst="line">
+            <a:avLst/>
+          </a:prstGeom>
+          <a:ln>
+            <a:solidFill>
+              <a:schemeClr val="accent3">
+                <a:lumMod val="50000"/>
+              </a:schemeClr>
+            </a:solidFill>
+            <a:tailEnd type="oval"/>
+          </a:ln>
+        </p:spPr>
+        <p:style>
+          <a:lnRef idx="1">
+            <a:schemeClr val="accent1"/>
+          </a:lnRef>
+          <a:fillRef idx="0">
+            <a:schemeClr val="accent1"/>
+          </a:fillRef>
+          <a:effectRef idx="0">
+            <a:schemeClr val="accent1"/>
+          </a:effectRef>
+          <a:fontRef idx="minor">
+            <a:schemeClr val="tx1"/>
+          </a:fontRef>
+        </p:style>
+      </p:cxnSp>
+      <p:cxnSp>
+        <p:nvCxnSpPr>
+          <p:cNvPr id="3" name="Straight Connector 2">
+            <a:extLst>
+              <a:ext uri="{FF2B5EF4-FFF2-40B4-BE49-F238E27FC236}">
+                <a16:creationId xmlns:a16="http://schemas.microsoft.com/office/drawing/2014/main" id="{CC6D03CF-DBDF-7821-E7F3-14CA1B0B94F9}"/>
+              </a:ext>
+              <a:ext uri="{C183D7F6-B498-43B3-948B-1728B52AA6E4}">
+                <adec:decorative xmlns:adec="http://schemas.microsoft.com/office/drawing/2017/decorative" val="1"/>
+              </a:ext>
+            </a:extLst>
+          </p:cNvPr>
+          <p:cNvCxnSpPr>
+            <a:cxnSpLocks/>
+          </p:cNvCxnSpPr>
+          <p:nvPr/>
+        </p:nvCxnSpPr>
+        <p:spPr>
+          <a:xfrm>
+            <a:off x="8105775" y="522898"/>
+            <a:ext cx="4086225" cy="0"/>
+          </a:xfrm>
+          <a:prstGeom prst="line">
+            <a:avLst/>
+          </a:prstGeom>
+          <a:ln>
+            <a:solidFill>
+              <a:schemeClr val="accent3">
+                <a:lumMod val="50000"/>
+              </a:schemeClr>
+            </a:solidFill>
+            <a:headEnd type="oval"/>
+          </a:ln>
+        </p:spPr>
+        <p:style>
+          <a:lnRef idx="1">
+            <a:schemeClr val="accent1"/>
+          </a:lnRef>
+          <a:fillRef idx="0">
+            <a:schemeClr val="accent1"/>
+          </a:fillRef>
+          <a:effectRef idx="0">
+            <a:schemeClr val="accent1"/>
+          </a:effectRef>
+          <a:fontRef idx="minor">
+            <a:schemeClr val="tx1"/>
+          </a:fontRef>
+        </p:style>
+      </p:cxnSp>
+      <p:sp>
+        <p:nvSpPr>
+          <p:cNvPr id="4" name="Title 1">
+            <a:extLst>
+              <a:ext uri="{FF2B5EF4-FFF2-40B4-BE49-F238E27FC236}">
+                <a16:creationId xmlns:a16="http://schemas.microsoft.com/office/drawing/2014/main" id="{CC4D5605-B464-F5DA-3F0A-930FB28891F5}"/>
+              </a:ext>
+            </a:extLst>
+          </p:cNvPr>
+          <p:cNvSpPr txBox="1">
+            <a:spLocks/>
+          </p:cNvSpPr>
+          <p:nvPr/>
+        </p:nvSpPr>
+        <p:spPr>
+          <a:xfrm>
+            <a:off x="228600" y="328999"/>
+            <a:ext cx="11734800" cy="387798"/>
+          </a:xfrm>
+          <a:prstGeom prst="rect">
+            <a:avLst/>
+          </a:prstGeom>
+        </p:spPr>
+        <p:txBody>
+          <a:bodyPr vert="horz" wrap="square" lIns="0" tIns="0" rIns="0" bIns="0" rtlCol="0" anchor="t">
+            <a:spAutoFit/>
+          </a:bodyPr>
+          <a:lstStyle>
+            <a:lvl1pPr algn="l" defTabSz="914400" rtl="0" eaLnBrk="1" latinLnBrk="0" hangingPunct="1">
+              <a:lnSpc>
+                <a:spcPct val="90000"/>
+              </a:lnSpc>
+              <a:spcBef>
+                <a:spcPct val="0"/>
+              </a:spcBef>
+              <a:buNone/>
+              <a:defRPr sz="4400" kern="1200">
+                <a:solidFill>
+                  <a:schemeClr val="tx1"/>
+                </a:solidFill>
+                <a:latin typeface="+mj-lt"/>
+                <a:ea typeface="+mj-ea"/>
+                <a:cs typeface="+mj-cs"/>
+              </a:defRPr>
+            </a:lvl1pPr>
+          </a:lstStyle>
+          <a:p>
+            <a:pPr algn="ctr"/>
+            <a:r>
+              <a:rPr lang="en-US" sz="2800" b="1" dirty="0">
+                <a:solidFill>
+                  <a:schemeClr val="tx1">
+                    <a:lumMod val="75000"/>
+                    <a:lumOff val="25000"/>
+                  </a:schemeClr>
+                </a:solidFill>
+              </a:rPr>
+              <a:t>Analysis</a:t>
+            </a:r>
+            <a:endParaRPr lang="en-US" sz="2800" dirty="0">
+              <a:solidFill>
+                <a:schemeClr val="tx1">
+                  <a:lumMod val="75000"/>
+                  <a:lumOff val="25000"/>
+                </a:schemeClr>
+              </a:solidFill>
+            </a:endParaRPr>
+          </a:p>
+        </p:txBody>
+      </p:sp>
+      <p:pic>
+        <p:nvPicPr>
+          <p:cNvPr id="6" name="Picture 5" descr="Chart, line chart&#10;&#10;Description automatically generated">
+            <a:extLst>
+              <a:ext uri="{FF2B5EF4-FFF2-40B4-BE49-F238E27FC236}">
+                <a16:creationId xmlns:a16="http://schemas.microsoft.com/office/drawing/2014/main" id="{60C04F64-A1A9-031C-5221-9C7AF0304D95}"/>
+              </a:ext>
+            </a:extLst>
+          </p:cNvPr>
+          <p:cNvPicPr>
+            <a:picLocks noChangeAspect="1"/>
+          </p:cNvPicPr>
+          <p:nvPr/>
+        </p:nvPicPr>
+        <p:blipFill>
+          <a:blip r:embed="rId3">
+            <a:extLst>
+              <a:ext uri="{28A0092B-C50C-407E-A947-70E740481C1C}">
+                <a14:useLocalDpi xmlns:a14="http://schemas.microsoft.com/office/drawing/2010/main" val="0"/>
+              </a:ext>
+            </a:extLst>
+          </a:blip>
+          <a:stretch>
+            <a:fillRect/>
+          </a:stretch>
+        </p:blipFill>
+        <p:spPr>
+          <a:xfrm>
+            <a:off x="0" y="1363183"/>
+            <a:ext cx="11987808" cy="5404115"/>
+          </a:xfrm>
+          <a:prstGeom prst="rect">
+            <a:avLst/>
+          </a:prstGeom>
+        </p:spPr>
+      </p:pic>
+      <p:sp>
+        <p:nvSpPr>
+          <p:cNvPr id="9" name="Title 1">
+            <a:extLst>
+              <a:ext uri="{FF2B5EF4-FFF2-40B4-BE49-F238E27FC236}">
+                <a16:creationId xmlns:a16="http://schemas.microsoft.com/office/drawing/2014/main" id="{6E20056B-4CB9-7D92-2212-6F4B0A960334}"/>
+              </a:ext>
+            </a:extLst>
+          </p:cNvPr>
+          <p:cNvSpPr txBox="1">
+            <a:spLocks/>
+          </p:cNvSpPr>
+          <p:nvPr/>
+        </p:nvSpPr>
+        <p:spPr>
+          <a:xfrm>
+            <a:off x="253008" y="846091"/>
+            <a:ext cx="11734800" cy="281167"/>
+          </a:xfrm>
+          <a:prstGeom prst="rect">
+            <a:avLst/>
+          </a:prstGeom>
+        </p:spPr>
+        <p:txBody>
+          <a:bodyPr vert="horz" wrap="square" lIns="0" tIns="0" rIns="0" bIns="0" rtlCol="0" anchor="t">
+            <a:spAutoFit/>
+          </a:bodyPr>
+          <a:lstStyle>
+            <a:lvl1pPr algn="l" defTabSz="914400" rtl="0" eaLnBrk="1" latinLnBrk="0" hangingPunct="1">
+              <a:lnSpc>
+                <a:spcPct val="90000"/>
+              </a:lnSpc>
+              <a:spcBef>
+                <a:spcPct val="0"/>
+              </a:spcBef>
+              <a:buNone/>
+              <a:defRPr sz="4400" kern="1200">
+                <a:solidFill>
+                  <a:schemeClr val="tx1"/>
+                </a:solidFill>
+                <a:latin typeface="+mj-lt"/>
+                <a:ea typeface="+mj-ea"/>
+                <a:cs typeface="+mj-cs"/>
+              </a:defRPr>
+            </a:lvl1pPr>
+          </a:lstStyle>
+          <a:p>
+            <a:pPr marL="347472" indent="-347472" algn="just" rtl="0" eaLnBrk="1" latinLnBrk="0" hangingPunct="1">
+              <a:lnSpc>
+                <a:spcPct val="107000"/>
+              </a:lnSpc>
+              <a:spcBef>
+                <a:spcPts val="0"/>
+              </a:spcBef>
+              <a:spcAft>
+                <a:spcPts val="0"/>
+              </a:spcAft>
+              <a:buClrTx/>
+              <a:buSzPts val="1800"/>
+              <a:buFont typeface="+mj-lt"/>
+              <a:buAutoNum type="arabicPeriod"/>
+            </a:pPr>
+            <a:r>
+              <a:rPr lang="en-US" sz="1800" kern="1200" dirty="0">
+                <a:effectLst/>
+                <a:latin typeface="Calibri" panose="020F0502020204030204" pitchFamily="34" charset="0"/>
+                <a:ea typeface="Calibri" panose="020F0502020204030204" pitchFamily="34" charset="0"/>
+                <a:cs typeface="Shruti" panose="020B0502040204020203" pitchFamily="34" charset="0"/>
+              </a:rPr>
+              <a:t>To what extent does vaccination affect unemployment rates?</a:t>
+            </a:r>
+            <a:endParaRPr lang="en-IN" sz="1800" dirty="0">
+              <a:effectLst/>
+            </a:endParaRPr>
+          </a:p>
+        </p:txBody>
+      </p:sp>
+    </p:spTree>
+    <p:extLst>
+      <p:ext uri="{BB962C8B-B14F-4D97-AF65-F5344CB8AC3E}">
+        <p14:creationId xmlns:p14="http://schemas.microsoft.com/office/powerpoint/2010/main" val="693507857"/>
+      </p:ext>
+    </p:extLst>
+  </p:cSld>
+  <p:clrMapOvr>
+    <a:masterClrMapping/>
+  </p:clrMapOvr>
+</p:sld>
+</file>
+
+<file path=ppt/slides/slide13.xml><?xml version="1.0" encoding="utf-8"?>
+<p:sld xmlns:a="http://schemas.openxmlformats.org/drawingml/2006/main" xmlns:r="http://schemas.openxmlformats.org/officeDocument/2006/relationships" xmlns:p="http://schemas.openxmlformats.org/presentationml/2006/main">
+  <p:cSld>
+    <p:spTree>
+      <p:nvGrpSpPr>
+        <p:cNvPr id="1" name=""/>
+        <p:cNvGrpSpPr/>
+        <p:nvPr/>
+      </p:nvGrpSpPr>
+      <p:grpSpPr>
+        <a:xfrm>
+          <a:off x="0" y="0"/>
+          <a:ext cx="0" cy="0"/>
+          <a:chOff x="0" y="0"/>
+          <a:chExt cx="0" cy="0"/>
+        </a:xfrm>
+      </p:grpSpPr>
+      <p:cxnSp>
+        <p:nvCxnSpPr>
+          <p:cNvPr id="2" name="Straight Connector 1">
+            <a:extLst>
+              <a:ext uri="{FF2B5EF4-FFF2-40B4-BE49-F238E27FC236}">
+                <a16:creationId xmlns:a16="http://schemas.microsoft.com/office/drawing/2014/main" id="{113620CE-67AD-0F86-389F-37C3043E62A8}"/>
+              </a:ext>
+              <a:ext uri="{C183D7F6-B498-43B3-948B-1728B52AA6E4}">
+                <adec:decorative xmlns:adec="http://schemas.microsoft.com/office/drawing/2017/decorative" val="1"/>
+              </a:ext>
+            </a:extLst>
+          </p:cNvPr>
+          <p:cNvCxnSpPr>
+            <a:cxnSpLocks/>
+          </p:cNvCxnSpPr>
+          <p:nvPr/>
+        </p:nvCxnSpPr>
+        <p:spPr>
+          <a:xfrm>
+            <a:off x="0" y="522898"/>
+            <a:ext cx="4086225" cy="0"/>
+          </a:xfrm>
+          <a:prstGeom prst="line">
+            <a:avLst/>
+          </a:prstGeom>
+          <a:ln>
+            <a:solidFill>
+              <a:schemeClr val="accent3">
+                <a:lumMod val="50000"/>
+              </a:schemeClr>
+            </a:solidFill>
+            <a:tailEnd type="oval"/>
+          </a:ln>
+        </p:spPr>
+        <p:style>
+          <a:lnRef idx="1">
+            <a:schemeClr val="accent1"/>
+          </a:lnRef>
+          <a:fillRef idx="0">
+            <a:schemeClr val="accent1"/>
+          </a:fillRef>
+          <a:effectRef idx="0">
+            <a:schemeClr val="accent1"/>
+          </a:effectRef>
+          <a:fontRef idx="minor">
+            <a:schemeClr val="tx1"/>
+          </a:fontRef>
+        </p:style>
+      </p:cxnSp>
+      <p:cxnSp>
+        <p:nvCxnSpPr>
+          <p:cNvPr id="3" name="Straight Connector 2">
+            <a:extLst>
+              <a:ext uri="{FF2B5EF4-FFF2-40B4-BE49-F238E27FC236}">
+                <a16:creationId xmlns:a16="http://schemas.microsoft.com/office/drawing/2014/main" id="{CC6D03CF-DBDF-7821-E7F3-14CA1B0B94F9}"/>
+              </a:ext>
+              <a:ext uri="{C183D7F6-B498-43B3-948B-1728B52AA6E4}">
+                <adec:decorative xmlns:adec="http://schemas.microsoft.com/office/drawing/2017/decorative" val="1"/>
+              </a:ext>
+            </a:extLst>
+          </p:cNvPr>
+          <p:cNvCxnSpPr>
+            <a:cxnSpLocks/>
+          </p:cNvCxnSpPr>
+          <p:nvPr/>
+        </p:nvCxnSpPr>
+        <p:spPr>
+          <a:xfrm>
+            <a:off x="8105775" y="522898"/>
+            <a:ext cx="4086225" cy="0"/>
+          </a:xfrm>
+          <a:prstGeom prst="line">
+            <a:avLst/>
+          </a:prstGeom>
+          <a:ln>
+            <a:solidFill>
+              <a:schemeClr val="accent3">
+                <a:lumMod val="50000"/>
+              </a:schemeClr>
+            </a:solidFill>
+            <a:headEnd type="oval"/>
+          </a:ln>
+        </p:spPr>
+        <p:style>
+          <a:lnRef idx="1">
+            <a:schemeClr val="accent1"/>
+          </a:lnRef>
+          <a:fillRef idx="0">
+            <a:schemeClr val="accent1"/>
+          </a:fillRef>
+          <a:effectRef idx="0">
+            <a:schemeClr val="accent1"/>
+          </a:effectRef>
+          <a:fontRef idx="minor">
+            <a:schemeClr val="tx1"/>
+          </a:fontRef>
+        </p:style>
+      </p:cxnSp>
+      <p:sp>
+        <p:nvSpPr>
+          <p:cNvPr id="4" name="Title 1">
+            <a:extLst>
+              <a:ext uri="{FF2B5EF4-FFF2-40B4-BE49-F238E27FC236}">
+                <a16:creationId xmlns:a16="http://schemas.microsoft.com/office/drawing/2014/main" id="{CC4D5605-B464-F5DA-3F0A-930FB28891F5}"/>
+              </a:ext>
+            </a:extLst>
+          </p:cNvPr>
+          <p:cNvSpPr txBox="1">
+            <a:spLocks/>
+          </p:cNvSpPr>
+          <p:nvPr/>
+        </p:nvSpPr>
+        <p:spPr>
+          <a:xfrm>
+            <a:off x="228600" y="328999"/>
+            <a:ext cx="11734800" cy="387798"/>
+          </a:xfrm>
+          <a:prstGeom prst="rect">
+            <a:avLst/>
+          </a:prstGeom>
+        </p:spPr>
+        <p:txBody>
+          <a:bodyPr vert="horz" wrap="square" lIns="0" tIns="0" rIns="0" bIns="0" rtlCol="0" anchor="t">
+            <a:spAutoFit/>
+          </a:bodyPr>
+          <a:lstStyle>
+            <a:lvl1pPr algn="l" defTabSz="914400" rtl="0" eaLnBrk="1" latinLnBrk="0" hangingPunct="1">
+              <a:lnSpc>
+                <a:spcPct val="90000"/>
+              </a:lnSpc>
+              <a:spcBef>
+                <a:spcPct val="0"/>
+              </a:spcBef>
+              <a:buNone/>
+              <a:defRPr sz="4400" kern="1200">
+                <a:solidFill>
+                  <a:schemeClr val="tx1"/>
+                </a:solidFill>
+                <a:latin typeface="+mj-lt"/>
+                <a:ea typeface="+mj-ea"/>
+                <a:cs typeface="+mj-cs"/>
+              </a:defRPr>
+            </a:lvl1pPr>
+          </a:lstStyle>
+          <a:p>
+            <a:pPr algn="ctr"/>
+            <a:r>
+              <a:rPr lang="en-US" sz="2800" b="1" dirty="0">
+                <a:solidFill>
+                  <a:schemeClr val="tx1">
+                    <a:lumMod val="75000"/>
+                    <a:lumOff val="25000"/>
+                  </a:schemeClr>
+                </a:solidFill>
+              </a:rPr>
+              <a:t>Analysis</a:t>
+            </a:r>
+            <a:endParaRPr lang="en-US" sz="2800" dirty="0">
+              <a:solidFill>
+                <a:schemeClr val="tx1">
+                  <a:lumMod val="75000"/>
+                  <a:lumOff val="25000"/>
+                </a:schemeClr>
+              </a:solidFill>
+            </a:endParaRPr>
+          </a:p>
+        </p:txBody>
+      </p:sp>
+      <p:pic>
+        <p:nvPicPr>
+          <p:cNvPr id="7" name="Picture 6" descr="Chart, line chart">
+            <a:extLst>
+              <a:ext uri="{FF2B5EF4-FFF2-40B4-BE49-F238E27FC236}">
+                <a16:creationId xmlns:a16="http://schemas.microsoft.com/office/drawing/2014/main" id="{C23C8443-CCFE-E77B-6F36-CC29C993E6EA}"/>
+              </a:ext>
+            </a:extLst>
+          </p:cNvPr>
+          <p:cNvPicPr>
+            <a:picLocks noChangeAspect="1"/>
+          </p:cNvPicPr>
+          <p:nvPr/>
+        </p:nvPicPr>
+        <p:blipFill>
+          <a:blip r:embed="rId2">
+            <a:extLst>
+              <a:ext uri="{28A0092B-C50C-407E-A947-70E740481C1C}">
+                <a14:useLocalDpi xmlns:a14="http://schemas.microsoft.com/office/drawing/2010/main" val="0"/>
+              </a:ext>
+            </a:extLst>
+          </a:blip>
+          <a:stretch>
+            <a:fillRect/>
+          </a:stretch>
+        </p:blipFill>
+        <p:spPr>
+          <a:xfrm>
+            <a:off x="0" y="1256552"/>
+            <a:ext cx="12007372" cy="4944212"/>
+          </a:xfrm>
+          <a:prstGeom prst="rect">
+            <a:avLst/>
+          </a:prstGeom>
+        </p:spPr>
+      </p:pic>
+      <p:sp>
+        <p:nvSpPr>
+          <p:cNvPr id="8" name="Title 1">
+            <a:extLst>
+              <a:ext uri="{FF2B5EF4-FFF2-40B4-BE49-F238E27FC236}">
+                <a16:creationId xmlns:a16="http://schemas.microsoft.com/office/drawing/2014/main" id="{44E2CBE0-2C0B-FA22-DD2A-81E3BBB2316A}"/>
+              </a:ext>
+            </a:extLst>
+          </p:cNvPr>
+          <p:cNvSpPr txBox="1">
+            <a:spLocks/>
+          </p:cNvSpPr>
+          <p:nvPr/>
+        </p:nvSpPr>
+        <p:spPr>
+          <a:xfrm>
+            <a:off x="253008" y="846091"/>
+            <a:ext cx="11734800" cy="281167"/>
+          </a:xfrm>
+          <a:prstGeom prst="rect">
+            <a:avLst/>
+          </a:prstGeom>
+        </p:spPr>
+        <p:txBody>
+          <a:bodyPr vert="horz" wrap="square" lIns="0" tIns="0" rIns="0" bIns="0" rtlCol="0" anchor="t">
+            <a:spAutoFit/>
+          </a:bodyPr>
+          <a:lstStyle>
+            <a:lvl1pPr algn="l" defTabSz="914400" rtl="0" eaLnBrk="1" latinLnBrk="0" hangingPunct="1">
+              <a:lnSpc>
+                <a:spcPct val="90000"/>
+              </a:lnSpc>
+              <a:spcBef>
+                <a:spcPct val="0"/>
+              </a:spcBef>
+              <a:buNone/>
+              <a:defRPr sz="4400" kern="1200">
+                <a:solidFill>
+                  <a:schemeClr val="tx1"/>
+                </a:solidFill>
+                <a:latin typeface="+mj-lt"/>
+                <a:ea typeface="+mj-ea"/>
+                <a:cs typeface="+mj-cs"/>
+              </a:defRPr>
+            </a:lvl1pPr>
+          </a:lstStyle>
+          <a:p>
+            <a:pPr marL="285750" indent="-285750" algn="just" rtl="0" eaLnBrk="1" latinLnBrk="0" hangingPunct="1">
+              <a:lnSpc>
+                <a:spcPct val="107000"/>
+              </a:lnSpc>
+              <a:spcBef>
+                <a:spcPts val="0"/>
+              </a:spcBef>
+              <a:spcAft>
+                <a:spcPts val="0"/>
+              </a:spcAft>
+              <a:buClrTx/>
+              <a:buSzPts val="1800"/>
+              <a:buFont typeface="Arial" panose="020B0604020202020204" pitchFamily="34" charset="0"/>
+              <a:buChar char="•"/>
+            </a:pPr>
+            <a:r>
+              <a:rPr lang="en-US" sz="1800" kern="1200" dirty="0">
+                <a:effectLst/>
+                <a:latin typeface="Calibri" panose="020F0502020204030204" pitchFamily="34" charset="0"/>
+                <a:ea typeface="Calibri" panose="020F0502020204030204" pitchFamily="34" charset="0"/>
+                <a:cs typeface="Shruti" panose="020B0502040204020203" pitchFamily="34" charset="0"/>
+              </a:rPr>
+              <a:t>To what extent does vaccination affect unemployment rates?</a:t>
+            </a:r>
+            <a:endParaRPr lang="en-IN" sz="1800" dirty="0">
+              <a:effectLst/>
+            </a:endParaRPr>
+          </a:p>
+        </p:txBody>
+      </p:sp>
+    </p:spTree>
+    <p:extLst>
+      <p:ext uri="{BB962C8B-B14F-4D97-AF65-F5344CB8AC3E}">
+        <p14:creationId xmlns:p14="http://schemas.microsoft.com/office/powerpoint/2010/main" val="1828315057"/>
+      </p:ext>
+    </p:extLst>
+  </p:cSld>
+  <p:clrMapOvr>
+    <a:masterClrMapping/>
+  </p:clrMapOvr>
+</p:sld>
+</file>
+
+<file path=ppt/slides/slide14.xml><?xml version="1.0" encoding="utf-8"?>
+<p:sld xmlns:a="http://schemas.openxmlformats.org/drawingml/2006/main" xmlns:r="http://schemas.openxmlformats.org/officeDocument/2006/relationships" xmlns:p="http://schemas.openxmlformats.org/presentationml/2006/main">
+  <p:cSld>
+    <p:spTree>
+      <p:nvGrpSpPr>
+        <p:cNvPr id="1" name=""/>
+        <p:cNvGrpSpPr/>
+        <p:nvPr/>
+      </p:nvGrpSpPr>
+      <p:grpSpPr>
+        <a:xfrm>
+          <a:off x="0" y="0"/>
+          <a:ext cx="0" cy="0"/>
+          <a:chOff x="0" y="0"/>
+          <a:chExt cx="0" cy="0"/>
+        </a:xfrm>
+      </p:grpSpPr>
+      <p:cxnSp>
+        <p:nvCxnSpPr>
+          <p:cNvPr id="2" name="Straight Connector 1">
+            <a:extLst>
+              <a:ext uri="{FF2B5EF4-FFF2-40B4-BE49-F238E27FC236}">
+                <a16:creationId xmlns:a16="http://schemas.microsoft.com/office/drawing/2014/main" id="{113620CE-67AD-0F86-389F-37C3043E62A8}"/>
+              </a:ext>
+              <a:ext uri="{C183D7F6-B498-43B3-948B-1728B52AA6E4}">
+                <adec:decorative xmlns:adec="http://schemas.microsoft.com/office/drawing/2017/decorative" val="1"/>
+              </a:ext>
+            </a:extLst>
+          </p:cNvPr>
+          <p:cNvCxnSpPr>
+            <a:cxnSpLocks/>
+          </p:cNvCxnSpPr>
+          <p:nvPr/>
+        </p:nvCxnSpPr>
+        <p:spPr>
+          <a:xfrm>
+            <a:off x="0" y="522898"/>
+            <a:ext cx="4086225" cy="0"/>
+          </a:xfrm>
+          <a:prstGeom prst="line">
+            <a:avLst/>
+          </a:prstGeom>
+          <a:ln>
+            <a:solidFill>
+              <a:schemeClr val="accent3">
+                <a:lumMod val="50000"/>
+              </a:schemeClr>
+            </a:solidFill>
+            <a:tailEnd type="oval"/>
+          </a:ln>
+        </p:spPr>
+        <p:style>
+          <a:lnRef idx="1">
+            <a:schemeClr val="accent1"/>
+          </a:lnRef>
+          <a:fillRef idx="0">
+            <a:schemeClr val="accent1"/>
+          </a:fillRef>
+          <a:effectRef idx="0">
+            <a:schemeClr val="accent1"/>
+          </a:effectRef>
+          <a:fontRef idx="minor">
+            <a:schemeClr val="tx1"/>
+          </a:fontRef>
+        </p:style>
+      </p:cxnSp>
+      <p:cxnSp>
+        <p:nvCxnSpPr>
+          <p:cNvPr id="3" name="Straight Connector 2">
+            <a:extLst>
+              <a:ext uri="{FF2B5EF4-FFF2-40B4-BE49-F238E27FC236}">
+                <a16:creationId xmlns:a16="http://schemas.microsoft.com/office/drawing/2014/main" id="{CC6D03CF-DBDF-7821-E7F3-14CA1B0B94F9}"/>
+              </a:ext>
+              <a:ext uri="{C183D7F6-B498-43B3-948B-1728B52AA6E4}">
+                <adec:decorative xmlns:adec="http://schemas.microsoft.com/office/drawing/2017/decorative" val="1"/>
+              </a:ext>
+            </a:extLst>
+          </p:cNvPr>
+          <p:cNvCxnSpPr>
+            <a:cxnSpLocks/>
+          </p:cNvCxnSpPr>
+          <p:nvPr/>
+        </p:nvCxnSpPr>
+        <p:spPr>
+          <a:xfrm>
+            <a:off x="8105775" y="522898"/>
+            <a:ext cx="4086225" cy="0"/>
+          </a:xfrm>
+          <a:prstGeom prst="line">
+            <a:avLst/>
+          </a:prstGeom>
+          <a:ln>
+            <a:solidFill>
+              <a:schemeClr val="accent3">
+                <a:lumMod val="50000"/>
+              </a:schemeClr>
+            </a:solidFill>
+            <a:headEnd type="oval"/>
+          </a:ln>
+        </p:spPr>
+        <p:style>
+          <a:lnRef idx="1">
+            <a:schemeClr val="accent1"/>
+          </a:lnRef>
+          <a:fillRef idx="0">
+            <a:schemeClr val="accent1"/>
+          </a:fillRef>
+          <a:effectRef idx="0">
+            <a:schemeClr val="accent1"/>
+          </a:effectRef>
+          <a:fontRef idx="minor">
+            <a:schemeClr val="tx1"/>
+          </a:fontRef>
+        </p:style>
+      </p:cxnSp>
+      <p:sp>
+        <p:nvSpPr>
+          <p:cNvPr id="4" name="Title 1">
+            <a:extLst>
+              <a:ext uri="{FF2B5EF4-FFF2-40B4-BE49-F238E27FC236}">
+                <a16:creationId xmlns:a16="http://schemas.microsoft.com/office/drawing/2014/main" id="{CC4D5605-B464-F5DA-3F0A-930FB28891F5}"/>
+              </a:ext>
+            </a:extLst>
+          </p:cNvPr>
+          <p:cNvSpPr txBox="1">
+            <a:spLocks/>
+          </p:cNvSpPr>
+          <p:nvPr/>
+        </p:nvSpPr>
+        <p:spPr>
+          <a:xfrm>
+            <a:off x="228600" y="328999"/>
+            <a:ext cx="11734800" cy="387798"/>
+          </a:xfrm>
+          <a:prstGeom prst="rect">
+            <a:avLst/>
+          </a:prstGeom>
+        </p:spPr>
+        <p:txBody>
+          <a:bodyPr vert="horz" wrap="square" lIns="0" tIns="0" rIns="0" bIns="0" rtlCol="0" anchor="t">
+            <a:spAutoFit/>
+          </a:bodyPr>
+          <a:lstStyle>
+            <a:lvl1pPr algn="l" defTabSz="914400" rtl="0" eaLnBrk="1" latinLnBrk="0" hangingPunct="1">
+              <a:lnSpc>
+                <a:spcPct val="90000"/>
+              </a:lnSpc>
+              <a:spcBef>
+                <a:spcPct val="0"/>
+              </a:spcBef>
+              <a:buNone/>
+              <a:defRPr sz="4400" kern="1200">
+                <a:solidFill>
+                  <a:schemeClr val="tx1"/>
+                </a:solidFill>
+                <a:latin typeface="+mj-lt"/>
+                <a:ea typeface="+mj-ea"/>
+                <a:cs typeface="+mj-cs"/>
+              </a:defRPr>
+            </a:lvl1pPr>
+          </a:lstStyle>
+          <a:p>
+            <a:pPr algn="ctr"/>
+            <a:r>
+              <a:rPr lang="en-US" sz="2800" b="1" dirty="0">
+                <a:solidFill>
+                  <a:schemeClr val="tx1">
+                    <a:lumMod val="75000"/>
+                    <a:lumOff val="25000"/>
+                  </a:schemeClr>
+                </a:solidFill>
+              </a:rPr>
+              <a:t>Analysis</a:t>
+            </a:r>
+            <a:endParaRPr lang="en-US" sz="2800" dirty="0">
+              <a:solidFill>
+                <a:schemeClr val="tx1">
+                  <a:lumMod val="75000"/>
+                  <a:lumOff val="25000"/>
+                </a:schemeClr>
+              </a:solidFill>
+            </a:endParaRPr>
+          </a:p>
+        </p:txBody>
+      </p:sp>
+      <p:sp>
+        <p:nvSpPr>
+          <p:cNvPr id="10" name="TextBox 9">
+            <a:extLst>
+              <a:ext uri="{FF2B5EF4-FFF2-40B4-BE49-F238E27FC236}">
+                <a16:creationId xmlns:a16="http://schemas.microsoft.com/office/drawing/2014/main" id="{6284B4DA-24DC-FD9F-976E-28722C1A4DAA}"/>
+              </a:ext>
+            </a:extLst>
+          </p:cNvPr>
+          <p:cNvSpPr txBox="1"/>
+          <p:nvPr/>
+        </p:nvSpPr>
+        <p:spPr>
+          <a:xfrm>
+            <a:off x="461913" y="958925"/>
+            <a:ext cx="6799081" cy="375552"/>
+          </a:xfrm>
+          <a:prstGeom prst="rect">
+            <a:avLst/>
+          </a:prstGeom>
+          <a:noFill/>
+        </p:spPr>
+        <p:txBody>
+          <a:bodyPr wrap="square">
+            <a:spAutoFit/>
+          </a:bodyPr>
+          <a:lstStyle/>
+          <a:p>
+            <a:pPr marL="285750" indent="-285750" algn="just">
+              <a:lnSpc>
+                <a:spcPct val="107000"/>
+              </a:lnSpc>
+              <a:buFont typeface="Arial" panose="020B0604020202020204" pitchFamily="34" charset="0"/>
+              <a:buChar char="•"/>
+            </a:pPr>
+            <a:r>
+              <a:rPr lang="en-US" sz="1800" dirty="0">
+                <a:effectLst/>
+                <a:latin typeface="Calibri" panose="020F0502020204030204" pitchFamily="34" charset="0"/>
+                <a:ea typeface="Calibri" panose="020F0502020204030204" pitchFamily="34" charset="0"/>
+                <a:cs typeface="Shruti" panose="020B0502040204020203" pitchFamily="34" charset="0"/>
+              </a:rPr>
+              <a:t>GDP when Covid 19 hit.</a:t>
+            </a:r>
+            <a:endParaRPr lang="en-IN" dirty="0">
+              <a:latin typeface="Calibri" panose="020F0502020204030204" pitchFamily="34" charset="0"/>
+              <a:ea typeface="Calibri" panose="020F0502020204030204" pitchFamily="34" charset="0"/>
+              <a:cs typeface="Shruti" panose="020B0502040204020203" pitchFamily="34" charset="0"/>
+            </a:endParaRPr>
+          </a:p>
+        </p:txBody>
+      </p:sp>
+      <p:pic>
+        <p:nvPicPr>
+          <p:cNvPr id="6" name="Picture 5" descr="Chart, line chart&#10;&#10;Description automatically generated">
+            <a:extLst>
+              <a:ext uri="{FF2B5EF4-FFF2-40B4-BE49-F238E27FC236}">
+                <a16:creationId xmlns:a16="http://schemas.microsoft.com/office/drawing/2014/main" id="{B1AD2564-614F-7411-487F-A19E38DA3E0F}"/>
+              </a:ext>
+            </a:extLst>
+          </p:cNvPr>
+          <p:cNvPicPr>
+            <a:picLocks noChangeAspect="1"/>
+          </p:cNvPicPr>
+          <p:nvPr/>
+        </p:nvPicPr>
+        <p:blipFill>
+          <a:blip r:embed="rId3">
+            <a:extLst>
+              <a:ext uri="{28A0092B-C50C-407E-A947-70E740481C1C}">
+                <a14:useLocalDpi xmlns:a14="http://schemas.microsoft.com/office/drawing/2010/main" val="0"/>
+              </a:ext>
+            </a:extLst>
+          </a:blip>
+          <a:stretch>
+            <a:fillRect/>
+          </a:stretch>
+        </p:blipFill>
+        <p:spPr>
+          <a:xfrm>
+            <a:off x="0" y="1528376"/>
+            <a:ext cx="12144375" cy="5000625"/>
+          </a:xfrm>
+          <a:prstGeom prst="rect">
+            <a:avLst/>
+          </a:prstGeom>
+        </p:spPr>
+      </p:pic>
+    </p:spTree>
+    <p:extLst>
+      <p:ext uri="{BB962C8B-B14F-4D97-AF65-F5344CB8AC3E}">
+        <p14:creationId xmlns:p14="http://schemas.microsoft.com/office/powerpoint/2010/main" val="3147549632"/>
+      </p:ext>
+    </p:extLst>
+  </p:cSld>
+  <p:clrMapOvr>
+    <a:masterClrMapping/>
+  </p:clrMapOvr>
+</p:sld>
+</file>
+
+<file path=ppt/slides/slide15.xml><?xml version="1.0" encoding="utf-8"?>
+<p:sld xmlns:a="http://schemas.openxmlformats.org/drawingml/2006/main" xmlns:r="http://schemas.openxmlformats.org/officeDocument/2006/relationships" xmlns:p="http://schemas.openxmlformats.org/presentationml/2006/main">
+  <p:cSld>
+    <p:spTree>
+      <p:nvGrpSpPr>
+        <p:cNvPr id="1" name=""/>
+        <p:cNvGrpSpPr/>
+        <p:nvPr/>
+      </p:nvGrpSpPr>
+      <p:grpSpPr>
+        <a:xfrm>
+          <a:off x="0" y="0"/>
+          <a:ext cx="0" cy="0"/>
+          <a:chOff x="0" y="0"/>
+          <a:chExt cx="0" cy="0"/>
+        </a:xfrm>
+      </p:grpSpPr>
+      <p:cxnSp>
+        <p:nvCxnSpPr>
+          <p:cNvPr id="2" name="Straight Connector 1">
+            <a:extLst>
+              <a:ext uri="{FF2B5EF4-FFF2-40B4-BE49-F238E27FC236}">
+                <a16:creationId xmlns:a16="http://schemas.microsoft.com/office/drawing/2014/main" id="{113620CE-67AD-0F86-389F-37C3043E62A8}"/>
+              </a:ext>
+              <a:ext uri="{C183D7F6-B498-43B3-948B-1728B52AA6E4}">
+                <adec:decorative xmlns:adec="http://schemas.microsoft.com/office/drawing/2017/decorative" val="1"/>
+              </a:ext>
+            </a:extLst>
+          </p:cNvPr>
+          <p:cNvCxnSpPr>
+            <a:cxnSpLocks/>
+          </p:cNvCxnSpPr>
+          <p:nvPr/>
+        </p:nvCxnSpPr>
+        <p:spPr>
+          <a:xfrm>
+            <a:off x="0" y="522898"/>
+            <a:ext cx="4086225" cy="0"/>
+          </a:xfrm>
+          <a:prstGeom prst="line">
+            <a:avLst/>
+          </a:prstGeom>
+          <a:ln>
+            <a:solidFill>
+              <a:schemeClr val="accent3">
+                <a:lumMod val="50000"/>
+              </a:schemeClr>
+            </a:solidFill>
+            <a:tailEnd type="oval"/>
+          </a:ln>
+        </p:spPr>
+        <p:style>
+          <a:lnRef idx="1">
+            <a:schemeClr val="accent1"/>
+          </a:lnRef>
+          <a:fillRef idx="0">
+            <a:schemeClr val="accent1"/>
+          </a:fillRef>
+          <a:effectRef idx="0">
+            <a:schemeClr val="accent1"/>
+          </a:effectRef>
+          <a:fontRef idx="minor">
+            <a:schemeClr val="tx1"/>
+          </a:fontRef>
+        </p:style>
+      </p:cxnSp>
+      <p:cxnSp>
+        <p:nvCxnSpPr>
+          <p:cNvPr id="3" name="Straight Connector 2">
+            <a:extLst>
+              <a:ext uri="{FF2B5EF4-FFF2-40B4-BE49-F238E27FC236}">
+                <a16:creationId xmlns:a16="http://schemas.microsoft.com/office/drawing/2014/main" id="{CC6D03CF-DBDF-7821-E7F3-14CA1B0B94F9}"/>
+              </a:ext>
+              <a:ext uri="{C183D7F6-B498-43B3-948B-1728B52AA6E4}">
+                <adec:decorative xmlns:adec="http://schemas.microsoft.com/office/drawing/2017/decorative" val="1"/>
+              </a:ext>
+            </a:extLst>
+          </p:cNvPr>
+          <p:cNvCxnSpPr>
+            <a:cxnSpLocks/>
+          </p:cNvCxnSpPr>
+          <p:nvPr/>
+        </p:nvCxnSpPr>
+        <p:spPr>
+          <a:xfrm>
+            <a:off x="8105775" y="522898"/>
+            <a:ext cx="4086225" cy="0"/>
+          </a:xfrm>
+          <a:prstGeom prst="line">
+            <a:avLst/>
+          </a:prstGeom>
+          <a:ln>
+            <a:solidFill>
+              <a:schemeClr val="accent3">
+                <a:lumMod val="50000"/>
+              </a:schemeClr>
+            </a:solidFill>
+            <a:headEnd type="oval"/>
+          </a:ln>
+        </p:spPr>
+        <p:style>
+          <a:lnRef idx="1">
+            <a:schemeClr val="accent1"/>
+          </a:lnRef>
+          <a:fillRef idx="0">
+            <a:schemeClr val="accent1"/>
+          </a:fillRef>
+          <a:effectRef idx="0">
+            <a:schemeClr val="accent1"/>
+          </a:effectRef>
+          <a:fontRef idx="minor">
+            <a:schemeClr val="tx1"/>
+          </a:fontRef>
+        </p:style>
+      </p:cxnSp>
+      <p:sp>
+        <p:nvSpPr>
+          <p:cNvPr id="4" name="Title 1">
+            <a:extLst>
+              <a:ext uri="{FF2B5EF4-FFF2-40B4-BE49-F238E27FC236}">
+                <a16:creationId xmlns:a16="http://schemas.microsoft.com/office/drawing/2014/main" id="{CC4D5605-B464-F5DA-3F0A-930FB28891F5}"/>
+              </a:ext>
+            </a:extLst>
+          </p:cNvPr>
+          <p:cNvSpPr txBox="1">
+            <a:spLocks/>
+          </p:cNvSpPr>
+          <p:nvPr/>
+        </p:nvSpPr>
+        <p:spPr>
+          <a:xfrm>
+            <a:off x="228600" y="328999"/>
+            <a:ext cx="11734800" cy="387798"/>
+          </a:xfrm>
+          <a:prstGeom prst="rect">
+            <a:avLst/>
+          </a:prstGeom>
+        </p:spPr>
+        <p:txBody>
+          <a:bodyPr vert="horz" wrap="square" lIns="0" tIns="0" rIns="0" bIns="0" rtlCol="0" anchor="t">
+            <a:spAutoFit/>
+          </a:bodyPr>
+          <a:lstStyle>
+            <a:lvl1pPr algn="l" defTabSz="914400" rtl="0" eaLnBrk="1" latinLnBrk="0" hangingPunct="1">
+              <a:lnSpc>
+                <a:spcPct val="90000"/>
+              </a:lnSpc>
+              <a:spcBef>
+                <a:spcPct val="0"/>
+              </a:spcBef>
+              <a:buNone/>
+              <a:defRPr sz="4400" kern="1200">
+                <a:solidFill>
+                  <a:schemeClr val="tx1"/>
+                </a:solidFill>
+                <a:latin typeface="+mj-lt"/>
+                <a:ea typeface="+mj-ea"/>
+                <a:cs typeface="+mj-cs"/>
+              </a:defRPr>
+            </a:lvl1pPr>
+          </a:lstStyle>
+          <a:p>
+            <a:pPr algn="ctr"/>
+            <a:r>
+              <a:rPr lang="en-US" sz="2800" b="1" dirty="0">
+                <a:solidFill>
+                  <a:schemeClr val="tx1">
+                    <a:lumMod val="75000"/>
+                    <a:lumOff val="25000"/>
+                  </a:schemeClr>
+                </a:solidFill>
+              </a:rPr>
+              <a:t>Analysis</a:t>
+            </a:r>
+            <a:endParaRPr lang="en-US" sz="2800" dirty="0">
+              <a:solidFill>
+                <a:schemeClr val="tx1">
+                  <a:lumMod val="75000"/>
+                  <a:lumOff val="25000"/>
+                </a:schemeClr>
+              </a:solidFill>
+            </a:endParaRPr>
+          </a:p>
+        </p:txBody>
+      </p:sp>
+      <p:sp>
+        <p:nvSpPr>
+          <p:cNvPr id="9" name="TextBox 8">
+            <a:extLst>
+              <a:ext uri="{FF2B5EF4-FFF2-40B4-BE49-F238E27FC236}">
+                <a16:creationId xmlns:a16="http://schemas.microsoft.com/office/drawing/2014/main" id="{6E3FC9A4-EB07-ACD0-0BD8-C3C97E3940C0}"/>
+              </a:ext>
+            </a:extLst>
+          </p:cNvPr>
+          <p:cNvSpPr txBox="1"/>
+          <p:nvPr/>
+        </p:nvSpPr>
+        <p:spPr>
+          <a:xfrm>
+            <a:off x="461913" y="1169683"/>
+            <a:ext cx="6799081" cy="375552"/>
+          </a:xfrm>
+          <a:prstGeom prst="rect">
+            <a:avLst/>
+          </a:prstGeom>
+          <a:noFill/>
+        </p:spPr>
+        <p:txBody>
+          <a:bodyPr wrap="square">
+            <a:spAutoFit/>
+          </a:bodyPr>
+          <a:lstStyle/>
+          <a:p>
+            <a:pPr marL="285750" indent="-285750" algn="just">
+              <a:lnSpc>
+                <a:spcPct val="107000"/>
+              </a:lnSpc>
+              <a:buFont typeface="Arial" panose="020B0604020202020204" pitchFamily="34" charset="0"/>
+              <a:buChar char="•"/>
+            </a:pPr>
+            <a:r>
+              <a:rPr lang="en-US" sz="1800" dirty="0">
+                <a:effectLst/>
+                <a:latin typeface="Calibri" panose="020F0502020204030204" pitchFamily="34" charset="0"/>
+                <a:ea typeface="Calibri" panose="020F0502020204030204" pitchFamily="34" charset="0"/>
+                <a:cs typeface="Shruti" panose="020B0502040204020203" pitchFamily="34" charset="0"/>
+              </a:rPr>
+              <a:t>To what extent does vaccination affect GDP rates?</a:t>
+            </a:r>
+            <a:endParaRPr lang="en-IN" dirty="0">
+              <a:latin typeface="Calibri" panose="020F0502020204030204" pitchFamily="34" charset="0"/>
+              <a:ea typeface="Calibri" panose="020F0502020204030204" pitchFamily="34" charset="0"/>
+              <a:cs typeface="Shruti" panose="020B0502040204020203" pitchFamily="34" charset="0"/>
+            </a:endParaRPr>
+          </a:p>
+        </p:txBody>
+      </p:sp>
+      <p:pic>
+        <p:nvPicPr>
+          <p:cNvPr id="6" name="Picture 5" descr="Chart, line chart">
+            <a:extLst>
+              <a:ext uri="{FF2B5EF4-FFF2-40B4-BE49-F238E27FC236}">
+                <a16:creationId xmlns:a16="http://schemas.microsoft.com/office/drawing/2014/main" id="{D5804003-EA81-EFB1-95CC-82BF0400B685}"/>
+              </a:ext>
+            </a:extLst>
+          </p:cNvPr>
+          <p:cNvPicPr>
+            <a:picLocks noChangeAspect="1"/>
+          </p:cNvPicPr>
+          <p:nvPr/>
+        </p:nvPicPr>
+        <p:blipFill>
+          <a:blip r:embed="rId3">
+            <a:extLst>
+              <a:ext uri="{28A0092B-C50C-407E-A947-70E740481C1C}">
+                <a14:useLocalDpi xmlns:a14="http://schemas.microsoft.com/office/drawing/2010/main" val="0"/>
+              </a:ext>
+            </a:extLst>
+          </a:blip>
+          <a:stretch>
+            <a:fillRect/>
+          </a:stretch>
+        </p:blipFill>
+        <p:spPr>
+          <a:xfrm>
+            <a:off x="1" y="1545236"/>
+            <a:ext cx="12103432" cy="4983766"/>
+          </a:xfrm>
+          <a:prstGeom prst="rect">
+            <a:avLst/>
+          </a:prstGeom>
+        </p:spPr>
+      </p:pic>
+    </p:spTree>
+    <p:extLst>
+      <p:ext uri="{BB962C8B-B14F-4D97-AF65-F5344CB8AC3E}">
+        <p14:creationId xmlns:p14="http://schemas.microsoft.com/office/powerpoint/2010/main" val="2904768100"/>
+      </p:ext>
+    </p:extLst>
+  </p:cSld>
+  <p:clrMapOvr>
+    <a:masterClrMapping/>
+  </p:clrMapOvr>
+</p:sld>
+</file>
+
+<file path=ppt/slides/slide16.xml><?xml version="1.0" encoding="utf-8"?>
+<p:sld xmlns:a="http://schemas.openxmlformats.org/drawingml/2006/main" xmlns:r="http://schemas.openxmlformats.org/officeDocument/2006/relationships" xmlns:p="http://schemas.openxmlformats.org/presentationml/2006/main">
+  <p:cSld>
+    <p:spTree>
+      <p:nvGrpSpPr>
+        <p:cNvPr id="1" name=""/>
+        <p:cNvGrpSpPr/>
+        <p:nvPr/>
+      </p:nvGrpSpPr>
+      <p:grpSpPr>
+        <a:xfrm>
+          <a:off x="0" y="0"/>
+          <a:ext cx="0" cy="0"/>
+          <a:chOff x="0" y="0"/>
+          <a:chExt cx="0" cy="0"/>
+        </a:xfrm>
+      </p:grpSpPr>
+      <p:sp>
+        <p:nvSpPr>
+          <p:cNvPr id="4" name="Trapezoid 3">
+            <a:extLst>
+              <a:ext uri="{FF2B5EF4-FFF2-40B4-BE49-F238E27FC236}">
+                <a16:creationId xmlns:a16="http://schemas.microsoft.com/office/drawing/2014/main" id="{4B20E7F0-F2CA-262E-BEE1-62B5F8017901}"/>
+              </a:ext>
+              <a:ext uri="{C183D7F6-B498-43B3-948B-1728B52AA6E4}">
+                <adec:decorative xmlns:adec="http://schemas.microsoft.com/office/drawing/2017/decorative" val="1"/>
+              </a:ext>
+            </a:extLst>
+          </p:cNvPr>
+          <p:cNvSpPr/>
+          <p:nvPr/>
+        </p:nvSpPr>
+        <p:spPr>
+          <a:xfrm rot="5400000">
+            <a:off x="3826082" y="-2033462"/>
+            <a:ext cx="4932424" cy="10767181"/>
+          </a:xfrm>
+          <a:prstGeom prst="trapezoid">
+            <a:avLst/>
+          </a:prstGeom>
+          <a:solidFill>
+            <a:schemeClr val="accent4">
+              <a:lumMod val="75000"/>
+            </a:schemeClr>
+          </a:solidFill>
+          <a:ln>
+            <a:noFill/>
+          </a:ln>
+        </p:spPr>
+        <p:style>
+          <a:lnRef idx="2">
+            <a:schemeClr val="accent1">
+              <a:shade val="50000"/>
+            </a:schemeClr>
+          </a:lnRef>
+          <a:fillRef idx="1">
+            <a:schemeClr val="accent1"/>
+          </a:fillRef>
+          <a:effectRef idx="0">
+            <a:schemeClr val="accent1"/>
+          </a:effectRef>
+          <a:fontRef idx="minor">
+            <a:schemeClr val="lt1"/>
+          </a:fontRef>
+        </p:style>
+        <p:txBody>
+          <a:bodyPr rtlCol="0" anchor="ctr"/>
+          <a:lstStyle/>
+          <a:p>
+            <a:pPr algn="ctr"/>
+            <a:endParaRPr lang="en-US" dirty="0"/>
+          </a:p>
+        </p:txBody>
+      </p:sp>
+      <p:sp>
+        <p:nvSpPr>
+          <p:cNvPr id="3" name="Content Placeholder 2">
+            <a:extLst>
+              <a:ext uri="{FF2B5EF4-FFF2-40B4-BE49-F238E27FC236}">
+                <a16:creationId xmlns:a16="http://schemas.microsoft.com/office/drawing/2014/main" id="{D0932ACC-EF31-8FBE-0BB6-AF4C7672539C}"/>
+              </a:ext>
+            </a:extLst>
+          </p:cNvPr>
+          <p:cNvSpPr>
+            <a:spLocks noGrp="1"/>
+          </p:cNvSpPr>
+          <p:nvPr>
+            <p:ph idx="1"/>
+          </p:nvPr>
+        </p:nvSpPr>
+        <p:spPr>
+          <a:xfrm>
+            <a:off x="908703" y="2136709"/>
+            <a:ext cx="10648560" cy="3198862"/>
+          </a:xfrm>
+        </p:spPr>
+        <p:txBody>
+          <a:bodyPr/>
+          <a:lstStyle/>
+          <a:p>
+            <a:r>
+              <a:rPr lang="en-US" sz="2800" dirty="0">
+                <a:effectLst/>
+                <a:latin typeface="Calibri" panose="020F0502020204030204" pitchFamily="34" charset="0"/>
+                <a:ea typeface="Calibri" panose="020F0502020204030204" pitchFamily="34" charset="0"/>
+                <a:cs typeface="Shruti" panose="020B0502040204020203" pitchFamily="34" charset="0"/>
+              </a:rPr>
+              <a:t>What are some effective strategies to address economic crises during pandemics or lockdowns?</a:t>
+            </a:r>
+            <a:endParaRPr lang="en-IN" sz="2800" dirty="0">
+              <a:effectLst/>
+              <a:latin typeface="Calibri" panose="020F0502020204030204" pitchFamily="34" charset="0"/>
+              <a:ea typeface="Calibri" panose="020F0502020204030204" pitchFamily="34" charset="0"/>
+              <a:cs typeface="Shruti" panose="020B0502040204020203" pitchFamily="34" charset="0"/>
+            </a:endParaRPr>
+          </a:p>
+          <a:p>
+            <a:pPr marL="971550" lvl="1" indent="-514350">
+              <a:buFont typeface="+mj-lt"/>
+              <a:buAutoNum type="arabicPeriod"/>
+            </a:pPr>
+            <a:r>
+              <a:rPr lang="en-IN" sz="1800" dirty="0">
+                <a:latin typeface="Calibri" panose="020F0502020204030204" pitchFamily="34" charset="0"/>
+                <a:ea typeface="Calibri" panose="020F0502020204030204" pitchFamily="34" charset="0"/>
+                <a:cs typeface="Calibri" panose="020F0502020204030204" pitchFamily="34" charset="0"/>
+              </a:rPr>
+              <a:t>Targeted Financial assistance  can be given by government to the people who are more affected by covid 19. </a:t>
+            </a:r>
+          </a:p>
+          <a:p>
+            <a:pPr marL="971550" lvl="1" indent="-514350">
+              <a:buFont typeface="+mj-lt"/>
+              <a:buAutoNum type="arabicPeriod"/>
+            </a:pPr>
+            <a:r>
+              <a:rPr lang="en-IN" sz="1800" dirty="0">
+                <a:latin typeface="Calibri" panose="020F0502020204030204" pitchFamily="34" charset="0"/>
+                <a:ea typeface="Calibri" panose="020F0502020204030204" pitchFamily="34" charset="0"/>
+                <a:cs typeface="Calibri" panose="020F0502020204030204" pitchFamily="34" charset="0"/>
+              </a:rPr>
+              <a:t>Spending more on health care can address both current health issue and increase economic growth.</a:t>
+            </a:r>
+          </a:p>
+          <a:p>
+            <a:pPr marL="971550" lvl="1" indent="-514350">
+              <a:buFont typeface="+mj-lt"/>
+              <a:buAutoNum type="arabicPeriod"/>
+            </a:pPr>
+            <a:r>
+              <a:rPr lang="en-US" sz="1800" dirty="0">
+                <a:latin typeface="Calibri" panose="020F0502020204030204" pitchFamily="34" charset="0"/>
+                <a:ea typeface="Calibri" panose="020F0502020204030204" pitchFamily="34" charset="0"/>
+                <a:cs typeface="Calibri" panose="020F0502020204030204" pitchFamily="34" charset="0"/>
+              </a:rPr>
+              <a:t>By assisting other nations that are more adversely impacted by COVID, they can increase the amount of money that flows to their nation in the future because the nation receiving assistance will eventually be overflowing with them.</a:t>
+            </a:r>
+            <a:endParaRPr lang="en-IN" sz="1800" dirty="0">
+              <a:latin typeface="Calibri" panose="020F0502020204030204" pitchFamily="34" charset="0"/>
+              <a:ea typeface="Calibri" panose="020F0502020204030204" pitchFamily="34" charset="0"/>
+              <a:cs typeface="Calibri" panose="020F0502020204030204" pitchFamily="34" charset="0"/>
+            </a:endParaRPr>
+          </a:p>
+        </p:txBody>
+      </p:sp>
+    </p:spTree>
+    <p:extLst>
+      <p:ext uri="{BB962C8B-B14F-4D97-AF65-F5344CB8AC3E}">
+        <p14:creationId xmlns:p14="http://schemas.microsoft.com/office/powerpoint/2010/main" val="2981317584"/>
+      </p:ext>
+    </p:extLst>
+  </p:cSld>
+  <p:clrMapOvr>
+    <a:masterClrMapping/>
+  </p:clrMapOvr>
+</p:sld>
+</file>
+
+<file path=ppt/slides/slide17.xml><?xml version="1.0" encoding="utf-8"?>
+<p:sld xmlns:a="http://schemas.openxmlformats.org/drawingml/2006/main" xmlns:r="http://schemas.openxmlformats.org/officeDocument/2006/relationships" xmlns:p="http://schemas.openxmlformats.org/presentationml/2006/main">
+  <p:cSld>
+    <p:spTree>
+      <p:nvGrpSpPr>
+        <p:cNvPr id="1" name=""/>
+        <p:cNvGrpSpPr/>
+        <p:nvPr/>
+      </p:nvGrpSpPr>
+      <p:grpSpPr>
+        <a:xfrm>
+          <a:off x="0" y="0"/>
+          <a:ext cx="0" cy="0"/>
+          <a:chOff x="0" y="0"/>
+          <a:chExt cx="0" cy="0"/>
+        </a:xfrm>
+      </p:grpSpPr>
+      <p:cxnSp>
+        <p:nvCxnSpPr>
+          <p:cNvPr id="2" name="Straight Connector 1">
+            <a:extLst>
+              <a:ext uri="{FF2B5EF4-FFF2-40B4-BE49-F238E27FC236}">
+                <a16:creationId xmlns:a16="http://schemas.microsoft.com/office/drawing/2014/main" id="{1051F359-1E8C-658B-47D8-317C14862C61}"/>
+              </a:ext>
+              <a:ext uri="{C183D7F6-B498-43B3-948B-1728B52AA6E4}">
+                <adec:decorative xmlns:adec="http://schemas.microsoft.com/office/drawing/2017/decorative" val="1"/>
+              </a:ext>
+            </a:extLst>
+          </p:cNvPr>
+          <p:cNvCxnSpPr>
+            <a:cxnSpLocks/>
+          </p:cNvCxnSpPr>
+          <p:nvPr/>
+        </p:nvCxnSpPr>
+        <p:spPr>
+          <a:xfrm>
+            <a:off x="0" y="522898"/>
+            <a:ext cx="4086225" cy="0"/>
+          </a:xfrm>
+          <a:prstGeom prst="line">
+            <a:avLst/>
+          </a:prstGeom>
+          <a:ln>
+            <a:solidFill>
+              <a:schemeClr val="accent3">
+                <a:lumMod val="50000"/>
+              </a:schemeClr>
+            </a:solidFill>
+            <a:tailEnd type="oval"/>
+          </a:ln>
+        </p:spPr>
+        <p:style>
+          <a:lnRef idx="1">
+            <a:schemeClr val="accent1"/>
+          </a:lnRef>
+          <a:fillRef idx="0">
+            <a:schemeClr val="accent1"/>
+          </a:fillRef>
+          <a:effectRef idx="0">
+            <a:schemeClr val="accent1"/>
+          </a:effectRef>
+          <a:fontRef idx="minor">
+            <a:schemeClr val="tx1"/>
+          </a:fontRef>
+        </p:style>
+      </p:cxnSp>
+      <p:cxnSp>
+        <p:nvCxnSpPr>
+          <p:cNvPr id="3" name="Straight Connector 2">
+            <a:extLst>
+              <a:ext uri="{FF2B5EF4-FFF2-40B4-BE49-F238E27FC236}">
+                <a16:creationId xmlns:a16="http://schemas.microsoft.com/office/drawing/2014/main" id="{23E41805-4613-DF73-9757-228063D20E8D}"/>
+              </a:ext>
+              <a:ext uri="{C183D7F6-B498-43B3-948B-1728B52AA6E4}">
+                <adec:decorative xmlns:adec="http://schemas.microsoft.com/office/drawing/2017/decorative" val="1"/>
+              </a:ext>
+            </a:extLst>
+          </p:cNvPr>
+          <p:cNvCxnSpPr>
+            <a:cxnSpLocks/>
+          </p:cNvCxnSpPr>
+          <p:nvPr/>
+        </p:nvCxnSpPr>
+        <p:spPr>
+          <a:xfrm>
+            <a:off x="8105775" y="522898"/>
+            <a:ext cx="4086225" cy="0"/>
+          </a:xfrm>
+          <a:prstGeom prst="line">
+            <a:avLst/>
+          </a:prstGeom>
+          <a:ln>
+            <a:solidFill>
+              <a:schemeClr val="accent3">
+                <a:lumMod val="50000"/>
+              </a:schemeClr>
+            </a:solidFill>
+            <a:headEnd type="oval"/>
+          </a:ln>
+        </p:spPr>
+        <p:style>
+          <a:lnRef idx="1">
+            <a:schemeClr val="accent1"/>
+          </a:lnRef>
+          <a:fillRef idx="0">
+            <a:schemeClr val="accent1"/>
+          </a:fillRef>
+          <a:effectRef idx="0">
+            <a:schemeClr val="accent1"/>
+          </a:effectRef>
+          <a:fontRef idx="minor">
+            <a:schemeClr val="tx1"/>
+          </a:fontRef>
+        </p:style>
+      </p:cxnSp>
+      <p:sp>
+        <p:nvSpPr>
+          <p:cNvPr id="4" name="Title 1">
+            <a:extLst>
+              <a:ext uri="{FF2B5EF4-FFF2-40B4-BE49-F238E27FC236}">
+                <a16:creationId xmlns:a16="http://schemas.microsoft.com/office/drawing/2014/main" id="{DE65E267-6B58-C886-64A4-83EE7373A43E}"/>
+              </a:ext>
+            </a:extLst>
+          </p:cNvPr>
+          <p:cNvSpPr txBox="1">
+            <a:spLocks/>
+          </p:cNvSpPr>
+          <p:nvPr/>
+        </p:nvSpPr>
+        <p:spPr>
+          <a:xfrm>
+            <a:off x="333375" y="228511"/>
+            <a:ext cx="11734800" cy="775597"/>
+          </a:xfrm>
+          <a:prstGeom prst="rect">
+            <a:avLst/>
+          </a:prstGeom>
+        </p:spPr>
+        <p:txBody>
+          <a:bodyPr vert="horz" wrap="square" lIns="0" tIns="0" rIns="0" bIns="0" rtlCol="0" anchor="t">
+            <a:spAutoFit/>
+          </a:bodyPr>
+          <a:lstStyle>
+            <a:lvl1pPr algn="l" defTabSz="914400" rtl="0" eaLnBrk="1" latinLnBrk="0" hangingPunct="1">
+              <a:lnSpc>
+                <a:spcPct val="90000"/>
+              </a:lnSpc>
+              <a:spcBef>
+                <a:spcPct val="0"/>
+              </a:spcBef>
+              <a:buNone/>
+              <a:defRPr sz="4400" kern="1200">
+                <a:solidFill>
+                  <a:schemeClr val="tx1"/>
+                </a:solidFill>
+                <a:latin typeface="+mj-lt"/>
+                <a:ea typeface="+mj-ea"/>
+                <a:cs typeface="+mj-cs"/>
+              </a:defRPr>
+            </a:lvl1pPr>
+          </a:lstStyle>
+          <a:p>
+            <a:pPr algn="ctr"/>
+            <a:r>
+              <a:rPr lang="en-US" sz="2800" b="1" dirty="0">
+                <a:solidFill>
+                  <a:schemeClr val="tx1">
+                    <a:lumMod val="75000"/>
+                    <a:lumOff val="25000"/>
+                  </a:schemeClr>
+                </a:solidFill>
+              </a:rPr>
+              <a:t>Data sources</a:t>
+            </a:r>
+            <a:br>
+              <a:rPr lang="en-US" sz="2800" dirty="0">
+                <a:solidFill>
+                  <a:schemeClr val="tx1">
+                    <a:lumMod val="75000"/>
+                    <a:lumOff val="25000"/>
+                  </a:schemeClr>
+                </a:solidFill>
+              </a:rPr>
+            </a:br>
+            <a:endParaRPr lang="en-US" sz="2800" dirty="0">
+              <a:solidFill>
+                <a:schemeClr val="tx1">
+                  <a:lumMod val="75000"/>
+                  <a:lumOff val="25000"/>
+                </a:schemeClr>
+              </a:solidFill>
+            </a:endParaRPr>
+          </a:p>
+        </p:txBody>
+      </p:sp>
+      <p:sp>
+        <p:nvSpPr>
+          <p:cNvPr id="7" name="Rectangle 6">
+            <a:extLst>
+              <a:ext uri="{FF2B5EF4-FFF2-40B4-BE49-F238E27FC236}">
+                <a16:creationId xmlns:a16="http://schemas.microsoft.com/office/drawing/2014/main" id="{853A5D26-3625-7334-8117-FD67DC9B528C}"/>
+              </a:ext>
+            </a:extLst>
+          </p:cNvPr>
+          <p:cNvSpPr/>
+          <p:nvPr/>
+        </p:nvSpPr>
+        <p:spPr>
+          <a:xfrm>
+            <a:off x="816991" y="884899"/>
+            <a:ext cx="9590202" cy="4762907"/>
+          </a:xfrm>
+          <a:prstGeom prst="rect">
+            <a:avLst/>
+          </a:prstGeom>
+        </p:spPr>
+        <p:txBody>
+          <a:bodyPr wrap="square" lIns="0" tIns="0" rIns="0" bIns="0" anchor="t">
+            <a:spAutoFit/>
+          </a:bodyPr>
+          <a:lstStyle/>
+          <a:p>
+            <a:pPr algn="just">
+              <a:lnSpc>
+                <a:spcPct val="107000"/>
+              </a:lnSpc>
+              <a:spcAft>
+                <a:spcPts val="800"/>
+              </a:spcAft>
+            </a:pPr>
+            <a:r>
+              <a:rPr lang="en-US" b="0" i="0" dirty="0">
+                <a:effectLst/>
+                <a:latin typeface="Calibri" panose="020F0502020204030204" pitchFamily="34" charset="0"/>
+                <a:ea typeface="Calibri" panose="020F0502020204030204" pitchFamily="34" charset="0"/>
+                <a:cs typeface="Calibri" panose="020F0502020204030204" pitchFamily="34" charset="0"/>
+              </a:rPr>
+              <a:t>Our World in Data is a website that provides data and research on a wide range of global issues, including health, education, poverty, and the environment. </a:t>
+            </a:r>
+          </a:p>
+          <a:p>
+            <a:pPr algn="just">
+              <a:lnSpc>
+                <a:spcPct val="107000"/>
+              </a:lnSpc>
+              <a:spcAft>
+                <a:spcPts val="800"/>
+              </a:spcAft>
+            </a:pPr>
+            <a:r>
+              <a:rPr lang="en-US" b="0" i="0" u="sng" dirty="0">
+                <a:solidFill>
+                  <a:schemeClr val="accent5"/>
+                </a:solidFill>
+                <a:effectLst/>
+                <a:latin typeface="Calibri" panose="020F0502020204030204" pitchFamily="34" charset="0"/>
+                <a:ea typeface="Calibri" panose="020F0502020204030204" pitchFamily="34" charset="0"/>
+                <a:cs typeface="Calibri" panose="020F0502020204030204" pitchFamily="34" charset="0"/>
+                <a:hlinkClick r:id="rId3">
+                  <a:extLst>
+                    <a:ext uri="{A12FA001-AC4F-418D-AE19-62706E023703}">
+                      <ahyp:hlinkClr xmlns:ahyp="http://schemas.microsoft.com/office/drawing/2018/hyperlinkcolor" val="tx"/>
+                    </a:ext>
+                  </a:extLst>
+                </a:hlinkClick>
+              </a:rPr>
+              <a:t>https://ourworldindata.org/covid-vaccinations</a:t>
+            </a:r>
+            <a:endParaRPr lang="en-US" u="sng" dirty="0">
+              <a:solidFill>
+                <a:schemeClr val="accent5"/>
+              </a:solidFill>
+              <a:latin typeface="Calibri" panose="020F0502020204030204" pitchFamily="34" charset="0"/>
+              <a:ea typeface="Calibri" panose="020F0502020204030204" pitchFamily="34" charset="0"/>
+              <a:cs typeface="Calibri" panose="020F0502020204030204" pitchFamily="34" charset="0"/>
+            </a:endParaRPr>
+          </a:p>
+          <a:p>
+            <a:pPr algn="just">
+              <a:lnSpc>
+                <a:spcPct val="107000"/>
+              </a:lnSpc>
+              <a:spcAft>
+                <a:spcPts val="800"/>
+              </a:spcAft>
+            </a:pPr>
+            <a:r>
+              <a:rPr lang="en-US" dirty="0">
+                <a:latin typeface="Calibri" panose="020F0502020204030204" pitchFamily="34" charset="0"/>
+                <a:ea typeface="Calibri" panose="020F0502020204030204" pitchFamily="34" charset="0"/>
+                <a:cs typeface="Calibri" panose="020F0502020204030204" pitchFamily="34" charset="0"/>
+              </a:rPr>
+              <a:t>T</a:t>
+            </a:r>
+            <a:r>
+              <a:rPr lang="en-US" b="0" i="0" dirty="0">
+                <a:effectLst/>
+                <a:latin typeface="Calibri" panose="020F0502020204030204" pitchFamily="34" charset="0"/>
+                <a:ea typeface="Calibri" panose="020F0502020204030204" pitchFamily="34" charset="0"/>
+                <a:cs typeface="Calibri" panose="020F0502020204030204" pitchFamily="34" charset="0"/>
+              </a:rPr>
+              <a:t>he Bureau of Labor Statistics provided the dataset required to analyze the unemployment rate against covid 19</a:t>
+            </a:r>
+          </a:p>
+          <a:p>
+            <a:pPr algn="just">
+              <a:lnSpc>
+                <a:spcPct val="107000"/>
+              </a:lnSpc>
+              <a:spcAft>
+                <a:spcPts val="800"/>
+              </a:spcAft>
+            </a:pPr>
+            <a:r>
+              <a:rPr lang="en-US" b="0" i="0" dirty="0">
+                <a:solidFill>
+                  <a:schemeClr val="accent5"/>
+                </a:solidFill>
+                <a:effectLst/>
+                <a:latin typeface="Calibri" panose="020F0502020204030204" pitchFamily="34" charset="0"/>
+                <a:ea typeface="Calibri" panose="020F0502020204030204" pitchFamily="34" charset="0"/>
+                <a:cs typeface="Calibri" panose="020F0502020204030204" pitchFamily="34" charset="0"/>
+                <a:hlinkClick r:id="rId4">
+                  <a:extLst>
+                    <a:ext uri="{A12FA001-AC4F-418D-AE19-62706E023703}">
+                      <ahyp:hlinkClr xmlns:ahyp="http://schemas.microsoft.com/office/drawing/2018/hyperlinkcolor" val="tx"/>
+                    </a:ext>
+                  </a:extLst>
+                </a:hlinkClick>
+              </a:rPr>
+              <a:t>https://www.bls.gov/cps/data.htm</a:t>
+            </a:r>
+            <a:endParaRPr lang="en-US" dirty="0">
+              <a:solidFill>
+                <a:schemeClr val="accent5"/>
+              </a:solidFill>
+              <a:latin typeface="Calibri" panose="020F0502020204030204" pitchFamily="34" charset="0"/>
+              <a:ea typeface="Calibri" panose="020F0502020204030204" pitchFamily="34" charset="0"/>
+              <a:cs typeface="Calibri" panose="020F0502020204030204" pitchFamily="34" charset="0"/>
+            </a:endParaRPr>
+          </a:p>
+          <a:p>
+            <a:pPr algn="just">
+              <a:lnSpc>
+                <a:spcPct val="107000"/>
+              </a:lnSpc>
+              <a:spcAft>
+                <a:spcPts val="800"/>
+              </a:spcAft>
+            </a:pPr>
+            <a:r>
+              <a:rPr lang="en-IN" dirty="0">
+                <a:latin typeface="Calibri" panose="020F0502020204030204" pitchFamily="34" charset="0"/>
+                <a:ea typeface="Calibri" panose="020F0502020204030204" pitchFamily="34" charset="0"/>
+                <a:cs typeface="Calibri" panose="020F0502020204030204" pitchFamily="34" charset="0"/>
+              </a:rPr>
+              <a:t>T</a:t>
+            </a:r>
+            <a:r>
+              <a:rPr lang="en-IN" b="0" i="0" dirty="0">
+                <a:effectLst/>
+                <a:latin typeface="Calibri" panose="020F0502020204030204" pitchFamily="34" charset="0"/>
+                <a:ea typeface="Calibri" panose="020F0502020204030204" pitchFamily="34" charset="0"/>
+                <a:cs typeface="Calibri" panose="020F0502020204030204" pitchFamily="34" charset="0"/>
+              </a:rPr>
+              <a:t>he Federal Reserve Economic Data (FRED) website provided the data base of USA’s GDP in Billions of dollar.</a:t>
+            </a:r>
+          </a:p>
+          <a:p>
+            <a:pPr algn="just">
+              <a:lnSpc>
+                <a:spcPct val="107000"/>
+              </a:lnSpc>
+              <a:spcAft>
+                <a:spcPts val="800"/>
+              </a:spcAft>
+            </a:pPr>
+            <a:r>
+              <a:rPr lang="en-IN" b="0" i="0" u="sng" dirty="0">
+                <a:solidFill>
+                  <a:schemeClr val="accent5"/>
+                </a:solidFill>
+                <a:effectLst/>
+                <a:latin typeface="Calibri" panose="020F0502020204030204" pitchFamily="34" charset="0"/>
+                <a:ea typeface="Calibri" panose="020F0502020204030204" pitchFamily="34" charset="0"/>
+                <a:cs typeface="Calibri" panose="020F0502020204030204" pitchFamily="34" charset="0"/>
+                <a:hlinkClick r:id="rId5">
+                  <a:extLst>
+                    <a:ext uri="{A12FA001-AC4F-418D-AE19-62706E023703}">
+                      <ahyp:hlinkClr xmlns:ahyp="http://schemas.microsoft.com/office/drawing/2018/hyperlinkcolor" val="tx"/>
+                    </a:ext>
+                  </a:extLst>
+                </a:hlinkClick>
+              </a:rPr>
+              <a:t>https://fred.stlouisfed.org/</a:t>
+            </a:r>
+            <a:endParaRPr lang="en-IN" b="0" i="0" dirty="0">
+              <a:solidFill>
+                <a:schemeClr val="accent5"/>
+              </a:solidFill>
+              <a:effectLst/>
+              <a:latin typeface="Calibri" panose="020F0502020204030204" pitchFamily="34" charset="0"/>
+              <a:ea typeface="Calibri" panose="020F0502020204030204" pitchFamily="34" charset="0"/>
+              <a:cs typeface="Calibri" panose="020F0502020204030204" pitchFamily="34" charset="0"/>
+            </a:endParaRPr>
+          </a:p>
+          <a:p>
+            <a:pPr algn="just">
+              <a:lnSpc>
+                <a:spcPct val="107000"/>
+              </a:lnSpc>
+              <a:spcAft>
+                <a:spcPts val="800"/>
+              </a:spcAft>
+            </a:pPr>
+            <a:endParaRPr lang="en-US" b="0" i="0" dirty="0">
+              <a:solidFill>
+                <a:srgbClr val="374151"/>
+              </a:solidFill>
+              <a:effectLst/>
+              <a:latin typeface="Söhne"/>
+            </a:endParaRPr>
+          </a:p>
+          <a:p>
+            <a:pPr algn="just">
+              <a:lnSpc>
+                <a:spcPct val="107000"/>
+              </a:lnSpc>
+              <a:spcAft>
+                <a:spcPts val="800"/>
+              </a:spcAft>
+            </a:pPr>
+            <a:endParaRPr lang="en-IN" b="0" i="0" u="sng" dirty="0">
+              <a:solidFill>
+                <a:srgbClr val="374151"/>
+              </a:solidFill>
+              <a:effectLst/>
+              <a:latin typeface="Söhne"/>
+            </a:endParaRPr>
+          </a:p>
+          <a:p>
+            <a:pPr lvl="1" algn="just">
+              <a:lnSpc>
+                <a:spcPct val="107000"/>
+              </a:lnSpc>
+              <a:spcAft>
+                <a:spcPts val="800"/>
+              </a:spcAft>
+            </a:pPr>
+            <a:endParaRPr lang="en-IN" b="0" i="0" u="sng" dirty="0">
+              <a:solidFill>
+                <a:srgbClr val="374151"/>
+              </a:solidFill>
+              <a:effectLst/>
+              <a:latin typeface="Söhne"/>
+            </a:endParaRPr>
+          </a:p>
+          <a:p>
+            <a:pPr algn="just">
+              <a:lnSpc>
+                <a:spcPct val="107000"/>
+              </a:lnSpc>
+              <a:spcAft>
+                <a:spcPts val="800"/>
+              </a:spcAft>
+            </a:pPr>
+            <a:endParaRPr lang="en-IN" sz="1800" u="sng" dirty="0">
+              <a:solidFill>
+                <a:srgbClr val="0070C0"/>
+              </a:solidFill>
+              <a:effectLst/>
+              <a:latin typeface="Calibri" panose="020F0502020204030204" pitchFamily="34" charset="0"/>
+              <a:ea typeface="Calibri" panose="020F0502020204030204" pitchFamily="34" charset="0"/>
+              <a:cs typeface="Shruti" panose="020B0502040204020203" pitchFamily="34" charset="0"/>
+            </a:endParaRPr>
+          </a:p>
+        </p:txBody>
+      </p:sp>
+      <p:sp>
+        <p:nvSpPr>
+          <p:cNvPr id="5" name="TextBox 4">
+            <a:extLst>
+              <a:ext uri="{FF2B5EF4-FFF2-40B4-BE49-F238E27FC236}">
+                <a16:creationId xmlns:a16="http://schemas.microsoft.com/office/drawing/2014/main" id="{5B06D77C-F412-2035-E48F-3A3BF7A4B809}"/>
+              </a:ext>
+            </a:extLst>
+          </p:cNvPr>
+          <p:cNvSpPr txBox="1"/>
+          <p:nvPr/>
+        </p:nvSpPr>
+        <p:spPr>
+          <a:xfrm>
+            <a:off x="669925" y="4616753"/>
+            <a:ext cx="10747022" cy="2062103"/>
+          </a:xfrm>
+          <a:prstGeom prst="rect">
+            <a:avLst/>
+          </a:prstGeom>
+          <a:noFill/>
+        </p:spPr>
+        <p:txBody>
+          <a:bodyPr wrap="square" rtlCol="0">
+            <a:spAutoFit/>
+          </a:bodyPr>
+          <a:lstStyle/>
+          <a:p>
+            <a:r>
+              <a:rPr lang="en-US" sz="3200" b="1" dirty="0">
+                <a:latin typeface="Calibri" panose="020F0502020204030204" pitchFamily="34" charset="0"/>
+                <a:ea typeface="Calibri" panose="020F0502020204030204" pitchFamily="34" charset="0"/>
+                <a:cs typeface="Calibri" panose="020F0502020204030204" pitchFamily="34" charset="0"/>
+              </a:rPr>
+              <a:t>References </a:t>
+            </a:r>
+          </a:p>
+          <a:p>
+            <a:endParaRPr lang="en-US" dirty="0">
+              <a:latin typeface="Calibri" panose="020F0502020204030204" pitchFamily="34" charset="0"/>
+              <a:ea typeface="Calibri" panose="020F0502020204030204" pitchFamily="34" charset="0"/>
+              <a:cs typeface="Calibri" panose="020F0502020204030204" pitchFamily="34" charset="0"/>
+            </a:endParaRPr>
+          </a:p>
+          <a:p>
+            <a:r>
+              <a:rPr lang="en-IN" sz="2400" b="1" u="sng" dirty="0">
+                <a:latin typeface="Calibri" panose="020F0502020204030204" pitchFamily="34" charset="0"/>
+                <a:ea typeface="Calibri" panose="020F0502020204030204" pitchFamily="34" charset="0"/>
+                <a:cs typeface="Calibri" panose="020F0502020204030204" pitchFamily="34" charset="0"/>
+              </a:rPr>
+              <a:t>[</a:t>
+            </a:r>
+            <a:r>
+              <a:rPr lang="en-IN" sz="2400" b="1" dirty="0">
+                <a:latin typeface="Calibri" panose="020F0502020204030204" pitchFamily="34" charset="0"/>
+                <a:ea typeface="Calibri" panose="020F0502020204030204" pitchFamily="34" charset="0"/>
+                <a:cs typeface="Calibri" panose="020F0502020204030204" pitchFamily="34" charset="0"/>
+              </a:rPr>
+              <a:t>1] </a:t>
+            </a:r>
+            <a:r>
+              <a:rPr kumimoji="0" lang="en-US" altLang="en-US" sz="2000" b="1" i="0" u="none" strike="noStrike" cap="none" normalizeH="0" baseline="0" dirty="0">
+                <a:ln>
+                  <a:noFill/>
+                </a:ln>
+                <a:effectLst/>
+                <a:latin typeface="Calibri" panose="020F0502020204030204" pitchFamily="34" charset="0"/>
+                <a:ea typeface="Calibri" panose="020F0502020204030204" pitchFamily="34" charset="0"/>
+                <a:cs typeface="Calibri" panose="020F0502020204030204" pitchFamily="34" charset="0"/>
+              </a:rPr>
+              <a:t>An official website of the United States government</a:t>
+            </a:r>
+            <a:endParaRPr lang="en-IN" sz="2000" b="1" dirty="0">
+              <a:latin typeface="Calibri" panose="020F0502020204030204" pitchFamily="34" charset="0"/>
+              <a:ea typeface="Calibri" panose="020F0502020204030204" pitchFamily="34" charset="0"/>
+              <a:cs typeface="Calibri" panose="020F0502020204030204" pitchFamily="34" charset="0"/>
+            </a:endParaRPr>
+          </a:p>
+          <a:p>
+            <a:r>
+              <a:rPr lang="en-IN" u="sng" dirty="0">
+                <a:solidFill>
+                  <a:schemeClr val="accent5"/>
+                </a:solidFill>
+                <a:latin typeface="Calibri" panose="020F0502020204030204" pitchFamily="34" charset="0"/>
+                <a:ea typeface="Calibri" panose="020F0502020204030204" pitchFamily="34" charset="0"/>
+                <a:cs typeface="Calibri" panose="020F0502020204030204" pitchFamily="34" charset="0"/>
+                <a:hlinkClick r:id="rId6">
+                  <a:extLst>
+                    <a:ext uri="{A12FA001-AC4F-418D-AE19-62706E023703}">
+                      <ahyp:hlinkClr xmlns:ahyp="http://schemas.microsoft.com/office/drawing/2018/hyperlinkcolor" val="tx"/>
+                    </a:ext>
+                  </a:extLst>
+                </a:hlinkClick>
+              </a:rPr>
+              <a:t>https://www.bea.gov/news/2021/gross-domestic-product-4th-quarter-and-year-2020-advance-estimate</a:t>
+            </a:r>
+            <a:endParaRPr lang="en-IN" u="sng" dirty="0">
+              <a:solidFill>
+                <a:schemeClr val="accent5"/>
+              </a:solidFill>
+              <a:latin typeface="Calibri" panose="020F0502020204030204" pitchFamily="34" charset="0"/>
+              <a:ea typeface="Calibri" panose="020F0502020204030204" pitchFamily="34" charset="0"/>
+              <a:cs typeface="Calibri" panose="020F0502020204030204" pitchFamily="34" charset="0"/>
+            </a:endParaRPr>
+          </a:p>
+          <a:p>
+            <a:endParaRPr lang="en-IN" u="sng" dirty="0">
+              <a:solidFill>
+                <a:schemeClr val="accent1"/>
+              </a:solidFill>
+              <a:latin typeface="Calibri" panose="020F0502020204030204" pitchFamily="34" charset="0"/>
+              <a:ea typeface="Calibri" panose="020F0502020204030204" pitchFamily="34" charset="0"/>
+              <a:cs typeface="Calibri" panose="020F0502020204030204" pitchFamily="34" charset="0"/>
+            </a:endParaRPr>
+          </a:p>
+          <a:p>
+            <a:r>
+              <a:rPr lang="en-IN" dirty="0">
+                <a:solidFill>
+                  <a:schemeClr val="accent1"/>
+                </a:solidFill>
+                <a:latin typeface="Calibri" panose="020F0502020204030204" pitchFamily="34" charset="0"/>
+                <a:ea typeface="Calibri" panose="020F0502020204030204" pitchFamily="34" charset="0"/>
+                <a:cs typeface="Calibri" panose="020F0502020204030204" pitchFamily="34" charset="0"/>
+              </a:rPr>
+              <a:t>The line is mentioned under the paragraph of GDP for 2020</a:t>
+            </a:r>
+          </a:p>
+        </p:txBody>
+      </p:sp>
+      <p:sp>
+        <p:nvSpPr>
+          <p:cNvPr id="6" name="Rectangle 1">
+            <a:extLst>
+              <a:ext uri="{FF2B5EF4-FFF2-40B4-BE49-F238E27FC236}">
+                <a16:creationId xmlns:a16="http://schemas.microsoft.com/office/drawing/2014/main" id="{7CDF4344-E7F6-030E-05B2-E9729BE5648E}"/>
+              </a:ext>
+            </a:extLst>
+          </p:cNvPr>
+          <p:cNvSpPr>
+            <a:spLocks noChangeArrowheads="1"/>
+          </p:cNvSpPr>
+          <p:nvPr/>
+        </p:nvSpPr>
+        <p:spPr bwMode="auto">
+          <a:xfrm>
+            <a:off x="0" y="-446276"/>
+            <a:ext cx="922047" cy="892552"/>
+          </a:xfrm>
+          <a:prstGeom prst="rect">
+            <a:avLst/>
+          </a:prstGeom>
+          <a:noFill/>
+          <a:ln>
+            <a:noFill/>
+          </a:ln>
+          <a:effectLst/>
+          <a:extLst>
+            <a:ext uri="{909E8E84-426E-40DD-AFC4-6F175D3DCCD1}">
+              <a14:hiddenFill xmlns:a14="http://schemas.microsoft.com/office/drawing/2010/main">
+                <a:solidFill>
+                  <a:schemeClr val="accent1"/>
+                </a:solidFill>
+              </a14:hiddenFill>
+            </a:ext>
+            <a:ext uri="{91240B29-F687-4F45-9708-019B960494DF}">
+              <a14:hiddenLine xmlns:a14="http://schemas.microsoft.com/office/drawing/2010/main" w="9525">
+                <a:solidFill>
+                  <a:schemeClr val="tx1"/>
+                </a:solidFill>
+                <a:miter lim="800000"/>
+                <a:headEnd/>
+                <a:tailEnd/>
+              </a14:hiddenLine>
+            </a:ext>
+            <a:ext uri="{AF507438-7753-43E0-B8FC-AC1667EBCBE1}">
+              <a14:hiddenEffects xmlns:a14="http://schemas.microsoft.com/office/drawing/2010/main">
+                <a:effectLst>
+                  <a:outerShdw dist="35921" dir="2700000" algn="ctr" rotWithShape="0">
+                    <a:schemeClr val="bg2"/>
+                  </a:outerShdw>
+                </a:effectLst>
+              </a14:hiddenEffects>
+            </a:ext>
+          </a:extLst>
+        </p:spPr>
+        <p:txBody>
+          <a:bodyPr vert="horz" wrap="none" lIns="91440" tIns="45720" rIns="91440" bIns="45720" numCol="1" anchor="ctr" anchorCtr="0" compatLnSpc="1">
+            <a:prstTxWarp prst="textNoShape">
+              <a:avLst/>
+            </a:prstTxWarp>
+            <a:spAutoFit/>
+          </a:bodyPr>
+          <a:lstStyle>
+            <a:lvl1pPr eaLnBrk="0" fontAlgn="base" hangingPunct="0">
+              <a:spcBef>
+                <a:spcPct val="0"/>
+              </a:spcBef>
+              <a:spcAft>
+                <a:spcPct val="0"/>
+              </a:spcAft>
+              <a:defRPr>
+                <a:solidFill>
+                  <a:schemeClr val="tx1"/>
+                </a:solidFill>
+                <a:latin typeface="Arial" panose="020B0604020202020204" pitchFamily="34" charset="0"/>
+              </a:defRPr>
+            </a:lvl1pPr>
+            <a:lvl2pPr eaLnBrk="0" fontAlgn="base" hangingPunct="0">
+              <a:spcBef>
+                <a:spcPct val="0"/>
+              </a:spcBef>
+              <a:spcAft>
+                <a:spcPct val="0"/>
+              </a:spcAft>
+              <a:defRPr>
+                <a:solidFill>
+                  <a:schemeClr val="tx1"/>
+                </a:solidFill>
+                <a:latin typeface="Arial" panose="020B0604020202020204" pitchFamily="34" charset="0"/>
+              </a:defRPr>
+            </a:lvl2pPr>
+            <a:lvl3pPr eaLnBrk="0" fontAlgn="base" hangingPunct="0">
+              <a:spcBef>
+                <a:spcPct val="0"/>
+              </a:spcBef>
+              <a:spcAft>
+                <a:spcPct val="0"/>
+              </a:spcAft>
+              <a:defRPr>
+                <a:solidFill>
+                  <a:schemeClr val="tx1"/>
+                </a:solidFill>
+                <a:latin typeface="Arial" panose="020B0604020202020204" pitchFamily="34" charset="0"/>
+              </a:defRPr>
+            </a:lvl3pPr>
+            <a:lvl4pPr eaLnBrk="0" fontAlgn="base" hangingPunct="0">
+              <a:spcBef>
+                <a:spcPct val="0"/>
+              </a:spcBef>
+              <a:spcAft>
+                <a:spcPct val="0"/>
+              </a:spcAft>
+              <a:defRPr>
+                <a:solidFill>
+                  <a:schemeClr val="tx1"/>
+                </a:solidFill>
+                <a:latin typeface="Arial" panose="020B0604020202020204" pitchFamily="34" charset="0"/>
+              </a:defRPr>
+            </a:lvl4pPr>
+            <a:lvl5pPr eaLnBrk="0" fontAlgn="base" hangingPunct="0">
+              <a:spcBef>
+                <a:spcPct val="0"/>
+              </a:spcBef>
+              <a:spcAft>
+                <a:spcPct val="0"/>
+              </a:spcAft>
+              <a:defRPr>
+                <a:solidFill>
+                  <a:schemeClr val="tx1"/>
+                </a:solidFill>
+                <a:latin typeface="Arial" panose="020B0604020202020204" pitchFamily="34" charset="0"/>
+              </a:defRPr>
+            </a:lvl5pPr>
+            <a:lvl6pPr eaLnBrk="0" fontAlgn="base" hangingPunct="0">
+              <a:spcBef>
+                <a:spcPct val="0"/>
+              </a:spcBef>
+              <a:spcAft>
+                <a:spcPct val="0"/>
+              </a:spcAft>
+              <a:defRPr>
+                <a:solidFill>
+                  <a:schemeClr val="tx1"/>
+                </a:solidFill>
+                <a:latin typeface="Arial" panose="020B0604020202020204" pitchFamily="34" charset="0"/>
+              </a:defRPr>
+            </a:lvl6pPr>
+            <a:lvl7pPr eaLnBrk="0" fontAlgn="base" hangingPunct="0">
+              <a:spcBef>
+                <a:spcPct val="0"/>
+              </a:spcBef>
+              <a:spcAft>
+                <a:spcPct val="0"/>
+              </a:spcAft>
+              <a:defRPr>
+                <a:solidFill>
+                  <a:schemeClr val="tx1"/>
+                </a:solidFill>
+                <a:latin typeface="Arial" panose="020B0604020202020204" pitchFamily="34" charset="0"/>
+              </a:defRPr>
+            </a:lvl7pPr>
+            <a:lvl8pPr eaLnBrk="0" fontAlgn="base" hangingPunct="0">
+              <a:spcBef>
+                <a:spcPct val="0"/>
+              </a:spcBef>
+              <a:spcAft>
+                <a:spcPct val="0"/>
+              </a:spcAft>
+              <a:defRPr>
+                <a:solidFill>
+                  <a:schemeClr val="tx1"/>
+                </a:solidFill>
+                <a:latin typeface="Arial" panose="020B0604020202020204" pitchFamily="34" charset="0"/>
+              </a:defRPr>
+            </a:lvl8pPr>
+            <a:lvl9pPr eaLnBrk="0" fontAlgn="base" hangingPunct="0">
+              <a:spcBef>
+                <a:spcPct val="0"/>
+              </a:spcBef>
+              <a:spcAft>
+                <a:spcPct val="0"/>
+              </a:spcAft>
+              <a:defRPr>
+                <a:solidFill>
+                  <a:schemeClr val="tx1"/>
+                </a:solidFill>
+                <a:latin typeface="Arial" panose="020B0604020202020204" pitchFamily="34" charset="0"/>
+              </a:defRPr>
+            </a:lvl9pPr>
+          </a:lstStyle>
+          <a:p>
+            <a:pPr marL="0" marR="0" lvl="0" indent="0" algn="l" defTabSz="914400" rtl="0" eaLnBrk="0" fontAlgn="base" latinLnBrk="0" hangingPunct="0">
+              <a:lnSpc>
+                <a:spcPct val="100000"/>
+              </a:lnSpc>
+              <a:spcBef>
+                <a:spcPct val="0"/>
+              </a:spcBef>
+              <a:spcAft>
+                <a:spcPct val="0"/>
+              </a:spcAft>
+              <a:buClrTx/>
+              <a:buSzTx/>
+              <a:buFontTx/>
+              <a:buNone/>
+              <a:tabLst/>
+            </a:pPr>
+            <a:r>
+              <a:rPr kumimoji="0" lang="en-US" altLang="en-US" sz="1800" b="0" i="0" u="none" strike="noStrike" cap="none" normalizeH="0" baseline="0" dirty="0">
+                <a:ln>
+                  <a:noFill/>
+                </a:ln>
+                <a:solidFill>
+                  <a:schemeClr val="tx1"/>
+                </a:solidFill>
+                <a:effectLst/>
+                <a:latin typeface="Arial" panose="020B0604020202020204" pitchFamily="34" charset="0"/>
+              </a:rPr>
+              <a:t>  </a:t>
+            </a:r>
+            <a:r>
+              <a:rPr kumimoji="0" lang="en-US" altLang="en-US" sz="3400" b="0" i="0" u="none" strike="noStrike" cap="none" normalizeH="0" baseline="0" dirty="0">
+                <a:ln>
+                  <a:noFill/>
+                </a:ln>
+                <a:solidFill>
+                  <a:schemeClr val="tx1"/>
+                </a:solidFill>
+                <a:effectLst/>
+                <a:latin typeface="Arial" panose="020B0604020202020204" pitchFamily="34" charset="0"/>
+              </a:rPr>
+              <a:t>     </a:t>
+            </a:r>
+          </a:p>
+          <a:p>
+            <a:pPr marL="0" marR="0" lvl="0" indent="0" algn="l" defTabSz="914400" rtl="0" eaLnBrk="0" fontAlgn="ctr" latinLnBrk="0" hangingPunct="0">
+              <a:lnSpc>
+                <a:spcPct val="100000"/>
+              </a:lnSpc>
+              <a:spcBef>
+                <a:spcPct val="0"/>
+              </a:spcBef>
+              <a:spcAft>
+                <a:spcPct val="0"/>
+              </a:spcAft>
+              <a:buClrTx/>
+              <a:buSzTx/>
+              <a:buFontTx/>
+              <a:buNone/>
+              <a:tabLst/>
+            </a:pPr>
+            <a:endParaRPr kumimoji="0" lang="en-US" altLang="en-US" sz="1800" b="0" i="0" u="none" strike="noStrike" cap="none" normalizeH="0" baseline="0" dirty="0">
+              <a:ln>
+                <a:noFill/>
+              </a:ln>
+              <a:solidFill>
+                <a:schemeClr val="tx1"/>
+              </a:solidFill>
+              <a:effectLst/>
+              <a:latin typeface="Arial" panose="020B0604020202020204" pitchFamily="34" charset="0"/>
+            </a:endParaRPr>
+          </a:p>
+        </p:txBody>
+      </p:sp>
+    </p:spTree>
+    <p:extLst>
+      <p:ext uri="{BB962C8B-B14F-4D97-AF65-F5344CB8AC3E}">
+        <p14:creationId xmlns:p14="http://schemas.microsoft.com/office/powerpoint/2010/main" val="3400961605"/>
+      </p:ext>
+    </p:extLst>
+  </p:cSld>
+  <p:clrMapOvr>
+    <a:masterClrMapping/>
+  </p:clrMapOvr>
+</p:sld>
+</file>
+
+<file path=ppt/slides/slide18.xml><?xml version="1.0" encoding="utf-8"?>
+<p:sld xmlns:a="http://schemas.openxmlformats.org/drawingml/2006/main" xmlns:r="http://schemas.openxmlformats.org/officeDocument/2006/relationships" xmlns:p="http://schemas.openxmlformats.org/presentationml/2006/main">
+  <p:cSld>
+    <p:spTree>
+      <p:nvGrpSpPr>
+        <p:cNvPr id="1" name=""/>
+        <p:cNvGrpSpPr/>
+        <p:nvPr/>
+      </p:nvGrpSpPr>
+      <p:grpSpPr>
+        <a:xfrm>
+          <a:off x="0" y="0"/>
+          <a:ext cx="0" cy="0"/>
+          <a:chOff x="0" y="0"/>
+          <a:chExt cx="0" cy="0"/>
+        </a:xfrm>
+      </p:grpSpPr>
+      <p:sp>
+        <p:nvSpPr>
+          <p:cNvPr id="7" name="Title 6" hidden="1">
+            <a:extLst>
+              <a:ext uri="{FF2B5EF4-FFF2-40B4-BE49-F238E27FC236}">
+                <a16:creationId xmlns:a16="http://schemas.microsoft.com/office/drawing/2014/main" id="{ED2F5393-91A3-4102-A584-E902285C507A}"/>
+              </a:ext>
+            </a:extLst>
+          </p:cNvPr>
+          <p:cNvSpPr>
+            <a:spLocks noGrp="1"/>
+          </p:cNvSpPr>
+          <p:nvPr>
+            <p:ph type="title" idx="4294967295"/>
+          </p:nvPr>
+        </p:nvSpPr>
+        <p:spPr>
+          <a:xfrm>
+            <a:off x="0" y="365125"/>
+            <a:ext cx="10515600" cy="1325563"/>
+          </a:xfrm>
+        </p:spPr>
+        <p:txBody>
+          <a:bodyPr/>
+          <a:lstStyle/>
+          <a:p>
+            <a:r>
+              <a:rPr lang="en-US" dirty="0"/>
+              <a:t>Project analysis slide 4</a:t>
+            </a:r>
+          </a:p>
+        </p:txBody>
+      </p:sp>
+      <p:cxnSp>
+        <p:nvCxnSpPr>
+          <p:cNvPr id="8" name="Straight Connector 7">
+            <a:extLst>
+              <a:ext uri="{FF2B5EF4-FFF2-40B4-BE49-F238E27FC236}">
+                <a16:creationId xmlns:a16="http://schemas.microsoft.com/office/drawing/2014/main" id="{D0986099-F5F2-4E8B-BE17-81194861A00C}"/>
+              </a:ext>
+              <a:ext uri="{C183D7F6-B498-43B3-948B-1728B52AA6E4}">
+                <adec:decorative xmlns:adec="http://schemas.microsoft.com/office/drawing/2017/decorative" val="1"/>
+              </a:ext>
+            </a:extLst>
+          </p:cNvPr>
+          <p:cNvCxnSpPr>
+            <a:cxnSpLocks/>
+          </p:cNvCxnSpPr>
+          <p:nvPr/>
+        </p:nvCxnSpPr>
+        <p:spPr>
+          <a:xfrm>
+            <a:off x="8105775" y="522898"/>
+            <a:ext cx="4086225" cy="0"/>
+          </a:xfrm>
+          <a:prstGeom prst="line">
+            <a:avLst/>
+          </a:prstGeom>
+          <a:ln>
+            <a:solidFill>
+              <a:schemeClr val="accent3">
+                <a:lumMod val="50000"/>
+              </a:schemeClr>
+            </a:solidFill>
+            <a:headEnd type="oval"/>
+          </a:ln>
+        </p:spPr>
+        <p:style>
+          <a:lnRef idx="1">
+            <a:schemeClr val="accent1"/>
+          </a:lnRef>
+          <a:fillRef idx="0">
+            <a:schemeClr val="accent1"/>
+          </a:fillRef>
+          <a:effectRef idx="0">
+            <a:schemeClr val="accent1"/>
+          </a:effectRef>
+          <a:fontRef idx="minor">
+            <a:schemeClr val="tx1"/>
+          </a:fontRef>
+        </p:style>
+      </p:cxnSp>
+      <p:sp>
+        <p:nvSpPr>
+          <p:cNvPr id="11" name="Title 1">
+            <a:extLst>
+              <a:ext uri="{FF2B5EF4-FFF2-40B4-BE49-F238E27FC236}">
+                <a16:creationId xmlns:a16="http://schemas.microsoft.com/office/drawing/2014/main" id="{4E3F5479-058B-4FA8-92E9-18CAB8CDC5C5}"/>
+              </a:ext>
+            </a:extLst>
+          </p:cNvPr>
+          <p:cNvSpPr txBox="1">
+            <a:spLocks/>
+          </p:cNvSpPr>
+          <p:nvPr/>
+        </p:nvSpPr>
+        <p:spPr>
+          <a:xfrm>
             <a:off x="228600" y="328999"/>
             <a:ext cx="11734800" cy="387798"/>
           </a:xfrm>
@@ -6809,8 +10503,8 @@
         </p:nvSpPr>
         <p:spPr>
           <a:xfrm>
-            <a:off x="8984455" y="3426782"/>
-            <a:ext cx="2569369" cy="710707"/>
+            <a:off x="8984455" y="3304954"/>
+            <a:ext cx="2569369" cy="954364"/>
           </a:xfrm>
           <a:prstGeom prst="rect">
             <a:avLst/>
@@ -6830,15 +10524,44 @@
             <a:r>
               <a:rPr lang="en-US" sz="1400" dirty="0">
                 <a:solidFill>
-                  <a:schemeClr val="tx1">
+                  <a:schemeClr val="accent5">
                     <a:lumMod val="75000"/>
-                    <a:lumOff val="25000"/>
                   </a:schemeClr>
                 </a:solidFill>
                 <a:cs typeface="Segoe UI" panose="020B0502040204020203" pitchFamily="34" charset="0"/>
+                <a:hlinkClick r:id="rId3">
+                  <a:extLst>
+                    <a:ext uri="{A12FA001-AC4F-418D-AE19-62706E023703}">
+                      <ahyp:hlinkClr xmlns:ahyp="http://schemas.microsoft.com/office/drawing/2018/hyperlinkcolor" val="tx"/>
+                    </a:ext>
+                  </a:extLst>
+                </a:hlinkClick>
               </a:rPr>
               <a:t>https://github.com/Deepsheta/Covid--19-descriptive-Analysis-for-resolving-a-potential-crisis</a:t>
             </a:r>
+            <a:endParaRPr lang="en-US" sz="1400" dirty="0">
+              <a:solidFill>
+                <a:schemeClr val="accent5">
+                  <a:lumMod val="75000"/>
+                </a:schemeClr>
+              </a:solidFill>
+              <a:cs typeface="Segoe UI" panose="020B0502040204020203" pitchFamily="34" charset="0"/>
+            </a:endParaRPr>
+          </a:p>
+          <a:p>
+            <a:pPr>
+              <a:lnSpc>
+                <a:spcPts val="1900"/>
+              </a:lnSpc>
+            </a:pPr>
+            <a:endParaRPr lang="en-US" sz="1400" dirty="0">
+              <a:solidFill>
+                <a:schemeClr val="accent5">
+                  <a:lumMod val="75000"/>
+                </a:schemeClr>
+              </a:solidFill>
+              <a:cs typeface="Segoe UI" panose="020B0502040204020203" pitchFamily="34" charset="0"/>
+            </a:endParaRPr>
           </a:p>
         </p:txBody>
       </p:sp>
@@ -6856,8 +10579,8 @@
         </p:nvSpPr>
         <p:spPr>
           <a:xfrm>
-            <a:off x="834627" y="3218912"/>
-            <a:ext cx="2699147" cy="1198020"/>
+            <a:off x="834627" y="3097084"/>
+            <a:ext cx="2699147" cy="1441677"/>
           </a:xfrm>
           <a:prstGeom prst="rect">
             <a:avLst/>
@@ -6877,15 +10600,44 @@
             <a:r>
               <a:rPr lang="en-US" sz="1400" dirty="0">
                 <a:solidFill>
-                  <a:schemeClr val="tx1">
+                  <a:schemeClr val="accent5">
                     <a:lumMod val="75000"/>
-                    <a:lumOff val="25000"/>
                   </a:schemeClr>
                 </a:solidFill>
                 <a:cs typeface="Segoe UI" panose="020B0502040204020203" pitchFamily="34" charset="0"/>
+                <a:hlinkClick r:id="rId4">
+                  <a:extLst>
+                    <a:ext uri="{A12FA001-AC4F-418D-AE19-62706E023703}">
+                      <ahyp:hlinkClr xmlns:ahyp="http://schemas.microsoft.com/office/drawing/2018/hyperlinkcolor" val="tx"/>
+                    </a:ext>
+                  </a:extLst>
+                </a:hlinkClick>
               </a:rPr>
               <a:t>https://analysis-project.atlassian.net/jira/core/projects/C1DAFRPC/summary?atlOrigin=eyJpIjoiYjA3NjgwYjAxODE4NDliYmI2MjE0Mzg0Zjc4NjViMjEiLCJwIjoiaiJ9</a:t>
             </a:r>
+            <a:endParaRPr lang="en-US" sz="1400" dirty="0">
+              <a:solidFill>
+                <a:schemeClr val="accent5">
+                  <a:lumMod val="75000"/>
+                </a:schemeClr>
+              </a:solidFill>
+              <a:cs typeface="Segoe UI" panose="020B0502040204020203" pitchFamily="34" charset="0"/>
+            </a:endParaRPr>
+          </a:p>
+          <a:p>
+            <a:pPr algn="r">
+              <a:lnSpc>
+                <a:spcPts val="1900"/>
+              </a:lnSpc>
+            </a:pPr>
+            <a:endParaRPr lang="en-US" sz="1400" dirty="0">
+              <a:solidFill>
+                <a:schemeClr val="accent5">
+                  <a:lumMod val="75000"/>
+                </a:schemeClr>
+              </a:solidFill>
+              <a:cs typeface="Segoe UI" panose="020B0502040204020203" pitchFamily="34" charset="0"/>
+            </a:endParaRPr>
           </a:p>
         </p:txBody>
       </p:sp>
@@ -6902,7 +10654,7 @@
 </p:sld>
 </file>
 
-<file path=ppt/slides/slide11.xml><?xml version="1.0" encoding="utf-8"?>
+<file path=ppt/slides/slide19.xml><?xml version="1.0" encoding="utf-8"?>
 <p:sld xmlns:a="http://schemas.openxmlformats.org/drawingml/2006/main" xmlns:r="http://schemas.openxmlformats.org/officeDocument/2006/relationships" xmlns:p="http://schemas.openxmlformats.org/presentationml/2006/main">
   <p:cSld>
     <p:bg>
@@ -7376,8 +11128,8 @@
         </p:nvSpPr>
         <p:spPr>
           <a:xfrm>
-            <a:off x="1603359" y="1298495"/>
-            <a:ext cx="1904214" cy="1960775"/>
+            <a:off x="2728457" y="1354401"/>
+            <a:ext cx="2031476" cy="2147418"/>
           </a:xfrm>
           <a:prstGeom prst="ellipse">
             <a:avLst/>
@@ -7428,8 +11180,8 @@
         </p:nvSpPr>
         <p:spPr>
           <a:xfrm>
-            <a:off x="4863366" y="1242588"/>
-            <a:ext cx="1904214" cy="2072588"/>
+            <a:off x="7022104" y="1298494"/>
+            <a:ext cx="2031476" cy="2130505"/>
           </a:xfrm>
           <a:prstGeom prst="ellipse">
             <a:avLst/>
@@ -7485,7 +11237,7 @@
         </p:nvSpPr>
         <p:spPr>
           <a:xfrm>
-            <a:off x="1476097" y="4120587"/>
+            <a:off x="2601195" y="4006220"/>
             <a:ext cx="2158738" cy="694481"/>
           </a:xfrm>
           <a:prstGeom prst="rect">
@@ -7539,10 +11291,10 @@
       </p:sp>
       <p:sp>
         <p:nvSpPr>
-          <p:cNvPr id="18" name="Oval 17">
+          <p:cNvPr id="27" name="Rectangle 26">
             <a:extLst>
               <a:ext uri="{FF2B5EF4-FFF2-40B4-BE49-F238E27FC236}">
-                <a16:creationId xmlns:a16="http://schemas.microsoft.com/office/drawing/2014/main" id="{6C126626-617A-EDC4-8C1B-C7616B3DF27A}"/>
+                <a16:creationId xmlns:a16="http://schemas.microsoft.com/office/drawing/2014/main" id="{1ACDB826-E573-FEDC-AC59-56BA208A938F}"/>
               </a:ext>
             </a:extLst>
           </p:cNvPr>
@@ -7551,125 +11303,7 @@
         </p:nvSpPr>
         <p:spPr>
           <a:xfrm>
-            <a:off x="8296217" y="1242588"/>
-            <a:ext cx="1904214" cy="1960775"/>
-          </a:xfrm>
-          <a:prstGeom prst="ellipse">
-            <a:avLst/>
-          </a:prstGeom>
-          <a:blipFill>
-            <a:blip r:embed="rId5"/>
-            <a:stretch>
-              <a:fillRect l="-1990" t="-7319" r="-1990" b="-7319"/>
-            </a:stretch>
-          </a:blipFill>
-        </p:spPr>
-        <p:style>
-          <a:lnRef idx="2">
-            <a:schemeClr val="accent1">
-              <a:shade val="50000"/>
-            </a:schemeClr>
-          </a:lnRef>
-          <a:fillRef idx="1">
-            <a:schemeClr val="accent1"/>
-          </a:fillRef>
-          <a:effectRef idx="0">
-            <a:schemeClr val="accent1"/>
-          </a:effectRef>
-          <a:fontRef idx="minor">
-            <a:schemeClr val="lt1"/>
-          </a:fontRef>
-        </p:style>
-        <p:txBody>
-          <a:bodyPr rtlCol="0" anchor="ctr"/>
-          <a:lstStyle/>
-          <a:p>
-            <a:pPr algn="ctr"/>
-            <a:endParaRPr lang="en-IN"/>
-          </a:p>
-        </p:txBody>
-      </p:sp>
-      <p:sp>
-        <p:nvSpPr>
-          <p:cNvPr id="24" name="Rectangle 23">
-            <a:extLst>
-              <a:ext uri="{FF2B5EF4-FFF2-40B4-BE49-F238E27FC236}">
-                <a16:creationId xmlns:a16="http://schemas.microsoft.com/office/drawing/2014/main" id="{8E1262A5-CEEB-4A8B-2FA5-59C46C9D72E8}"/>
-              </a:ext>
-            </a:extLst>
-          </p:cNvPr>
-          <p:cNvSpPr/>
-          <p:nvPr/>
-        </p:nvSpPr>
-        <p:spPr>
-          <a:xfrm>
-            <a:off x="8168955" y="4120587"/>
-            <a:ext cx="2158738" cy="694481"/>
-          </a:xfrm>
-          <a:prstGeom prst="rect">
-            <a:avLst/>
-          </a:prstGeom>
-          <a:solidFill>
-            <a:schemeClr val="bg2"/>
-          </a:solidFill>
-          <a:ln>
-            <a:solidFill>
-              <a:schemeClr val="bg2"/>
-            </a:solidFill>
-          </a:ln>
-        </p:spPr>
-        <p:style>
-          <a:lnRef idx="2">
-            <a:schemeClr val="accent1">
-              <a:shade val="50000"/>
-            </a:schemeClr>
-          </a:lnRef>
-          <a:fillRef idx="1">
-            <a:schemeClr val="accent1"/>
-          </a:fillRef>
-          <a:effectRef idx="0">
-            <a:schemeClr val="accent1"/>
-          </a:effectRef>
-          <a:fontRef idx="minor">
-            <a:schemeClr val="lt1"/>
-          </a:fontRef>
-        </p:style>
-        <p:txBody>
-          <a:bodyPr rtlCol="0" anchor="ctr"/>
-          <a:lstStyle/>
-          <a:p>
-            <a:pPr algn="ctr"/>
-            <a:r>
-              <a:rPr lang="en-US" dirty="0">
-                <a:solidFill>
-                  <a:schemeClr val="tx1"/>
-                </a:solidFill>
-              </a:rPr>
-              <a:t>CHARMY MAKWANA</a:t>
-            </a:r>
-            <a:endParaRPr lang="en-IN" dirty="0">
-              <a:solidFill>
-                <a:schemeClr val="tx1"/>
-              </a:solidFill>
-            </a:endParaRPr>
-          </a:p>
-        </p:txBody>
-      </p:sp>
-      <p:sp>
-        <p:nvSpPr>
-          <p:cNvPr id="27" name="Rectangle 26">
-            <a:extLst>
-              <a:ext uri="{FF2B5EF4-FFF2-40B4-BE49-F238E27FC236}">
-                <a16:creationId xmlns:a16="http://schemas.microsoft.com/office/drawing/2014/main" id="{1ACDB826-E573-FEDC-AC59-56BA208A938F}"/>
-              </a:ext>
-            </a:extLst>
-          </p:cNvPr>
-          <p:cNvSpPr/>
-          <p:nvPr/>
-        </p:nvSpPr>
-        <p:spPr>
-          <a:xfrm>
-            <a:off x="4863366" y="4120587"/>
+            <a:off x="7026406" y="4076939"/>
             <a:ext cx="2158738" cy="694481"/>
           </a:xfrm>
           <a:prstGeom prst="rect">
@@ -7737,14 +11371,14 @@
         </p:nvSpPr>
         <p:spPr>
           <a:xfrm>
-            <a:off x="4603378" y="5128788"/>
+            <a:off x="7172960" y="5162805"/>
             <a:ext cx="467360" cy="509046"/>
           </a:xfrm>
           <a:prstGeom prst="rect">
             <a:avLst/>
           </a:prstGeom>
           <a:blipFill>
-            <a:blip r:embed="rId6"/>
+            <a:blip r:embed="rId5"/>
             <a:stretch>
               <a:fillRect l="-1990" t="-7319" r="-1990" b="-7319"/>
             </a:stretch>
@@ -7792,8 +11426,8 @@
         </p:nvSpPr>
         <p:spPr>
           <a:xfrm>
-            <a:off x="5156444" y="5256353"/>
-            <a:ext cx="2250196" cy="415498"/>
+            <a:off x="7640319" y="5267378"/>
+            <a:ext cx="2518441" cy="492443"/>
           </a:xfrm>
           <a:prstGeom prst="rect">
             <a:avLst/>
@@ -7807,13 +11441,13 @@
           <a:lstStyle/>
           <a:p>
             <a:r>
-              <a:rPr lang="en-IN" sz="1050" b="1" dirty="0">
+              <a:rPr lang="en-IN" sz="1400" b="1" dirty="0">
                 <a:solidFill>
                   <a:schemeClr val="accent5">
                     <a:lumMod val="75000"/>
                   </a:schemeClr>
                 </a:solidFill>
-                <a:hlinkClick r:id="rId7">
+                <a:hlinkClick r:id="rId6">
                   <a:extLst>
                     <a:ext uri="{A12FA001-AC4F-418D-AE19-62706E023703}">
                       <ahyp:hlinkClr xmlns:ahyp="http://schemas.microsoft.com/office/drawing/2018/hyperlinkcolor" val="tx"/>
@@ -7823,7 +11457,7 @@
               </a:rPr>
               <a:t>https://github.com/Deepsheta</a:t>
             </a:r>
-            <a:endParaRPr lang="en-IN" sz="1050" b="1" dirty="0">
+            <a:endParaRPr lang="en-IN" sz="1400" b="1" dirty="0">
               <a:solidFill>
                 <a:schemeClr val="accent5">
                   <a:lumMod val="75000"/>
@@ -7832,7 +11466,7 @@
             </a:endParaRPr>
           </a:p>
           <a:p>
-            <a:endParaRPr lang="en-IN" sz="1050" b="1" dirty="0">
+            <a:endParaRPr lang="en-IN" sz="1200" b="1" dirty="0">
               <a:solidFill>
                 <a:schemeClr val="accent5">
                   <a:lumMod val="75000"/>
@@ -7856,14 +11490,14 @@
         </p:nvSpPr>
         <p:spPr>
           <a:xfrm>
-            <a:off x="4603378" y="5819668"/>
+            <a:off x="7172960" y="5864394"/>
             <a:ext cx="553066" cy="509046"/>
           </a:xfrm>
           <a:prstGeom prst="rect">
             <a:avLst/>
           </a:prstGeom>
           <a:blipFill>
-            <a:blip r:embed="rId8"/>
+            <a:blip r:embed="rId7"/>
             <a:stretch>
               <a:fillRect l="-1990" t="-7319" r="-1990" b="-7319"/>
             </a:stretch>
@@ -7911,8 +11545,8 @@
         </p:nvSpPr>
         <p:spPr>
           <a:xfrm>
-            <a:off x="5135228" y="5947236"/>
-            <a:ext cx="2250196" cy="577081"/>
+            <a:off x="7640319" y="5864394"/>
+            <a:ext cx="2250196" cy="738664"/>
           </a:xfrm>
           <a:prstGeom prst="rect">
             <a:avLst/>
@@ -7926,13 +11560,13 @@
           <a:lstStyle/>
           <a:p>
             <a:r>
-              <a:rPr lang="en-IN" sz="1050" b="1" dirty="0">
+              <a:rPr lang="en-IN" sz="1400" b="1" dirty="0">
                 <a:solidFill>
                   <a:schemeClr val="accent5">
                     <a:lumMod val="75000"/>
                   </a:schemeClr>
                 </a:solidFill>
-                <a:hlinkClick r:id="rId9">
+                <a:hlinkClick r:id="rId8">
                   <a:extLst>
                     <a:ext uri="{A12FA001-AC4F-418D-AE19-62706E023703}">
                       <ahyp:hlinkClr xmlns:ahyp="http://schemas.microsoft.com/office/drawing/2018/hyperlinkcolor" val="tx"/>
@@ -7942,7 +11576,7 @@
               </a:rPr>
               <a:t>https://www.linkedin.com/in/deep-sheta-5a79451a1/</a:t>
             </a:r>
-            <a:endParaRPr lang="en-IN" sz="1050" b="1" dirty="0">
+            <a:endParaRPr lang="en-IN" sz="1400" b="1" dirty="0">
               <a:solidFill>
                 <a:schemeClr val="accent5">
                   <a:lumMod val="75000"/>
@@ -7951,7 +11585,7 @@
             </a:endParaRPr>
           </a:p>
           <a:p>
-            <a:endParaRPr lang="en-IN" sz="1050" b="1" dirty="0">
+            <a:endParaRPr lang="en-IN" sz="1400" b="1" dirty="0">
               <a:solidFill>
                 <a:schemeClr val="accent5">
                   <a:lumMod val="75000"/>
@@ -7963,10 +11597,10 @@
       </p:sp>
       <p:sp>
         <p:nvSpPr>
-          <p:cNvPr id="6" name="Rectangle 5">
+          <p:cNvPr id="7" name="Rectangle 6">
             <a:extLst>
               <a:ext uri="{FF2B5EF4-FFF2-40B4-BE49-F238E27FC236}">
-                <a16:creationId xmlns:a16="http://schemas.microsoft.com/office/drawing/2014/main" id="{4D25A22A-886A-F1C4-BF50-FBCBCAD0C078}"/>
+                <a16:creationId xmlns:a16="http://schemas.microsoft.com/office/drawing/2014/main" id="{CACD0C61-0D83-65E0-0C2C-71AC68936297}"/>
               </a:ext>
             </a:extLst>
           </p:cNvPr>
@@ -7975,14 +11609,14 @@
         </p:nvSpPr>
         <p:spPr>
           <a:xfrm>
-            <a:off x="7892422" y="5177647"/>
+            <a:off x="2695379" y="5826056"/>
             <a:ext cx="553066" cy="509046"/>
           </a:xfrm>
           <a:prstGeom prst="rect">
             <a:avLst/>
           </a:prstGeom>
           <a:blipFill>
-            <a:blip r:embed="rId8"/>
+            <a:blip r:embed="rId7"/>
             <a:stretch>
               <a:fillRect l="-1990" t="-7319" r="-1990" b="-7319"/>
             </a:stretch>
@@ -8018,10 +11652,74 @@
       </p:sp>
       <p:sp>
         <p:nvSpPr>
-          <p:cNvPr id="7" name="Rectangle 6">
+          <p:cNvPr id="13" name="TextBox 12">
             <a:extLst>
               <a:ext uri="{FF2B5EF4-FFF2-40B4-BE49-F238E27FC236}">
-                <a16:creationId xmlns:a16="http://schemas.microsoft.com/office/drawing/2014/main" id="{CACD0C61-0D83-65E0-0C2C-71AC68936297}"/>
+                <a16:creationId xmlns:a16="http://schemas.microsoft.com/office/drawing/2014/main" id="{B0E45123-8EF7-3F5A-00D3-50103F274EA9}"/>
+              </a:ext>
+            </a:extLst>
+          </p:cNvPr>
+          <p:cNvSpPr txBox="1"/>
+          <p:nvPr/>
+        </p:nvSpPr>
+        <p:spPr>
+          <a:xfrm>
+            <a:off x="3248445" y="5913218"/>
+            <a:ext cx="2250196" cy="684803"/>
+          </a:xfrm>
+          <a:prstGeom prst="rect">
+            <a:avLst/>
+          </a:prstGeom>
+          <a:noFill/>
+        </p:spPr>
+        <p:txBody>
+          <a:bodyPr wrap="square" rtlCol="0">
+            <a:spAutoFit/>
+          </a:bodyPr>
+          <a:lstStyle/>
+          <a:p>
+            <a:r>
+              <a:rPr lang="en-IN" sz="1400" b="1" dirty="0">
+                <a:solidFill>
+                  <a:schemeClr val="accent5">
+                    <a:lumMod val="75000"/>
+                  </a:schemeClr>
+                </a:solidFill>
+                <a:hlinkClick r:id="rId9">
+                  <a:extLst>
+                    <a:ext uri="{A12FA001-AC4F-418D-AE19-62706E023703}">
+                      <ahyp:hlinkClr xmlns:ahyp="http://schemas.microsoft.com/office/drawing/2018/hyperlinkcolor" val="tx"/>
+                    </a:ext>
+                  </a:extLst>
+                </a:hlinkClick>
+              </a:rPr>
+              <a:t>https://www.linkedin.com/in/niti-patel-42a288167</a:t>
+            </a:r>
+            <a:endParaRPr lang="en-IN" sz="1400" b="1" dirty="0">
+              <a:solidFill>
+                <a:schemeClr val="accent5">
+                  <a:lumMod val="75000"/>
+                </a:schemeClr>
+              </a:solidFill>
+            </a:endParaRPr>
+          </a:p>
+          <a:p>
+            <a:endParaRPr lang="en-IN" sz="1050" b="1" dirty="0">
+              <a:solidFill>
+                <a:schemeClr val="accent5">
+                  <a:lumMod val="75000"/>
+                </a:schemeClr>
+              </a:solidFill>
+            </a:endParaRPr>
+          </a:p>
+        </p:txBody>
+      </p:sp>
+      <p:sp>
+        <p:nvSpPr>
+          <p:cNvPr id="15" name="Rectangle 14">
+            <a:extLst>
+              <a:ext uri="{FF2B5EF4-FFF2-40B4-BE49-F238E27FC236}">
+                <a16:creationId xmlns:a16="http://schemas.microsoft.com/office/drawing/2014/main" id="{89CF5888-20B4-B850-2861-97CBBA839799}"/>
               </a:ext>
             </a:extLst>
           </p:cNvPr>
@@ -8030,14 +11728,14 @@
         </p:nvSpPr>
         <p:spPr>
           <a:xfrm>
-            <a:off x="923031" y="5177647"/>
-            <a:ext cx="553066" cy="509046"/>
+            <a:off x="2695379" y="5140095"/>
+            <a:ext cx="467360" cy="509046"/>
           </a:xfrm>
           <a:prstGeom prst="rect">
             <a:avLst/>
           </a:prstGeom>
           <a:blipFill>
-            <a:blip r:embed="rId8"/>
+            <a:blip r:embed="rId5"/>
             <a:stretch>
               <a:fillRect l="-1990" t="-7319" r="-1990" b="-7319"/>
             </a:stretch>
@@ -8073,10 +11771,10 @@
       </p:sp>
       <p:sp>
         <p:nvSpPr>
-          <p:cNvPr id="9" name="TextBox 8">
+          <p:cNvPr id="19" name="TextBox 18">
             <a:extLst>
               <a:ext uri="{FF2B5EF4-FFF2-40B4-BE49-F238E27FC236}">
-                <a16:creationId xmlns:a16="http://schemas.microsoft.com/office/drawing/2014/main" id="{751F2811-52A7-0E70-0546-E7526B5C0E01}"/>
+                <a16:creationId xmlns:a16="http://schemas.microsoft.com/office/drawing/2014/main" id="{51B545E8-A429-B885-C826-C8443E581967}"/>
               </a:ext>
             </a:extLst>
           </p:cNvPr>
@@ -8085,8 +11783,8 @@
         </p:nvSpPr>
         <p:spPr>
           <a:xfrm>
-            <a:off x="8445488" y="5241098"/>
-            <a:ext cx="2250196" cy="415498"/>
+            <a:off x="3248445" y="5275442"/>
+            <a:ext cx="2394072" cy="523220"/>
           </a:xfrm>
           <a:prstGeom prst="rect">
             <a:avLst/>
@@ -8100,52 +11798,9 @@
           <a:lstStyle/>
           <a:p>
             <a:r>
-              <a:rPr lang="en-IN" sz="1050" b="1" dirty="0">
+              <a:rPr lang="en-IN" sz="1400" b="1" u="sng" dirty="0">
                 <a:solidFill>
-                  <a:schemeClr val="accent5">
-                    <a:lumMod val="75000"/>
-                  </a:schemeClr>
-                </a:solidFill>
-              </a:rPr>
-              <a:t>https://www.linkedin.com/in/charmy-makwana-12014326b</a:t>
-            </a:r>
-          </a:p>
-        </p:txBody>
-      </p:sp>
-      <p:sp>
-        <p:nvSpPr>
-          <p:cNvPr id="13" name="TextBox 12">
-            <a:extLst>
-              <a:ext uri="{FF2B5EF4-FFF2-40B4-BE49-F238E27FC236}">
-                <a16:creationId xmlns:a16="http://schemas.microsoft.com/office/drawing/2014/main" id="{B0E45123-8EF7-3F5A-00D3-50103F274EA9}"/>
-              </a:ext>
-            </a:extLst>
-          </p:cNvPr>
-          <p:cNvSpPr txBox="1"/>
-          <p:nvPr/>
-        </p:nvSpPr>
-        <p:spPr>
-          <a:xfrm>
-            <a:off x="1430368" y="5229449"/>
-            <a:ext cx="2250196" cy="577081"/>
-          </a:xfrm>
-          <a:prstGeom prst="rect">
-            <a:avLst/>
-          </a:prstGeom>
-          <a:noFill/>
-        </p:spPr>
-        <p:txBody>
-          <a:bodyPr wrap="square" rtlCol="0">
-            <a:spAutoFit/>
-          </a:bodyPr>
-          <a:lstStyle/>
-          <a:p>
-            <a:r>
-              <a:rPr lang="en-IN" sz="1050" b="1" dirty="0">
-                <a:solidFill>
-                  <a:schemeClr val="accent5">
-                    <a:lumMod val="75000"/>
-                  </a:schemeClr>
+                  <a:schemeClr val="accent5"/>
                 </a:solidFill>
                 <a:hlinkClick r:id="rId10">
                   <a:extLst>
@@ -8155,22 +11810,18 @@
                   </a:extLst>
                 </a:hlinkClick>
               </a:rPr>
-              <a:t>https://www.linkedin.com/in/niti-patel-42a288167</a:t>
+              <a:t>https://github.com/niti2099</a:t>
             </a:r>
-            <a:endParaRPr lang="en-IN" sz="1050" b="1" dirty="0">
+            <a:endParaRPr lang="en-IN" sz="1400" b="1" u="sng" dirty="0">
               <a:solidFill>
-                <a:schemeClr val="accent5">
-                  <a:lumMod val="75000"/>
-                </a:schemeClr>
+                <a:schemeClr val="accent5"/>
               </a:solidFill>
             </a:endParaRPr>
           </a:p>
           <a:p>
-            <a:endParaRPr lang="en-IN" sz="1050" b="1" dirty="0">
+            <a:endParaRPr lang="en-IN" sz="1400" b="1" u="sng" dirty="0">
               <a:solidFill>
-                <a:schemeClr val="accent5">
-                  <a:lumMod val="75000"/>
-                </a:schemeClr>
+                <a:schemeClr val="accent5"/>
               </a:solidFill>
             </a:endParaRPr>
           </a:p>
@@ -8400,7 +12051,7 @@
                   </a:schemeClr>
                 </a:solidFill>
               </a:rPr>
-              <a:t>Project Analysis</a:t>
+              <a:t>Project Cycle</a:t>
             </a:r>
             <a:br>
               <a:rPr lang="en-US" sz="2800" dirty="0">
@@ -14286,7 +17937,7 @@
         <p:spPr>
           <a:xfrm>
             <a:off x="228600" y="190500"/>
-            <a:ext cx="11734800" cy="775597"/>
+            <a:ext cx="11734800" cy="1551194"/>
           </a:xfrm>
           <a:prstGeom prst="rect">
             <a:avLst/>
@@ -14318,34 +17969,23 @@
           <a:p>
             <a:pPr algn="ctr"/>
             <a:r>
-              <a:rPr lang="en-US" sz="2800" b="1" dirty="0">
-                <a:solidFill>
-                  <a:schemeClr val="tx1">
-                    <a:lumMod val="75000"/>
-                    <a:lumOff val="25000"/>
-                  </a:schemeClr>
-                </a:solidFill>
-              </a:rPr>
-              <a:t>Project Analysis</a:t>
+              <a:rPr lang="en-US" sz="2800" b="1" dirty="0"/>
+              <a:t>Project </a:t>
             </a:r>
+          </a:p>
+          <a:p>
+            <a:pPr algn="ctr"/>
+            <a:r>
+              <a:rPr lang="en-US" sz="2800" b="1" dirty="0"/>
+              <a:t>Background/Motivation</a:t>
+            </a:r>
+          </a:p>
+          <a:p>
+            <a:pPr algn="ctr"/>
             <a:br>
-              <a:rPr lang="en-US" sz="2800" dirty="0">
-                <a:solidFill>
-                  <a:schemeClr val="tx1">
-                    <a:lumMod val="75000"/>
-                    <a:lumOff val="25000"/>
-                  </a:schemeClr>
-                </a:solidFill>
-              </a:rPr>
+              <a:rPr lang="en-US" sz="2800" dirty="0"/>
             </a:br>
-            <a:endParaRPr lang="en-US" sz="2800" dirty="0">
-              <a:solidFill>
-                <a:schemeClr val="tx1">
-                  <a:lumMod val="75000"/>
-                  <a:lumOff val="25000"/>
-                </a:schemeClr>
-              </a:solidFill>
-            </a:endParaRPr>
+            <a:endParaRPr lang="en-US" sz="2800" dirty="0"/>
           </a:p>
         </p:txBody>
       </p:sp>
@@ -14415,8 +18055,8 @@
         </p:nvSpPr>
         <p:spPr>
           <a:xfrm rot="5400000">
-            <a:off x="4770205" y="-2318752"/>
-            <a:ext cx="2902970" cy="10595729"/>
+            <a:off x="3607249" y="-1974990"/>
+            <a:ext cx="4977502" cy="10972801"/>
           </a:xfrm>
           <a:prstGeom prst="trapezoid">
             <a:avLst/>
@@ -14457,10 +18097,10 @@
       </p:sp>
       <p:sp>
         <p:nvSpPr>
-          <p:cNvPr id="4" name="Rectangle 3">
+          <p:cNvPr id="51" name="Rectangle 50">
             <a:extLst>
               <a:ext uri="{FF2B5EF4-FFF2-40B4-BE49-F238E27FC236}">
-                <a16:creationId xmlns:a16="http://schemas.microsoft.com/office/drawing/2014/main" id="{3F19BFA5-D0CA-4CF0-8499-504D956B6563}"/>
+                <a16:creationId xmlns:a16="http://schemas.microsoft.com/office/drawing/2014/main" id="{8AA18108-5B8B-4147-84A7-D30A16BEC4EA}"/>
               </a:ext>
             </a:extLst>
           </p:cNvPr>
@@ -14469,58 +18109,8 @@
         </p:nvSpPr>
         <p:spPr>
           <a:xfrm>
-            <a:off x="1076604" y="2886560"/>
-            <a:ext cx="1371600" cy="492443"/>
-          </a:xfrm>
-          <a:prstGeom prst="rect">
-            <a:avLst/>
-          </a:prstGeom>
-        </p:spPr>
-        <p:txBody>
-          <a:bodyPr wrap="square" lIns="0" tIns="0" rIns="0" bIns="0">
-            <a:spAutoFit/>
-          </a:bodyPr>
-          <a:lstStyle/>
-          <a:p>
-            <a:pPr algn="ctr"/>
-            <a:r>
-              <a:rPr lang="en-US" sz="1600" b="1" dirty="0">
-                <a:solidFill>
-                  <a:schemeClr val="bg1"/>
-                </a:solidFill>
-              </a:rPr>
-              <a:t>Background/</a:t>
-            </a:r>
-          </a:p>
-          <a:p>
-            <a:pPr algn="ctr"/>
-            <a:r>
-              <a:rPr lang="en-US" sz="1600" b="1" dirty="0">
-                <a:solidFill>
-                  <a:schemeClr val="bg1"/>
-                </a:solidFill>
-              </a:rPr>
-              <a:t>Motivation</a:t>
-            </a:r>
-          </a:p>
-        </p:txBody>
-      </p:sp>
-      <p:sp>
-        <p:nvSpPr>
-          <p:cNvPr id="51" name="Rectangle 50">
-            <a:extLst>
-              <a:ext uri="{FF2B5EF4-FFF2-40B4-BE49-F238E27FC236}">
-                <a16:creationId xmlns:a16="http://schemas.microsoft.com/office/drawing/2014/main" id="{8AA18108-5B8B-4147-84A7-D30A16BEC4EA}"/>
-              </a:ext>
-            </a:extLst>
-          </p:cNvPr>
-          <p:cNvSpPr/>
-          <p:nvPr/>
-        </p:nvSpPr>
-        <p:spPr>
-          <a:xfrm>
-            <a:off x="2559642" y="2290114"/>
-            <a:ext cx="8258576" cy="1765035"/>
+            <a:off x="2636909" y="2415627"/>
+            <a:ext cx="8258576" cy="2562946"/>
           </a:xfrm>
           <a:prstGeom prst="rect">
             <a:avLst/>
@@ -14532,13 +18122,15 @@
           </a:bodyPr>
           <a:lstStyle/>
           <a:p>
-            <a:pPr algn="just">
+            <a:pPr marL="285750" indent="-285750" algn="just">
               <a:lnSpc>
                 <a:spcPct val="107000"/>
               </a:lnSpc>
               <a:spcAft>
                 <a:spcPts val="800"/>
               </a:spcAft>
+              <a:buFont typeface="Wingdings" panose="05000000000000000000" pitchFamily="2" charset="2"/>
+              <a:buChar char="§"/>
             </a:pPr>
             <a:r>
               <a:rPr lang="en-US" sz="1800" dirty="0">
@@ -14550,7 +18142,31 @@
                 <a:ea typeface="Calibri" panose="020F0502020204030204" pitchFamily="34" charset="0"/>
                 <a:cs typeface="Shruti" panose="020B0502040204020203" pitchFamily="34" charset="0"/>
               </a:rPr>
-              <a:t>Life as we know it has been turned upside down due to the unprecedented circumstances brought on by covid-19.  In 2020</a:t>
+              <a:t>Life as we know it has been turned upside down due to the unprecedented circumstances brought on by covid-19. </a:t>
+            </a:r>
+          </a:p>
+          <a:p>
+            <a:pPr marL="285750" indent="-285750" algn="just">
+              <a:lnSpc>
+                <a:spcPct val="107000"/>
+              </a:lnSpc>
+              <a:spcAft>
+                <a:spcPts val="800"/>
+              </a:spcAft>
+              <a:buFont typeface="Wingdings" panose="05000000000000000000" pitchFamily="2" charset="2"/>
+              <a:buChar char="§"/>
+            </a:pPr>
+            <a:r>
+              <a:rPr lang="en-US" sz="1800" dirty="0">
+                <a:solidFill>
+                  <a:schemeClr val="bg1"/>
+                </a:solidFill>
+                <a:effectLst/>
+                <a:latin typeface="Calibri" panose="020F0502020204030204" pitchFamily="34" charset="0"/>
+                <a:ea typeface="Calibri" panose="020F0502020204030204" pitchFamily="34" charset="0"/>
+                <a:cs typeface="Shruti" panose="020B0502040204020203" pitchFamily="34" charset="0"/>
+              </a:rPr>
+              <a:t>As per </a:t>
             </a:r>
             <a:r>
               <a:rPr lang="en-US" sz="1800" b="1" dirty="0">
@@ -14562,10 +18178,10 @@
                 <a:ea typeface="Calibri" panose="020F0502020204030204" pitchFamily="34" charset="0"/>
                 <a:cs typeface="Shruti" panose="020B0502040204020203" pitchFamily="34" charset="0"/>
               </a:rPr>
-              <a:t>, The United States of America’s Gross Domestic Product (GDP) decreased by </a:t>
+              <a:t>The United States of America’s Gross Domestic Product (GDP), the US’s GDP </a:t>
             </a:r>
             <a:r>
-              <a:rPr lang="en-IN" sz="1800" b="1" dirty="0">
+              <a:rPr lang="en-US" sz="1800" b="1" u="sng" dirty="0">
                 <a:solidFill>
                   <a:schemeClr val="bg1"/>
                 </a:solidFill>
@@ -14574,7 +18190,43 @@
                 <a:ea typeface="Calibri" panose="020F0502020204030204" pitchFamily="34" charset="0"/>
                 <a:cs typeface="Shruti" panose="020B0502040204020203" pitchFamily="34" charset="0"/>
               </a:rPr>
-              <a:t>2.76 </a:t>
+              <a:t>decreased by </a:t>
+            </a:r>
+            <a:r>
+              <a:rPr lang="en-IN" sz="1800" b="1" u="sng" dirty="0">
+                <a:solidFill>
+                  <a:schemeClr val="bg1"/>
+                </a:solidFill>
+                <a:effectLst/>
+                <a:latin typeface="Calibri" panose="020F0502020204030204" pitchFamily="34" charset="0"/>
+                <a:ea typeface="Calibri" panose="020F0502020204030204" pitchFamily="34" charset="0"/>
+                <a:cs typeface="Shruti" panose="020B0502040204020203" pitchFamily="34" charset="0"/>
+              </a:rPr>
+              <a:t>3.5 </a:t>
+            </a:r>
+            <a:r>
+              <a:rPr lang="en-US" sz="1800" b="1" u="sng" dirty="0">
+                <a:solidFill>
+                  <a:schemeClr val="bg1"/>
+                </a:solidFill>
+                <a:effectLst/>
+                <a:latin typeface="Calibri" panose="020F0502020204030204" pitchFamily="34" charset="0"/>
+                <a:ea typeface="Calibri" panose="020F0502020204030204" pitchFamily="34" charset="0"/>
+                <a:cs typeface="Shruti" panose="020B0502040204020203" pitchFamily="34" charset="0"/>
+              </a:rPr>
+              <a:t>percent, </a:t>
+            </a:r>
+            <a:r>
+              <a:rPr lang="en-US" sz="1800" dirty="0">
+                <a:solidFill>
+                  <a:schemeClr val="bg1"/>
+                </a:solidFill>
+                <a:effectLst/>
+                <a:latin typeface="Calibri" panose="020F0502020204030204" pitchFamily="34" charset="0"/>
+                <a:ea typeface="Calibri" panose="020F0502020204030204" pitchFamily="34" charset="0"/>
+                <a:cs typeface="Shruti" panose="020B0502040204020203" pitchFamily="34" charset="0"/>
+              </a:rPr>
+              <a:t>In 2020</a:t>
             </a:r>
             <a:r>
               <a:rPr lang="en-US" sz="1800" b="1" dirty="0">
@@ -14586,7 +18238,7 @@
                 <a:ea typeface="Calibri" panose="020F0502020204030204" pitchFamily="34" charset="0"/>
                 <a:cs typeface="Shruti" panose="020B0502040204020203" pitchFamily="34" charset="0"/>
               </a:rPr>
-              <a:t>percent</a:t>
+              <a:t>,</a:t>
             </a:r>
             <a:r>
               <a:rPr lang="en-US" sz="1800" dirty="0">
@@ -14598,7 +18250,18 @@
                 <a:ea typeface="Calibri" panose="020F0502020204030204" pitchFamily="34" charset="0"/>
                 <a:cs typeface="Shruti" panose="020B0502040204020203" pitchFamily="34" charset="0"/>
               </a:rPr>
-              <a:t>, while the forecast initially was </a:t>
+              <a:t> while the forecast initially was </a:t>
+            </a:r>
+            <a:r>
+              <a:rPr lang="en-US" b="1" dirty="0">
+                <a:solidFill>
+                  <a:schemeClr val="bg1"/>
+                </a:solidFill>
+                <a:latin typeface="Calibri" panose="020F0502020204030204" pitchFamily="34" charset="0"/>
+                <a:ea typeface="Calibri" panose="020F0502020204030204" pitchFamily="34" charset="0"/>
+                <a:cs typeface="Shruti" panose="020B0502040204020203" pitchFamily="34" charset="0"/>
+              </a:rPr>
+              <a:t>2</a:t>
             </a:r>
             <a:r>
               <a:rPr lang="en-US" sz="1800" b="1" dirty="0">
@@ -14610,7 +18273,7 @@
                 <a:ea typeface="Calibri" panose="020F0502020204030204" pitchFamily="34" charset="0"/>
                 <a:cs typeface="Shruti" panose="020B0502040204020203" pitchFamily="34" charset="0"/>
               </a:rPr>
-              <a:t>1 </a:t>
+              <a:t> </a:t>
             </a:r>
             <a:r>
               <a:rPr lang="en-US" sz="1800" dirty="0">
@@ -14622,7 +18285,43 @@
                 <a:ea typeface="Calibri" panose="020F0502020204030204" pitchFamily="34" charset="0"/>
                 <a:cs typeface="Shruti" panose="020B0502040204020203" pitchFamily="34" charset="0"/>
               </a:rPr>
-              <a:t>percent GDP growth. Many businesses and industries across the world have been severely affected and the need for sustainable measures to help these industries to not just survive but thrive is greater than ever.</a:t>
+              <a:t>percent GDP growth.</a:t>
+            </a:r>
+            <a:r>
+              <a:rPr lang="en-US" sz="1800" b="1" dirty="0">
+                <a:solidFill>
+                  <a:schemeClr val="bg1"/>
+                </a:solidFill>
+                <a:effectLst/>
+                <a:latin typeface="Calibri" panose="020F0502020204030204" pitchFamily="34" charset="0"/>
+                <a:ea typeface="Calibri" panose="020F0502020204030204" pitchFamily="34" charset="0"/>
+                <a:cs typeface="Shruti" panose="020B0502040204020203" pitchFamily="34" charset="0"/>
+              </a:rPr>
+              <a:t> [1]</a:t>
+            </a:r>
+          </a:p>
+          <a:p>
+            <a:pPr marL="285750" indent="-285750" algn="just">
+              <a:lnSpc>
+                <a:spcPct val="107000"/>
+              </a:lnSpc>
+              <a:spcAft>
+                <a:spcPts val="800"/>
+              </a:spcAft>
+              <a:buFont typeface="Wingdings" panose="05000000000000000000" pitchFamily="2" charset="2"/>
+              <a:buChar char="§"/>
+            </a:pPr>
+            <a:r>
+              <a:rPr lang="en-US" sz="1800" dirty="0">
+                <a:solidFill>
+                  <a:schemeClr val="bg1"/>
+                </a:solidFill>
+                <a:effectLst/>
+                <a:latin typeface="Calibri" panose="020F0502020204030204" pitchFamily="34" charset="0"/>
+                <a:ea typeface="Calibri" panose="020F0502020204030204" pitchFamily="34" charset="0"/>
+                <a:cs typeface="Shruti" panose="020B0502040204020203" pitchFamily="34" charset="0"/>
+              </a:rPr>
+              <a:t> Many businesses and industries across the world have been severely affected and the need for sustainable measures to help these industries to not just survive but thrive is greater than ever.</a:t>
             </a:r>
             <a:endParaRPr lang="en-IN" sz="1800" dirty="0">
               <a:solidFill>
@@ -14650,8 +18349,8 @@
         </p:nvGrpSpPr>
         <p:grpSpPr>
           <a:xfrm>
-            <a:off x="1574352" y="2415627"/>
-            <a:ext cx="378221" cy="380335"/>
+            <a:off x="1382058" y="3023477"/>
+            <a:ext cx="873852" cy="811045"/>
             <a:chOff x="3171788" y="779462"/>
             <a:chExt cx="284163" cy="285751"/>
           </a:xfrm>
@@ -15314,7 +19013,7 @@
             </a:bodyPr>
             <a:lstStyle/>
             <a:p>
-              <a:endParaRPr lang="en-US" dirty="0">
+              <a:endParaRPr lang="en-US" sz="2400" dirty="0">
                 <a:solidFill>
                   <a:schemeClr val="bg1"/>
                 </a:solidFill>
@@ -16372,7 +20071,7 @@
             </a:bodyPr>
             <a:lstStyle/>
             <a:p>
-              <a:endParaRPr lang="en-US" dirty="0">
+              <a:endParaRPr lang="en-US" sz="2400" dirty="0">
                 <a:solidFill>
                   <a:schemeClr val="bg1"/>
                 </a:solidFill>
@@ -16639,8 +20338,8 @@
         </p:nvSpPr>
         <p:spPr>
           <a:xfrm rot="5400000">
-            <a:off x="4321248" y="-1907484"/>
-            <a:ext cx="3346032" cy="10335133"/>
+            <a:off x="4326403" y="-1907486"/>
+            <a:ext cx="3539194" cy="10335133"/>
           </a:xfrm>
           <a:prstGeom prst="trapezoid">
             <a:avLst/>
@@ -16693,8 +20392,8 @@
         </p:nvSpPr>
         <p:spPr>
           <a:xfrm>
-            <a:off x="1313996" y="3013860"/>
-            <a:ext cx="1371600" cy="492443"/>
+            <a:off x="1291140" y="3325133"/>
+            <a:ext cx="1371600" cy="553998"/>
           </a:xfrm>
           <a:prstGeom prst="rect">
             <a:avLst/>
@@ -16708,11 +20407,7 @@
           <a:p>
             <a:pPr algn="ctr"/>
             <a:r>
-              <a:rPr lang="en-US" sz="1600" b="1" dirty="0">
-                <a:solidFill>
-                  <a:schemeClr val="bg1"/>
-                </a:solidFill>
-              </a:rPr>
+              <a:rPr lang="en-US" b="1" dirty="0"/>
               <a:t>Problem Statement</a:t>
             </a:r>
           </a:p>
@@ -16733,7 +20428,7 @@
         <p:spPr>
           <a:xfrm>
             <a:off x="2990562" y="2694808"/>
-            <a:ext cx="7542546" cy="875945"/>
+            <a:ext cx="7542546" cy="1302664"/>
           </a:xfrm>
           <a:prstGeom prst="rect">
             <a:avLst/>
@@ -16754,21 +20449,15 @@
               </a:spcAft>
             </a:pPr>
             <a:r>
-              <a:rPr lang="en-US" sz="1800" dirty="0">
-                <a:solidFill>
-                  <a:schemeClr val="bg1"/>
-                </a:solidFill>
+              <a:rPr lang="en-US" sz="2000" dirty="0">
                 <a:effectLst/>
                 <a:latin typeface="Calibri" panose="020F0502020204030204" pitchFamily="34" charset="0"/>
                 <a:ea typeface="Calibri" panose="020F0502020204030204" pitchFamily="34" charset="0"/>
                 <a:cs typeface="Shruti" panose="020B0502040204020203" pitchFamily="34" charset="0"/>
               </a:rPr>
-              <a:t>We can provide governments, businesses, and organizations with practical insight on how to protect their economies and workforce in times of crisis, giving them the confidence and preparedness to brave any adversity thrown their way.</a:t>
+              <a:t>We will try to provide governments, businesses, and organizations with insight on how to protect their economies and workforce in times of crisis, giving them the confidence and preparedness to brave any adversity thrown their way.</a:t>
             </a:r>
-            <a:endParaRPr lang="en-IN" sz="1800" dirty="0">
-              <a:solidFill>
-                <a:schemeClr val="bg1"/>
-              </a:solidFill>
+            <a:endParaRPr lang="en-IN" sz="2000" dirty="0">
               <a:effectLst/>
               <a:latin typeface="Calibri" panose="020F0502020204030204" pitchFamily="34" charset="0"/>
               <a:ea typeface="Calibri" panose="020F0502020204030204" pitchFamily="34" charset="0"/>
@@ -16793,8 +20482,8 @@
         </p:nvSpPr>
         <p:spPr bwMode="auto">
           <a:xfrm>
-            <a:off x="1812798" y="2507810"/>
-            <a:ext cx="373996" cy="373996"/>
+            <a:off x="1665989" y="2767637"/>
+            <a:ext cx="540109" cy="492443"/>
           </a:xfrm>
           <a:custGeom>
             <a:avLst/>
@@ -17447,7 +21136,7 @@
             </a:pathLst>
           </a:custGeom>
           <a:solidFill>
-            <a:schemeClr val="bg1"/>
+            <a:schemeClr val="tx1"/>
           </a:solidFill>
           <a:ln>
             <a:noFill/>
@@ -17723,8 +21412,8 @@
         </p:nvSpPr>
         <p:spPr>
           <a:xfrm rot="5400000">
-            <a:off x="4774919" y="-2323465"/>
-            <a:ext cx="2799275" cy="10501461"/>
+            <a:off x="3845342" y="-2114639"/>
+            <a:ext cx="4501317" cy="10662790"/>
           </a:xfrm>
           <a:prstGeom prst="trapezoid">
             <a:avLst/>
@@ -17777,8 +21466,8 @@
         </p:nvSpPr>
         <p:spPr>
           <a:xfrm>
-            <a:off x="1066585" y="2927266"/>
-            <a:ext cx="1371600" cy="246221"/>
+            <a:off x="976565" y="3290457"/>
+            <a:ext cx="1493057" cy="307777"/>
           </a:xfrm>
           <a:prstGeom prst="rect">
             <a:avLst/>
@@ -17792,13 +21481,18 @@
           <a:p>
             <a:pPr algn="ctr"/>
             <a:r>
-              <a:rPr lang="en-US" sz="1600" b="1" dirty="0">
+              <a:rPr lang="en-US" sz="2000" b="1" dirty="0">
                 <a:solidFill>
                   <a:schemeClr val="bg1"/>
                 </a:solidFill>
               </a:rPr>
               <a:t>Proposal</a:t>
             </a:r>
+            <a:endParaRPr lang="en-US" sz="1600" b="1" dirty="0">
+              <a:solidFill>
+                <a:schemeClr val="bg1"/>
+              </a:solidFill>
+            </a:endParaRPr>
           </a:p>
         </p:txBody>
       </p:sp>
@@ -17817,7 +21511,7 @@
         <p:spPr>
           <a:xfrm>
             <a:off x="2559642" y="2290114"/>
-            <a:ext cx="8258576" cy="1172309"/>
+            <a:ext cx="8258576" cy="1734577"/>
           </a:xfrm>
           <a:prstGeom prst="rect">
             <a:avLst/>
@@ -17829,16 +21523,18 @@
           </a:bodyPr>
           <a:lstStyle/>
           <a:p>
-            <a:pPr algn="just">
+            <a:pPr marL="285750" indent="-285750" algn="just">
               <a:lnSpc>
                 <a:spcPct val="107000"/>
               </a:lnSpc>
               <a:spcAft>
                 <a:spcPts val="800"/>
               </a:spcAft>
+              <a:buFont typeface="Wingdings" panose="05000000000000000000" pitchFamily="2" charset="2"/>
+              <a:buChar char="§"/>
             </a:pPr>
             <a:r>
-              <a:rPr lang="en-US" sz="1800" dirty="0">
+              <a:rPr lang="en-US" sz="2000" dirty="0">
                 <a:solidFill>
                   <a:schemeClr val="bg1"/>
                 </a:solidFill>
@@ -17847,9 +21543,33 @@
                 <a:ea typeface="Calibri" panose="020F0502020204030204" pitchFamily="34" charset="0"/>
                 <a:cs typeface="Shruti" panose="020B0502040204020203" pitchFamily="34" charset="0"/>
               </a:rPr>
-              <a:t>Our plan is to conduct an in-depth analysis of data sources and uncover the correlation between vaccine availability, unemployment levels, and GDP growth. Through this analytics report, we will be able to pinpoint the causes of economic instability and create measures to prevent similar recurrences in future.</a:t>
+              <a:t>Our plan is to conduct an in-depth analysis of data sources and uncover the correlation between vaccine availability, unemployment levels, and GDP growth. </a:t>
             </a:r>
-            <a:endParaRPr lang="en-IN" sz="1800" dirty="0">
+          </a:p>
+          <a:p>
+            <a:pPr marL="285750" indent="-285750" algn="just">
+              <a:lnSpc>
+                <a:spcPct val="107000"/>
+              </a:lnSpc>
+              <a:spcAft>
+                <a:spcPts val="800"/>
+              </a:spcAft>
+              <a:buFont typeface="Wingdings" panose="05000000000000000000" pitchFamily="2" charset="2"/>
+              <a:buChar char="§"/>
+            </a:pPr>
+            <a:r>
+              <a:rPr lang="en-US" sz="2000" dirty="0">
+                <a:solidFill>
+                  <a:schemeClr val="bg1"/>
+                </a:solidFill>
+                <a:effectLst/>
+                <a:latin typeface="Calibri" panose="020F0502020204030204" pitchFamily="34" charset="0"/>
+                <a:ea typeface="Calibri" panose="020F0502020204030204" pitchFamily="34" charset="0"/>
+                <a:cs typeface="Shruti" panose="020B0502040204020203" pitchFamily="34" charset="0"/>
+              </a:rPr>
+              <a:t>Through this analytics report, we will be able to pinpoint the fact that vaccination did help to recover from the economic instability. </a:t>
+            </a:r>
+            <a:endParaRPr lang="en-IN" sz="2000" dirty="0">
               <a:solidFill>
                 <a:schemeClr val="bg1"/>
               </a:solidFill>
@@ -17892,8 +21612,8 @@
         </p:blipFill>
         <p:spPr>
           <a:xfrm>
-            <a:off x="1305204" y="2095270"/>
-            <a:ext cx="914400" cy="914400"/>
+            <a:off x="1156602" y="2296019"/>
+            <a:ext cx="1132981" cy="1132981"/>
           </a:xfrm>
           <a:prstGeom prst="rect">
             <a:avLst/>
@@ -19421,10 +23141,67 @@
       </p:grpSpPr>
       <p:sp>
         <p:nvSpPr>
-          <p:cNvPr id="9" name="Title 8" hidden="1">
+          <p:cNvPr id="2" name="Trapezoid 1">
             <a:extLst>
               <a:ext uri="{FF2B5EF4-FFF2-40B4-BE49-F238E27FC236}">
-                <a16:creationId xmlns:a16="http://schemas.microsoft.com/office/drawing/2014/main" id="{9FDB6406-0CDB-4213-A1B6-DE47D953FED3}"/>
+                <a16:creationId xmlns:a16="http://schemas.microsoft.com/office/drawing/2014/main" id="{C5813194-EB43-6113-5F57-6AC436659C91}"/>
+              </a:ext>
+              <a:ext uri="{C183D7F6-B498-43B3-948B-1728B52AA6E4}">
+                <adec:decorative xmlns:adec="http://schemas.microsoft.com/office/drawing/2017/decorative" val="1"/>
+              </a:ext>
+            </a:extLst>
+          </p:cNvPr>
+          <p:cNvSpPr/>
+          <p:nvPr/>
+        </p:nvSpPr>
+        <p:spPr>
+          <a:xfrm rot="5400000">
+            <a:off x="4192096" y="-1863838"/>
+            <a:ext cx="3807808" cy="10515601"/>
+          </a:xfrm>
+          <a:prstGeom prst="trapezoid">
+            <a:avLst/>
+          </a:prstGeom>
+          <a:solidFill>
+            <a:schemeClr val="accent4">
+              <a:lumMod val="75000"/>
+            </a:schemeClr>
+          </a:solidFill>
+          <a:ln>
+            <a:noFill/>
+          </a:ln>
+        </p:spPr>
+        <p:style>
+          <a:lnRef idx="2">
+            <a:schemeClr val="accent1">
+              <a:shade val="50000"/>
+            </a:schemeClr>
+          </a:lnRef>
+          <a:fillRef idx="1">
+            <a:schemeClr val="accent1"/>
+          </a:fillRef>
+          <a:effectRef idx="0">
+            <a:schemeClr val="accent1"/>
+          </a:effectRef>
+          <a:fontRef idx="minor">
+            <a:schemeClr val="lt1"/>
+          </a:fontRef>
+        </p:style>
+        <p:txBody>
+          <a:bodyPr rtlCol="0" anchor="ctr"/>
+          <a:lstStyle/>
+          <a:p>
+            <a:pPr algn="ctr"/>
+            <a:endParaRPr lang="en-US" dirty="0"/>
+          </a:p>
+        </p:txBody>
+      </p:sp>
+      <p:sp>
+        <p:nvSpPr>
+          <p:cNvPr id="3" name="Content Placeholder 2">
+            <a:extLst>
+              <a:ext uri="{FF2B5EF4-FFF2-40B4-BE49-F238E27FC236}">
+                <a16:creationId xmlns:a16="http://schemas.microsoft.com/office/drawing/2014/main" id="{97DD5249-A4E6-85EB-343A-D7C7064F4DE6}"/>
               </a:ext>
             </a:extLst>
           </p:cNvPr>
@@ -19432,32 +23209,177 @@
             <a:spLocks noGrp="1"/>
           </p:cNvSpPr>
           <p:nvPr>
-            <p:ph type="title" idx="4294967295"/>
+            <p:ph idx="1"/>
           </p:nvPr>
         </p:nvSpPr>
         <p:spPr>
           <a:xfrm>
-            <a:off x="0" y="365125"/>
-            <a:ext cx="10515600" cy="1325563"/>
+            <a:off x="970175" y="1983764"/>
+            <a:ext cx="10515600" cy="4351338"/>
           </a:xfrm>
         </p:spPr>
         <p:txBody>
           <a:bodyPr/>
           <a:lstStyle/>
           <a:p>
+            <a:pPr>
+              <a:lnSpc>
+                <a:spcPct val="100000"/>
+              </a:lnSpc>
+            </a:pPr>
             <a:r>
-              <a:rPr lang="en-US" dirty="0"/>
-              <a:t>Project analysis slide 3</a:t>
+              <a:rPr lang="en-US" sz="2400" b="1" dirty="0">
+                <a:latin typeface="Calibri" panose="020F0502020204030204" pitchFamily="34" charset="0"/>
+                <a:ea typeface="Calibri" panose="020F0502020204030204" pitchFamily="34" charset="0"/>
+                <a:cs typeface="Calibri" panose="020F0502020204030204" pitchFamily="34" charset="0"/>
+              </a:rPr>
+              <a:t>Missing Values	</a:t>
+            </a:r>
+          </a:p>
+          <a:p>
+            <a:pPr lvl="1">
+              <a:lnSpc>
+                <a:spcPct val="100000"/>
+              </a:lnSpc>
+            </a:pPr>
+            <a:r>
+              <a:rPr lang="en-US" sz="1400" dirty="0">
+                <a:latin typeface="Calibri" panose="020F0502020204030204" pitchFamily="34" charset="0"/>
+                <a:ea typeface="Calibri" panose="020F0502020204030204" pitchFamily="34" charset="0"/>
+                <a:cs typeface="Calibri" panose="020F0502020204030204" pitchFamily="34" charset="0"/>
+              </a:rPr>
+              <a:t>In data exploration, there was 67 column which among which only 2 column was needed.</a:t>
+            </a:r>
+          </a:p>
+          <a:p>
+            <a:pPr lvl="1">
+              <a:lnSpc>
+                <a:spcPct val="100000"/>
+              </a:lnSpc>
+            </a:pPr>
+            <a:r>
+              <a:rPr lang="en-US" sz="1400" dirty="0">
+                <a:latin typeface="Calibri" panose="020F0502020204030204" pitchFamily="34" charset="0"/>
+                <a:ea typeface="Calibri" panose="020F0502020204030204" pitchFamily="34" charset="0"/>
+                <a:cs typeface="Calibri" panose="020F0502020204030204" pitchFamily="34" charset="0"/>
+              </a:rPr>
+              <a:t>We also observed that many new vaccination were introduced over the period the name was unnecessary </a:t>
+            </a:r>
+          </a:p>
+          <a:p>
+            <a:pPr lvl="1">
+              <a:lnSpc>
+                <a:spcPct val="100000"/>
+              </a:lnSpc>
+            </a:pPr>
+            <a:r>
+              <a:rPr lang="en-US" sz="1400" dirty="0">
+                <a:latin typeface="Calibri" panose="020F0502020204030204" pitchFamily="34" charset="0"/>
+                <a:ea typeface="Calibri" panose="020F0502020204030204" pitchFamily="34" charset="0"/>
+                <a:cs typeface="Calibri" panose="020F0502020204030204" pitchFamily="34" charset="0"/>
+              </a:rPr>
+              <a:t>All vaccination has value but as we needed the total so dropped all other columns</a:t>
+            </a:r>
+          </a:p>
+          <a:p>
+            <a:pPr lvl="1">
+              <a:lnSpc>
+                <a:spcPct val="100000"/>
+              </a:lnSpc>
+            </a:pPr>
+            <a:endParaRPr lang="en-US" sz="1400" dirty="0">
+              <a:latin typeface="Calibri" panose="020F0502020204030204" pitchFamily="34" charset="0"/>
+              <a:ea typeface="Calibri" panose="020F0502020204030204" pitchFamily="34" charset="0"/>
+              <a:cs typeface="Calibri" panose="020F0502020204030204" pitchFamily="34" charset="0"/>
+            </a:endParaRPr>
+          </a:p>
+          <a:p>
+            <a:pPr>
+              <a:lnSpc>
+                <a:spcPct val="100000"/>
+              </a:lnSpc>
+            </a:pPr>
+            <a:r>
+              <a:rPr lang="en-IN" sz="2400" b="1" dirty="0">
+                <a:latin typeface="Calibri" panose="020F0502020204030204" pitchFamily="34" charset="0"/>
+                <a:ea typeface="Calibri" panose="020F0502020204030204" pitchFamily="34" charset="0"/>
+                <a:cs typeface="Calibri" panose="020F0502020204030204" pitchFamily="34" charset="0"/>
+              </a:rPr>
+              <a:t>Invalid values</a:t>
+            </a:r>
+          </a:p>
+          <a:p>
+            <a:pPr lvl="1">
+              <a:lnSpc>
+                <a:spcPct val="100000"/>
+              </a:lnSpc>
+            </a:pPr>
+            <a:r>
+              <a:rPr lang="en-IN" sz="1400" dirty="0">
+                <a:latin typeface="Calibri" panose="020F0502020204030204" pitchFamily="34" charset="0"/>
+                <a:ea typeface="Calibri" panose="020F0502020204030204" pitchFamily="34" charset="0"/>
+                <a:cs typeface="Calibri" panose="020F0502020204030204" pitchFamily="34" charset="0"/>
+              </a:rPr>
+              <a:t>We observed that all 67 columns in vaccination dataset had counts but before introduction it was empty contenting zero (“0”) or no value </a:t>
             </a:r>
           </a:p>
         </p:txBody>
       </p:sp>
       <p:cxnSp>
         <p:nvCxnSpPr>
-          <p:cNvPr id="8" name="Straight Connector 7">
+          <p:cNvPr id="4" name="Straight Connector 3">
             <a:extLst>
               <a:ext uri="{FF2B5EF4-FFF2-40B4-BE49-F238E27FC236}">
-                <a16:creationId xmlns:a16="http://schemas.microsoft.com/office/drawing/2014/main" id="{D0986099-F5F2-4E8B-BE17-81194861A00C}"/>
+                <a16:creationId xmlns:a16="http://schemas.microsoft.com/office/drawing/2014/main" id="{BBD7AD1E-50A7-6487-918B-56D5B00015D6}"/>
+              </a:ext>
+              <a:ext uri="{C183D7F6-B498-43B3-948B-1728B52AA6E4}">
+                <adec:decorative xmlns:adec="http://schemas.microsoft.com/office/drawing/2017/decorative" val="1"/>
+              </a:ext>
+            </a:extLst>
+          </p:cNvPr>
+          <p:cNvCxnSpPr>
+            <a:cxnSpLocks/>
+          </p:cNvCxnSpPr>
+          <p:nvPr/>
+        </p:nvCxnSpPr>
+        <p:spPr>
+          <a:xfrm>
+            <a:off x="0" y="522898"/>
+            <a:ext cx="4086225" cy="0"/>
+          </a:xfrm>
+          <a:prstGeom prst="line">
+            <a:avLst/>
+          </a:prstGeom>
+          <a:ln>
+            <a:solidFill>
+              <a:schemeClr val="accent3">
+                <a:lumMod val="50000"/>
+              </a:schemeClr>
+            </a:solidFill>
+            <a:tailEnd type="oval"/>
+          </a:ln>
+        </p:spPr>
+        <p:style>
+          <a:lnRef idx="1">
+            <a:schemeClr val="accent1"/>
+          </a:lnRef>
+          <a:fillRef idx="0">
+            <a:schemeClr val="accent1"/>
+          </a:fillRef>
+          <a:effectRef idx="0">
+            <a:schemeClr val="accent1"/>
+          </a:effectRef>
+          <a:fontRef idx="minor">
+            <a:schemeClr val="tx1"/>
+          </a:fontRef>
+        </p:style>
+      </p:cxnSp>
+      <p:cxnSp>
+        <p:nvCxnSpPr>
+          <p:cNvPr id="5" name="Straight Connector 4">
+            <a:extLst>
+              <a:ext uri="{FF2B5EF4-FFF2-40B4-BE49-F238E27FC236}">
+                <a16:creationId xmlns:a16="http://schemas.microsoft.com/office/drawing/2014/main" id="{03BD6F75-1198-AF8F-B941-15C4825C79F3}"/>
               </a:ext>
               <a:ext uri="{C183D7F6-B498-43B3-948B-1728B52AA6E4}">
                 <adec:decorative xmlns:adec="http://schemas.microsoft.com/office/drawing/2017/decorative" val="1"/>
@@ -19503,10 +23425,10 @@
       </p:cxnSp>
       <p:sp>
         <p:nvSpPr>
-          <p:cNvPr id="11" name="Title 1">
+          <p:cNvPr id="6" name="Title 1">
             <a:extLst>
               <a:ext uri="{FF2B5EF4-FFF2-40B4-BE49-F238E27FC236}">
-                <a16:creationId xmlns:a16="http://schemas.microsoft.com/office/drawing/2014/main" id="{4E3F5479-058B-4FA8-92E9-18CAB8CDC5C5}"/>
+                <a16:creationId xmlns:a16="http://schemas.microsoft.com/office/drawing/2014/main" id="{F43F2CBB-3D5A-872E-542C-C30BD25DD563}"/>
               </a:ext>
             </a:extLst>
           </p:cNvPr>
@@ -19517,7 +23439,7 @@
         </p:nvSpPr>
         <p:spPr>
           <a:xfrm>
-            <a:off x="228600" y="190500"/>
+            <a:off x="228600" y="247365"/>
             <a:ext cx="11734800" cy="775597"/>
           </a:xfrm>
           <a:prstGeom prst="rect">
@@ -19550,17 +23472,6 @@
           <a:p>
             <a:pPr algn="ctr"/>
             <a:r>
-              <a:rPr lang="en-US" sz="2800" b="1" dirty="0">
-                <a:solidFill>
-                  <a:schemeClr val="tx1">
-                    <a:lumMod val="75000"/>
-                    <a:lumOff val="25000"/>
-                  </a:schemeClr>
-                </a:solidFill>
-              </a:rPr>
-              <a:t>Analysis Question</a:t>
-            </a:r>
-            <a:br>
               <a:rPr lang="en-US" sz="2800" dirty="0">
                 <a:solidFill>
                   <a:schemeClr val="tx1">
@@ -19569,73 +23480,61 @@
                   </a:schemeClr>
                 </a:solidFill>
               </a:rPr>
-            </a:br>
-            <a:endParaRPr lang="en-US" sz="2800" dirty="0">
-              <a:solidFill>
-                <a:schemeClr val="tx1">
-                  <a:lumMod val="75000"/>
-                  <a:lumOff val="25000"/>
-                </a:schemeClr>
-              </a:solidFill>
-            </a:endParaRPr>
+              <a:t>Exploratory</a:t>
+            </a:r>
+          </a:p>
+          <a:p>
+            <a:pPr algn="ctr"/>
+            <a:r>
+              <a:rPr lang="en-US" sz="2800" dirty="0">
+                <a:solidFill>
+                  <a:schemeClr val="tx1">
+                    <a:lumMod val="75000"/>
+                    <a:lumOff val="25000"/>
+                  </a:schemeClr>
+                </a:solidFill>
+              </a:rPr>
+              <a:t>Data Analysis</a:t>
+            </a:r>
           </a:p>
         </p:txBody>
       </p:sp>
-      <p:cxnSp>
-        <p:nvCxnSpPr>
-          <p:cNvPr id="14" name="Straight Connector 13">
+    </p:spTree>
+    <p:extLst>
+      <p:ext uri="{BB962C8B-B14F-4D97-AF65-F5344CB8AC3E}">
+        <p14:creationId xmlns:p14="http://schemas.microsoft.com/office/powerpoint/2010/main" val="2065694013"/>
+      </p:ext>
+    </p:extLst>
+  </p:cSld>
+  <p:clrMapOvr>
+    <a:masterClrMapping/>
+  </p:clrMapOvr>
+</p:sld>
+</file>
+
+<file path=ppt/slides/slide9.xml><?xml version="1.0" encoding="utf-8"?>
+<p:sld xmlns:a="http://schemas.openxmlformats.org/drawingml/2006/main" xmlns:r="http://schemas.openxmlformats.org/officeDocument/2006/relationships" xmlns:p="http://schemas.openxmlformats.org/presentationml/2006/main">
+  <p:cSld>
+    <p:spTree>
+      <p:nvGrpSpPr>
+        <p:cNvPr id="1" name=""/>
+        <p:cNvGrpSpPr/>
+        <p:nvPr/>
+      </p:nvGrpSpPr>
+      <p:grpSpPr>
+        <a:xfrm>
+          <a:off x="0" y="0"/>
+          <a:ext cx="0" cy="0"/>
+          <a:chOff x="0" y="0"/>
+          <a:chExt cx="0" cy="0"/>
+        </a:xfrm>
+      </p:grpSpPr>
+      <p:sp>
+        <p:nvSpPr>
+          <p:cNvPr id="5" name="Trapezoid 4">
             <a:extLst>
               <a:ext uri="{FF2B5EF4-FFF2-40B4-BE49-F238E27FC236}">
-                <a16:creationId xmlns:a16="http://schemas.microsoft.com/office/drawing/2014/main" id="{83E690F4-843A-47A5-8620-4FB01C0D8E68}"/>
-              </a:ext>
-              <a:ext uri="{C183D7F6-B498-43B3-948B-1728B52AA6E4}">
-                <adec:decorative xmlns:adec="http://schemas.microsoft.com/office/drawing/2017/decorative" val="1"/>
-              </a:ext>
-            </a:extLst>
-          </p:cNvPr>
-          <p:cNvCxnSpPr>
-            <a:cxnSpLocks/>
-          </p:cNvCxnSpPr>
-          <p:nvPr/>
-        </p:nvCxnSpPr>
-        <p:spPr>
-          <a:xfrm>
-            <a:off x="0" y="522898"/>
-            <a:ext cx="4086225" cy="0"/>
-          </a:xfrm>
-          <a:prstGeom prst="line">
-            <a:avLst/>
-          </a:prstGeom>
-          <a:ln>
-            <a:solidFill>
-              <a:schemeClr val="accent3">
-                <a:lumMod val="50000"/>
-              </a:schemeClr>
-            </a:solidFill>
-            <a:tailEnd type="oval"/>
-          </a:ln>
-        </p:spPr>
-        <p:style>
-          <a:lnRef idx="1">
-            <a:schemeClr val="accent1"/>
-          </a:lnRef>
-          <a:fillRef idx="0">
-            <a:schemeClr val="accent1"/>
-          </a:fillRef>
-          <a:effectRef idx="0">
-            <a:schemeClr val="accent1"/>
-          </a:effectRef>
-          <a:fontRef idx="minor">
-            <a:schemeClr val="tx1"/>
-          </a:fontRef>
-        </p:style>
-      </p:cxnSp>
-      <p:sp>
-        <p:nvSpPr>
-          <p:cNvPr id="43" name="Trapezoid 42">
-            <a:extLst>
-              <a:ext uri="{FF2B5EF4-FFF2-40B4-BE49-F238E27FC236}">
-                <a16:creationId xmlns:a16="http://schemas.microsoft.com/office/drawing/2014/main" id="{0092C447-C8E1-4B12-B012-E6D21CBB1FBE}"/>
+                <a16:creationId xmlns:a16="http://schemas.microsoft.com/office/drawing/2014/main" id="{982F0B86-7123-21F2-84A0-BDEE23EC8002}"/>
               </a:ext>
               <a:ext uri="{C183D7F6-B498-43B3-948B-1728B52AA6E4}">
                 <adec:decorative xmlns:adec="http://schemas.microsoft.com/office/drawing/2017/decorative" val="1"/>
@@ -19647,14 +23546,14 @@
         </p:nvSpPr>
         <p:spPr>
           <a:xfrm rot="5400000">
-            <a:off x="4321248" y="-1934312"/>
-            <a:ext cx="3346032" cy="10335133"/>
+            <a:off x="3254377" y="-1963899"/>
+            <a:ext cx="5342314" cy="11037221"/>
           </a:xfrm>
           <a:prstGeom prst="trapezoid">
             <a:avLst/>
           </a:prstGeom>
           <a:solidFill>
-            <a:schemeClr val="accent4">
+            <a:schemeClr val="accent3">
               <a:lumMod val="75000"/>
             </a:schemeClr>
           </a:solidFill>
@@ -19687,250 +23586,12 @@
           </a:p>
         </p:txBody>
       </p:sp>
-      <p:sp>
-        <p:nvSpPr>
-          <p:cNvPr id="47" name="Rectangle 46">
-            <a:extLst>
-              <a:ext uri="{FF2B5EF4-FFF2-40B4-BE49-F238E27FC236}">
-                <a16:creationId xmlns:a16="http://schemas.microsoft.com/office/drawing/2014/main" id="{1751D31D-3535-411D-8BAC-95CCC90AB185}"/>
-              </a:ext>
-            </a:extLst>
-          </p:cNvPr>
-          <p:cNvSpPr/>
-          <p:nvPr/>
-        </p:nvSpPr>
-        <p:spPr>
-          <a:xfrm>
-            <a:off x="826697" y="3090062"/>
-            <a:ext cx="1371600" cy="246221"/>
-          </a:xfrm>
-          <a:prstGeom prst="rect">
-            <a:avLst/>
-          </a:prstGeom>
-        </p:spPr>
-        <p:txBody>
-          <a:bodyPr wrap="square" lIns="0" tIns="0" rIns="0" bIns="0">
-            <a:spAutoFit/>
-          </a:bodyPr>
-          <a:lstStyle/>
-          <a:p>
-            <a:pPr algn="ctr"/>
-            <a:r>
-              <a:rPr lang="en-US" sz="1600" b="1" dirty="0">
-                <a:solidFill>
-                  <a:schemeClr val="bg1"/>
-                </a:solidFill>
-              </a:rPr>
-              <a:t>Questions</a:t>
-            </a:r>
-          </a:p>
-        </p:txBody>
-      </p:sp>
-      <p:sp>
-        <p:nvSpPr>
-          <p:cNvPr id="2" name="Rectangle 1">
-            <a:extLst>
-              <a:ext uri="{FF2B5EF4-FFF2-40B4-BE49-F238E27FC236}">
-                <a16:creationId xmlns:a16="http://schemas.microsoft.com/office/drawing/2014/main" id="{453ADD53-E177-6488-4A7F-4EC120FA940E}"/>
-              </a:ext>
-            </a:extLst>
-          </p:cNvPr>
-          <p:cNvSpPr/>
-          <p:nvPr/>
-        </p:nvSpPr>
-        <p:spPr>
-          <a:xfrm>
-            <a:off x="1271085" y="2309925"/>
-            <a:ext cx="482824" cy="923330"/>
-          </a:xfrm>
-          <a:prstGeom prst="rect">
-            <a:avLst/>
-          </a:prstGeom>
-          <a:noFill/>
-        </p:spPr>
-        <p:txBody>
-          <a:bodyPr wrap="none" lIns="91440" tIns="45720" rIns="91440" bIns="45720">
-            <a:spAutoFit/>
-          </a:bodyPr>
-          <a:lstStyle/>
-          <a:p>
-            <a:pPr algn="ctr"/>
-            <a:r>
-              <a:rPr lang="en-US" sz="5400" b="0" cap="none" spc="0" dirty="0">
-                <a:ln w="0"/>
-                <a:solidFill>
-                  <a:schemeClr val="bg1"/>
-                </a:solidFill>
-                <a:effectLst>
-                  <a:outerShdw blurRad="38100" dist="19050" dir="2700000" algn="tl" rotWithShape="0">
-                    <a:schemeClr val="dk1">
-                      <a:alpha val="40000"/>
-                    </a:schemeClr>
-                  </a:outerShdw>
-                </a:effectLst>
-              </a:rPr>
-              <a:t>?</a:t>
-            </a:r>
-          </a:p>
-        </p:txBody>
-      </p:sp>
-      <p:sp>
-        <p:nvSpPr>
-          <p:cNvPr id="3" name="Rectangle 2">
-            <a:extLst>
-              <a:ext uri="{FF2B5EF4-FFF2-40B4-BE49-F238E27FC236}">
-                <a16:creationId xmlns:a16="http://schemas.microsoft.com/office/drawing/2014/main" id="{16637786-5AF7-E589-5FBD-E65F0CF0D3D4}"/>
-              </a:ext>
-            </a:extLst>
-          </p:cNvPr>
-          <p:cNvSpPr/>
-          <p:nvPr/>
-        </p:nvSpPr>
-        <p:spPr>
-          <a:xfrm>
-            <a:off x="2455434" y="2478836"/>
-            <a:ext cx="8258576" cy="1468672"/>
-          </a:xfrm>
-          <a:prstGeom prst="rect">
-            <a:avLst/>
-          </a:prstGeom>
-        </p:spPr>
-        <p:txBody>
-          <a:bodyPr wrap="square" lIns="0" tIns="0" rIns="0" bIns="0" anchor="t">
-            <a:spAutoFit/>
-          </a:bodyPr>
-          <a:lstStyle/>
-          <a:p>
-            <a:pPr marL="342900" lvl="0" indent="-342900" algn="just">
-              <a:lnSpc>
-                <a:spcPct val="107000"/>
-              </a:lnSpc>
-              <a:buFont typeface="+mj-lt"/>
-              <a:buAutoNum type="arabicPeriod"/>
-            </a:pPr>
-            <a:r>
-              <a:rPr lang="en-US" sz="1800" dirty="0">
-                <a:solidFill>
-                  <a:schemeClr val="bg1"/>
-                </a:solidFill>
-                <a:effectLst/>
-                <a:latin typeface="Calibri" panose="020F0502020204030204" pitchFamily="34" charset="0"/>
-                <a:ea typeface="Calibri" panose="020F0502020204030204" pitchFamily="34" charset="0"/>
-                <a:cs typeface="Shruti" panose="020B0502040204020203" pitchFamily="34" charset="0"/>
-              </a:rPr>
-              <a:t>To what extent does vaccination affect unemployment rates?</a:t>
-            </a:r>
-            <a:endParaRPr lang="en-IN" sz="1800" dirty="0">
-              <a:solidFill>
-                <a:schemeClr val="bg1"/>
-              </a:solidFill>
-              <a:effectLst/>
-              <a:latin typeface="Calibri" panose="020F0502020204030204" pitchFamily="34" charset="0"/>
-              <a:ea typeface="Calibri" panose="020F0502020204030204" pitchFamily="34" charset="0"/>
-              <a:cs typeface="Shruti" panose="020B0502040204020203" pitchFamily="34" charset="0"/>
-            </a:endParaRPr>
-          </a:p>
-          <a:p>
-            <a:pPr marL="342900" lvl="0" indent="-342900" algn="just">
-              <a:lnSpc>
-                <a:spcPct val="107000"/>
-              </a:lnSpc>
-              <a:buFont typeface="+mj-lt"/>
-              <a:buAutoNum type="arabicPeriod"/>
-            </a:pPr>
-            <a:r>
-              <a:rPr lang="en-US" sz="1800" dirty="0">
-                <a:solidFill>
-                  <a:schemeClr val="bg1"/>
-                </a:solidFill>
-                <a:effectLst/>
-                <a:latin typeface="Calibri" panose="020F0502020204030204" pitchFamily="34" charset="0"/>
-                <a:ea typeface="Calibri" panose="020F0502020204030204" pitchFamily="34" charset="0"/>
-                <a:cs typeface="Shruti" panose="020B0502040204020203" pitchFamily="34" charset="0"/>
-              </a:rPr>
-              <a:t>What are some effective strategies to address economic crises during pandemics or lockdowns?</a:t>
-            </a:r>
-            <a:endParaRPr lang="en-IN" sz="1800" dirty="0">
-              <a:solidFill>
-                <a:schemeClr val="bg1"/>
-              </a:solidFill>
-              <a:effectLst/>
-              <a:latin typeface="Calibri" panose="020F0502020204030204" pitchFamily="34" charset="0"/>
-              <a:ea typeface="Calibri" panose="020F0502020204030204" pitchFamily="34" charset="0"/>
-              <a:cs typeface="Shruti" panose="020B0502040204020203" pitchFamily="34" charset="0"/>
-            </a:endParaRPr>
-          </a:p>
-          <a:p>
-            <a:pPr marL="342900" lvl="0" indent="-342900" algn="just">
-              <a:lnSpc>
-                <a:spcPct val="107000"/>
-              </a:lnSpc>
-              <a:spcAft>
-                <a:spcPts val="800"/>
-              </a:spcAft>
-              <a:buFont typeface="+mj-lt"/>
-              <a:buAutoNum type="arabicPeriod"/>
-            </a:pPr>
-            <a:r>
-              <a:rPr lang="en-US" sz="1800" dirty="0">
-                <a:solidFill>
-                  <a:schemeClr val="bg1"/>
-                </a:solidFill>
-                <a:effectLst/>
-                <a:latin typeface="Calibri" panose="020F0502020204030204" pitchFamily="34" charset="0"/>
-                <a:ea typeface="Calibri" panose="020F0502020204030204" pitchFamily="34" charset="0"/>
-                <a:cs typeface="Shruti" panose="020B0502040204020203" pitchFamily="34" charset="0"/>
-              </a:rPr>
-              <a:t>How can governments and individuals work together to minimize the economic impact of outbreaks while protecting public health?</a:t>
-            </a:r>
-            <a:endParaRPr lang="en-IN" sz="1800" dirty="0">
-              <a:solidFill>
-                <a:schemeClr val="bg1"/>
-              </a:solidFill>
-              <a:effectLst/>
-              <a:latin typeface="Calibri" panose="020F0502020204030204" pitchFamily="34" charset="0"/>
-              <a:ea typeface="Calibri" panose="020F0502020204030204" pitchFamily="34" charset="0"/>
-              <a:cs typeface="Shruti" panose="020B0502040204020203" pitchFamily="34" charset="0"/>
-            </a:endParaRPr>
-          </a:p>
-        </p:txBody>
-      </p:sp>
-    </p:spTree>
-    <p:extLst>
-      <p:ext uri="{BB962C8B-B14F-4D97-AF65-F5344CB8AC3E}">
-        <p14:creationId xmlns:p14="http://schemas.microsoft.com/office/powerpoint/2010/main" val="1523015836"/>
-      </p:ext>
-    </p:extLst>
-  </p:cSld>
-  <p:clrMapOvr>
-    <a:masterClrMapping/>
-  </p:clrMapOvr>
-</p:sld>
-</file>
-
-<file path=ppt/slides/slide9.xml><?xml version="1.0" encoding="utf-8"?>
-<p:sld xmlns:a="http://schemas.openxmlformats.org/drawingml/2006/main" xmlns:r="http://schemas.openxmlformats.org/officeDocument/2006/relationships" xmlns:p="http://schemas.openxmlformats.org/presentationml/2006/main">
-  <p:cSld>
-    <p:spTree>
-      <p:nvGrpSpPr>
-        <p:cNvPr id="1" name=""/>
-        <p:cNvGrpSpPr/>
-        <p:nvPr/>
-      </p:nvGrpSpPr>
-      <p:grpSpPr>
-        <a:xfrm>
-          <a:off x="0" y="0"/>
-          <a:ext cx="0" cy="0"/>
-          <a:chOff x="0" y="0"/>
-          <a:chExt cx="0" cy="0"/>
-        </a:xfrm>
-      </p:grpSpPr>
       <p:cxnSp>
         <p:nvCxnSpPr>
           <p:cNvPr id="2" name="Straight Connector 1">
             <a:extLst>
               <a:ext uri="{FF2B5EF4-FFF2-40B4-BE49-F238E27FC236}">
-                <a16:creationId xmlns:a16="http://schemas.microsoft.com/office/drawing/2014/main" id="{1051F359-1E8C-658B-47D8-317C14862C61}"/>
+                <a16:creationId xmlns:a16="http://schemas.microsoft.com/office/drawing/2014/main" id="{59B8F544-7E44-89CC-0C75-140D808C936E}"/>
               </a:ext>
               <a:ext uri="{C183D7F6-B498-43B3-948B-1728B52AA6E4}">
                 <adec:decorative xmlns:adec="http://schemas.microsoft.com/office/drawing/2017/decorative" val="1"/>
@@ -19979,7 +23640,7 @@
           <p:cNvPr id="3" name="Straight Connector 2">
             <a:extLst>
               <a:ext uri="{FF2B5EF4-FFF2-40B4-BE49-F238E27FC236}">
-                <a16:creationId xmlns:a16="http://schemas.microsoft.com/office/drawing/2014/main" id="{23E41805-4613-DF73-9757-228063D20E8D}"/>
+                <a16:creationId xmlns:a16="http://schemas.microsoft.com/office/drawing/2014/main" id="{11DEF59A-E1B9-9C03-0FD0-F651275F2650}"/>
               </a:ext>
               <a:ext uri="{C183D7F6-B498-43B3-948B-1728B52AA6E4}">
                 <adec:decorative xmlns:adec="http://schemas.microsoft.com/office/drawing/2017/decorative" val="1"/>
@@ -20028,7 +23689,7 @@
           <p:cNvPr id="4" name="Title 1">
             <a:extLst>
               <a:ext uri="{FF2B5EF4-FFF2-40B4-BE49-F238E27FC236}">
-                <a16:creationId xmlns:a16="http://schemas.microsoft.com/office/drawing/2014/main" id="{DE65E267-6B58-C886-64A4-83EE7373A43E}"/>
+                <a16:creationId xmlns:a16="http://schemas.microsoft.com/office/drawing/2014/main" id="{0E599C7F-8353-70CA-4DD1-33038188769C}"/>
               </a:ext>
             </a:extLst>
           </p:cNvPr>
@@ -20039,8 +23700,8 @@
         </p:nvSpPr>
         <p:spPr>
           <a:xfrm>
-            <a:off x="333375" y="228511"/>
-            <a:ext cx="11734800" cy="775597"/>
+            <a:off x="228600" y="162243"/>
+            <a:ext cx="11734800" cy="1163395"/>
           </a:xfrm>
           <a:prstGeom prst="rect">
             <a:avLst/>
@@ -20072,17 +23733,6 @@
           <a:p>
             <a:pPr algn="ctr"/>
             <a:r>
-              <a:rPr lang="en-US" sz="2800" b="1" dirty="0">
-                <a:solidFill>
-                  <a:schemeClr val="tx1">
-                    <a:lumMod val="75000"/>
-                    <a:lumOff val="25000"/>
-                  </a:schemeClr>
-                </a:solidFill>
-              </a:rPr>
-              <a:t>Data sources</a:t>
-            </a:r>
-            <a:br>
               <a:rPr lang="en-US" sz="2800" dirty="0">
                 <a:solidFill>
                   <a:schemeClr val="tx1">
@@ -20091,148 +23741,356 @@
                   </a:schemeClr>
                 </a:solidFill>
               </a:rPr>
-            </a:br>
-            <a:endParaRPr lang="en-US" sz="2800" dirty="0">
-              <a:solidFill>
-                <a:schemeClr val="tx1">
-                  <a:lumMod val="75000"/>
-                  <a:lumOff val="25000"/>
-                </a:schemeClr>
-              </a:solidFill>
-            </a:endParaRPr>
+              <a:t>Data Cleaning</a:t>
+            </a:r>
+          </a:p>
+          <a:p>
+            <a:pPr algn="ctr"/>
+            <a:r>
+              <a:rPr lang="en-US" sz="2800" dirty="0">
+                <a:solidFill>
+                  <a:schemeClr val="tx1">
+                    <a:lumMod val="75000"/>
+                    <a:lumOff val="25000"/>
+                  </a:schemeClr>
+                </a:solidFill>
+              </a:rPr>
+              <a:t>And</a:t>
+            </a:r>
+          </a:p>
+          <a:p>
+            <a:pPr algn="ctr"/>
+            <a:r>
+              <a:rPr lang="en-US" sz="2800" dirty="0">
+                <a:solidFill>
+                  <a:schemeClr val="tx1">
+                    <a:lumMod val="75000"/>
+                    <a:lumOff val="25000"/>
+                  </a:schemeClr>
+                </a:solidFill>
+              </a:rPr>
+              <a:t>Transformation</a:t>
+            </a:r>
           </a:p>
         </p:txBody>
       </p:sp>
       <p:sp>
         <p:nvSpPr>
-          <p:cNvPr id="7" name="Rectangle 6">
+          <p:cNvPr id="7" name="Content Placeholder 6">
             <a:extLst>
               <a:ext uri="{FF2B5EF4-FFF2-40B4-BE49-F238E27FC236}">
-                <a16:creationId xmlns:a16="http://schemas.microsoft.com/office/drawing/2014/main" id="{853A5D26-3625-7334-8117-FD67DC9B528C}"/>
+                <a16:creationId xmlns:a16="http://schemas.microsoft.com/office/drawing/2014/main" id="{1D578D0B-0617-9D5C-2525-170E4262948A}"/>
               </a:ext>
             </a:extLst>
           </p:cNvPr>
-          <p:cNvSpPr/>
-          <p:nvPr/>
+          <p:cNvSpPr>
+            <a:spLocks noGrp="1"/>
+          </p:cNvSpPr>
+          <p:nvPr>
+            <p:ph idx="1"/>
+          </p:nvPr>
         </p:nvSpPr>
         <p:spPr>
           <a:xfrm>
-            <a:off x="609600" y="1447800"/>
-            <a:ext cx="10208618" cy="1081130"/>
+            <a:off x="566786" y="1410760"/>
+            <a:ext cx="11122451" cy="4924342"/>
           </a:xfrm>
-          <a:prstGeom prst="rect">
-            <a:avLst/>
-          </a:prstGeom>
         </p:spPr>
         <p:txBody>
-          <a:bodyPr wrap="square" lIns="0" tIns="0" rIns="0" bIns="0" anchor="t">
-            <a:spAutoFit/>
+          <a:bodyPr>
+            <a:normAutofit/>
           </a:bodyPr>
           <a:lstStyle/>
           <a:p>
-            <a:pPr algn="just">
+            <a:pPr>
               <a:lnSpc>
-                <a:spcPct val="107000"/>
+                <a:spcPct val="100000"/>
               </a:lnSpc>
-              <a:spcAft>
-                <a:spcPts val="800"/>
-              </a:spcAft>
             </a:pPr>
             <a:r>
-              <a:rPr lang="en-US" sz="1800" u="sng" dirty="0">
+              <a:rPr lang="en-US" sz="2400" b="1" dirty="0">
                 <a:solidFill>
-                  <a:srgbClr val="0070C0"/>
+                  <a:schemeClr val="bg1"/>
+                </a:solidFill>
+                <a:latin typeface="Calibri" panose="020F0502020204030204" pitchFamily="34" charset="0"/>
+                <a:ea typeface="Calibri" panose="020F0502020204030204" pitchFamily="34" charset="0"/>
+                <a:cs typeface="Calibri" panose="020F0502020204030204" pitchFamily="34" charset="0"/>
+              </a:rPr>
+              <a:t>Data Cleaning in Vaccination data sets</a:t>
+            </a:r>
+          </a:p>
+          <a:p>
+            <a:pPr lvl="1">
+              <a:lnSpc>
+                <a:spcPct val="100000"/>
+              </a:lnSpc>
+              <a:buFont typeface="Courier New" panose="02070309020205020404" pitchFamily="49" charset="0"/>
+              <a:buChar char="o"/>
+            </a:pPr>
+            <a:r>
+              <a:rPr lang="en-IN" sz="1400" dirty="0">
+                <a:solidFill>
+                  <a:schemeClr val="bg1"/>
+                </a:solidFill>
+                <a:latin typeface="Calibri" panose="020F0502020204030204" pitchFamily="34" charset="0"/>
+                <a:ea typeface="Calibri" panose="020F0502020204030204" pitchFamily="34" charset="0"/>
+                <a:cs typeface="Calibri" panose="020F0502020204030204" pitchFamily="34" charset="0"/>
+              </a:rPr>
+              <a:t>Deleted unnecessary column</a:t>
+            </a:r>
+          </a:p>
+          <a:p>
+            <a:pPr lvl="1">
+              <a:lnSpc>
+                <a:spcPct val="100000"/>
+              </a:lnSpc>
+              <a:buFont typeface="Courier New" panose="02070309020205020404" pitchFamily="49" charset="0"/>
+              <a:buChar char="o"/>
+            </a:pPr>
+            <a:r>
+              <a:rPr lang="en-IN" sz="1400" dirty="0">
+                <a:solidFill>
+                  <a:schemeClr val="bg1"/>
+                </a:solidFill>
+                <a:latin typeface="Calibri" panose="020F0502020204030204" pitchFamily="34" charset="0"/>
+                <a:ea typeface="Calibri" panose="020F0502020204030204" pitchFamily="34" charset="0"/>
+                <a:cs typeface="Calibri" panose="020F0502020204030204" pitchFamily="34" charset="0"/>
+              </a:rPr>
+              <a:t>Removed missing value</a:t>
+            </a:r>
+          </a:p>
+          <a:p>
+            <a:pPr lvl="1">
+              <a:lnSpc>
+                <a:spcPct val="100000"/>
+              </a:lnSpc>
+              <a:buFont typeface="Courier New" panose="02070309020205020404" pitchFamily="49" charset="0"/>
+              <a:buChar char="o"/>
+            </a:pPr>
+            <a:r>
+              <a:rPr lang="en-IN" sz="1400" dirty="0">
+                <a:solidFill>
+                  <a:schemeClr val="bg1"/>
+                </a:solidFill>
+                <a:latin typeface="Calibri" panose="020F0502020204030204" pitchFamily="34" charset="0"/>
+                <a:ea typeface="Calibri" panose="020F0502020204030204" pitchFamily="34" charset="0"/>
+                <a:cs typeface="Calibri" panose="020F0502020204030204" pitchFamily="34" charset="0"/>
+              </a:rPr>
+              <a:t>Sorted data set by date ascending order</a:t>
+            </a:r>
+          </a:p>
+          <a:p>
+            <a:pPr lvl="1">
+              <a:lnSpc>
+                <a:spcPct val="100000"/>
+              </a:lnSpc>
+              <a:buFont typeface="Courier New" panose="02070309020205020404" pitchFamily="49" charset="0"/>
+              <a:buChar char="o"/>
+            </a:pPr>
+            <a:r>
+              <a:rPr lang="en-US" sz="1400" dirty="0">
+                <a:solidFill>
+                  <a:schemeClr val="bg1"/>
+                </a:solidFill>
+                <a:latin typeface="Calibri" panose="020F0502020204030204" pitchFamily="34" charset="0"/>
+                <a:ea typeface="Calibri" panose="020F0502020204030204" pitchFamily="34" charset="0"/>
+                <a:cs typeface="Calibri" panose="020F0502020204030204" pitchFamily="34" charset="0"/>
+              </a:rPr>
+              <a:t>I</a:t>
+            </a:r>
+            <a:r>
+              <a:rPr lang="en-US" sz="1400" b="0" i="0" dirty="0">
+                <a:solidFill>
+                  <a:schemeClr val="bg1"/>
                 </a:solidFill>
                 <a:effectLst/>
                 <a:latin typeface="Calibri" panose="020F0502020204030204" pitchFamily="34" charset="0"/>
                 <a:ea typeface="Calibri" panose="020F0502020204030204" pitchFamily="34" charset="0"/>
-                <a:cs typeface="Shruti" panose="020B0502040204020203" pitchFamily="34" charset="0"/>
-                <a:hlinkClick r:id="rId2">
-                  <a:extLst>
-                    <a:ext uri="{A12FA001-AC4F-418D-AE19-62706E023703}">
-                      <ahyp:hlinkClr xmlns:ahyp="http://schemas.microsoft.com/office/drawing/2018/hyperlinkcolor" val="tx"/>
-                    </a:ext>
-                  </a:extLst>
-                </a:hlinkClick>
+                <a:cs typeface="Calibri" panose="020F0502020204030204" pitchFamily="34" charset="0"/>
               </a:rPr>
-              <a:t>https://storage.googleapis.com/covid19-open-data/v3/vaccinations.csv</a:t>
+              <a:t>dentify and remove outliers using Z-score method</a:t>
             </a:r>
-            <a:endParaRPr lang="en-IN" sz="1800" u="sng" dirty="0">
+          </a:p>
+          <a:p>
+            <a:pPr lvl="1">
+              <a:lnSpc>
+                <a:spcPct val="100000"/>
+              </a:lnSpc>
+              <a:buFont typeface="Courier New" panose="02070309020205020404" pitchFamily="49" charset="0"/>
+              <a:buChar char="o"/>
+            </a:pPr>
+            <a:r>
+              <a:rPr lang="en-US" sz="1400" b="0" i="0" dirty="0">
+                <a:solidFill>
+                  <a:schemeClr val="bg1"/>
+                </a:solidFill>
+                <a:effectLst/>
+                <a:latin typeface="Calibri" panose="020F0502020204030204" pitchFamily="34" charset="0"/>
+                <a:ea typeface="Calibri" panose="020F0502020204030204" pitchFamily="34" charset="0"/>
+                <a:cs typeface="Calibri" panose="020F0502020204030204" pitchFamily="34" charset="0"/>
+              </a:rPr>
+              <a:t>Rename the date column to year_month</a:t>
+            </a:r>
+            <a:endParaRPr lang="en-IN" sz="1400" i="0" dirty="0">
               <a:solidFill>
-                <a:srgbClr val="0070C0"/>
+                <a:schemeClr val="bg1"/>
               </a:solidFill>
               <a:effectLst/>
               <a:latin typeface="Calibri" panose="020F0502020204030204" pitchFamily="34" charset="0"/>
               <a:ea typeface="Calibri" panose="020F0502020204030204" pitchFamily="34" charset="0"/>
-              <a:cs typeface="Shruti" panose="020B0502040204020203" pitchFamily="34" charset="0"/>
+              <a:cs typeface="Calibri" panose="020F0502020204030204" pitchFamily="34" charset="0"/>
             </a:endParaRPr>
           </a:p>
           <a:p>
-            <a:pPr algn="just">
+            <a:pPr>
               <a:lnSpc>
-                <a:spcPct val="107000"/>
+                <a:spcPct val="100000"/>
               </a:lnSpc>
-              <a:spcAft>
-                <a:spcPts val="800"/>
-              </a:spcAft>
             </a:pPr>
             <a:r>
-              <a:rPr lang="en-IN" sz="1800" u="sng" dirty="0">
+              <a:rPr lang="en-US" sz="2400" b="1" dirty="0">
                 <a:solidFill>
-                  <a:srgbClr val="0070C0"/>
+                  <a:schemeClr val="bg1"/>
+                </a:solidFill>
+                <a:latin typeface="Calibri" panose="020F0502020204030204" pitchFamily="34" charset="0"/>
+                <a:ea typeface="Calibri" panose="020F0502020204030204" pitchFamily="34" charset="0"/>
+                <a:cs typeface="Calibri" panose="020F0502020204030204" pitchFamily="34" charset="0"/>
+              </a:rPr>
+              <a:t>Data Transformation</a:t>
+            </a:r>
+          </a:p>
+          <a:p>
+            <a:pPr lvl="1">
+              <a:lnSpc>
+                <a:spcPct val="100000"/>
+              </a:lnSpc>
+            </a:pPr>
+            <a:r>
+              <a:rPr lang="en-IN" sz="1400" dirty="0">
+                <a:solidFill>
+                  <a:schemeClr val="bg1"/>
+                </a:solidFill>
+                <a:latin typeface="Calibri" panose="020F0502020204030204" pitchFamily="34" charset="0"/>
+                <a:ea typeface="Calibri" panose="020F0502020204030204" pitchFamily="34" charset="0"/>
+                <a:cs typeface="Calibri" panose="020F0502020204030204" pitchFamily="34" charset="0"/>
+              </a:rPr>
+              <a:t>Converted date column to date and time format</a:t>
+            </a:r>
+          </a:p>
+          <a:p>
+            <a:pPr lvl="1">
+              <a:lnSpc>
+                <a:spcPct val="100000"/>
+              </a:lnSpc>
+            </a:pPr>
+            <a:r>
+              <a:rPr lang="en-IN" sz="1400" dirty="0">
+                <a:solidFill>
+                  <a:schemeClr val="bg1"/>
+                </a:solidFill>
+                <a:latin typeface="Calibri" panose="020F0502020204030204" pitchFamily="34" charset="0"/>
+                <a:ea typeface="Calibri" panose="020F0502020204030204" pitchFamily="34" charset="0"/>
+                <a:cs typeface="Calibri" panose="020F0502020204030204" pitchFamily="34" charset="0"/>
+              </a:rPr>
+              <a:t>Reset the index of data frame</a:t>
+            </a:r>
+          </a:p>
+          <a:p>
+            <a:pPr lvl="1">
+              <a:lnSpc>
+                <a:spcPct val="100000"/>
+              </a:lnSpc>
+            </a:pPr>
+            <a:r>
+              <a:rPr lang="en-US" sz="1400" b="0" i="0" dirty="0">
+                <a:solidFill>
+                  <a:schemeClr val="bg1"/>
                 </a:solidFill>
                 <a:effectLst/>
                 <a:latin typeface="Calibri" panose="020F0502020204030204" pitchFamily="34" charset="0"/>
                 <a:ea typeface="Calibri" panose="020F0502020204030204" pitchFamily="34" charset="0"/>
-                <a:cs typeface="Shruti" panose="020B0502040204020203" pitchFamily="34" charset="0"/>
-                <a:hlinkClick r:id="rId3">
-                  <a:extLst>
-                    <a:ext uri="{A12FA001-AC4F-418D-AE19-62706E023703}">
-                      <ahyp:hlinkClr xmlns:ahyp="http://schemas.microsoft.com/office/drawing/2018/hyperlinkcolor" val="tx"/>
-                    </a:ext>
-                  </a:extLst>
-                </a:hlinkClick>
+                <a:cs typeface="Calibri" panose="020F0502020204030204" pitchFamily="34" charset="0"/>
               </a:rPr>
-              <a:t>https://www.macrotrends.net/2632/coronavirus-jobs-lost-vs-previous-recessions</a:t>
+              <a:t>Added a new column for proportion of total population vaccinated</a:t>
             </a:r>
-            <a:endParaRPr lang="en-IN" sz="1800" u="sng" dirty="0">
+          </a:p>
+          <a:p>
+            <a:pPr>
+              <a:lnSpc>
+                <a:spcPct val="100000"/>
+              </a:lnSpc>
+            </a:pPr>
+            <a:r>
+              <a:rPr lang="en-US" sz="2400" b="1" dirty="0">
+                <a:solidFill>
+                  <a:schemeClr val="bg1"/>
+                </a:solidFill>
+                <a:latin typeface="Calibri" panose="020F0502020204030204" pitchFamily="34" charset="0"/>
+                <a:ea typeface="Calibri" panose="020F0502020204030204" pitchFamily="34" charset="0"/>
+                <a:cs typeface="Calibri" panose="020F0502020204030204" pitchFamily="34" charset="0"/>
+              </a:rPr>
+              <a:t>Data Cleaning in Unemployment data sets</a:t>
+            </a:r>
+          </a:p>
+          <a:p>
+            <a:pPr lvl="1">
+              <a:lnSpc>
+                <a:spcPct val="100000"/>
+              </a:lnSpc>
+              <a:buFont typeface="Courier New" panose="02070309020205020404" pitchFamily="49" charset="0"/>
+              <a:buChar char="o"/>
+            </a:pPr>
+            <a:r>
+              <a:rPr lang="en-US" sz="1100" b="0" i="0" dirty="0">
+                <a:solidFill>
+                  <a:schemeClr val="bg1"/>
+                </a:solidFill>
+                <a:effectLst/>
+                <a:latin typeface="Roboto" panose="02000000000000000000" pitchFamily="2" charset="0"/>
+              </a:rPr>
+              <a:t>Renaming the column for simplify</a:t>
+            </a:r>
+          </a:p>
+          <a:p>
+            <a:pPr lvl="1">
+              <a:lnSpc>
+                <a:spcPct val="100000"/>
+              </a:lnSpc>
+              <a:buFont typeface="Courier New" panose="02070309020205020404" pitchFamily="49" charset="0"/>
+              <a:buChar char="o"/>
+            </a:pPr>
+            <a:r>
+              <a:rPr lang="en-US" sz="1400" dirty="0">
+                <a:solidFill>
+                  <a:schemeClr val="bg1"/>
+                </a:solidFill>
+                <a:latin typeface="Calibri" panose="020F0502020204030204" pitchFamily="34" charset="0"/>
+                <a:ea typeface="Calibri" panose="020F0502020204030204" pitchFamily="34" charset="0"/>
+                <a:cs typeface="Calibri" panose="020F0502020204030204" pitchFamily="34" charset="0"/>
+              </a:rPr>
+              <a:t>Removed/dropped any recorded having missing value</a:t>
+            </a:r>
+          </a:p>
+          <a:p>
+            <a:pPr lvl="1">
+              <a:buFont typeface="Courier New" panose="02070309020205020404" pitchFamily="49" charset="0"/>
+              <a:buChar char="o"/>
+            </a:pPr>
+            <a:endParaRPr lang="en-US" sz="1400" dirty="0">
               <a:solidFill>
-                <a:srgbClr val="0070C0"/>
+                <a:schemeClr val="bg1"/>
               </a:solidFill>
-              <a:effectLst/>
               <a:latin typeface="Calibri" panose="020F0502020204030204" pitchFamily="34" charset="0"/>
               <a:ea typeface="Calibri" panose="020F0502020204030204" pitchFamily="34" charset="0"/>
-              <a:cs typeface="Shruti" panose="020B0502040204020203" pitchFamily="34" charset="0"/>
+              <a:cs typeface="Calibri" panose="020F0502020204030204" pitchFamily="34" charset="0"/>
             </a:endParaRPr>
-          </a:p>
-          <a:p>
-            <a:pPr algn="just">
-              <a:lnSpc>
-                <a:spcPct val="107000"/>
-              </a:lnSpc>
-              <a:spcAft>
-                <a:spcPts val="800"/>
-              </a:spcAft>
-            </a:pPr>
-            <a:r>
-              <a:rPr lang="en-IN" sz="1800" u="sng" dirty="0">
-                <a:solidFill>
-                  <a:srgbClr val="0070C0"/>
-                </a:solidFill>
-                <a:effectLst/>
-                <a:latin typeface="Calibri" panose="020F0502020204030204" pitchFamily="34" charset="0"/>
-                <a:ea typeface="Calibri" panose="020F0502020204030204" pitchFamily="34" charset="0"/>
-                <a:cs typeface="Shruti" panose="020B0502040204020203" pitchFamily="34" charset="0"/>
-              </a:rPr>
-              <a:t>https://www.macrotrends.net/countries/USA/united-states/gdp-gross-domestic-product</a:t>
-            </a:r>
           </a:p>
         </p:txBody>
       </p:sp>
     </p:spTree>
     <p:extLst>
       <p:ext uri="{BB962C8B-B14F-4D97-AF65-F5344CB8AC3E}">
-        <p14:creationId xmlns:p14="http://schemas.microsoft.com/office/powerpoint/2010/main" val="3400961605"/>
+        <p14:creationId xmlns:p14="http://schemas.microsoft.com/office/powerpoint/2010/main" val="63690558"/>
       </p:ext>
     </p:extLst>
   </p:cSld>
@@ -21245,20 +25103,20 @@
 </file>
 
 <file path=customXml/item2.xml><?xml version="1.0" encoding="utf-8"?>
+<p:properties xmlns:p="http://schemas.microsoft.com/office/2006/metadata/properties" xmlns:xsi="http://www.w3.org/2001/XMLSchema-instance" xmlns:pc="http://schemas.microsoft.com/office/infopath/2007/PartnerControls">
+  <documentManagement>
+    <MediaServiceKeyPoints xmlns="71af3243-3dd4-4a8d-8c0d-dd76da1f02a5" xsi:nil="true"/>
+  </documentManagement>
+</p:properties>
+</file>
+
+<file path=customXml/item3.xml><?xml version="1.0" encoding="utf-8"?>
 <?mso-contentType ?>
 <FormTemplates xmlns="http://schemas.microsoft.com/sharepoint/v3/contenttype/forms">
   <Display>DocumentLibraryForm</Display>
   <Edit>DocumentLibraryForm</Edit>
   <New>DocumentLibraryForm</New>
 </FormTemplates>
-</file>
-
-<file path=customXml/item3.xml><?xml version="1.0" encoding="utf-8"?>
-<p:properties xmlns:p="http://schemas.microsoft.com/office/2006/metadata/properties" xmlns:xsi="http://www.w3.org/2001/XMLSchema-instance" xmlns:pc="http://schemas.microsoft.com/office/infopath/2007/PartnerControls">
-  <documentManagement>
-    <MediaServiceKeyPoints xmlns="71af3243-3dd4-4a8d-8c0d-dd76da1f02a5" xsi:nil="true"/>
-  </documentManagement>
-</p:properties>
 </file>
 
 <file path=customXml/itemProps1.xml><?xml version="1.0" encoding="utf-8"?>
@@ -21281,14 +25139,6 @@
 </file>
 
 <file path=customXml/itemProps2.xml><?xml version="1.0" encoding="utf-8"?>
-<ds:datastoreItem xmlns:ds="http://schemas.openxmlformats.org/officeDocument/2006/customXml" ds:itemID="{2FD05317-60D6-4B3A-8545-888496D1A8EC}">
-  <ds:schemaRefs>
-    <ds:schemaRef ds:uri="http://schemas.microsoft.com/sharepoint/v3/contenttype/forms"/>
-  </ds:schemaRefs>
-</ds:datastoreItem>
-</file>
-
-<file path=customXml/itemProps3.xml><?xml version="1.0" encoding="utf-8"?>
 <ds:datastoreItem xmlns:ds="http://schemas.openxmlformats.org/officeDocument/2006/customXml" ds:itemID="{EF609EDA-869E-4BE5-AE5D-B898C584B6FF}">
   <ds:schemaRefs>
     <ds:schemaRef ds:uri="http://purl.org/dc/elements/1.1/"/>
@@ -21303,4 +25153,12 @@
     <ds:schemaRef ds:uri="http://schemas.microsoft.com/office/2006/metadata/properties"/>
   </ds:schemaRefs>
 </ds:datastoreItem>
+</file>
+
+<file path=customXml/itemProps3.xml><?xml version="1.0" encoding="utf-8"?>
+<ds:datastoreItem xmlns:ds="http://schemas.openxmlformats.org/officeDocument/2006/customXml" ds:itemID="{2FD05317-60D6-4B3A-8545-888496D1A8EC}">
+  <ds:schemaRefs>
+    <ds:schemaRef ds:uri="http://schemas.microsoft.com/sharepoint/v3/contenttype/forms"/>
+  </ds:schemaRefs>
+</ds:datastoreItem>
 </file>